--- a/jdocs/Macro1/Chapter0_Roadmap.pptx
+++ b/jdocs/Macro1/Chapter0_Roadmap.pptx
@@ -4931,7 +4931,6 @@
               <a:rPr lang="en-US" altLang="en-US" smtClean="0"/>
               <a:t>Click to edit Master title style</a:t>
             </a:r>
-            <a:endParaRPr lang="en-US" altLang="en-US" smtClean="0"/>
           </a:p>
         </p:txBody>
       </p:sp>
@@ -5018,7 +5017,6 @@
               <a:rPr lang="en-US" altLang="en-US" smtClean="0"/>
               <a:t>Fifth level</a:t>
             </a:r>
-            <a:endParaRPr lang="en-US" altLang="en-US" smtClean="0"/>
           </a:p>
         </p:txBody>
       </p:sp>
@@ -5669,7 +5667,7 @@
         </p:nvSpPr>
         <p:spPr>
           <a:xfrm>
-            <a:off x="76320" y="1447920"/>
+            <a:off x="85198" y="1519692"/>
             <a:ext cx="2742840" cy="1142880"/>
           </a:xfrm>
           <a:prstGeom prst="rect">
@@ -5754,16 +5752,7 @@
                 </a:solidFill>
                 <a:latin typeface="Calibri"/>
               </a:rPr>
-              <a:t>Econ </a:t>
-            </a:r>
-            <a:r>
-              <a:rPr lang="en-US" sz="1200" dirty="0">
-                <a:solidFill>
-                  <a:srgbClr val="000000"/>
-                </a:solidFill>
-                <a:latin typeface="Calibri"/>
-              </a:rPr>
-              <a:t>Concepts</a:t>
+              <a:t>Econ Concepts</a:t>
             </a:r>
           </a:p>
           <a:p>
@@ -5831,7 +5820,7 @@
         </p:nvSpPr>
         <p:spPr>
           <a:xfrm>
-            <a:off x="64008" y="5029200"/>
+            <a:off x="72886" y="5100972"/>
             <a:ext cx="2742840" cy="941760"/>
           </a:xfrm>
           <a:prstGeom prst="rect">
@@ -5946,7 +5935,7 @@
         </p:nvSpPr>
         <p:spPr>
           <a:xfrm>
-            <a:off x="64008" y="3837432"/>
+            <a:off x="72886" y="3909204"/>
             <a:ext cx="2742840" cy="1158300"/>
           </a:xfrm>
           <a:prstGeom prst="rect">
@@ -6071,7 +6060,7 @@
         </p:nvSpPr>
         <p:spPr>
           <a:xfrm>
-            <a:off x="72972" y="2627376"/>
+            <a:off x="81850" y="2699148"/>
             <a:ext cx="2742840" cy="1185480"/>
           </a:xfrm>
           <a:prstGeom prst="rect">
@@ -6247,14 +6236,14 @@
       </p:sp>
       <p:sp>
         <p:nvSpPr>
-          <p:cNvPr id="48" name="CustomShape 10"/>
+          <p:cNvPr id="49" name="CustomShape 11"/>
           <p:cNvSpPr/>
           <p:nvPr/>
         </p:nvSpPr>
         <p:spPr>
           <a:xfrm>
-            <a:off x="3048120" y="1447920"/>
-            <a:ext cx="2895120" cy="821520"/>
+            <a:off x="3048576" y="3934064"/>
+            <a:ext cx="2895120" cy="1092792"/>
           </a:xfrm>
           <a:prstGeom prst="rect">
             <a:avLst/>
@@ -6281,49 +6270,49 @@
           <a:bodyPr lIns="90000" tIns="45000" rIns="90000" bIns="45000"/>
           <a:lstStyle/>
           <a:p>
+            <a:pPr algn="ctr">
+              <a:lnSpc>
+                <a:spcPct val="100000"/>
+              </a:lnSpc>
+            </a:pPr>
+            <a:r>
+              <a:rPr lang="en-US" sz="2000" dirty="0">
+                <a:solidFill>
+                  <a:srgbClr val="000000"/>
+                </a:solidFill>
+                <a:latin typeface="Calibri"/>
+              </a:rPr>
+              <a:t>Fiscal Policy</a:t>
+            </a:r>
+            <a:endParaRPr dirty="0"/>
+          </a:p>
+          <a:p>
             <a:pPr>
               <a:lnSpc>
                 <a:spcPct val="100000"/>
               </a:lnSpc>
             </a:pPr>
             <a:r>
-              <a:rPr lang="en-US" sz="2000" dirty="0">
+              <a:rPr lang="en-US" sz="1200" dirty="0">
                 <a:solidFill>
                   <a:srgbClr val="000000"/>
                 </a:solidFill>
                 <a:latin typeface="Calibri"/>
               </a:rPr>
-              <a:t>Long-Run Economy</a:t>
-            </a:r>
-            <a:endParaRPr dirty="0"/>
-          </a:p>
-          <a:p>
-            <a:pPr>
-              <a:lnSpc>
-                <a:spcPct val="100000"/>
-              </a:lnSpc>
-            </a:pPr>
-            <a:r>
-              <a:rPr lang="en-US" sz="1200" dirty="0">
+              <a:t>Chapter 10</a:t>
+            </a:r>
+            <a:r>
+              <a:rPr lang="en-US" sz="1200" dirty="0" smtClean="0">
                 <a:solidFill>
                   <a:srgbClr val="000000"/>
                 </a:solidFill>
                 <a:latin typeface="Calibri"/>
               </a:rPr>
-              <a:t>Chapter 7</a:t>
-            </a:r>
-            <a:r>
-              <a:rPr lang="en-US" sz="1200" dirty="0" smtClean="0">
-                <a:solidFill>
-                  <a:srgbClr val="000000"/>
-                </a:solidFill>
-                <a:latin typeface="Calibri"/>
-              </a:rPr>
               <a:t>:</a:t>
             </a:r>
           </a:p>
           <a:p>
-            <a:pPr marL="171450" indent="-171450">
+            <a:pPr marL="285750" indent="-285750">
               <a:lnSpc>
                 <a:spcPct val="100000"/>
               </a:lnSpc>
@@ -6331,43 +6320,46 @@
               <a:buChar char="•"/>
             </a:pPr>
             <a:r>
-              <a:rPr lang="en-US" sz="1200" dirty="0" smtClean="0">
+              <a:rPr lang="en-US" sz="1400" dirty="0" smtClean="0">
                 <a:solidFill>
                   <a:srgbClr val="000000"/>
                 </a:solidFill>
                 <a:latin typeface="Calibri"/>
               </a:rPr>
-              <a:t>Trade-off: Full employment vs. X</a:t>
-            </a:r>
-            <a:endParaRPr sz="1200" dirty="0">
-              <a:solidFill>
-                <a:srgbClr val="000000"/>
-              </a:solidFill>
-              <a:latin typeface="Calibri"/>
-            </a:endParaRPr>
-          </a:p>
-          <a:p>
-            <a:pPr>
-              <a:lnSpc>
-                <a:spcPct val="100000"/>
-              </a:lnSpc>
-              <a:buFont typeface="Arial"/>
+              <a:t>Fiscal multiplier</a:t>
+            </a:r>
+          </a:p>
+          <a:p>
+            <a:pPr marL="285750" indent="-285750">
+              <a:lnSpc>
+                <a:spcPct val="100000"/>
+              </a:lnSpc>
+              <a:buFont typeface="Arial" panose="020B0604020202020204" pitchFamily="34" charset="0"/>
               <a:buChar char="•"/>
             </a:pPr>
+            <a:r>
+              <a:rPr lang="en-US" sz="1400" dirty="0" smtClean="0">
+                <a:solidFill>
+                  <a:srgbClr val="000000"/>
+                </a:solidFill>
+                <a:latin typeface="Calibri"/>
+              </a:rPr>
+              <a:t>Federal budget </a:t>
+            </a:r>
             <a:endParaRPr dirty="0"/>
           </a:p>
         </p:txBody>
       </p:sp>
       <p:sp>
         <p:nvSpPr>
-          <p:cNvPr id="49" name="CustomShape 11"/>
+          <p:cNvPr id="50" name="CustomShape 12"/>
           <p:cNvSpPr/>
           <p:nvPr/>
         </p:nvSpPr>
         <p:spPr>
           <a:xfrm>
-            <a:off x="3048576" y="4728888"/>
-            <a:ext cx="2895120" cy="1092792"/>
+            <a:off x="3048120" y="2740856"/>
+            <a:ext cx="2895120" cy="1144620"/>
           </a:xfrm>
           <a:prstGeom prst="rect">
             <a:avLst/>
@@ -6400,13 +6392,13 @@
               </a:lnSpc>
             </a:pPr>
             <a:r>
-              <a:rPr lang="en-US" sz="2000" dirty="0">
+              <a:rPr lang="en-US" dirty="0">
                 <a:solidFill>
                   <a:srgbClr val="000000"/>
                 </a:solidFill>
                 <a:latin typeface="Calibri"/>
               </a:rPr>
-              <a:t>Fiscal Policy</a:t>
+              <a:t>Aggregate Demand/Supply</a:t>
             </a:r>
             <a:endParaRPr dirty="0"/>
           </a:p>
@@ -6423,7 +6415,7 @@
                 </a:solidFill>
                 <a:latin typeface="Calibri"/>
               </a:rPr>
-              <a:t>Chapter 10</a:t>
+              <a:t>Chapter 9</a:t>
             </a:r>
             <a:r>
               <a:rPr lang="en-US" sz="1200" dirty="0" smtClean="0">
@@ -6436,7 +6428,7 @@
             </a:r>
           </a:p>
           <a:p>
-            <a:pPr marL="285750" indent="-285750">
+            <a:pPr marL="171450" indent="-171450">
               <a:lnSpc>
                 <a:spcPct val="100000"/>
               </a:lnSpc>
@@ -6444,17 +6436,17 @@
               <a:buChar char="•"/>
             </a:pPr>
             <a:r>
-              <a:rPr lang="en-US" sz="1400" dirty="0" smtClean="0">
+              <a:rPr lang="en-US" sz="1200" dirty="0" smtClean="0">
                 <a:solidFill>
                   <a:srgbClr val="000000"/>
                 </a:solidFill>
                 <a:latin typeface="Calibri"/>
               </a:rPr>
-              <a:t>Fiscal multiplier</a:t>
-            </a:r>
-          </a:p>
-          <a:p>
-            <a:pPr marL="285750" indent="-285750">
+              <a:t>Sticky prices (short-run)</a:t>
+            </a:r>
+          </a:p>
+          <a:p>
+            <a:pPr marL="171450" indent="-171450">
               <a:lnSpc>
                 <a:spcPct val="100000"/>
               </a:lnSpc>
@@ -6462,28 +6454,45 @@
               <a:buChar char="•"/>
             </a:pPr>
             <a:r>
-              <a:rPr lang="en-US" sz="1400" dirty="0" smtClean="0">
+              <a:rPr lang="en-US" sz="1200" dirty="0" smtClean="0">
                 <a:solidFill>
                   <a:srgbClr val="000000"/>
                 </a:solidFill>
                 <a:latin typeface="Calibri"/>
               </a:rPr>
-              <a:t>Federal budget </a:t>
-            </a:r>
-            <a:endParaRPr dirty="0"/>
-          </a:p>
-        </p:txBody>
-      </p:sp>
-      <p:sp>
-        <p:nvSpPr>
-          <p:cNvPr id="50" name="CustomShape 12"/>
+              <a:t>Shifts in AD</a:t>
+            </a:r>
+          </a:p>
+          <a:p>
+            <a:pPr marL="171450" indent="-171450">
+              <a:lnSpc>
+                <a:spcPct val="100000"/>
+              </a:lnSpc>
+              <a:buFont typeface="Arial" panose="020B0604020202020204" pitchFamily="34" charset="0"/>
+              <a:buChar char="•"/>
+            </a:pPr>
+            <a:r>
+              <a:rPr lang="en-US" sz="1200" dirty="0" smtClean="0">
+                <a:solidFill>
+                  <a:srgbClr val="000000"/>
+                </a:solidFill>
+                <a:latin typeface="Calibri"/>
+              </a:rPr>
+              <a:t>Shifts in AS</a:t>
+            </a:r>
+          </a:p>
+        </p:txBody>
+      </p:sp>
+      <p:sp>
+        <p:nvSpPr>
+          <p:cNvPr id="51" name="CustomShape 13"/>
           <p:cNvSpPr/>
           <p:nvPr/>
         </p:nvSpPr>
         <p:spPr>
           <a:xfrm>
-            <a:off x="3048120" y="3535680"/>
-            <a:ext cx="2895120" cy="1144620"/>
+            <a:off x="3048120" y="1509464"/>
+            <a:ext cx="2895120" cy="1199520"/>
           </a:xfrm>
           <a:prstGeom prst="rect">
             <a:avLst/>
@@ -6522,7 +6531,7 @@
                 </a:solidFill>
                 <a:latin typeface="Calibri"/>
               </a:rPr>
-              <a:t>Aggregate Demand/Supply</a:t>
+              <a:t>Growth</a:t>
             </a:r>
             <a:endParaRPr dirty="0"/>
           </a:p>
@@ -6539,17 +6548,9 @@
                 </a:solidFill>
                 <a:latin typeface="Calibri"/>
               </a:rPr>
-              <a:t>Chapter 9</a:t>
-            </a:r>
-            <a:r>
-              <a:rPr lang="en-US" sz="1200" dirty="0" smtClean="0">
-                <a:solidFill>
-                  <a:srgbClr val="000000"/>
-                </a:solidFill>
-                <a:latin typeface="Calibri"/>
-              </a:rPr>
-              <a:t>:</a:t>
-            </a:r>
+              <a:t>Chapter 8:</a:t>
+            </a:r>
+            <a:endParaRPr dirty="0"/>
           </a:p>
           <a:p>
             <a:pPr marL="171450" indent="-171450">
@@ -6566,7 +6567,7 @@
                 </a:solidFill>
                 <a:latin typeface="Calibri"/>
               </a:rPr>
-              <a:t>Sticky prices (short-run)</a:t>
+              <a:t>Growth rates</a:t>
             </a:r>
           </a:p>
           <a:p>
@@ -6584,45 +6585,55 @@
                 </a:solidFill>
                 <a:latin typeface="Calibri"/>
               </a:rPr>
-              <a:t>Shifts in AD</a:t>
-            </a:r>
-          </a:p>
-          <a:p>
-            <a:pPr marL="171450" indent="-171450">
-              <a:lnSpc>
-                <a:spcPct val="100000"/>
-              </a:lnSpc>
-              <a:buFont typeface="Arial" panose="020B0604020202020204" pitchFamily="34" charset="0"/>
-              <a:buChar char="•"/>
-            </a:pPr>
-            <a:r>
-              <a:rPr lang="en-US" sz="1200" dirty="0" smtClean="0">
-                <a:solidFill>
-                  <a:srgbClr val="000000"/>
-                </a:solidFill>
-                <a:latin typeface="Calibri"/>
-              </a:rPr>
-              <a:t>Shifts in AS</a:t>
-            </a:r>
-            <a:endParaRPr lang="en-US" sz="1200" dirty="0" smtClean="0">
+              <a:t>Capital deepening</a:t>
+            </a:r>
+            <a:endParaRPr lang="en-US" sz="1200" dirty="0">
               <a:solidFill>
                 <a:srgbClr val="000000"/>
               </a:solidFill>
               <a:latin typeface="Calibri"/>
             </a:endParaRPr>
           </a:p>
-        </p:txBody>
-      </p:sp>
-      <p:sp>
-        <p:nvSpPr>
-          <p:cNvPr id="51" name="CustomShape 13"/>
+          <a:p>
+            <a:pPr marL="171450" indent="-171450">
+              <a:lnSpc>
+                <a:spcPct val="100000"/>
+              </a:lnSpc>
+              <a:buFont typeface="Arial" panose="020B0604020202020204" pitchFamily="34" charset="0"/>
+              <a:buChar char="•"/>
+            </a:pPr>
+            <a:r>
+              <a:rPr lang="en-US" sz="1200" dirty="0" smtClean="0">
+                <a:solidFill>
+                  <a:srgbClr val="000000"/>
+                </a:solidFill>
+                <a:latin typeface="Calibri"/>
+              </a:rPr>
+              <a:t>Solow </a:t>
+            </a:r>
+            <a:r>
+              <a:rPr lang="en-US" sz="1200" dirty="0">
+                <a:solidFill>
+                  <a:srgbClr val="000000"/>
+                </a:solidFill>
+                <a:latin typeface="Calibri"/>
+              </a:rPr>
+              <a:t>growth model</a:t>
+            </a:r>
+            <a:endParaRPr dirty="0"/>
+          </a:p>
+        </p:txBody>
+      </p:sp>
+      <p:sp>
+        <p:nvSpPr>
+          <p:cNvPr id="52" name="CustomShape 14"/>
           <p:cNvSpPr/>
           <p:nvPr/>
         </p:nvSpPr>
         <p:spPr>
           <a:xfrm>
-            <a:off x="3048120" y="2304288"/>
-            <a:ext cx="2895120" cy="1199520"/>
+            <a:off x="3036384" y="838200"/>
+            <a:ext cx="2906856" cy="548640"/>
           </a:xfrm>
           <a:prstGeom prst="rect">
             <a:avLst/>
@@ -6655,13 +6666,121 @@
               </a:lnSpc>
             </a:pPr>
             <a:r>
+              <a:rPr lang="en-US" sz="2400">
+                <a:solidFill>
+                  <a:srgbClr val="000000"/>
+                </a:solidFill>
+                <a:latin typeface="Calibri"/>
+              </a:rPr>
+              <a:t>Focus: Midterm 2</a:t>
+            </a:r>
+            <a:endParaRPr/>
+          </a:p>
+        </p:txBody>
+      </p:sp>
+      <p:sp>
+        <p:nvSpPr>
+          <p:cNvPr id="53" name="CustomShape 15"/>
+          <p:cNvSpPr/>
+          <p:nvPr/>
+        </p:nvSpPr>
+        <p:spPr>
+          <a:xfrm>
+            <a:off x="6083688" y="839280"/>
+            <a:ext cx="2831352" cy="547560"/>
+          </a:xfrm>
+          <a:prstGeom prst="rect">
+            <a:avLst/>
+          </a:prstGeom>
+          <a:gradFill>
+            <a:gsLst>
+              <a:gs pos="0">
+                <a:srgbClr val="D0D0D0"/>
+              </a:gs>
+              <a:gs pos="100000">
+                <a:srgbClr val="EDEDED"/>
+              </a:gs>
+            </a:gsLst>
+            <a:lin ang="16200000"/>
+          </a:gradFill>
+          <a:ln w="9360">
+            <a:solidFill>
+              <a:srgbClr val="000000"/>
+            </a:solidFill>
+            <a:round/>
+          </a:ln>
+        </p:spPr>
+        <p:txBody>
+          <a:bodyPr lIns="90000" tIns="45000" rIns="90000" bIns="45000"/>
+          <a:lstStyle/>
+          <a:p>
+            <a:pPr algn="ctr">
+              <a:lnSpc>
+                <a:spcPct val="100000"/>
+              </a:lnSpc>
+            </a:pPr>
+            <a:r>
+              <a:rPr lang="en-US" sz="2400">
+                <a:solidFill>
+                  <a:srgbClr val="000000"/>
+                </a:solidFill>
+                <a:latin typeface="Calibri"/>
+              </a:rPr>
+              <a:t>Focus: Final</a:t>
+            </a:r>
+            <a:endParaRPr/>
+          </a:p>
+        </p:txBody>
+      </p:sp>
+      <p:sp>
+        <p:nvSpPr>
+          <p:cNvPr id="54" name="CustomShape 16"/>
+          <p:cNvSpPr/>
+          <p:nvPr/>
+        </p:nvSpPr>
+        <p:spPr>
+          <a:xfrm>
+            <a:off x="6083688" y="2442778"/>
+            <a:ext cx="2819160" cy="1048050"/>
+          </a:xfrm>
+          <a:prstGeom prst="rect">
+            <a:avLst/>
+          </a:prstGeom>
+          <a:gradFill>
+            <a:gsLst>
+              <a:gs pos="0">
+                <a:srgbClr val="D0D0D0"/>
+              </a:gs>
+              <a:gs pos="100000">
+                <a:srgbClr val="EDEDED"/>
+              </a:gs>
+            </a:gsLst>
+            <a:lin ang="16200000"/>
+          </a:gradFill>
+          <a:ln w="9360">
+            <a:solidFill>
+              <a:srgbClr val="000000"/>
+            </a:solidFill>
+            <a:round/>
+          </a:ln>
+        </p:spPr>
+        <p:txBody>
+          <a:bodyPr lIns="90000" tIns="45000" rIns="90000" bIns="45000"/>
+          <a:lstStyle/>
+          <a:p>
+            <a:pPr algn="ctr">
+              <a:lnSpc>
+                <a:spcPct val="100000"/>
+              </a:lnSpc>
+            </a:pPr>
+            <a:r>
               <a:rPr lang="en-US" dirty="0">
                 <a:solidFill>
                   <a:srgbClr val="000000"/>
                 </a:solidFill>
                 <a:latin typeface="Calibri"/>
               </a:rPr>
-              <a:t>Growth</a:t>
+              <a:t>Money and Banking</a:t>
             </a:r>
             <a:endParaRPr dirty="0"/>
           </a:p>
@@ -6678,9 +6797,17 @@
                 </a:solidFill>
                 <a:latin typeface="Calibri"/>
               </a:rPr>
-              <a:t>Chapter 8:</a:t>
-            </a:r>
-            <a:endParaRPr dirty="0"/>
+              <a:t>Chapters 13-14</a:t>
+            </a:r>
+            <a:r>
+              <a:rPr lang="en-US" sz="1200" dirty="0" smtClean="0">
+                <a:solidFill>
+                  <a:srgbClr val="000000"/>
+                </a:solidFill>
+                <a:latin typeface="Calibri"/>
+              </a:rPr>
+              <a:t>:</a:t>
+            </a:r>
           </a:p>
           <a:p>
             <a:pPr marL="171450" indent="-171450">
@@ -6697,7 +6824,7 @@
                 </a:solidFill>
                 <a:latin typeface="Calibri"/>
               </a:rPr>
-              <a:t>Growth rates</a:t>
+              <a:t>Money</a:t>
             </a:r>
           </a:p>
           <a:p>
@@ -6715,9 +6842,108 @@
                 </a:solidFill>
                 <a:latin typeface="Calibri"/>
               </a:rPr>
-              <a:t>Capital deepening</a:t>
-            </a:r>
-            <a:endParaRPr lang="en-US" sz="1200" dirty="0">
+              <a:t>Federal Reserve</a:t>
+            </a:r>
+          </a:p>
+          <a:p>
+            <a:pPr marL="171450" indent="-171450">
+              <a:lnSpc>
+                <a:spcPct val="100000"/>
+              </a:lnSpc>
+              <a:buFont typeface="Arial" panose="020B0604020202020204" pitchFamily="34" charset="0"/>
+              <a:buChar char="•"/>
+            </a:pPr>
+            <a:r>
+              <a:rPr lang="en-US" sz="1200" dirty="0" smtClean="0">
+                <a:solidFill>
+                  <a:srgbClr val="000000"/>
+                </a:solidFill>
+                <a:latin typeface="Calibri"/>
+              </a:rPr>
+              <a:t>Money market: Interest rates</a:t>
+            </a:r>
+            <a:endParaRPr sz="1200" dirty="0"/>
+          </a:p>
+          <a:p>
+            <a:pPr>
+              <a:lnSpc>
+                <a:spcPct val="100000"/>
+              </a:lnSpc>
+              <a:buFont typeface="Arial"/>
+              <a:buChar char="•"/>
+            </a:pPr>
+            <a:endParaRPr dirty="0"/>
+          </a:p>
+        </p:txBody>
+      </p:sp>
+      <p:sp>
+        <p:nvSpPr>
+          <p:cNvPr id="56" name="CustomShape 18"/>
+          <p:cNvSpPr/>
+          <p:nvPr/>
+        </p:nvSpPr>
+        <p:spPr>
+          <a:xfrm>
+            <a:off x="6083688" y="1518046"/>
+            <a:ext cx="2819160" cy="897300"/>
+          </a:xfrm>
+          <a:prstGeom prst="rect">
+            <a:avLst/>
+          </a:prstGeom>
+          <a:gradFill>
+            <a:gsLst>
+              <a:gs pos="0">
+                <a:srgbClr val="D0D0D0"/>
+              </a:gs>
+              <a:gs pos="100000">
+                <a:srgbClr val="EDEDED"/>
+              </a:gs>
+            </a:gsLst>
+            <a:lin ang="16200000"/>
+          </a:gradFill>
+          <a:ln w="9360">
+            <a:solidFill>
+              <a:srgbClr val="000000"/>
+            </a:solidFill>
+            <a:round/>
+          </a:ln>
+        </p:spPr>
+        <p:txBody>
+          <a:bodyPr lIns="90000" tIns="45000" rIns="90000" bIns="45000"/>
+          <a:lstStyle/>
+          <a:p>
+            <a:pPr algn="ctr">
+              <a:lnSpc>
+                <a:spcPct val="100000"/>
+              </a:lnSpc>
+            </a:pPr>
+            <a:r>
+              <a:rPr lang="en-US" sz="1600" dirty="0">
+                <a:solidFill>
+                  <a:srgbClr val="000000"/>
+                </a:solidFill>
+                <a:latin typeface="Calibri"/>
+              </a:rPr>
+              <a:t>Investments/Financial Markets</a:t>
+            </a:r>
+            <a:endParaRPr sz="1600" dirty="0"/>
+          </a:p>
+          <a:p>
+            <a:pPr>
+              <a:lnSpc>
+                <a:spcPct val="100000"/>
+              </a:lnSpc>
+            </a:pPr>
+            <a:r>
+              <a:rPr lang="en-US" sz="1200" dirty="0">
+                <a:solidFill>
+                  <a:srgbClr val="000000"/>
+                </a:solidFill>
+                <a:latin typeface="Calibri"/>
+              </a:rPr>
+              <a:t>Chapter 12: </a:t>
+            </a:r>
+            <a:endParaRPr lang="en-US" sz="1200" dirty="0" smtClean="0">
               <a:solidFill>
                 <a:srgbClr val="000000"/>
               </a:solidFill>
@@ -6739,31 +6965,311 @@
                 </a:solidFill>
                 <a:latin typeface="Calibri"/>
               </a:rPr>
-              <a:t>Solow </a:t>
-            </a:r>
-            <a:r>
-              <a:rPr lang="en-US" sz="1200" dirty="0">
+              <a:t>Expectations</a:t>
+            </a:r>
+          </a:p>
+          <a:p>
+            <a:pPr marL="171450" indent="-171450">
+              <a:lnSpc>
+                <a:spcPct val="100000"/>
+              </a:lnSpc>
+              <a:buFont typeface="Arial" panose="020B0604020202020204" pitchFamily="34" charset="0"/>
+              <a:buChar char="•"/>
+            </a:pPr>
+            <a:r>
+              <a:rPr lang="en-US" sz="1200" dirty="0" smtClean="0">
                 <a:solidFill>
                   <a:srgbClr val="000000"/>
                 </a:solidFill>
                 <a:latin typeface="Calibri"/>
               </a:rPr>
-              <a:t>growth model</a:t>
-            </a:r>
+              <a:t>Financial intermediaries</a:t>
+            </a:r>
+            <a:endParaRPr sz="1200" dirty="0"/>
+          </a:p>
+          <a:p>
+            <a:pPr>
+              <a:lnSpc>
+                <a:spcPct val="100000"/>
+              </a:lnSpc>
+              <a:buFont typeface="Arial"/>
+              <a:buChar char="•"/>
+            </a:pPr>
             <a:endParaRPr dirty="0"/>
           </a:p>
         </p:txBody>
       </p:sp>
       <p:sp>
         <p:nvSpPr>
-          <p:cNvPr id="52" name="CustomShape 14"/>
+          <p:cNvPr id="57" name="CustomShape 19"/>
           <p:cNvSpPr/>
           <p:nvPr/>
         </p:nvSpPr>
         <p:spPr>
           <a:xfrm>
-            <a:off x="3036384" y="838200"/>
-            <a:ext cx="2906856" cy="548640"/>
+            <a:off x="6101976" y="3525226"/>
+            <a:ext cx="2819160" cy="926184"/>
+          </a:xfrm>
+          <a:prstGeom prst="rect">
+            <a:avLst/>
+          </a:prstGeom>
+          <a:gradFill>
+            <a:gsLst>
+              <a:gs pos="0">
+                <a:srgbClr val="D0D0D0"/>
+              </a:gs>
+              <a:gs pos="100000">
+                <a:srgbClr val="EDEDED"/>
+              </a:gs>
+            </a:gsLst>
+            <a:lin ang="16200000"/>
+          </a:gradFill>
+          <a:ln w="9360">
+            <a:solidFill>
+              <a:srgbClr val="000000"/>
+            </a:solidFill>
+            <a:round/>
+          </a:ln>
+        </p:spPr>
+        <p:txBody>
+          <a:bodyPr lIns="90000" tIns="45000" rIns="90000" bIns="45000"/>
+          <a:lstStyle/>
+          <a:p>
+            <a:pPr algn="ctr">
+              <a:lnSpc>
+                <a:spcPct val="100000"/>
+              </a:lnSpc>
+            </a:pPr>
+            <a:r>
+              <a:rPr lang="en-US" dirty="0">
+                <a:solidFill>
+                  <a:srgbClr val="000000"/>
+                </a:solidFill>
+                <a:latin typeface="Calibri"/>
+              </a:rPr>
+              <a:t>Short to Long-Run</a:t>
+            </a:r>
+            <a:endParaRPr dirty="0"/>
+          </a:p>
+          <a:p>
+            <a:pPr>
+              <a:lnSpc>
+                <a:spcPct val="100000"/>
+              </a:lnSpc>
+            </a:pPr>
+            <a:r>
+              <a:rPr lang="en-US" sz="1200" dirty="0">
+                <a:solidFill>
+                  <a:srgbClr val="000000"/>
+                </a:solidFill>
+                <a:latin typeface="Calibri"/>
+              </a:rPr>
+              <a:t>Chapters 15</a:t>
+            </a:r>
+            <a:r>
+              <a:rPr lang="en-US" sz="1200" dirty="0" smtClean="0">
+                <a:solidFill>
+                  <a:srgbClr val="000000"/>
+                </a:solidFill>
+                <a:latin typeface="Calibri"/>
+              </a:rPr>
+              <a:t>:</a:t>
+            </a:r>
+          </a:p>
+          <a:p>
+            <a:pPr marL="171450" indent="-171450">
+              <a:lnSpc>
+                <a:spcPct val="100000"/>
+              </a:lnSpc>
+              <a:buFont typeface="Arial" panose="020B0604020202020204" pitchFamily="34" charset="0"/>
+              <a:buChar char="•"/>
+            </a:pPr>
+            <a:r>
+              <a:rPr lang="en-US" sz="1200" dirty="0" smtClean="0">
+                <a:solidFill>
+                  <a:srgbClr val="000000"/>
+                </a:solidFill>
+                <a:latin typeface="Calibri"/>
+              </a:rPr>
+              <a:t>Wage and price changes</a:t>
+            </a:r>
+          </a:p>
+          <a:p>
+            <a:pPr marL="171450" indent="-171450">
+              <a:lnSpc>
+                <a:spcPct val="100000"/>
+              </a:lnSpc>
+              <a:buFont typeface="Arial" panose="020B0604020202020204" pitchFamily="34" charset="0"/>
+              <a:buChar char="•"/>
+            </a:pPr>
+            <a:r>
+              <a:rPr lang="en-US" sz="1200" dirty="0" smtClean="0">
+                <a:solidFill>
+                  <a:srgbClr val="000000"/>
+                </a:solidFill>
+                <a:latin typeface="Calibri"/>
+              </a:rPr>
+              <a:t>Keynesian vs. Classical debate</a:t>
+            </a:r>
+            <a:endParaRPr sz="1200" dirty="0"/>
+          </a:p>
+          <a:p>
+            <a:pPr>
+              <a:lnSpc>
+                <a:spcPct val="100000"/>
+              </a:lnSpc>
+              <a:buFont typeface="Arial"/>
+              <a:buChar char="•"/>
+            </a:pPr>
+            <a:endParaRPr dirty="0"/>
+          </a:p>
+        </p:txBody>
+      </p:sp>
+      <p:sp>
+        <p:nvSpPr>
+          <p:cNvPr id="58" name="CustomShape 20"/>
+          <p:cNvSpPr/>
+          <p:nvPr/>
+        </p:nvSpPr>
+        <p:spPr>
+          <a:xfrm>
+            <a:off x="6101976" y="4502808"/>
+            <a:ext cx="2819160" cy="880758"/>
+          </a:xfrm>
+          <a:prstGeom prst="rect">
+            <a:avLst/>
+          </a:prstGeom>
+          <a:gradFill>
+            <a:gsLst>
+              <a:gs pos="0">
+                <a:srgbClr val="D0D0D0"/>
+              </a:gs>
+              <a:gs pos="100000">
+                <a:srgbClr val="EDEDED"/>
+              </a:gs>
+            </a:gsLst>
+            <a:lin ang="16200000"/>
+          </a:gradFill>
+          <a:ln w="9360">
+            <a:solidFill>
+              <a:srgbClr val="000000"/>
+            </a:solidFill>
+            <a:round/>
+          </a:ln>
+        </p:spPr>
+        <p:txBody>
+          <a:bodyPr lIns="90000" tIns="45000" rIns="90000" bIns="45000"/>
+          <a:lstStyle/>
+          <a:p>
+            <a:pPr algn="ctr">
+              <a:lnSpc>
+                <a:spcPct val="100000"/>
+              </a:lnSpc>
+            </a:pPr>
+            <a:r>
+              <a:rPr lang="en-US" dirty="0">
+                <a:solidFill>
+                  <a:srgbClr val="000000"/>
+                </a:solidFill>
+                <a:latin typeface="Calibri"/>
+              </a:rPr>
+              <a:t>Inflation </a:t>
+            </a:r>
+            <a:r>
+              <a:rPr lang="en-US" dirty="0" smtClean="0">
+                <a:solidFill>
+                  <a:srgbClr val="000000"/>
+                </a:solidFill>
+                <a:latin typeface="Calibri"/>
+              </a:rPr>
+              <a:t>and Policy Debates</a:t>
+            </a:r>
+            <a:endParaRPr dirty="0"/>
+          </a:p>
+          <a:p>
+            <a:pPr>
+              <a:lnSpc>
+                <a:spcPct val="100000"/>
+              </a:lnSpc>
+            </a:pPr>
+            <a:r>
+              <a:rPr lang="en-US" sz="1200" dirty="0">
+                <a:solidFill>
+                  <a:srgbClr val="000000"/>
+                </a:solidFill>
+                <a:latin typeface="Calibri"/>
+              </a:rPr>
+              <a:t>Chapters </a:t>
+            </a:r>
+            <a:r>
+              <a:rPr lang="en-US" sz="1200" dirty="0" smtClean="0">
+                <a:solidFill>
+                  <a:srgbClr val="000000"/>
+                </a:solidFill>
+                <a:latin typeface="Calibri"/>
+              </a:rPr>
+              <a:t>16-17:</a:t>
+            </a:r>
+          </a:p>
+          <a:p>
+            <a:pPr marL="171450" indent="-171450">
+              <a:lnSpc>
+                <a:spcPct val="100000"/>
+              </a:lnSpc>
+              <a:buFont typeface="Arial" panose="020B0604020202020204" pitchFamily="34" charset="0"/>
+              <a:buChar char="•"/>
+            </a:pPr>
+            <a:r>
+              <a:rPr lang="en-US" sz="1200" dirty="0" smtClean="0">
+                <a:solidFill>
+                  <a:srgbClr val="000000"/>
+                </a:solidFill>
+                <a:latin typeface="Calibri"/>
+              </a:rPr>
+              <a:t>Money growth</a:t>
+            </a:r>
+          </a:p>
+          <a:p>
+            <a:pPr marL="171450" indent="-171450">
+              <a:lnSpc>
+                <a:spcPct val="100000"/>
+              </a:lnSpc>
+              <a:buFont typeface="Arial" panose="020B0604020202020204" pitchFamily="34" charset="0"/>
+              <a:buChar char="•"/>
+            </a:pPr>
+            <a:r>
+              <a:rPr lang="en-US" sz="1200" dirty="0" smtClean="0">
+                <a:solidFill>
+                  <a:srgbClr val="000000"/>
+                </a:solidFill>
+                <a:latin typeface="Calibri"/>
+              </a:rPr>
+              <a:t>Phillips curve</a:t>
+            </a:r>
+            <a:endParaRPr sz="1200" dirty="0"/>
+          </a:p>
+          <a:p>
+            <a:pPr>
+              <a:lnSpc>
+                <a:spcPct val="100000"/>
+              </a:lnSpc>
+              <a:buFont typeface="Arial"/>
+              <a:buChar char="•"/>
+            </a:pPr>
+            <a:endParaRPr dirty="0"/>
+          </a:p>
+        </p:txBody>
+      </p:sp>
+      <p:sp>
+        <p:nvSpPr>
+          <p:cNvPr id="19" name="CustomShape 11"/>
+          <p:cNvSpPr/>
+          <p:nvPr/>
+        </p:nvSpPr>
+        <p:spPr>
+          <a:xfrm>
+            <a:off x="3036384" y="5079408"/>
+            <a:ext cx="2895120" cy="1092792"/>
           </a:xfrm>
           <a:prstGeom prst="rect">
             <a:avLst/>
@@ -6796,28 +7302,94 @@
               </a:lnSpc>
             </a:pPr>
             <a:r>
-              <a:rPr lang="en-US" sz="2400">
+              <a:rPr lang="en-US" dirty="0">
                 <a:solidFill>
                   <a:srgbClr val="000000"/>
                 </a:solidFill>
-                <a:latin typeface="Calibri"/>
-              </a:rPr>
-              <a:t>Focus: Midterm 2</a:t>
-            </a:r>
-            <a:endParaRPr/>
-          </a:p>
-        </p:txBody>
-      </p:sp>
-      <p:sp>
-        <p:nvSpPr>
-          <p:cNvPr id="53" name="CustomShape 15"/>
+              </a:rPr>
+              <a:t>Income Expenditure Model</a:t>
+            </a:r>
+            <a:endParaRPr lang="en-US" dirty="0"/>
+          </a:p>
+          <a:p>
+            <a:pPr>
+              <a:lnSpc>
+                <a:spcPct val="100000"/>
+              </a:lnSpc>
+            </a:pPr>
+            <a:r>
+              <a:rPr lang="en-US" sz="1200" dirty="0">
+                <a:solidFill>
+                  <a:srgbClr val="000000"/>
+                </a:solidFill>
+              </a:rPr>
+              <a:t>Chapter 11:</a:t>
+            </a:r>
+          </a:p>
+          <a:p>
+            <a:pPr marL="171450" indent="-171450">
+              <a:lnSpc>
+                <a:spcPct val="100000"/>
+              </a:lnSpc>
+              <a:buFont typeface="Arial" panose="020B0604020202020204" pitchFamily="34" charset="0"/>
+              <a:buChar char="•"/>
+            </a:pPr>
+            <a:r>
+              <a:rPr lang="en-US" sz="1200" dirty="0">
+                <a:solidFill>
+                  <a:srgbClr val="000000"/>
+                </a:solidFill>
+              </a:rPr>
+              <a:t>Consumption function</a:t>
+            </a:r>
+          </a:p>
+          <a:p>
+            <a:pPr marL="171450" indent="-171450">
+              <a:lnSpc>
+                <a:spcPct val="100000"/>
+              </a:lnSpc>
+              <a:buFont typeface="Arial" panose="020B0604020202020204" pitchFamily="34" charset="0"/>
+              <a:buChar char="•"/>
+            </a:pPr>
+            <a:r>
+              <a:rPr lang="en-US" sz="1200" dirty="0">
+                <a:solidFill>
+                  <a:srgbClr val="000000"/>
+                </a:solidFill>
+              </a:rPr>
+              <a:t>Government spending and taxes</a:t>
+            </a:r>
+          </a:p>
+          <a:p>
+            <a:pPr marL="171450" indent="-171450">
+              <a:lnSpc>
+                <a:spcPct val="100000"/>
+              </a:lnSpc>
+              <a:buFont typeface="Arial" panose="020B0604020202020204" pitchFamily="34" charset="0"/>
+              <a:buChar char="•"/>
+            </a:pPr>
+            <a:r>
+              <a:rPr lang="en-US" sz="1200" dirty="0">
+                <a:solidFill>
+                  <a:srgbClr val="000000"/>
+                </a:solidFill>
+              </a:rPr>
+              <a:t>Exports and Imports</a:t>
+            </a:r>
+            <a:endParaRPr lang="en-US" sz="1200" dirty="0"/>
+          </a:p>
+        </p:txBody>
+      </p:sp>
+      <p:sp>
+        <p:nvSpPr>
+          <p:cNvPr id="20" name="CustomShape 20"/>
           <p:cNvSpPr/>
           <p:nvPr/>
         </p:nvSpPr>
         <p:spPr>
           <a:xfrm>
-            <a:off x="6083688" y="839280"/>
-            <a:ext cx="2831352" cy="547560"/>
+            <a:off x="6101976" y="5512641"/>
+            <a:ext cx="2819160" cy="880758"/>
           </a:xfrm>
           <a:prstGeom prst="rect">
             <a:avLst/>
@@ -6850,372 +7422,39 @@
               </a:lnSpc>
             </a:pPr>
             <a:r>
-              <a:rPr lang="en-US" sz="2400">
+              <a:rPr lang="en-US" dirty="0" smtClean="0">
                 <a:solidFill>
                   <a:srgbClr val="000000"/>
                 </a:solidFill>
                 <a:latin typeface="Calibri"/>
               </a:rPr>
-              <a:t>Focus: Final</a:t>
-            </a:r>
-            <a:endParaRPr/>
-          </a:p>
-        </p:txBody>
-      </p:sp>
-      <p:sp>
-        <p:nvSpPr>
-          <p:cNvPr id="54" name="CustomShape 16"/>
-          <p:cNvSpPr/>
-          <p:nvPr/>
-        </p:nvSpPr>
-        <p:spPr>
-          <a:xfrm>
-            <a:off x="6108192" y="3477768"/>
-            <a:ext cx="2819160" cy="1048050"/>
-          </a:xfrm>
-          <a:prstGeom prst="rect">
-            <a:avLst/>
-          </a:prstGeom>
-          <a:gradFill>
-            <a:gsLst>
-              <a:gs pos="0">
-                <a:srgbClr val="D0D0D0"/>
-              </a:gs>
-              <a:gs pos="100000">
-                <a:srgbClr val="EDEDED"/>
-              </a:gs>
-            </a:gsLst>
-            <a:lin ang="16200000"/>
-          </a:gradFill>
-          <a:ln w="9360">
-            <a:solidFill>
-              <a:srgbClr val="000000"/>
-            </a:solidFill>
-            <a:round/>
-          </a:ln>
-        </p:spPr>
-        <p:txBody>
-          <a:bodyPr lIns="90000" tIns="45000" rIns="90000" bIns="45000"/>
-          <a:lstStyle/>
-          <a:p>
-            <a:pPr algn="ctr">
-              <a:lnSpc>
-                <a:spcPct val="100000"/>
-              </a:lnSpc>
-            </a:pPr>
-            <a:r>
-              <a:rPr lang="en-US" dirty="0">
+              <a:t>Optional</a:t>
+            </a:r>
+            <a:endParaRPr dirty="0"/>
+          </a:p>
+          <a:p>
+            <a:pPr>
+              <a:lnSpc>
+                <a:spcPct val="100000"/>
+              </a:lnSpc>
+            </a:pPr>
+            <a:r>
+              <a:rPr lang="en-US" sz="1200" dirty="0">
                 <a:solidFill>
                   <a:srgbClr val="000000"/>
                 </a:solidFill>
                 <a:latin typeface="Calibri"/>
               </a:rPr>
-              <a:t>Money and Banking</a:t>
-            </a:r>
-            <a:endParaRPr dirty="0"/>
-          </a:p>
-          <a:p>
-            <a:pPr>
-              <a:lnSpc>
-                <a:spcPct val="100000"/>
-              </a:lnSpc>
-            </a:pPr>
-            <a:r>
-              <a:rPr lang="en-US" sz="1200" dirty="0">
+              <a:t>Chapters </a:t>
+            </a:r>
+            <a:r>
+              <a:rPr lang="en-US" sz="1200" dirty="0" smtClean="0">
                 <a:solidFill>
                   <a:srgbClr val="000000"/>
                 </a:solidFill>
                 <a:latin typeface="Calibri"/>
               </a:rPr>
-              <a:t>Chapters 13-14</a:t>
-            </a:r>
-            <a:r>
-              <a:rPr lang="en-US" sz="1200" dirty="0" smtClean="0">
-                <a:solidFill>
-                  <a:srgbClr val="000000"/>
-                </a:solidFill>
-                <a:latin typeface="Calibri"/>
-              </a:rPr>
-              <a:t>:</a:t>
-            </a:r>
-          </a:p>
-          <a:p>
-            <a:pPr marL="171450" indent="-171450">
-              <a:lnSpc>
-                <a:spcPct val="100000"/>
-              </a:lnSpc>
-              <a:buFont typeface="Arial" panose="020B0604020202020204" pitchFamily="34" charset="0"/>
-              <a:buChar char="•"/>
-            </a:pPr>
-            <a:r>
-              <a:rPr lang="en-US" sz="1200" dirty="0" smtClean="0">
-                <a:solidFill>
-                  <a:srgbClr val="000000"/>
-                </a:solidFill>
-                <a:latin typeface="Calibri"/>
-              </a:rPr>
-              <a:t>Money</a:t>
-            </a:r>
-          </a:p>
-          <a:p>
-            <a:pPr marL="171450" indent="-171450">
-              <a:lnSpc>
-                <a:spcPct val="100000"/>
-              </a:lnSpc>
-              <a:buFont typeface="Arial" panose="020B0604020202020204" pitchFamily="34" charset="0"/>
-              <a:buChar char="•"/>
-            </a:pPr>
-            <a:r>
-              <a:rPr lang="en-US" sz="1200" dirty="0" smtClean="0">
-                <a:solidFill>
-                  <a:srgbClr val="000000"/>
-                </a:solidFill>
-                <a:latin typeface="Calibri"/>
-              </a:rPr>
-              <a:t>Federal Reserve</a:t>
-            </a:r>
-          </a:p>
-          <a:p>
-            <a:pPr marL="171450" indent="-171450">
-              <a:lnSpc>
-                <a:spcPct val="100000"/>
-              </a:lnSpc>
-              <a:buFont typeface="Arial" panose="020B0604020202020204" pitchFamily="34" charset="0"/>
-              <a:buChar char="•"/>
-            </a:pPr>
-            <a:r>
-              <a:rPr lang="en-US" sz="1200" dirty="0" smtClean="0">
-                <a:solidFill>
-                  <a:srgbClr val="000000"/>
-                </a:solidFill>
-                <a:latin typeface="Calibri"/>
-              </a:rPr>
-              <a:t>Money market: Interest rates</a:t>
-            </a:r>
-            <a:endParaRPr sz="1200" dirty="0"/>
-          </a:p>
-          <a:p>
-            <a:pPr>
-              <a:lnSpc>
-                <a:spcPct val="100000"/>
-              </a:lnSpc>
-              <a:buFont typeface="Arial"/>
-              <a:buChar char="•"/>
-            </a:pPr>
-            <a:endParaRPr dirty="0"/>
-          </a:p>
-        </p:txBody>
-      </p:sp>
-      <p:sp>
-        <p:nvSpPr>
-          <p:cNvPr id="55" name="CustomShape 17"/>
-          <p:cNvSpPr/>
-          <p:nvPr/>
-        </p:nvSpPr>
-        <p:spPr>
-          <a:xfrm>
-            <a:off x="6095880" y="1447920"/>
-            <a:ext cx="2819160" cy="1066680"/>
-          </a:xfrm>
-          <a:prstGeom prst="rect">
-            <a:avLst/>
-          </a:prstGeom>
-          <a:gradFill>
-            <a:gsLst>
-              <a:gs pos="0">
-                <a:srgbClr val="D0D0D0"/>
-              </a:gs>
-              <a:gs pos="100000">
-                <a:srgbClr val="EDEDED"/>
-              </a:gs>
-            </a:gsLst>
-            <a:lin ang="16200000"/>
-          </a:gradFill>
-          <a:ln w="9360">
-            <a:solidFill>
-              <a:srgbClr val="000000"/>
-            </a:solidFill>
-            <a:round/>
-          </a:ln>
-        </p:spPr>
-        <p:txBody>
-          <a:bodyPr lIns="90000" tIns="45000" rIns="90000" bIns="45000"/>
-          <a:lstStyle/>
-          <a:p>
-            <a:pPr algn="ctr">
-              <a:lnSpc>
-                <a:spcPct val="100000"/>
-              </a:lnSpc>
-            </a:pPr>
-            <a:r>
-              <a:rPr lang="en-US" dirty="0">
-                <a:solidFill>
-                  <a:srgbClr val="000000"/>
-                </a:solidFill>
-                <a:latin typeface="Calibri"/>
-              </a:rPr>
-              <a:t>Income Expenditure Model</a:t>
-            </a:r>
-            <a:endParaRPr dirty="0"/>
-          </a:p>
-          <a:p>
-            <a:pPr>
-              <a:lnSpc>
-                <a:spcPct val="100000"/>
-              </a:lnSpc>
-            </a:pPr>
-            <a:r>
-              <a:rPr lang="en-US" sz="1200" dirty="0">
-                <a:solidFill>
-                  <a:srgbClr val="000000"/>
-                </a:solidFill>
-                <a:latin typeface="Calibri"/>
-              </a:rPr>
-              <a:t>Chapter 11</a:t>
-            </a:r>
-            <a:r>
-              <a:rPr lang="en-US" sz="1200" dirty="0" smtClean="0">
-                <a:solidFill>
-                  <a:srgbClr val="000000"/>
-                </a:solidFill>
-                <a:latin typeface="Calibri"/>
-              </a:rPr>
-              <a:t>:</a:t>
-            </a:r>
-          </a:p>
-          <a:p>
-            <a:pPr marL="171450" indent="-171450">
-              <a:lnSpc>
-                <a:spcPct val="100000"/>
-              </a:lnSpc>
-              <a:buFont typeface="Arial" panose="020B0604020202020204" pitchFamily="34" charset="0"/>
-              <a:buChar char="•"/>
-            </a:pPr>
-            <a:r>
-              <a:rPr lang="en-US" sz="1200" dirty="0" smtClean="0">
-                <a:solidFill>
-                  <a:srgbClr val="000000"/>
-                </a:solidFill>
-                <a:latin typeface="Calibri"/>
-              </a:rPr>
-              <a:t>Consumption function</a:t>
-            </a:r>
-          </a:p>
-          <a:p>
-            <a:pPr marL="171450" indent="-171450">
-              <a:lnSpc>
-                <a:spcPct val="100000"/>
-              </a:lnSpc>
-              <a:buFont typeface="Arial" panose="020B0604020202020204" pitchFamily="34" charset="0"/>
-              <a:buChar char="•"/>
-            </a:pPr>
-            <a:r>
-              <a:rPr lang="en-US" sz="1200" dirty="0" smtClean="0">
-                <a:solidFill>
-                  <a:srgbClr val="000000"/>
-                </a:solidFill>
-                <a:latin typeface="Calibri"/>
-              </a:rPr>
-              <a:t>Government spending and taxes</a:t>
-            </a:r>
-          </a:p>
-          <a:p>
-            <a:pPr marL="171450" indent="-171450">
-              <a:lnSpc>
-                <a:spcPct val="100000"/>
-              </a:lnSpc>
-              <a:buFont typeface="Arial" panose="020B0604020202020204" pitchFamily="34" charset="0"/>
-              <a:buChar char="•"/>
-            </a:pPr>
-            <a:r>
-              <a:rPr lang="en-US" sz="1200" dirty="0" smtClean="0">
-                <a:solidFill>
-                  <a:srgbClr val="000000"/>
-                </a:solidFill>
-                <a:latin typeface="Calibri"/>
-              </a:rPr>
-              <a:t>Exports and Imports</a:t>
-            </a:r>
-            <a:endParaRPr sz="1200" dirty="0"/>
-          </a:p>
-          <a:p>
-            <a:pPr>
-              <a:lnSpc>
-                <a:spcPct val="100000"/>
-              </a:lnSpc>
-              <a:buFont typeface="Arial"/>
-              <a:buChar char="•"/>
-            </a:pPr>
-            <a:endParaRPr dirty="0"/>
-          </a:p>
-        </p:txBody>
-      </p:sp>
-      <p:sp>
-        <p:nvSpPr>
-          <p:cNvPr id="56" name="CustomShape 18"/>
-          <p:cNvSpPr/>
-          <p:nvPr/>
-        </p:nvSpPr>
-        <p:spPr>
-          <a:xfrm>
-            <a:off x="6108192" y="2553036"/>
-            <a:ext cx="2819160" cy="897300"/>
-          </a:xfrm>
-          <a:prstGeom prst="rect">
-            <a:avLst/>
-          </a:prstGeom>
-          <a:gradFill>
-            <a:gsLst>
-              <a:gs pos="0">
-                <a:srgbClr val="D0D0D0"/>
-              </a:gs>
-              <a:gs pos="100000">
-                <a:srgbClr val="EDEDED"/>
-              </a:gs>
-            </a:gsLst>
-            <a:lin ang="16200000"/>
-          </a:gradFill>
-          <a:ln w="9360">
-            <a:solidFill>
-              <a:srgbClr val="000000"/>
-            </a:solidFill>
-            <a:round/>
-          </a:ln>
-        </p:spPr>
-        <p:txBody>
-          <a:bodyPr lIns="90000" tIns="45000" rIns="90000" bIns="45000"/>
-          <a:lstStyle/>
-          <a:p>
-            <a:pPr algn="ctr">
-              <a:lnSpc>
-                <a:spcPct val="100000"/>
-              </a:lnSpc>
-            </a:pPr>
-            <a:r>
-              <a:rPr lang="en-US" sz="1600" dirty="0">
-                <a:solidFill>
-                  <a:srgbClr val="000000"/>
-                </a:solidFill>
-                <a:latin typeface="Calibri"/>
-              </a:rPr>
-              <a:t>Investments/Financial Markets</a:t>
-            </a:r>
-            <a:endParaRPr sz="1600" dirty="0"/>
-          </a:p>
-          <a:p>
-            <a:pPr>
-              <a:lnSpc>
-                <a:spcPct val="100000"/>
-              </a:lnSpc>
-            </a:pPr>
-            <a:r>
-              <a:rPr lang="en-US" sz="1200" dirty="0">
-                <a:solidFill>
-                  <a:srgbClr val="000000"/>
-                </a:solidFill>
-                <a:latin typeface="Calibri"/>
-              </a:rPr>
-              <a:t>Chapter 12: </a:t>
+              <a:t>18-19:</a:t>
             </a:r>
             <a:endParaRPr lang="en-US" sz="1200" dirty="0" smtClean="0">
               <a:solidFill>
@@ -7239,7 +7478,7 @@
                 </a:solidFill>
                 <a:latin typeface="Calibri"/>
               </a:rPr>
-              <a:t>Expectations</a:t>
+              <a:t>Trade</a:t>
             </a:r>
           </a:p>
           <a:p>
@@ -7257,268 +7496,7 @@
                 </a:solidFill>
                 <a:latin typeface="Calibri"/>
               </a:rPr>
-              <a:t>Financial intermediaries</a:t>
-            </a:r>
-            <a:endParaRPr sz="1200" dirty="0"/>
-          </a:p>
-          <a:p>
-            <a:pPr>
-              <a:lnSpc>
-                <a:spcPct val="100000"/>
-              </a:lnSpc>
-              <a:buFont typeface="Arial"/>
-              <a:buChar char="•"/>
-            </a:pPr>
-            <a:endParaRPr dirty="0"/>
-          </a:p>
-        </p:txBody>
-      </p:sp>
-      <p:sp>
-        <p:nvSpPr>
-          <p:cNvPr id="57" name="CustomShape 19"/>
-          <p:cNvSpPr/>
-          <p:nvPr/>
-        </p:nvSpPr>
-        <p:spPr>
-          <a:xfrm>
-            <a:off x="6126480" y="4560216"/>
-            <a:ext cx="2819160" cy="926184"/>
-          </a:xfrm>
-          <a:prstGeom prst="rect">
-            <a:avLst/>
-          </a:prstGeom>
-          <a:gradFill>
-            <a:gsLst>
-              <a:gs pos="0">
-                <a:srgbClr val="D0D0D0"/>
-              </a:gs>
-              <a:gs pos="100000">
-                <a:srgbClr val="EDEDED"/>
-              </a:gs>
-            </a:gsLst>
-            <a:lin ang="16200000"/>
-          </a:gradFill>
-          <a:ln w="9360">
-            <a:solidFill>
-              <a:srgbClr val="000000"/>
-            </a:solidFill>
-            <a:round/>
-          </a:ln>
-        </p:spPr>
-        <p:txBody>
-          <a:bodyPr lIns="90000" tIns="45000" rIns="90000" bIns="45000"/>
-          <a:lstStyle/>
-          <a:p>
-            <a:pPr algn="ctr">
-              <a:lnSpc>
-                <a:spcPct val="100000"/>
-              </a:lnSpc>
-            </a:pPr>
-            <a:r>
-              <a:rPr lang="en-US" dirty="0">
-                <a:solidFill>
-                  <a:srgbClr val="000000"/>
-                </a:solidFill>
-                <a:latin typeface="Calibri"/>
-              </a:rPr>
-              <a:t>Short to Long-Run</a:t>
-            </a:r>
-            <a:endParaRPr dirty="0"/>
-          </a:p>
-          <a:p>
-            <a:pPr>
-              <a:lnSpc>
-                <a:spcPct val="100000"/>
-              </a:lnSpc>
-            </a:pPr>
-            <a:r>
-              <a:rPr lang="en-US" sz="1200" dirty="0">
-                <a:solidFill>
-                  <a:srgbClr val="000000"/>
-                </a:solidFill>
-                <a:latin typeface="Calibri"/>
-              </a:rPr>
-              <a:t>Chapters 15</a:t>
-            </a:r>
-            <a:r>
-              <a:rPr lang="en-US" sz="1200" dirty="0" smtClean="0">
-                <a:solidFill>
-                  <a:srgbClr val="000000"/>
-                </a:solidFill>
-                <a:latin typeface="Calibri"/>
-              </a:rPr>
-              <a:t>:</a:t>
-            </a:r>
-          </a:p>
-          <a:p>
-            <a:pPr marL="171450" indent="-171450">
-              <a:lnSpc>
-                <a:spcPct val="100000"/>
-              </a:lnSpc>
-              <a:buFont typeface="Arial" panose="020B0604020202020204" pitchFamily="34" charset="0"/>
-              <a:buChar char="•"/>
-            </a:pPr>
-            <a:r>
-              <a:rPr lang="en-US" sz="1200" dirty="0" smtClean="0">
-                <a:solidFill>
-                  <a:srgbClr val="000000"/>
-                </a:solidFill>
-                <a:latin typeface="Calibri"/>
-              </a:rPr>
-              <a:t>Wage and price changes</a:t>
-            </a:r>
-          </a:p>
-          <a:p>
-            <a:pPr marL="171450" indent="-171450">
-              <a:lnSpc>
-                <a:spcPct val="100000"/>
-              </a:lnSpc>
-              <a:buFont typeface="Arial" panose="020B0604020202020204" pitchFamily="34" charset="0"/>
-              <a:buChar char="•"/>
-            </a:pPr>
-            <a:r>
-              <a:rPr lang="en-US" sz="1200" dirty="0" smtClean="0">
-                <a:solidFill>
-                  <a:srgbClr val="000000"/>
-                </a:solidFill>
-                <a:latin typeface="Calibri"/>
-              </a:rPr>
-              <a:t>Keynesian vs. Classical debate</a:t>
-            </a:r>
-            <a:endParaRPr sz="1200" dirty="0"/>
-          </a:p>
-          <a:p>
-            <a:pPr>
-              <a:lnSpc>
-                <a:spcPct val="100000"/>
-              </a:lnSpc>
-              <a:buFont typeface="Arial"/>
-              <a:buChar char="•"/>
-            </a:pPr>
-            <a:endParaRPr dirty="0"/>
-          </a:p>
-        </p:txBody>
-      </p:sp>
-      <p:sp>
-        <p:nvSpPr>
-          <p:cNvPr id="58" name="CustomShape 20"/>
-          <p:cNvSpPr/>
-          <p:nvPr/>
-        </p:nvSpPr>
-        <p:spPr>
-          <a:xfrm>
-            <a:off x="6126480" y="5520042"/>
-            <a:ext cx="2819160" cy="880758"/>
-          </a:xfrm>
-          <a:prstGeom prst="rect">
-            <a:avLst/>
-          </a:prstGeom>
-          <a:gradFill>
-            <a:gsLst>
-              <a:gs pos="0">
-                <a:srgbClr val="D0D0D0"/>
-              </a:gs>
-              <a:gs pos="100000">
-                <a:srgbClr val="EDEDED"/>
-              </a:gs>
-            </a:gsLst>
-            <a:lin ang="16200000"/>
-          </a:gradFill>
-          <a:ln w="9360">
-            <a:solidFill>
-              <a:srgbClr val="000000"/>
-            </a:solidFill>
-            <a:round/>
-          </a:ln>
-        </p:spPr>
-        <p:txBody>
-          <a:bodyPr lIns="90000" tIns="45000" rIns="90000" bIns="45000"/>
-          <a:lstStyle/>
-          <a:p>
-            <a:pPr algn="ctr">
-              <a:lnSpc>
-                <a:spcPct val="100000"/>
-              </a:lnSpc>
-            </a:pPr>
-            <a:r>
-              <a:rPr lang="en-US" dirty="0">
-                <a:solidFill>
-                  <a:srgbClr val="000000"/>
-                </a:solidFill>
-                <a:latin typeface="Calibri"/>
-              </a:rPr>
-              <a:t>Inflation </a:t>
-            </a:r>
-            <a:r>
-              <a:rPr lang="en-US" dirty="0" smtClean="0">
-                <a:solidFill>
-                  <a:srgbClr val="000000"/>
-                </a:solidFill>
-                <a:latin typeface="Calibri"/>
-              </a:rPr>
-              <a:t>and Policy Debates</a:t>
-            </a:r>
-            <a:endParaRPr dirty="0"/>
-          </a:p>
-          <a:p>
-            <a:pPr>
-              <a:lnSpc>
-                <a:spcPct val="100000"/>
-              </a:lnSpc>
-            </a:pPr>
-            <a:r>
-              <a:rPr lang="en-US" sz="1200" dirty="0">
-                <a:solidFill>
-                  <a:srgbClr val="000000"/>
-                </a:solidFill>
-                <a:latin typeface="Calibri"/>
-              </a:rPr>
-              <a:t>Chapters </a:t>
-            </a:r>
-            <a:r>
-              <a:rPr lang="en-US" sz="1200" dirty="0" smtClean="0">
-                <a:solidFill>
-                  <a:srgbClr val="000000"/>
-                </a:solidFill>
-                <a:latin typeface="Calibri"/>
-              </a:rPr>
-              <a:t>16-17:</a:t>
-            </a:r>
-          </a:p>
-          <a:p>
-            <a:pPr marL="171450" indent="-171450">
-              <a:lnSpc>
-                <a:spcPct val="100000"/>
-              </a:lnSpc>
-              <a:buFont typeface="Arial" panose="020B0604020202020204" pitchFamily="34" charset="0"/>
-              <a:buChar char="•"/>
-            </a:pPr>
-            <a:r>
-              <a:rPr lang="en-US" sz="1200" dirty="0" smtClean="0">
-                <a:solidFill>
-                  <a:srgbClr val="000000"/>
-                </a:solidFill>
-                <a:latin typeface="Calibri"/>
-              </a:rPr>
-              <a:t>Money growth</a:t>
-            </a:r>
-          </a:p>
-          <a:p>
-            <a:pPr marL="171450" indent="-171450">
-              <a:lnSpc>
-                <a:spcPct val="100000"/>
-              </a:lnSpc>
-              <a:buFont typeface="Arial" panose="020B0604020202020204" pitchFamily="34" charset="0"/>
-              <a:buChar char="•"/>
-            </a:pPr>
-            <a:r>
-              <a:rPr lang="en-US" sz="1200" dirty="0" smtClean="0">
-                <a:solidFill>
-                  <a:srgbClr val="000000"/>
-                </a:solidFill>
-                <a:latin typeface="Calibri"/>
-              </a:rPr>
-              <a:t>Phillips curve</a:t>
+              <a:t>International Finance</a:t>
             </a:r>
             <a:endParaRPr sz="1200" dirty="0"/>
           </a:p>

--- a/jdocs/Macro1/Chapter0_Roadmap.pptx
+++ b/jdocs/Macro1/Chapter0_Roadmap.pptx
@@ -5667,8 +5667,8 @@
         </p:nvSpPr>
         <p:spPr>
           <a:xfrm>
-            <a:off x="85198" y="1519692"/>
-            <a:ext cx="2742840" cy="1142880"/>
+            <a:off x="64608" y="1519691"/>
+            <a:ext cx="2742840" cy="1447111"/>
           </a:xfrm>
           <a:prstGeom prst="rect">
             <a:avLst/>
@@ -5719,7 +5719,7 @@
                 </a:solidFill>
                 <a:latin typeface="Calibri"/>
               </a:rPr>
-              <a:t>Chapter 1-4</a:t>
+              <a:t>Chapter </a:t>
             </a:r>
             <a:r>
               <a:rPr lang="en-US" sz="1200" dirty="0" smtClean="0">
@@ -5728,8 +5728,25 @@
                 </a:solidFill>
                 <a:latin typeface="Calibri"/>
               </a:rPr>
-              <a:t>:</a:t>
-            </a:r>
+              <a:t>1: Basic Macro</a:t>
+            </a:r>
+          </a:p>
+          <a:p>
+            <a:r>
+              <a:rPr lang="en-US" sz="1200" smtClean="0">
+                <a:solidFill>
+                  <a:srgbClr val="000000"/>
+                </a:solidFill>
+                <a:latin typeface="Calibri"/>
+              </a:rPr>
+              <a:t>Chapter 2-4 (Self-Study):</a:t>
+            </a:r>
+            <a:endParaRPr lang="en-US" sz="1200" dirty="0" smtClean="0">
+              <a:solidFill>
+                <a:srgbClr val="000000"/>
+              </a:solidFill>
+              <a:latin typeface="Calibri"/>
+            </a:endParaRPr>
           </a:p>
           <a:p>
             <a:pPr marL="171450" indent="-171450">
@@ -5743,7 +5760,7 @@
                 </a:solidFill>
                 <a:latin typeface="Calibri"/>
               </a:rPr>
-              <a:t>Basic </a:t>
+              <a:t>Micro </a:t>
             </a:r>
             <a:r>
               <a:rPr lang="en-US" sz="1200" dirty="0">
@@ -5752,7 +5769,7 @@
                 </a:solidFill>
                 <a:latin typeface="Calibri"/>
               </a:rPr>
-              <a:t>Econ Concepts</a:t>
+              <a:t>Concepts</a:t>
             </a:r>
           </a:p>
           <a:p>
@@ -5820,7 +5837,7 @@
         </p:nvSpPr>
         <p:spPr>
           <a:xfrm>
-            <a:off x="72886" y="5100972"/>
+            <a:off x="72886" y="5451639"/>
             <a:ext cx="2742840" cy="941760"/>
           </a:xfrm>
           <a:prstGeom prst="rect">
@@ -5935,7 +5952,7 @@
         </p:nvSpPr>
         <p:spPr>
           <a:xfrm>
-            <a:off x="72886" y="3909204"/>
+            <a:off x="65861" y="4236676"/>
             <a:ext cx="2742840" cy="1158300"/>
           </a:xfrm>
           <a:prstGeom prst="rect">
@@ -6060,7 +6077,7 @@
         </p:nvSpPr>
         <p:spPr>
           <a:xfrm>
-            <a:off x="81850" y="2699148"/>
+            <a:off x="65861" y="2996607"/>
             <a:ext cx="2742840" cy="1185480"/>
           </a:xfrm>
           <a:prstGeom prst="rect">
@@ -7456,12 +7473,6 @@
               </a:rPr>
               <a:t>18-19:</a:t>
             </a:r>
-            <a:endParaRPr lang="en-US" sz="1200" dirty="0" smtClean="0">
-              <a:solidFill>
-                <a:srgbClr val="000000"/>
-              </a:solidFill>
-              <a:latin typeface="Calibri"/>
-            </a:endParaRPr>
           </a:p>
           <a:p>
             <a:pPr marL="171450" indent="-171450">
@@ -7555,7 +7566,7 @@
         <a:sysClr val="windowText" lastClr="000000"/>
       </a:dk1>
       <a:lt1>
-        <a:sysClr val="window" lastClr="F0F0F0"/>
+        <a:sysClr val="window" lastClr="FFFFFF"/>
       </a:lt1>
       <a:dk2>
         <a:srgbClr val="1F497D"/>

--- a/jdocs/Macro1/Chapter0_Roadmap.pptx
+++ b/jdocs/Macro1/Chapter0_Roadmap.pptx
@@ -5667,8 +5667,8 @@
         </p:nvSpPr>
         <p:spPr>
           <a:xfrm>
-            <a:off x="64608" y="1519691"/>
-            <a:ext cx="2742840" cy="1447111"/>
+            <a:off x="85198" y="1519692"/>
+            <a:ext cx="2742840" cy="1142880"/>
           </a:xfrm>
           <a:prstGeom prst="rect">
             <a:avLst/>
@@ -5719,7 +5719,7 @@
                 </a:solidFill>
                 <a:latin typeface="Calibri"/>
               </a:rPr>
-              <a:t>Chapter </a:t>
+              <a:t>Chapter 1-4</a:t>
             </a:r>
             <a:r>
               <a:rPr lang="en-US" sz="1200" dirty="0" smtClean="0">
@@ -5728,25 +5728,8 @@
                 </a:solidFill>
                 <a:latin typeface="Calibri"/>
               </a:rPr>
-              <a:t>1: Basic Macro</a:t>
-            </a:r>
-          </a:p>
-          <a:p>
-            <a:r>
-              <a:rPr lang="en-US" sz="1200" smtClean="0">
-                <a:solidFill>
-                  <a:srgbClr val="000000"/>
-                </a:solidFill>
-                <a:latin typeface="Calibri"/>
-              </a:rPr>
-              <a:t>Chapter 2-4 (Self-Study):</a:t>
-            </a:r>
-            <a:endParaRPr lang="en-US" sz="1200" dirty="0" smtClean="0">
-              <a:solidFill>
-                <a:srgbClr val="000000"/>
-              </a:solidFill>
-              <a:latin typeface="Calibri"/>
-            </a:endParaRPr>
+              <a:t>:</a:t>
+            </a:r>
           </a:p>
           <a:p>
             <a:pPr marL="171450" indent="-171450">
@@ -5760,7 +5743,7 @@
                 </a:solidFill>
                 <a:latin typeface="Calibri"/>
               </a:rPr>
-              <a:t>Micro </a:t>
+              <a:t>Basic </a:t>
             </a:r>
             <a:r>
               <a:rPr lang="en-US" sz="1200" dirty="0">
@@ -5769,7 +5752,7 @@
                 </a:solidFill>
                 <a:latin typeface="Calibri"/>
               </a:rPr>
-              <a:t>Concepts</a:t>
+              <a:t>Econ Concepts</a:t>
             </a:r>
           </a:p>
           <a:p>
@@ -5837,8 +5820,238 @@
         </p:nvSpPr>
         <p:spPr>
           <a:xfrm>
-            <a:off x="72886" y="5451639"/>
+            <a:off x="72886" y="5100972"/>
             <a:ext cx="2742840" cy="941760"/>
+          </a:xfrm>
+          <a:prstGeom prst="rect">
+            <a:avLst/>
+          </a:prstGeom>
+          <a:solidFill>
+            <a:schemeClr val="accent6">
+              <a:lumMod val="20000"/>
+              <a:lumOff val="80000"/>
+            </a:schemeClr>
+          </a:solidFill>
+          <a:ln w="9360">
+            <a:solidFill>
+              <a:srgbClr val="4A7EBB"/>
+            </a:solidFill>
+            <a:round/>
+          </a:ln>
+        </p:spPr>
+        <p:txBody>
+          <a:bodyPr/>
+          <a:lstStyle/>
+          <a:p>
+            <a:pPr>
+              <a:lnSpc>
+                <a:spcPct val="100000"/>
+              </a:lnSpc>
+            </a:pPr>
+            <a:r>
+              <a:rPr lang="en-US" dirty="0">
+                <a:solidFill>
+                  <a:srgbClr val="000000"/>
+                </a:solidFill>
+              </a:rPr>
+              <a:t>Long-Run Economy</a:t>
+            </a:r>
+            <a:endParaRPr lang="en-US" dirty="0" smtClean="0"/>
+          </a:p>
+          <a:p>
+            <a:pPr>
+              <a:lnSpc>
+                <a:spcPct val="100000"/>
+              </a:lnSpc>
+            </a:pPr>
+            <a:r>
+              <a:rPr lang="en-US" sz="1200" dirty="0">
+                <a:solidFill>
+                  <a:srgbClr val="000000"/>
+                </a:solidFill>
+              </a:rPr>
+              <a:t>Chapter 7</a:t>
+            </a:r>
+            <a:r>
+              <a:rPr lang="en-US" sz="1200" dirty="0" smtClean="0">
+                <a:solidFill>
+                  <a:srgbClr val="000000"/>
+                </a:solidFill>
+              </a:rPr>
+              <a:t>:</a:t>
+            </a:r>
+          </a:p>
+          <a:p>
+            <a:pPr indent="-171450">
+              <a:buFont typeface="Arial"/>
+              <a:buChar char="•"/>
+            </a:pPr>
+            <a:r>
+              <a:rPr lang="en-US" sz="1200" dirty="0" smtClean="0">
+                <a:solidFill>
+                  <a:srgbClr val="000000"/>
+                </a:solidFill>
+                <a:latin typeface="Calibri"/>
+              </a:rPr>
+              <a:t>Price flexibility</a:t>
+            </a:r>
+          </a:p>
+          <a:p>
+            <a:pPr indent="-171450">
+              <a:buFont typeface="Arial"/>
+              <a:buChar char="•"/>
+            </a:pPr>
+            <a:r>
+              <a:rPr lang="en-US" sz="1200" dirty="0" smtClean="0">
+                <a:solidFill>
+                  <a:srgbClr val="000000"/>
+                </a:solidFill>
+                <a:latin typeface="Calibri"/>
+              </a:rPr>
+              <a:t>Full employment</a:t>
+            </a:r>
+            <a:endParaRPr lang="en-US" sz="1200" dirty="0">
+              <a:solidFill>
+                <a:srgbClr val="000000"/>
+              </a:solidFill>
+              <a:latin typeface="Calibri"/>
+            </a:endParaRPr>
+          </a:p>
+          <a:p>
+            <a:endParaRPr lang="en-US" dirty="0"/>
+          </a:p>
+        </p:txBody>
+      </p:sp>
+      <p:sp>
+        <p:nvSpPr>
+          <p:cNvPr id="45" name="CustomShape 7"/>
+          <p:cNvSpPr/>
+          <p:nvPr/>
+        </p:nvSpPr>
+        <p:spPr>
+          <a:xfrm>
+            <a:off x="72886" y="3909204"/>
+            <a:ext cx="2742840" cy="1158300"/>
+          </a:xfrm>
+          <a:prstGeom prst="rect">
+            <a:avLst/>
+          </a:prstGeom>
+          <a:solidFill>
+            <a:schemeClr val="accent6">
+              <a:lumMod val="20000"/>
+              <a:lumOff val="80000"/>
+            </a:schemeClr>
+          </a:solidFill>
+          <a:ln w="9360">
+            <a:solidFill>
+              <a:srgbClr val="4A7EBB"/>
+            </a:solidFill>
+            <a:round/>
+          </a:ln>
+        </p:spPr>
+        <p:txBody>
+          <a:bodyPr lIns="90000" tIns="45000" rIns="90000" bIns="45000"/>
+          <a:lstStyle/>
+          <a:p>
+            <a:pPr algn="ctr">
+              <a:lnSpc>
+                <a:spcPct val="100000"/>
+              </a:lnSpc>
+            </a:pPr>
+            <a:r>
+              <a:rPr lang="en-US" sz="2400" dirty="0">
+                <a:solidFill>
+                  <a:srgbClr val="000000"/>
+                </a:solidFill>
+                <a:latin typeface="Calibri"/>
+              </a:rPr>
+              <a:t>Unemployment</a:t>
+            </a:r>
+            <a:endParaRPr dirty="0"/>
+          </a:p>
+          <a:p>
+            <a:pPr>
+              <a:lnSpc>
+                <a:spcPct val="100000"/>
+              </a:lnSpc>
+            </a:pPr>
+            <a:r>
+              <a:rPr lang="en-US" sz="1400" dirty="0">
+                <a:solidFill>
+                  <a:srgbClr val="000000"/>
+                </a:solidFill>
+                <a:latin typeface="Calibri"/>
+              </a:rPr>
+              <a:t>Chapter 6</a:t>
+            </a:r>
+            <a:r>
+              <a:rPr lang="en-US" sz="1400" dirty="0" smtClean="0">
+                <a:solidFill>
+                  <a:srgbClr val="000000"/>
+                </a:solidFill>
+                <a:latin typeface="Calibri"/>
+              </a:rPr>
+              <a:t>:</a:t>
+            </a:r>
+          </a:p>
+          <a:p>
+            <a:pPr marL="171450" indent="-171450">
+              <a:buFont typeface="Arial" panose="020B0604020202020204" pitchFamily="34" charset="0"/>
+              <a:buChar char="•"/>
+            </a:pPr>
+            <a:r>
+              <a:rPr lang="en-US" sz="1200" dirty="0">
+                <a:solidFill>
+                  <a:srgbClr val="000000"/>
+                </a:solidFill>
+                <a:latin typeface="Calibri"/>
+              </a:rPr>
+              <a:t>Unemployment definitions</a:t>
+            </a:r>
+          </a:p>
+          <a:p>
+            <a:pPr marL="171450" indent="-171450">
+              <a:buFont typeface="Arial" panose="020B0604020202020204" pitchFamily="34" charset="0"/>
+              <a:buChar char="•"/>
+            </a:pPr>
+            <a:r>
+              <a:rPr lang="en-US" sz="1200" dirty="0">
+                <a:solidFill>
+                  <a:srgbClr val="000000"/>
+                </a:solidFill>
+                <a:latin typeface="Calibri"/>
+              </a:rPr>
+              <a:t>Inflation</a:t>
+            </a:r>
+            <a:endParaRPr sz="1200" dirty="0">
+              <a:solidFill>
+                <a:srgbClr val="000000"/>
+              </a:solidFill>
+              <a:latin typeface="Calibri"/>
+            </a:endParaRPr>
+          </a:p>
+          <a:p>
+            <a:pPr>
+              <a:lnSpc>
+                <a:spcPct val="100000"/>
+              </a:lnSpc>
+              <a:buFont typeface="Arial"/>
+              <a:buChar char="•"/>
+            </a:pPr>
+            <a:endParaRPr dirty="0"/>
+          </a:p>
+        </p:txBody>
+      </p:sp>
+      <p:sp>
+        <p:nvSpPr>
+          <p:cNvPr id="46" name="CustomShape 8"/>
+          <p:cNvSpPr/>
+          <p:nvPr/>
+        </p:nvSpPr>
+        <p:spPr>
+          <a:xfrm>
+            <a:off x="81850" y="2699148"/>
+            <a:ext cx="2742840" cy="1185480"/>
           </a:xfrm>
           <a:prstGeom prst="rect">
             <a:avLst/>
@@ -5862,98 +6075,111 @@
           </a:ln>
         </p:spPr>
         <p:txBody>
-          <a:bodyPr/>
+          <a:bodyPr lIns="90000" tIns="45000" rIns="90000" bIns="45000"/>
           <a:lstStyle/>
           <a:p>
+            <a:pPr algn="ctr">
+              <a:lnSpc>
+                <a:spcPct val="100000"/>
+              </a:lnSpc>
+            </a:pPr>
+            <a:r>
+              <a:rPr lang="en-US" sz="2400" dirty="0">
+                <a:solidFill>
+                  <a:srgbClr val="000000"/>
+                </a:solidFill>
+                <a:latin typeface="Calibri"/>
+              </a:rPr>
+              <a:t>Measuring</a:t>
+            </a:r>
+            <a:endParaRPr dirty="0"/>
+          </a:p>
+          <a:p>
             <a:pPr>
               <a:lnSpc>
                 <a:spcPct val="100000"/>
               </a:lnSpc>
             </a:pPr>
             <a:r>
-              <a:rPr lang="en-US" dirty="0">
+              <a:rPr lang="en-US" sz="1200" dirty="0">
                 <a:solidFill>
                   <a:srgbClr val="000000"/>
                 </a:solidFill>
-              </a:rPr>
-              <a:t>Long-Run Economy</a:t>
-            </a:r>
-            <a:endParaRPr lang="en-US" dirty="0" smtClean="0"/>
-          </a:p>
-          <a:p>
-            <a:pPr>
-              <a:lnSpc>
-                <a:spcPct val="100000"/>
-              </a:lnSpc>
+                <a:latin typeface="Calibri"/>
+              </a:rPr>
+              <a:t>Chapter 5:</a:t>
+            </a:r>
+            <a:endParaRPr dirty="0"/>
+          </a:p>
+          <a:p>
+            <a:pPr marL="171450" indent="-171450">
+              <a:lnSpc>
+                <a:spcPct val="100000"/>
+              </a:lnSpc>
+              <a:buFont typeface="Arial" panose="020B0604020202020204" pitchFamily="34" charset="0"/>
+              <a:buChar char="•"/>
             </a:pPr>
             <a:r>
               <a:rPr lang="en-US" sz="1200" dirty="0">
                 <a:solidFill>
                   <a:srgbClr val="000000"/>
                 </a:solidFill>
-              </a:rPr>
-              <a:t>Chapter 7</a:t>
-            </a:r>
-            <a:r>
-              <a:rPr lang="en-US" sz="1200" dirty="0" smtClean="0">
+                <a:latin typeface="Calibri"/>
+              </a:rPr>
+              <a:t>GDP, GNP, Inflation</a:t>
+            </a:r>
+            <a:endParaRPr dirty="0"/>
+          </a:p>
+          <a:p>
+            <a:pPr marL="171450" indent="-171450">
+              <a:lnSpc>
+                <a:spcPct val="100000"/>
+              </a:lnSpc>
+              <a:buFont typeface="Arial" panose="020B0604020202020204" pitchFamily="34" charset="0"/>
+              <a:buChar char="•"/>
+            </a:pPr>
+            <a:r>
+              <a:rPr lang="en-US" sz="1200" dirty="0">
                 <a:solidFill>
                   <a:srgbClr val="000000"/>
                 </a:solidFill>
-              </a:rPr>
-              <a:t>:</a:t>
-            </a:r>
-          </a:p>
-          <a:p>
-            <a:pPr indent="-171450">
-              <a:buFont typeface="Arial"/>
+                <a:latin typeface="Calibri"/>
+              </a:rPr>
+              <a:t>Measurements</a:t>
+            </a:r>
+            <a:endParaRPr dirty="0"/>
+          </a:p>
+          <a:p>
+            <a:pPr marL="171450" indent="-171450">
+              <a:lnSpc>
+                <a:spcPct val="100000"/>
+              </a:lnSpc>
+              <a:buFont typeface="Arial" panose="020B0604020202020204" pitchFamily="34" charset="0"/>
               <a:buChar char="•"/>
             </a:pPr>
             <a:r>
-              <a:rPr lang="en-US" sz="1200" dirty="0" smtClean="0">
+              <a:rPr lang="en-US" sz="1200" dirty="0">
                 <a:solidFill>
                   <a:srgbClr val="000000"/>
                 </a:solidFill>
                 <a:latin typeface="Calibri"/>
               </a:rPr>
-              <a:t>Price flexibility</a:t>
-            </a:r>
-          </a:p>
-          <a:p>
-            <a:pPr indent="-171450">
-              <a:buFont typeface="Arial"/>
-              <a:buChar char="•"/>
-            </a:pPr>
-            <a:r>
-              <a:rPr lang="en-US" sz="1200" dirty="0" smtClean="0">
-                <a:solidFill>
-                  <a:srgbClr val="000000"/>
-                </a:solidFill>
-                <a:latin typeface="Calibri"/>
-              </a:rPr>
-              <a:t>Full employment</a:t>
-            </a:r>
-            <a:endParaRPr lang="en-US" sz="1200" dirty="0">
-              <a:solidFill>
-                <a:srgbClr val="000000"/>
-              </a:solidFill>
-              <a:latin typeface="Calibri"/>
-            </a:endParaRPr>
-          </a:p>
-          <a:p>
-            <a:endParaRPr lang="en-US" dirty="0"/>
-          </a:p>
-        </p:txBody>
-      </p:sp>
-      <p:sp>
-        <p:nvSpPr>
-          <p:cNvPr id="45" name="CustomShape 7"/>
+              <a:t>Accounting</a:t>
+            </a:r>
+            <a:endParaRPr dirty="0"/>
+          </a:p>
+        </p:txBody>
+      </p:sp>
+      <p:sp>
+        <p:nvSpPr>
+          <p:cNvPr id="47" name="CustomShape 9"/>
           <p:cNvSpPr/>
           <p:nvPr/>
         </p:nvSpPr>
         <p:spPr>
           <a:xfrm>
-            <a:off x="65861" y="4236676"/>
-            <a:ext cx="2742840" cy="1158300"/>
+            <a:off x="76320" y="838200"/>
+            <a:ext cx="2742840" cy="548640"/>
           </a:xfrm>
           <a:prstGeom prst="rect">
             <a:avLst/>
@@ -5986,259 +6212,6 @@
               </a:lnSpc>
             </a:pPr>
             <a:r>
-              <a:rPr lang="en-US" sz="2400" dirty="0">
-                <a:solidFill>
-                  <a:srgbClr val="000000"/>
-                </a:solidFill>
-                <a:latin typeface="Calibri"/>
-              </a:rPr>
-              <a:t>Unemployment</a:t>
-            </a:r>
-            <a:endParaRPr dirty="0"/>
-          </a:p>
-          <a:p>
-            <a:pPr>
-              <a:lnSpc>
-                <a:spcPct val="100000"/>
-              </a:lnSpc>
-            </a:pPr>
-            <a:r>
-              <a:rPr lang="en-US" sz="1400" dirty="0">
-                <a:solidFill>
-                  <a:srgbClr val="000000"/>
-                </a:solidFill>
-                <a:latin typeface="Calibri"/>
-              </a:rPr>
-              <a:t>Chapter 6</a:t>
-            </a:r>
-            <a:r>
-              <a:rPr lang="en-US" sz="1400" dirty="0" smtClean="0">
-                <a:solidFill>
-                  <a:srgbClr val="000000"/>
-                </a:solidFill>
-                <a:latin typeface="Calibri"/>
-              </a:rPr>
-              <a:t>:</a:t>
-            </a:r>
-          </a:p>
-          <a:p>
-            <a:pPr marL="171450" indent="-171450">
-              <a:buFont typeface="Arial" panose="020B0604020202020204" pitchFamily="34" charset="0"/>
-              <a:buChar char="•"/>
-            </a:pPr>
-            <a:r>
-              <a:rPr lang="en-US" sz="1200" dirty="0">
-                <a:solidFill>
-                  <a:srgbClr val="000000"/>
-                </a:solidFill>
-                <a:latin typeface="Calibri"/>
-              </a:rPr>
-              <a:t>Unemployment definitions</a:t>
-            </a:r>
-          </a:p>
-          <a:p>
-            <a:pPr marL="171450" indent="-171450">
-              <a:buFont typeface="Arial" panose="020B0604020202020204" pitchFamily="34" charset="0"/>
-              <a:buChar char="•"/>
-            </a:pPr>
-            <a:r>
-              <a:rPr lang="en-US" sz="1200" dirty="0">
-                <a:solidFill>
-                  <a:srgbClr val="000000"/>
-                </a:solidFill>
-                <a:latin typeface="Calibri"/>
-              </a:rPr>
-              <a:t>Inflation</a:t>
-            </a:r>
-            <a:endParaRPr sz="1200" dirty="0">
-              <a:solidFill>
-                <a:srgbClr val="000000"/>
-              </a:solidFill>
-              <a:latin typeface="Calibri"/>
-            </a:endParaRPr>
-          </a:p>
-          <a:p>
-            <a:pPr>
-              <a:lnSpc>
-                <a:spcPct val="100000"/>
-              </a:lnSpc>
-              <a:buFont typeface="Arial"/>
-              <a:buChar char="•"/>
-            </a:pPr>
-            <a:endParaRPr dirty="0"/>
-          </a:p>
-        </p:txBody>
-      </p:sp>
-      <p:sp>
-        <p:nvSpPr>
-          <p:cNvPr id="46" name="CustomShape 8"/>
-          <p:cNvSpPr/>
-          <p:nvPr/>
-        </p:nvSpPr>
-        <p:spPr>
-          <a:xfrm>
-            <a:off x="65861" y="2996607"/>
-            <a:ext cx="2742840" cy="1185480"/>
-          </a:xfrm>
-          <a:prstGeom prst="rect">
-            <a:avLst/>
-          </a:prstGeom>
-          <a:gradFill>
-            <a:gsLst>
-              <a:gs pos="0">
-                <a:srgbClr val="BFD4FE"/>
-              </a:gs>
-              <a:gs pos="100000">
-                <a:srgbClr val="E5EFFF"/>
-              </a:gs>
-            </a:gsLst>
-            <a:lin ang="16200000"/>
-          </a:gradFill>
-          <a:ln w="9360">
-            <a:solidFill>
-              <a:srgbClr val="4A7EBB"/>
-            </a:solidFill>
-            <a:round/>
-          </a:ln>
-        </p:spPr>
-        <p:txBody>
-          <a:bodyPr lIns="90000" tIns="45000" rIns="90000" bIns="45000"/>
-          <a:lstStyle/>
-          <a:p>
-            <a:pPr algn="ctr">
-              <a:lnSpc>
-                <a:spcPct val="100000"/>
-              </a:lnSpc>
-            </a:pPr>
-            <a:r>
-              <a:rPr lang="en-US" sz="2400" dirty="0">
-                <a:solidFill>
-                  <a:srgbClr val="000000"/>
-                </a:solidFill>
-                <a:latin typeface="Calibri"/>
-              </a:rPr>
-              <a:t>Measuring</a:t>
-            </a:r>
-            <a:endParaRPr dirty="0"/>
-          </a:p>
-          <a:p>
-            <a:pPr>
-              <a:lnSpc>
-                <a:spcPct val="100000"/>
-              </a:lnSpc>
-            </a:pPr>
-            <a:r>
-              <a:rPr lang="en-US" sz="1200" dirty="0">
-                <a:solidFill>
-                  <a:srgbClr val="000000"/>
-                </a:solidFill>
-                <a:latin typeface="Calibri"/>
-              </a:rPr>
-              <a:t>Chapter 5:</a:t>
-            </a:r>
-            <a:endParaRPr dirty="0"/>
-          </a:p>
-          <a:p>
-            <a:pPr marL="171450" indent="-171450">
-              <a:lnSpc>
-                <a:spcPct val="100000"/>
-              </a:lnSpc>
-              <a:buFont typeface="Arial" panose="020B0604020202020204" pitchFamily="34" charset="0"/>
-              <a:buChar char="•"/>
-            </a:pPr>
-            <a:r>
-              <a:rPr lang="en-US" sz="1200" dirty="0">
-                <a:solidFill>
-                  <a:srgbClr val="000000"/>
-                </a:solidFill>
-                <a:latin typeface="Calibri"/>
-              </a:rPr>
-              <a:t>GDP, GNP, Inflation</a:t>
-            </a:r>
-            <a:endParaRPr dirty="0"/>
-          </a:p>
-          <a:p>
-            <a:pPr marL="171450" indent="-171450">
-              <a:lnSpc>
-                <a:spcPct val="100000"/>
-              </a:lnSpc>
-              <a:buFont typeface="Arial" panose="020B0604020202020204" pitchFamily="34" charset="0"/>
-              <a:buChar char="•"/>
-            </a:pPr>
-            <a:r>
-              <a:rPr lang="en-US" sz="1200" dirty="0">
-                <a:solidFill>
-                  <a:srgbClr val="000000"/>
-                </a:solidFill>
-                <a:latin typeface="Calibri"/>
-              </a:rPr>
-              <a:t>Measurements</a:t>
-            </a:r>
-            <a:endParaRPr dirty="0"/>
-          </a:p>
-          <a:p>
-            <a:pPr marL="171450" indent="-171450">
-              <a:lnSpc>
-                <a:spcPct val="100000"/>
-              </a:lnSpc>
-              <a:buFont typeface="Arial" panose="020B0604020202020204" pitchFamily="34" charset="0"/>
-              <a:buChar char="•"/>
-            </a:pPr>
-            <a:r>
-              <a:rPr lang="en-US" sz="1200" dirty="0">
-                <a:solidFill>
-                  <a:srgbClr val="000000"/>
-                </a:solidFill>
-                <a:latin typeface="Calibri"/>
-              </a:rPr>
-              <a:t>Accounting</a:t>
-            </a:r>
-            <a:endParaRPr dirty="0"/>
-          </a:p>
-        </p:txBody>
-      </p:sp>
-      <p:sp>
-        <p:nvSpPr>
-          <p:cNvPr id="47" name="CustomShape 9"/>
-          <p:cNvSpPr/>
-          <p:nvPr/>
-        </p:nvSpPr>
-        <p:spPr>
-          <a:xfrm>
-            <a:off x="76320" y="838200"/>
-            <a:ext cx="2742840" cy="548640"/>
-          </a:xfrm>
-          <a:prstGeom prst="rect">
-            <a:avLst/>
-          </a:prstGeom>
-          <a:gradFill>
-            <a:gsLst>
-              <a:gs pos="0">
-                <a:srgbClr val="BFD4FE"/>
-              </a:gs>
-              <a:gs pos="100000">
-                <a:srgbClr val="E5EFFF"/>
-              </a:gs>
-            </a:gsLst>
-            <a:lin ang="16200000"/>
-          </a:gradFill>
-          <a:ln w="9360">
-            <a:solidFill>
-              <a:srgbClr val="4A7EBB"/>
-            </a:solidFill>
-            <a:round/>
-          </a:ln>
-        </p:spPr>
-        <p:txBody>
-          <a:bodyPr lIns="90000" tIns="45000" rIns="90000" bIns="45000"/>
-          <a:lstStyle/>
-          <a:p>
-            <a:pPr algn="ctr">
-              <a:lnSpc>
-                <a:spcPct val="100000"/>
-              </a:lnSpc>
-            </a:pPr>
-            <a:r>
               <a:rPr lang="en-US" sz="2400">
                 <a:solidFill>
                   <a:srgbClr val="000000"/>
@@ -7369,13 +7342,34 @@
               <a:buChar char="•"/>
             </a:pPr>
             <a:r>
-              <a:rPr lang="en-US" sz="1200" dirty="0">
+              <a:rPr lang="en-US" sz="1200" strike="sngStrike" smtClean="0">
                 <a:solidFill>
                   <a:srgbClr val="000000"/>
                 </a:solidFill>
               </a:rPr>
-              <a:t>Government spending and taxes</a:t>
-            </a:r>
+              <a:t>Gov’t </a:t>
+            </a:r>
+            <a:r>
+              <a:rPr lang="en-US" sz="1200" strike="sngStrike" dirty="0">
+                <a:solidFill>
+                  <a:srgbClr val="000000"/>
+                </a:solidFill>
+              </a:rPr>
+              <a:t>spending and </a:t>
+            </a:r>
+            <a:r>
+              <a:rPr lang="en-US" sz="1200" strike="sngStrike" dirty="0" smtClean="0">
+                <a:solidFill>
+                  <a:srgbClr val="000000"/>
+                </a:solidFill>
+              </a:rPr>
+              <a:t>multiplier dynamics</a:t>
+            </a:r>
+            <a:endParaRPr lang="en-US" sz="1200" strike="sngStrike" dirty="0">
+              <a:solidFill>
+                <a:srgbClr val="000000"/>
+              </a:solidFill>
+            </a:endParaRPr>
           </a:p>
           <a:p>
             <a:pPr marL="171450" indent="-171450">
@@ -7386,14 +7380,14 @@
               <a:buChar char="•"/>
             </a:pPr>
             <a:r>
-              <a:rPr lang="en-US" sz="1200" dirty="0">
+              <a:rPr lang="en-US" sz="1200" strike="sngStrike" dirty="0">
                 <a:solidFill>
                   <a:srgbClr val="000000"/>
                 </a:solidFill>
               </a:rPr>
               <a:t>Exports and Imports</a:t>
             </a:r>
-            <a:endParaRPr lang="en-US" sz="1200" dirty="0"/>
+            <a:endParaRPr lang="en-US" sz="1200" strike="sngStrike" dirty="0"/>
           </a:p>
         </p:txBody>
       </p:sp>

--- a/jdocs/Macro1/Chapter0_Roadmap.pptx
+++ b/jdocs/Macro1/Chapter0_Roadmap.pptx
@@ -5820,238 +5820,8 @@
         </p:nvSpPr>
         <p:spPr>
           <a:xfrm>
-            <a:off x="72886" y="5100972"/>
-            <a:ext cx="2742840" cy="941760"/>
-          </a:xfrm>
-          <a:prstGeom prst="rect">
-            <a:avLst/>
-          </a:prstGeom>
-          <a:solidFill>
-            <a:schemeClr val="accent6">
-              <a:lumMod val="20000"/>
-              <a:lumOff val="80000"/>
-            </a:schemeClr>
-          </a:solidFill>
-          <a:ln w="9360">
-            <a:solidFill>
-              <a:srgbClr val="4A7EBB"/>
-            </a:solidFill>
-            <a:round/>
-          </a:ln>
-        </p:spPr>
-        <p:txBody>
-          <a:bodyPr/>
-          <a:lstStyle/>
-          <a:p>
-            <a:pPr>
-              <a:lnSpc>
-                <a:spcPct val="100000"/>
-              </a:lnSpc>
-            </a:pPr>
-            <a:r>
-              <a:rPr lang="en-US" dirty="0">
-                <a:solidFill>
-                  <a:srgbClr val="000000"/>
-                </a:solidFill>
-              </a:rPr>
-              <a:t>Long-Run Economy</a:t>
-            </a:r>
-            <a:endParaRPr lang="en-US" dirty="0" smtClean="0"/>
-          </a:p>
-          <a:p>
-            <a:pPr>
-              <a:lnSpc>
-                <a:spcPct val="100000"/>
-              </a:lnSpc>
-            </a:pPr>
-            <a:r>
-              <a:rPr lang="en-US" sz="1200" dirty="0">
-                <a:solidFill>
-                  <a:srgbClr val="000000"/>
-                </a:solidFill>
-              </a:rPr>
-              <a:t>Chapter 7</a:t>
-            </a:r>
-            <a:r>
-              <a:rPr lang="en-US" sz="1200" dirty="0" smtClean="0">
-                <a:solidFill>
-                  <a:srgbClr val="000000"/>
-                </a:solidFill>
-              </a:rPr>
-              <a:t>:</a:t>
-            </a:r>
-          </a:p>
-          <a:p>
-            <a:pPr indent="-171450">
-              <a:buFont typeface="Arial"/>
-              <a:buChar char="•"/>
-            </a:pPr>
-            <a:r>
-              <a:rPr lang="en-US" sz="1200" dirty="0" smtClean="0">
-                <a:solidFill>
-                  <a:srgbClr val="000000"/>
-                </a:solidFill>
-                <a:latin typeface="Calibri"/>
-              </a:rPr>
-              <a:t>Price flexibility</a:t>
-            </a:r>
-          </a:p>
-          <a:p>
-            <a:pPr indent="-171450">
-              <a:buFont typeface="Arial"/>
-              <a:buChar char="•"/>
-            </a:pPr>
-            <a:r>
-              <a:rPr lang="en-US" sz="1200" dirty="0" smtClean="0">
-                <a:solidFill>
-                  <a:srgbClr val="000000"/>
-                </a:solidFill>
-                <a:latin typeface="Calibri"/>
-              </a:rPr>
-              <a:t>Full employment</a:t>
-            </a:r>
-            <a:endParaRPr lang="en-US" sz="1200" dirty="0">
-              <a:solidFill>
-                <a:srgbClr val="000000"/>
-              </a:solidFill>
-              <a:latin typeface="Calibri"/>
-            </a:endParaRPr>
-          </a:p>
-          <a:p>
-            <a:endParaRPr lang="en-US" dirty="0"/>
-          </a:p>
-        </p:txBody>
-      </p:sp>
-      <p:sp>
-        <p:nvSpPr>
-          <p:cNvPr id="45" name="CustomShape 7"/>
-          <p:cNvSpPr/>
-          <p:nvPr/>
-        </p:nvSpPr>
-        <p:spPr>
-          <a:xfrm>
-            <a:off x="72886" y="3909204"/>
-            <a:ext cx="2742840" cy="1158300"/>
-          </a:xfrm>
-          <a:prstGeom prst="rect">
-            <a:avLst/>
-          </a:prstGeom>
-          <a:solidFill>
-            <a:schemeClr val="accent6">
-              <a:lumMod val="20000"/>
-              <a:lumOff val="80000"/>
-            </a:schemeClr>
-          </a:solidFill>
-          <a:ln w="9360">
-            <a:solidFill>
-              <a:srgbClr val="4A7EBB"/>
-            </a:solidFill>
-            <a:round/>
-          </a:ln>
-        </p:spPr>
-        <p:txBody>
-          <a:bodyPr lIns="90000" tIns="45000" rIns="90000" bIns="45000"/>
-          <a:lstStyle/>
-          <a:p>
-            <a:pPr algn="ctr">
-              <a:lnSpc>
-                <a:spcPct val="100000"/>
-              </a:lnSpc>
-            </a:pPr>
-            <a:r>
-              <a:rPr lang="en-US" sz="2400" dirty="0">
-                <a:solidFill>
-                  <a:srgbClr val="000000"/>
-                </a:solidFill>
-                <a:latin typeface="Calibri"/>
-              </a:rPr>
-              <a:t>Unemployment</a:t>
-            </a:r>
-            <a:endParaRPr dirty="0"/>
-          </a:p>
-          <a:p>
-            <a:pPr>
-              <a:lnSpc>
-                <a:spcPct val="100000"/>
-              </a:lnSpc>
-            </a:pPr>
-            <a:r>
-              <a:rPr lang="en-US" sz="1400" dirty="0">
-                <a:solidFill>
-                  <a:srgbClr val="000000"/>
-                </a:solidFill>
-                <a:latin typeface="Calibri"/>
-              </a:rPr>
-              <a:t>Chapter 6</a:t>
-            </a:r>
-            <a:r>
-              <a:rPr lang="en-US" sz="1400" dirty="0" smtClean="0">
-                <a:solidFill>
-                  <a:srgbClr val="000000"/>
-                </a:solidFill>
-                <a:latin typeface="Calibri"/>
-              </a:rPr>
-              <a:t>:</a:t>
-            </a:r>
-          </a:p>
-          <a:p>
-            <a:pPr marL="171450" indent="-171450">
-              <a:buFont typeface="Arial" panose="020B0604020202020204" pitchFamily="34" charset="0"/>
-              <a:buChar char="•"/>
-            </a:pPr>
-            <a:r>
-              <a:rPr lang="en-US" sz="1200" dirty="0">
-                <a:solidFill>
-                  <a:srgbClr val="000000"/>
-                </a:solidFill>
-                <a:latin typeface="Calibri"/>
-              </a:rPr>
-              <a:t>Unemployment definitions</a:t>
-            </a:r>
-          </a:p>
-          <a:p>
-            <a:pPr marL="171450" indent="-171450">
-              <a:buFont typeface="Arial" panose="020B0604020202020204" pitchFamily="34" charset="0"/>
-              <a:buChar char="•"/>
-            </a:pPr>
-            <a:r>
-              <a:rPr lang="en-US" sz="1200" dirty="0">
-                <a:solidFill>
-                  <a:srgbClr val="000000"/>
-                </a:solidFill>
-                <a:latin typeface="Calibri"/>
-              </a:rPr>
-              <a:t>Inflation</a:t>
-            </a:r>
-            <a:endParaRPr sz="1200" dirty="0">
-              <a:solidFill>
-                <a:srgbClr val="000000"/>
-              </a:solidFill>
-              <a:latin typeface="Calibri"/>
-            </a:endParaRPr>
-          </a:p>
-          <a:p>
-            <a:pPr>
-              <a:lnSpc>
-                <a:spcPct val="100000"/>
-              </a:lnSpc>
-              <a:buFont typeface="Arial"/>
-              <a:buChar char="•"/>
-            </a:pPr>
-            <a:endParaRPr dirty="0"/>
-          </a:p>
-        </p:txBody>
-      </p:sp>
-      <p:sp>
-        <p:nvSpPr>
-          <p:cNvPr id="46" name="CustomShape 8"/>
-          <p:cNvSpPr/>
-          <p:nvPr/>
-        </p:nvSpPr>
-        <p:spPr>
-          <a:xfrm>
-            <a:off x="81850" y="2699148"/>
-            <a:ext cx="2742840" cy="1185480"/>
+            <a:off x="69898" y="5102752"/>
+            <a:ext cx="2742840" cy="1069447"/>
           </a:xfrm>
           <a:prstGeom prst="rect">
             <a:avLst/>
@@ -6078,11 +5848,7 @@
           <a:bodyPr lIns="90000" tIns="45000" rIns="90000" bIns="45000"/>
           <a:lstStyle/>
           <a:p>
-            <a:pPr algn="ctr">
-              <a:lnSpc>
-                <a:spcPct val="100000"/>
-              </a:lnSpc>
-            </a:pPr>
+            <a:pPr algn="ctr"/>
             <a:r>
               <a:rPr lang="en-US" sz="2400" dirty="0">
                 <a:solidFill>
@@ -6090,16 +5856,16 @@
                 </a:solidFill>
                 <a:latin typeface="Calibri"/>
               </a:rPr>
-              <a:t>Measuring</a:t>
-            </a:r>
-            <a:endParaRPr dirty="0"/>
-          </a:p>
-          <a:p>
-            <a:pPr>
-              <a:lnSpc>
-                <a:spcPct val="100000"/>
-              </a:lnSpc>
-            </a:pPr>
+              <a:t>Long-Run Economy</a:t>
+            </a:r>
+            <a:endParaRPr lang="en-US" sz="2400" dirty="0">
+              <a:solidFill>
+                <a:srgbClr val="000000"/>
+              </a:solidFill>
+              <a:latin typeface="Calibri"/>
+            </a:endParaRPr>
+          </a:p>
+          <a:p>
             <a:r>
               <a:rPr lang="en-US" sz="1200" dirty="0">
                 <a:solidFill>
@@ -6107,15 +5873,20 @@
                 </a:solidFill>
                 <a:latin typeface="Calibri"/>
               </a:rPr>
-              <a:t>Chapter 5:</a:t>
-            </a:r>
-            <a:endParaRPr dirty="0"/>
-          </a:p>
-          <a:p>
-            <a:pPr marL="171450" indent="-171450">
-              <a:lnSpc>
-                <a:spcPct val="100000"/>
-              </a:lnSpc>
+              <a:t>Chapter 7</a:t>
+            </a:r>
+            <a:r>
+              <a:rPr lang="en-US" sz="1200" dirty="0">
+                <a:solidFill>
+                  <a:srgbClr val="000000"/>
+                </a:solidFill>
+                <a:latin typeface="Calibri"/>
+              </a:rPr>
+              <a:t>:</a:t>
+            </a:r>
+          </a:p>
+          <a:p>
+            <a:pPr marL="285750" indent="-285750">
               <a:buFont typeface="Arial" panose="020B0604020202020204" pitchFamily="34" charset="0"/>
               <a:buChar char="•"/>
             </a:pPr>
@@ -6126,15 +5897,11 @@
                 </a:solidFill>
                 <a:latin typeface="Calibri"/>
               </a:rPr>
-              <a:t>GDP, GNP, Inflation</a:t>
-            </a:r>
-            <a:endParaRPr dirty="0"/>
-          </a:p>
-          <a:p>
-            <a:pPr marL="171450" indent="-171450">
-              <a:lnSpc>
-                <a:spcPct val="100000"/>
-              </a:lnSpc>
+              <a:t>Price flexibility</a:t>
+            </a:r>
+          </a:p>
+          <a:p>
+            <a:pPr marL="285750" indent="-285750">
               <a:buFont typeface="Arial" panose="020B0604020202020204" pitchFamily="34" charset="0"/>
               <a:buChar char="•"/>
             </a:pPr>
@@ -6145,41 +5912,39 @@
                 </a:solidFill>
                 <a:latin typeface="Calibri"/>
               </a:rPr>
-              <a:t>Measurements</a:t>
-            </a:r>
-            <a:endParaRPr dirty="0"/>
-          </a:p>
-          <a:p>
-            <a:pPr marL="171450" indent="-171450">
-              <a:lnSpc>
-                <a:spcPct val="100000"/>
-              </a:lnSpc>
+              <a:t>Full employment</a:t>
+            </a:r>
+            <a:endParaRPr lang="en-US" sz="1200" dirty="0">
+              <a:solidFill>
+                <a:srgbClr val="000000"/>
+              </a:solidFill>
+              <a:latin typeface="Calibri"/>
+            </a:endParaRPr>
+          </a:p>
+          <a:p>
+            <a:pPr marL="285750" indent="-285750">
               <a:buFont typeface="Arial" panose="020B0604020202020204" pitchFamily="34" charset="0"/>
               <a:buChar char="•"/>
             </a:pPr>
-            <a:r>
-              <a:rPr lang="en-US" sz="1200" dirty="0">
-                <a:solidFill>
-                  <a:srgbClr val="000000"/>
-                </a:solidFill>
-                <a:latin typeface="Calibri"/>
-              </a:rPr>
-              <a:t>Accounting</a:t>
-            </a:r>
-            <a:endParaRPr dirty="0"/>
-          </a:p>
-        </p:txBody>
-      </p:sp>
-      <p:sp>
-        <p:nvSpPr>
-          <p:cNvPr id="47" name="CustomShape 9"/>
+            <a:endParaRPr lang="en-US" sz="1400" dirty="0">
+              <a:solidFill>
+                <a:srgbClr val="000000"/>
+              </a:solidFill>
+              <a:latin typeface="Calibri"/>
+            </a:endParaRPr>
+          </a:p>
+        </p:txBody>
+      </p:sp>
+      <p:sp>
+        <p:nvSpPr>
+          <p:cNvPr id="45" name="CustomShape 7"/>
           <p:cNvSpPr/>
           <p:nvPr/>
         </p:nvSpPr>
         <p:spPr>
           <a:xfrm>
-            <a:off x="76320" y="838200"/>
-            <a:ext cx="2742840" cy="548640"/>
+            <a:off x="72886" y="3909204"/>
+            <a:ext cx="2742840" cy="1158300"/>
           </a:xfrm>
           <a:prstGeom prst="rect">
             <a:avLst/>
@@ -6206,6 +5971,257 @@
           <a:bodyPr lIns="90000" tIns="45000" rIns="90000" bIns="45000"/>
           <a:lstStyle/>
           <a:p>
+            <a:pPr algn="ctr"/>
+            <a:r>
+              <a:rPr lang="en-US" sz="2400" dirty="0">
+                <a:solidFill>
+                  <a:srgbClr val="000000"/>
+                </a:solidFill>
+                <a:latin typeface="Calibri"/>
+              </a:rPr>
+              <a:t>Unemployment</a:t>
+            </a:r>
+            <a:endParaRPr sz="2400" dirty="0">
+              <a:solidFill>
+                <a:srgbClr val="000000"/>
+              </a:solidFill>
+              <a:latin typeface="Calibri"/>
+            </a:endParaRPr>
+          </a:p>
+          <a:p>
+            <a:r>
+              <a:rPr lang="en-US" sz="1200" dirty="0">
+                <a:solidFill>
+                  <a:srgbClr val="000000"/>
+                </a:solidFill>
+                <a:latin typeface="Calibri"/>
+              </a:rPr>
+              <a:t>Chapter 6</a:t>
+            </a:r>
+            <a:r>
+              <a:rPr lang="en-US" sz="1200" dirty="0">
+                <a:solidFill>
+                  <a:srgbClr val="000000"/>
+                </a:solidFill>
+                <a:latin typeface="Calibri"/>
+              </a:rPr>
+              <a:t>:</a:t>
+            </a:r>
+          </a:p>
+          <a:p>
+            <a:pPr marL="285750" indent="-285750">
+              <a:buFont typeface="Arial" panose="020B0604020202020204" pitchFamily="34" charset="0"/>
+              <a:buChar char="•"/>
+            </a:pPr>
+            <a:r>
+              <a:rPr lang="en-US" sz="1200" dirty="0">
+                <a:solidFill>
+                  <a:srgbClr val="000000"/>
+                </a:solidFill>
+                <a:latin typeface="Calibri"/>
+              </a:rPr>
+              <a:t>Unemployment definitions</a:t>
+            </a:r>
+          </a:p>
+          <a:p>
+            <a:pPr marL="285750" indent="-285750">
+              <a:buFont typeface="Arial" panose="020B0604020202020204" pitchFamily="34" charset="0"/>
+              <a:buChar char="•"/>
+            </a:pPr>
+            <a:r>
+              <a:rPr lang="en-US" sz="1200" dirty="0">
+                <a:solidFill>
+                  <a:srgbClr val="000000"/>
+                </a:solidFill>
+                <a:latin typeface="Calibri"/>
+              </a:rPr>
+              <a:t>Inflation</a:t>
+            </a:r>
+            <a:endParaRPr sz="1200" dirty="0">
+              <a:solidFill>
+                <a:srgbClr val="000000"/>
+              </a:solidFill>
+              <a:latin typeface="Calibri"/>
+            </a:endParaRPr>
+          </a:p>
+          <a:p>
+            <a:pPr marL="285750" indent="-285750">
+              <a:buFont typeface="Arial" panose="020B0604020202020204" pitchFamily="34" charset="0"/>
+              <a:buChar char="•"/>
+            </a:pPr>
+            <a:endParaRPr sz="1400" dirty="0">
+              <a:solidFill>
+                <a:srgbClr val="000000"/>
+              </a:solidFill>
+              <a:latin typeface="Calibri"/>
+            </a:endParaRPr>
+          </a:p>
+        </p:txBody>
+      </p:sp>
+      <p:sp>
+        <p:nvSpPr>
+          <p:cNvPr id="46" name="CustomShape 8"/>
+          <p:cNvSpPr/>
+          <p:nvPr/>
+        </p:nvSpPr>
+        <p:spPr>
+          <a:xfrm>
+            <a:off x="81850" y="2699148"/>
+            <a:ext cx="2742840" cy="1185480"/>
+          </a:xfrm>
+          <a:prstGeom prst="rect">
+            <a:avLst/>
+          </a:prstGeom>
+          <a:gradFill>
+            <a:gsLst>
+              <a:gs pos="0">
+                <a:srgbClr val="BFD4FE"/>
+              </a:gs>
+              <a:gs pos="100000">
+                <a:srgbClr val="E5EFFF"/>
+              </a:gs>
+            </a:gsLst>
+            <a:lin ang="16200000"/>
+          </a:gradFill>
+          <a:ln w="9360">
+            <a:solidFill>
+              <a:srgbClr val="4A7EBB"/>
+            </a:solidFill>
+            <a:round/>
+          </a:ln>
+        </p:spPr>
+        <p:txBody>
+          <a:bodyPr lIns="90000" tIns="45000" rIns="90000" bIns="45000"/>
+          <a:lstStyle/>
+          <a:p>
+            <a:pPr algn="ctr">
+              <a:lnSpc>
+                <a:spcPct val="100000"/>
+              </a:lnSpc>
+            </a:pPr>
+            <a:r>
+              <a:rPr lang="en-US" sz="2400" dirty="0">
+                <a:solidFill>
+                  <a:srgbClr val="000000"/>
+                </a:solidFill>
+                <a:latin typeface="Calibri"/>
+              </a:rPr>
+              <a:t>Measuring</a:t>
+            </a:r>
+            <a:endParaRPr dirty="0"/>
+          </a:p>
+          <a:p>
+            <a:pPr>
+              <a:lnSpc>
+                <a:spcPct val="100000"/>
+              </a:lnSpc>
+            </a:pPr>
+            <a:r>
+              <a:rPr lang="en-US" sz="1200" dirty="0">
+                <a:solidFill>
+                  <a:srgbClr val="000000"/>
+                </a:solidFill>
+                <a:latin typeface="Calibri"/>
+              </a:rPr>
+              <a:t>Chapter 5:</a:t>
+            </a:r>
+            <a:endParaRPr dirty="0"/>
+          </a:p>
+          <a:p>
+            <a:pPr marL="171450" indent="-171450">
+              <a:lnSpc>
+                <a:spcPct val="100000"/>
+              </a:lnSpc>
+              <a:buFont typeface="Arial" panose="020B0604020202020204" pitchFamily="34" charset="0"/>
+              <a:buChar char="•"/>
+            </a:pPr>
+            <a:r>
+              <a:rPr lang="en-US" sz="1200" dirty="0">
+                <a:solidFill>
+                  <a:srgbClr val="000000"/>
+                </a:solidFill>
+                <a:latin typeface="Calibri"/>
+              </a:rPr>
+              <a:t>GDP, GNP, Inflation</a:t>
+            </a:r>
+            <a:endParaRPr dirty="0"/>
+          </a:p>
+          <a:p>
+            <a:pPr marL="171450" indent="-171450">
+              <a:lnSpc>
+                <a:spcPct val="100000"/>
+              </a:lnSpc>
+              <a:buFont typeface="Arial" panose="020B0604020202020204" pitchFamily="34" charset="0"/>
+              <a:buChar char="•"/>
+            </a:pPr>
+            <a:r>
+              <a:rPr lang="en-US" sz="1200" dirty="0">
+                <a:solidFill>
+                  <a:srgbClr val="000000"/>
+                </a:solidFill>
+                <a:latin typeface="Calibri"/>
+              </a:rPr>
+              <a:t>Measurements</a:t>
+            </a:r>
+            <a:endParaRPr dirty="0"/>
+          </a:p>
+          <a:p>
+            <a:pPr marL="171450" indent="-171450">
+              <a:lnSpc>
+                <a:spcPct val="100000"/>
+              </a:lnSpc>
+              <a:buFont typeface="Arial" panose="020B0604020202020204" pitchFamily="34" charset="0"/>
+              <a:buChar char="•"/>
+            </a:pPr>
+            <a:r>
+              <a:rPr lang="en-US" sz="1200" dirty="0">
+                <a:solidFill>
+                  <a:srgbClr val="000000"/>
+                </a:solidFill>
+                <a:latin typeface="Calibri"/>
+              </a:rPr>
+              <a:t>Accounting</a:t>
+            </a:r>
+            <a:endParaRPr dirty="0"/>
+          </a:p>
+        </p:txBody>
+      </p:sp>
+      <p:sp>
+        <p:nvSpPr>
+          <p:cNvPr id="47" name="CustomShape 9"/>
+          <p:cNvSpPr/>
+          <p:nvPr/>
+        </p:nvSpPr>
+        <p:spPr>
+          <a:xfrm>
+            <a:off x="76320" y="838200"/>
+            <a:ext cx="2742840" cy="548640"/>
+          </a:xfrm>
+          <a:prstGeom prst="rect">
+            <a:avLst/>
+          </a:prstGeom>
+          <a:gradFill>
+            <a:gsLst>
+              <a:gs pos="0">
+                <a:srgbClr val="BFD4FE"/>
+              </a:gs>
+              <a:gs pos="100000">
+                <a:srgbClr val="E5EFFF"/>
+              </a:gs>
+            </a:gsLst>
+            <a:lin ang="16200000"/>
+          </a:gradFill>
+          <a:ln w="9360">
+            <a:solidFill>
+              <a:srgbClr val="4A7EBB"/>
+            </a:solidFill>
+            <a:round/>
+          </a:ln>
+        </p:spPr>
+        <p:txBody>
+          <a:bodyPr lIns="90000" tIns="45000" rIns="90000" bIns="45000"/>
+          <a:lstStyle/>
+          <a:p>
             <a:pPr algn="ctr">
               <a:lnSpc>
                 <a:spcPct val="100000"/>
@@ -7342,7 +7358,7 @@
               <a:buChar char="•"/>
             </a:pPr>
             <a:r>
-              <a:rPr lang="en-US" sz="1200" strike="sngStrike" smtClean="0">
+              <a:rPr lang="en-US" sz="1200" dirty="0" smtClean="0">
                 <a:solidFill>
                   <a:srgbClr val="000000"/>
                 </a:solidFill>
@@ -7350,7 +7366,7 @@
               <a:t>Gov’t </a:t>
             </a:r>
             <a:r>
-              <a:rPr lang="en-US" sz="1200" strike="sngStrike" dirty="0">
+              <a:rPr lang="en-US" sz="1200" dirty="0">
                 <a:solidFill>
                   <a:srgbClr val="000000"/>
                 </a:solidFill>
@@ -7358,14 +7374,14 @@
               <a:t>spending and </a:t>
             </a:r>
             <a:r>
-              <a:rPr lang="en-US" sz="1200" strike="sngStrike" dirty="0" smtClean="0">
+              <a:rPr lang="en-US" sz="1200" dirty="0" smtClean="0">
                 <a:solidFill>
                   <a:srgbClr val="000000"/>
                 </a:solidFill>
               </a:rPr>
               <a:t>multiplier dynamics</a:t>
             </a:r>
-            <a:endParaRPr lang="en-US" sz="1200" strike="sngStrike" dirty="0">
+            <a:endParaRPr lang="en-US" sz="1200" dirty="0">
               <a:solidFill>
                 <a:srgbClr val="000000"/>
               </a:solidFill>
@@ -7380,14 +7396,14 @@
               <a:buChar char="•"/>
             </a:pPr>
             <a:r>
-              <a:rPr lang="en-US" sz="1200" strike="sngStrike" dirty="0">
+              <a:rPr lang="en-US" sz="1200" dirty="0">
                 <a:solidFill>
                   <a:srgbClr val="000000"/>
                 </a:solidFill>
               </a:rPr>
               <a:t>Exports and Imports</a:t>
             </a:r>
-            <a:endParaRPr lang="en-US" sz="1200" strike="sngStrike" dirty="0"/>
+            <a:endParaRPr lang="en-US" sz="1200" dirty="0"/>
           </a:p>
         </p:txBody>
       </p:sp>
@@ -7495,7 +7511,7 @@
               <a:buChar char="•"/>
             </a:pPr>
             <a:r>
-              <a:rPr lang="en-US" sz="1200" dirty="0" smtClean="0">
+              <a:rPr lang="en-US" sz="1200" strike="sngStrike" dirty="0" smtClean="0">
                 <a:solidFill>
                   <a:srgbClr val="000000"/>
                 </a:solidFill>
@@ -7503,7 +7519,7 @@
               </a:rPr>
               <a:t>International Finance</a:t>
             </a:r>
-            <a:endParaRPr sz="1200" dirty="0"/>
+            <a:endParaRPr sz="1200" strike="sngStrike" dirty="0"/>
           </a:p>
           <a:p>
             <a:pPr>

--- a/jdocs/Macro1/Chapter0_Roadmap.pptx
+++ b/jdocs/Macro1/Chapter0_Roadmap.pptx
@@ -5668,7 +5668,7 @@
         <p:spPr>
           <a:xfrm>
             <a:off x="85198" y="1519692"/>
-            <a:ext cx="2742840" cy="1142880"/>
+            <a:ext cx="2742840" cy="1071108"/>
           </a:xfrm>
           <a:prstGeom prst="rect">
             <a:avLst/>
@@ -5701,7 +5701,7 @@
               </a:lnSpc>
             </a:pPr>
             <a:r>
-              <a:rPr lang="en-US" sz="2400" dirty="0">
+              <a:rPr lang="en-US" sz="2000" dirty="0">
                 <a:solidFill>
                   <a:srgbClr val="000000"/>
                 </a:solidFill>
@@ -5709,11 +5709,11 @@
               </a:rPr>
               <a:t>Intro</a:t>
             </a:r>
-            <a:endParaRPr dirty="0"/>
-          </a:p>
-          <a:p>
-            <a:r>
-              <a:rPr lang="en-US" sz="1200" dirty="0">
+            <a:endParaRPr sz="1600" dirty="0"/>
+          </a:p>
+          <a:p>
+            <a:r>
+              <a:rPr lang="en-US" sz="1100" dirty="0">
                 <a:solidFill>
                   <a:srgbClr val="000000"/>
                 </a:solidFill>
@@ -5722,7 +5722,7 @@
               <a:t>Chapter 1-4</a:t>
             </a:r>
             <a:r>
-              <a:rPr lang="en-US" sz="1200" dirty="0" smtClean="0">
+              <a:rPr lang="en-US" sz="1100" dirty="0" smtClean="0">
                 <a:solidFill>
                   <a:srgbClr val="000000"/>
                 </a:solidFill>
@@ -5737,7 +5737,7 @@
               <a:buChar char="•"/>
             </a:pPr>
             <a:r>
-              <a:rPr lang="en-US" sz="1200" dirty="0" smtClean="0">
+              <a:rPr lang="en-US" sz="1100" dirty="0" smtClean="0">
                 <a:solidFill>
                   <a:srgbClr val="000000"/>
                 </a:solidFill>
@@ -5746,7 +5746,7 @@
               <a:t>Basic </a:t>
             </a:r>
             <a:r>
-              <a:rPr lang="en-US" sz="1200" dirty="0">
+              <a:rPr lang="en-US" sz="1100" dirty="0">
                 <a:solidFill>
                   <a:srgbClr val="000000"/>
                 </a:solidFill>
@@ -5761,7 +5761,7 @@
               <a:buChar char="•"/>
             </a:pPr>
             <a:r>
-              <a:rPr lang="en-US" sz="1200" dirty="0">
+              <a:rPr lang="en-US" sz="1100" dirty="0">
                 <a:solidFill>
                   <a:srgbClr val="000000"/>
                 </a:solidFill>
@@ -5770,7 +5770,7 @@
               <a:t>Demand and </a:t>
             </a:r>
             <a:r>
-              <a:rPr lang="en-US" sz="1200" dirty="0" smtClean="0">
+              <a:rPr lang="en-US" sz="1100" dirty="0" smtClean="0">
                 <a:solidFill>
                   <a:srgbClr val="000000"/>
                 </a:solidFill>
@@ -5785,7 +5785,7 @@
               <a:buChar char="•"/>
             </a:pPr>
             <a:r>
-              <a:rPr lang="en-US" sz="1200" dirty="0" smtClean="0">
+              <a:rPr lang="en-US" sz="1100" dirty="0" smtClean="0">
                 <a:solidFill>
                   <a:srgbClr val="000000"/>
                 </a:solidFill>
@@ -5793,7 +5793,7 @@
               </a:rPr>
               <a:t>Equilibrium</a:t>
             </a:r>
-            <a:endParaRPr lang="en-US" sz="1200" dirty="0">
+            <a:endParaRPr lang="en-US" sz="1100" dirty="0">
               <a:solidFill>
                 <a:srgbClr val="000000"/>
               </a:solidFill>
@@ -5820,8 +5820,8 @@
         </p:nvSpPr>
         <p:spPr>
           <a:xfrm>
-            <a:off x="69898" y="5102752"/>
-            <a:ext cx="2742840" cy="1069447"/>
+            <a:off x="76560" y="5562600"/>
+            <a:ext cx="2742840" cy="864834"/>
           </a:xfrm>
           <a:prstGeom prst="rect">
             <a:avLst/>
@@ -5850,7 +5850,7 @@
           <a:p>
             <a:pPr algn="ctr"/>
             <a:r>
-              <a:rPr lang="en-US" sz="2400" dirty="0">
+              <a:rPr lang="en-US" sz="2000" dirty="0">
                 <a:solidFill>
                   <a:srgbClr val="000000"/>
                 </a:solidFill>
@@ -5858,31 +5858,16 @@
               </a:rPr>
               <a:t>Long-Run Economy</a:t>
             </a:r>
-            <a:endParaRPr lang="en-US" sz="2400" dirty="0">
-              <a:solidFill>
-                <a:srgbClr val="000000"/>
-              </a:solidFill>
-              <a:latin typeface="Calibri"/>
-            </a:endParaRPr>
-          </a:p>
-          <a:p>
-            <a:r>
-              <a:rPr lang="en-US" sz="1200" dirty="0">
+          </a:p>
+          <a:p>
+            <a:r>
+              <a:rPr lang="en-US" sz="1100" dirty="0">
                 <a:solidFill>
                   <a:srgbClr val="000000"/>
                 </a:solidFill>
                 <a:latin typeface="Calibri"/>
               </a:rPr>
-              <a:t>Chapter 7</a:t>
-            </a:r>
-            <a:r>
-              <a:rPr lang="en-US" sz="1200" dirty="0">
-                <a:solidFill>
-                  <a:srgbClr val="000000"/>
-                </a:solidFill>
-                <a:latin typeface="Calibri"/>
-              </a:rPr>
-              <a:t>:</a:t>
+              <a:t>Chapter 7:</a:t>
             </a:r>
           </a:p>
           <a:p>
@@ -5891,7 +5876,7 @@
               <a:buChar char="•"/>
             </a:pPr>
             <a:r>
-              <a:rPr lang="en-US" sz="1200" dirty="0">
+              <a:rPr lang="en-US" sz="1100" dirty="0">
                 <a:solidFill>
                   <a:srgbClr val="000000"/>
                 </a:solidFill>
@@ -5906,7 +5891,7 @@
               <a:buChar char="•"/>
             </a:pPr>
             <a:r>
-              <a:rPr lang="en-US" sz="1200" dirty="0">
+              <a:rPr lang="en-US" sz="1100" dirty="0">
                 <a:solidFill>
                   <a:srgbClr val="000000"/>
                 </a:solidFill>
@@ -5914,12 +5899,6 @@
               </a:rPr>
               <a:t>Full employment</a:t>
             </a:r>
-            <a:endParaRPr lang="en-US" sz="1200" dirty="0">
-              <a:solidFill>
-                <a:srgbClr val="000000"/>
-              </a:solidFill>
-              <a:latin typeface="Calibri"/>
-            </a:endParaRPr>
           </a:p>
           <a:p>
             <a:pPr marL="285750" indent="-285750">
@@ -5943,8 +5922,8 @@
         </p:nvSpPr>
         <p:spPr>
           <a:xfrm>
-            <a:off x="72886" y="3909204"/>
-            <a:ext cx="2742840" cy="1158300"/>
+            <a:off x="76560" y="4648201"/>
+            <a:ext cx="2742840" cy="838199"/>
           </a:xfrm>
           <a:prstGeom prst="rect">
             <a:avLst/>
@@ -5973,7 +5952,7 @@
           <a:p>
             <a:pPr algn="ctr"/>
             <a:r>
-              <a:rPr lang="en-US" sz="2400" dirty="0">
+              <a:rPr lang="en-US" sz="2000" dirty="0">
                 <a:solidFill>
                   <a:srgbClr val="000000"/>
                 </a:solidFill>
@@ -5981,7 +5960,7 @@
               </a:rPr>
               <a:t>Unemployment</a:t>
             </a:r>
-            <a:endParaRPr sz="2400" dirty="0">
+            <a:endParaRPr sz="2000" dirty="0">
               <a:solidFill>
                 <a:srgbClr val="000000"/>
               </a:solidFill>
@@ -5990,22 +5969,13 @@
           </a:p>
           <a:p>
             <a:r>
-              <a:rPr lang="en-US" sz="1200" dirty="0">
+              <a:rPr lang="en-US" sz="1100" dirty="0">
                 <a:solidFill>
                   <a:srgbClr val="000000"/>
                 </a:solidFill>
                 <a:latin typeface="Calibri"/>
               </a:rPr>
-              <a:t>Chapter 6</a:t>
-            </a:r>
-            <a:r>
-              <a:rPr lang="en-US" sz="1200" dirty="0">
-                <a:solidFill>
-                  <a:srgbClr val="000000"/>
-                </a:solidFill>
-                <a:latin typeface="Calibri"/>
-              </a:rPr>
-              <a:t>:</a:t>
+              <a:t>Chapter 6:</a:t>
             </a:r>
           </a:p>
           <a:p>
@@ -6014,7 +5984,7 @@
               <a:buChar char="•"/>
             </a:pPr>
             <a:r>
-              <a:rPr lang="en-US" sz="1200" dirty="0">
+              <a:rPr lang="en-US" sz="1100" dirty="0">
                 <a:solidFill>
                   <a:srgbClr val="000000"/>
                 </a:solidFill>
@@ -6029,7 +5999,7 @@
               <a:buChar char="•"/>
             </a:pPr>
             <a:r>
-              <a:rPr lang="en-US" sz="1200" dirty="0">
+              <a:rPr lang="en-US" sz="1100" dirty="0">
                 <a:solidFill>
                   <a:srgbClr val="000000"/>
                 </a:solidFill>
@@ -6037,7 +6007,7 @@
               </a:rPr>
               <a:t>Inflation</a:t>
             </a:r>
-            <a:endParaRPr sz="1200" dirty="0">
+            <a:endParaRPr sz="1100" dirty="0">
               <a:solidFill>
                 <a:srgbClr val="000000"/>
               </a:solidFill>
@@ -6066,8 +6036,8 @@
         </p:nvSpPr>
         <p:spPr>
           <a:xfrm>
-            <a:off x="81850" y="2699148"/>
-            <a:ext cx="2742840" cy="1185480"/>
+            <a:off x="81850" y="2626656"/>
+            <a:ext cx="2742840" cy="1034652"/>
           </a:xfrm>
           <a:prstGeom prst="rect">
             <a:avLst/>
@@ -6100,7 +6070,7 @@
               </a:lnSpc>
             </a:pPr>
             <a:r>
-              <a:rPr lang="en-US" sz="2400" dirty="0">
+              <a:rPr lang="en-US" sz="2000" dirty="0">
                 <a:solidFill>
                   <a:srgbClr val="000000"/>
                 </a:solidFill>
@@ -6108,7 +6078,7 @@
               </a:rPr>
               <a:t>Measuring</a:t>
             </a:r>
-            <a:endParaRPr dirty="0"/>
+            <a:endParaRPr sz="1600" dirty="0"/>
           </a:p>
           <a:p>
             <a:pPr>
@@ -6117,7 +6087,7 @@
               </a:lnSpc>
             </a:pPr>
             <a:r>
-              <a:rPr lang="en-US" sz="1200" dirty="0">
+              <a:rPr lang="en-US" sz="1100" dirty="0">
                 <a:solidFill>
                   <a:srgbClr val="000000"/>
                 </a:solidFill>
@@ -6125,7 +6095,7 @@
               </a:rPr>
               <a:t>Chapter 5:</a:t>
             </a:r>
-            <a:endParaRPr dirty="0"/>
+            <a:endParaRPr sz="1600" dirty="0"/>
           </a:p>
           <a:p>
             <a:pPr marL="171450" indent="-171450">
@@ -6136,7 +6106,7 @@
               <a:buChar char="•"/>
             </a:pPr>
             <a:r>
-              <a:rPr lang="en-US" sz="1200" dirty="0">
+              <a:rPr lang="en-US" sz="1100" dirty="0">
                 <a:solidFill>
                   <a:srgbClr val="000000"/>
                 </a:solidFill>
@@ -6144,7 +6114,7 @@
               </a:rPr>
               <a:t>GDP, GNP, Inflation</a:t>
             </a:r>
-            <a:endParaRPr dirty="0"/>
+            <a:endParaRPr sz="1600" dirty="0"/>
           </a:p>
           <a:p>
             <a:pPr marL="171450" indent="-171450">
@@ -6155,7 +6125,7 @@
               <a:buChar char="•"/>
             </a:pPr>
             <a:r>
-              <a:rPr lang="en-US" sz="1200" dirty="0">
+              <a:rPr lang="en-US" sz="1100" dirty="0">
                 <a:solidFill>
                   <a:srgbClr val="000000"/>
                 </a:solidFill>
@@ -6163,7 +6133,7 @@
               </a:rPr>
               <a:t>Measurements</a:t>
             </a:r>
-            <a:endParaRPr dirty="0"/>
+            <a:endParaRPr sz="1600" dirty="0"/>
           </a:p>
           <a:p>
             <a:pPr marL="171450" indent="-171450">
@@ -6174,7 +6144,7 @@
               <a:buChar char="•"/>
             </a:pPr>
             <a:r>
-              <a:rPr lang="en-US" sz="1200" dirty="0">
+              <a:rPr lang="en-US" sz="1100" dirty="0">
                 <a:solidFill>
                   <a:srgbClr val="000000"/>
                 </a:solidFill>
@@ -6182,7 +6152,7 @@
               </a:rPr>
               <a:t>Accounting</a:t>
             </a:r>
-            <a:endParaRPr dirty="0"/>
+            <a:endParaRPr sz="1600" dirty="0"/>
           </a:p>
         </p:txBody>
       </p:sp>
@@ -6248,8 +6218,8 @@
         </p:nvSpPr>
         <p:spPr>
           <a:xfrm>
-            <a:off x="3048576" y="3934064"/>
-            <a:ext cx="2895120" cy="1092792"/>
+            <a:off x="3033396" y="3723392"/>
+            <a:ext cx="2895120" cy="866536"/>
           </a:xfrm>
           <a:prstGeom prst="rect">
             <a:avLst/>
@@ -6282,7 +6252,7 @@
               </a:lnSpc>
             </a:pPr>
             <a:r>
-              <a:rPr lang="en-US" sz="2000" dirty="0">
+              <a:rPr lang="en-US" dirty="0">
                 <a:solidFill>
                   <a:srgbClr val="000000"/>
                 </a:solidFill>
@@ -6290,7 +6260,7 @@
               </a:rPr>
               <a:t>Fiscal Policy</a:t>
             </a:r>
-            <a:endParaRPr dirty="0"/>
+            <a:endParaRPr sz="1600" dirty="0"/>
           </a:p>
           <a:p>
             <a:pPr>
@@ -6299,7 +6269,7 @@
               </a:lnSpc>
             </a:pPr>
             <a:r>
-              <a:rPr lang="en-US" sz="1200" dirty="0">
+              <a:rPr lang="en-US" sz="1100" dirty="0">
                 <a:solidFill>
                   <a:srgbClr val="000000"/>
                 </a:solidFill>
@@ -6308,7 +6278,7 @@
               <a:t>Chapter 10</a:t>
             </a:r>
             <a:r>
-              <a:rPr lang="en-US" sz="1200" dirty="0" smtClean="0">
+              <a:rPr lang="en-US" sz="1100" dirty="0" smtClean="0">
                 <a:solidFill>
                   <a:srgbClr val="000000"/>
                 </a:solidFill>
@@ -6326,7 +6296,7 @@
               <a:buChar char="•"/>
             </a:pPr>
             <a:r>
-              <a:rPr lang="en-US" sz="1400" dirty="0" smtClean="0">
+              <a:rPr lang="en-US" sz="1200" dirty="0" smtClean="0">
                 <a:solidFill>
                   <a:srgbClr val="000000"/>
                 </a:solidFill>
@@ -6344,7 +6314,7 @@
               <a:buChar char="•"/>
             </a:pPr>
             <a:r>
-              <a:rPr lang="en-US" sz="1400" dirty="0" smtClean="0">
+              <a:rPr lang="en-US" sz="1200" dirty="0" smtClean="0">
                 <a:solidFill>
                   <a:srgbClr val="000000"/>
                 </a:solidFill>
@@ -6352,7 +6322,7 @@
               </a:rPr>
               <a:t>Federal budget </a:t>
             </a:r>
-            <a:endParaRPr dirty="0"/>
+            <a:endParaRPr sz="1600" dirty="0"/>
           </a:p>
         </p:txBody>
       </p:sp>
@@ -6364,8 +6334,8 @@
         </p:nvSpPr>
         <p:spPr>
           <a:xfrm>
-            <a:off x="3048120" y="2740856"/>
-            <a:ext cx="2895120" cy="1144620"/>
+            <a:off x="3033396" y="2611654"/>
+            <a:ext cx="2895120" cy="992944"/>
           </a:xfrm>
           <a:prstGeom prst="rect">
             <a:avLst/>
@@ -6398,7 +6368,7 @@
               </a:lnSpc>
             </a:pPr>
             <a:r>
-              <a:rPr lang="en-US" dirty="0">
+              <a:rPr lang="en-US" sz="1600" dirty="0">
                 <a:solidFill>
                   <a:srgbClr val="000000"/>
                 </a:solidFill>
@@ -6406,7 +6376,7 @@
               </a:rPr>
               <a:t>Aggregate Demand/Supply</a:t>
             </a:r>
-            <a:endParaRPr dirty="0"/>
+            <a:endParaRPr sz="1600" dirty="0"/>
           </a:p>
           <a:p>
             <a:pPr>
@@ -6415,7 +6385,7 @@
               </a:lnSpc>
             </a:pPr>
             <a:r>
-              <a:rPr lang="en-US" sz="1200" dirty="0">
+              <a:rPr lang="en-US" sz="1100" dirty="0">
                 <a:solidFill>
                   <a:srgbClr val="000000"/>
                 </a:solidFill>
@@ -6424,7 +6394,7 @@
               <a:t>Chapter 9</a:t>
             </a:r>
             <a:r>
-              <a:rPr lang="en-US" sz="1200" dirty="0" smtClean="0">
+              <a:rPr lang="en-US" sz="1100" dirty="0" smtClean="0">
                 <a:solidFill>
                   <a:srgbClr val="000000"/>
                 </a:solidFill>
@@ -6442,7 +6412,7 @@
               <a:buChar char="•"/>
             </a:pPr>
             <a:r>
-              <a:rPr lang="en-US" sz="1200" dirty="0" smtClean="0">
+              <a:rPr lang="en-US" sz="1100" dirty="0" smtClean="0">
                 <a:solidFill>
                   <a:srgbClr val="000000"/>
                 </a:solidFill>
@@ -6460,7 +6430,7 @@
               <a:buChar char="•"/>
             </a:pPr>
             <a:r>
-              <a:rPr lang="en-US" sz="1200" dirty="0" smtClean="0">
+              <a:rPr lang="en-US" sz="1100" dirty="0" smtClean="0">
                 <a:solidFill>
                   <a:srgbClr val="000000"/>
                 </a:solidFill>
@@ -6478,7 +6448,7 @@
               <a:buChar char="•"/>
             </a:pPr>
             <a:r>
-              <a:rPr lang="en-US" sz="1200" dirty="0" smtClean="0">
+              <a:rPr lang="en-US" sz="1100" dirty="0" smtClean="0">
                 <a:solidFill>
                   <a:srgbClr val="000000"/>
                 </a:solidFill>
@@ -6497,8 +6467,8 @@
         </p:nvSpPr>
         <p:spPr>
           <a:xfrm>
-            <a:off x="3048120" y="1509464"/>
-            <a:ext cx="2895120" cy="1199520"/>
+            <a:off x="3042252" y="1518046"/>
+            <a:ext cx="2895120" cy="1005136"/>
           </a:xfrm>
           <a:prstGeom prst="rect">
             <a:avLst/>
@@ -6531,7 +6501,7 @@
               </a:lnSpc>
             </a:pPr>
             <a:r>
-              <a:rPr lang="en-US" dirty="0">
+              <a:rPr lang="en-US" sz="1600" dirty="0">
                 <a:solidFill>
                   <a:srgbClr val="000000"/>
                 </a:solidFill>
@@ -6539,7 +6509,7 @@
               </a:rPr>
               <a:t>Growth</a:t>
             </a:r>
-            <a:endParaRPr dirty="0"/>
+            <a:endParaRPr sz="1600" dirty="0"/>
           </a:p>
           <a:p>
             <a:pPr>
@@ -6548,7 +6518,7 @@
               </a:lnSpc>
             </a:pPr>
             <a:r>
-              <a:rPr lang="en-US" sz="1200" dirty="0">
+              <a:rPr lang="en-US" sz="1100" dirty="0">
                 <a:solidFill>
                   <a:srgbClr val="000000"/>
                 </a:solidFill>
@@ -6556,7 +6526,7 @@
               </a:rPr>
               <a:t>Chapter 8:</a:t>
             </a:r>
-            <a:endParaRPr dirty="0"/>
+            <a:endParaRPr sz="1600" dirty="0"/>
           </a:p>
           <a:p>
             <a:pPr marL="171450" indent="-171450">
@@ -6567,7 +6537,7 @@
               <a:buChar char="•"/>
             </a:pPr>
             <a:r>
-              <a:rPr lang="en-US" sz="1200" dirty="0" smtClean="0">
+              <a:rPr lang="en-US" sz="1100" dirty="0" smtClean="0">
                 <a:solidFill>
                   <a:srgbClr val="000000"/>
                 </a:solidFill>
@@ -6585,7 +6555,7 @@
               <a:buChar char="•"/>
             </a:pPr>
             <a:r>
-              <a:rPr lang="en-US" sz="1200" dirty="0" smtClean="0">
+              <a:rPr lang="en-US" sz="1100" dirty="0" smtClean="0">
                 <a:solidFill>
                   <a:srgbClr val="000000"/>
                 </a:solidFill>
@@ -6593,7 +6563,7 @@
               </a:rPr>
               <a:t>Capital deepening</a:t>
             </a:r>
-            <a:endParaRPr lang="en-US" sz="1200" dirty="0">
+            <a:endParaRPr lang="en-US" sz="1100" dirty="0">
               <a:solidFill>
                 <a:srgbClr val="000000"/>
               </a:solidFill>
@@ -6609,7 +6579,7 @@
               <a:buChar char="•"/>
             </a:pPr>
             <a:r>
-              <a:rPr lang="en-US" sz="1200" dirty="0" smtClean="0">
+              <a:rPr lang="en-US" sz="1100" dirty="0" smtClean="0">
                 <a:solidFill>
                   <a:srgbClr val="000000"/>
                 </a:solidFill>
@@ -6618,7 +6588,7 @@
               <a:t>Solow </a:t>
             </a:r>
             <a:r>
-              <a:rPr lang="en-US" sz="1200" dirty="0">
+              <a:rPr lang="en-US" sz="1100" dirty="0">
                 <a:solidFill>
                   <a:srgbClr val="000000"/>
                 </a:solidFill>
@@ -6626,7 +6596,7 @@
               </a:rPr>
               <a:t>growth model</a:t>
             </a:r>
-            <a:endParaRPr dirty="0"/>
+            <a:endParaRPr sz="1600" dirty="0"/>
           </a:p>
         </p:txBody>
       </p:sp>
@@ -7013,7 +6983,7 @@
         </p:nvSpPr>
         <p:spPr>
           <a:xfrm>
-            <a:off x="6101976" y="3525226"/>
+            <a:off x="6091512" y="3525226"/>
             <a:ext cx="2819160" cy="926184"/>
           </a:xfrm>
           <a:prstGeom prst="rect">
@@ -7274,8 +7244,8 @@
         </p:nvSpPr>
         <p:spPr>
           <a:xfrm>
-            <a:off x="3036384" y="5079408"/>
-            <a:ext cx="2895120" cy="1092792"/>
+            <a:off x="3033396" y="4648200"/>
+            <a:ext cx="2895120" cy="987354"/>
           </a:xfrm>
           <a:prstGeom prst="rect">
             <a:avLst/>
@@ -7308,14 +7278,14 @@
               </a:lnSpc>
             </a:pPr>
             <a:r>
-              <a:rPr lang="en-US" dirty="0">
+              <a:rPr lang="en-US" sz="1600" dirty="0">
                 <a:solidFill>
                   <a:srgbClr val="000000"/>
                 </a:solidFill>
               </a:rPr>
               <a:t>Income Expenditure Model</a:t>
             </a:r>
-            <a:endParaRPr lang="en-US" dirty="0"/>
+            <a:endParaRPr lang="en-US" sz="1600" dirty="0"/>
           </a:p>
           <a:p>
             <a:pPr>
@@ -7324,7 +7294,7 @@
               </a:lnSpc>
             </a:pPr>
             <a:r>
-              <a:rPr lang="en-US" sz="1200" dirty="0">
+              <a:rPr lang="en-US" sz="1100" dirty="0">
                 <a:solidFill>
                   <a:srgbClr val="000000"/>
                 </a:solidFill>
@@ -7341,7 +7311,7 @@
               <a:buChar char="•"/>
             </a:pPr>
             <a:r>
-              <a:rPr lang="en-US" sz="1200" dirty="0">
+              <a:rPr lang="en-US" sz="1100" dirty="0">
                 <a:solidFill>
                   <a:srgbClr val="000000"/>
                 </a:solidFill>
@@ -7358,7 +7328,7 @@
               <a:buChar char="•"/>
             </a:pPr>
             <a:r>
-              <a:rPr lang="en-US" sz="1200" dirty="0" smtClean="0">
+              <a:rPr lang="en-US" sz="1100" dirty="0" smtClean="0">
                 <a:solidFill>
                   <a:srgbClr val="000000"/>
                 </a:solidFill>
@@ -7366,7 +7336,7 @@
               <a:t>Gov’t </a:t>
             </a:r>
             <a:r>
-              <a:rPr lang="en-US" sz="1200" dirty="0">
+              <a:rPr lang="en-US" sz="1100" dirty="0">
                 <a:solidFill>
                   <a:srgbClr val="000000"/>
                 </a:solidFill>
@@ -7374,14 +7344,14 @@
               <a:t>spending and </a:t>
             </a:r>
             <a:r>
-              <a:rPr lang="en-US" sz="1200" dirty="0" smtClean="0">
+              <a:rPr lang="en-US" sz="1100" dirty="0" smtClean="0">
                 <a:solidFill>
                   <a:srgbClr val="000000"/>
                 </a:solidFill>
               </a:rPr>
               <a:t>multiplier dynamics</a:t>
             </a:r>
-            <a:endParaRPr lang="en-US" sz="1200" dirty="0">
+            <a:endParaRPr lang="en-US" sz="1100" dirty="0">
               <a:solidFill>
                 <a:srgbClr val="000000"/>
               </a:solidFill>
@@ -7396,14 +7366,14 @@
               <a:buChar char="•"/>
             </a:pPr>
             <a:r>
-              <a:rPr lang="en-US" sz="1200" dirty="0">
+              <a:rPr lang="en-US" sz="1100" dirty="0">
                 <a:solidFill>
                   <a:srgbClr val="000000"/>
                 </a:solidFill>
               </a:rPr>
               <a:t>Exports and Imports</a:t>
             </a:r>
-            <a:endParaRPr lang="en-US" sz="1200" dirty="0"/>
+            <a:endParaRPr lang="en-US" sz="1100" dirty="0"/>
           </a:p>
         </p:txBody>
       </p:sp>
@@ -7481,7 +7451,16 @@
                 </a:solidFill>
                 <a:latin typeface="Calibri"/>
               </a:rPr>
-              <a:t>18-19:</a:t>
+              <a:t>19</a:t>
+            </a:r>
+            <a:r>
+              <a:rPr lang="en-US" sz="1200" dirty="0" smtClean="0">
+                <a:solidFill>
+                  <a:srgbClr val="000000"/>
+                </a:solidFill>
+                <a:latin typeface="Calibri"/>
+              </a:rPr>
+              <a:t>:</a:t>
             </a:r>
           </a:p>
           <a:p>
@@ -7499,8 +7478,108 @@
                 </a:solidFill>
                 <a:latin typeface="Calibri"/>
               </a:rPr>
+              <a:t>International </a:t>
+            </a:r>
+            <a:r>
+              <a:rPr lang="en-US" sz="1200" dirty="0" smtClean="0">
+                <a:solidFill>
+                  <a:srgbClr val="000000"/>
+                </a:solidFill>
+                <a:latin typeface="Calibri"/>
+              </a:rPr>
+              <a:t>Finance</a:t>
+            </a:r>
+            <a:endParaRPr sz="1200" dirty="0"/>
+          </a:p>
+          <a:p>
+            <a:pPr>
+              <a:lnSpc>
+                <a:spcPct val="100000"/>
+              </a:lnSpc>
+              <a:buFont typeface="Arial"/>
+              <a:buChar char="•"/>
+            </a:pPr>
+            <a:endParaRPr dirty="0"/>
+          </a:p>
+        </p:txBody>
+      </p:sp>
+      <p:sp>
+        <p:nvSpPr>
+          <p:cNvPr id="21" name="CustomShape 8"/>
+          <p:cNvSpPr/>
+          <p:nvPr/>
+        </p:nvSpPr>
+        <p:spPr>
+          <a:xfrm>
+            <a:off x="76200" y="3715872"/>
+            <a:ext cx="2742840" cy="882252"/>
+          </a:xfrm>
+          <a:prstGeom prst="rect">
+            <a:avLst/>
+          </a:prstGeom>
+          <a:gradFill>
+            <a:gsLst>
+              <a:gs pos="0">
+                <a:srgbClr val="BFD4FE"/>
+              </a:gs>
+              <a:gs pos="100000">
+                <a:srgbClr val="E5EFFF"/>
+              </a:gs>
+            </a:gsLst>
+            <a:lin ang="16200000"/>
+          </a:gradFill>
+          <a:ln w="9360">
+            <a:solidFill>
+              <a:srgbClr val="4A7EBB"/>
+            </a:solidFill>
+            <a:round/>
+          </a:ln>
+        </p:spPr>
+        <p:txBody>
+          <a:bodyPr lIns="90000" tIns="45000" rIns="90000" bIns="45000"/>
+          <a:lstStyle/>
+          <a:p>
+            <a:pPr algn="ctr">
+              <a:lnSpc>
+                <a:spcPct val="100000"/>
+              </a:lnSpc>
+            </a:pPr>
+            <a:r>
+              <a:rPr lang="en-US" sz="2000" dirty="0" smtClean="0">
+                <a:solidFill>
+                  <a:srgbClr val="000000"/>
+                </a:solidFill>
+                <a:latin typeface="Calibri"/>
+              </a:rPr>
               <a:t>Trade</a:t>
             </a:r>
+            <a:endParaRPr sz="1600" dirty="0"/>
+          </a:p>
+          <a:p>
+            <a:pPr>
+              <a:lnSpc>
+                <a:spcPct val="100000"/>
+              </a:lnSpc>
+            </a:pPr>
+            <a:r>
+              <a:rPr lang="en-US" sz="1100" dirty="0">
+                <a:solidFill>
+                  <a:srgbClr val="000000"/>
+                </a:solidFill>
+                <a:latin typeface="Calibri"/>
+              </a:rPr>
+              <a:t>Chapter </a:t>
+            </a:r>
+            <a:r>
+              <a:rPr lang="en-US" sz="1100" dirty="0" smtClean="0">
+                <a:solidFill>
+                  <a:srgbClr val="000000"/>
+                </a:solidFill>
+                <a:latin typeface="Calibri"/>
+              </a:rPr>
+              <a:t>18:</a:t>
+            </a:r>
+            <a:endParaRPr sz="1600" dirty="0"/>
           </a:p>
           <a:p>
             <a:pPr marL="171450" indent="-171450">
@@ -7511,25 +7590,34 @@
               <a:buChar char="•"/>
             </a:pPr>
             <a:r>
-              <a:rPr lang="en-US" sz="1200" strike="sngStrike" dirty="0" smtClean="0">
+              <a:rPr lang="en-US" sz="1100" dirty="0" smtClean="0">
                 <a:solidFill>
                   <a:srgbClr val="000000"/>
                 </a:solidFill>
                 <a:latin typeface="Calibri"/>
               </a:rPr>
-              <a:t>International Finance</a:t>
-            </a:r>
-            <a:endParaRPr sz="1200" strike="sngStrike" dirty="0"/>
-          </a:p>
-          <a:p>
-            <a:pPr>
-              <a:lnSpc>
-                <a:spcPct val="100000"/>
-              </a:lnSpc>
-              <a:buFont typeface="Arial"/>
+              <a:t>Exports, Imports, Trade Balance</a:t>
+            </a:r>
+            <a:endParaRPr sz="1600" dirty="0"/>
+          </a:p>
+          <a:p>
+            <a:pPr marL="171450" indent="-171450">
+              <a:lnSpc>
+                <a:spcPct val="100000"/>
+              </a:lnSpc>
+              <a:buFont typeface="Arial" panose="020B0604020202020204" pitchFamily="34" charset="0"/>
               <a:buChar char="•"/>
             </a:pPr>
-            <a:endParaRPr dirty="0"/>
+            <a:r>
+              <a:rPr lang="en-US" sz="1100" dirty="0" smtClean="0">
+                <a:solidFill>
+                  <a:srgbClr val="000000"/>
+                </a:solidFill>
+                <a:latin typeface="Calibri"/>
+              </a:rPr>
+              <a:t>Benefits of Trade and Trade Policies</a:t>
+            </a:r>
+            <a:endParaRPr sz="1600" dirty="0"/>
           </a:p>
         </p:txBody>
       </p:sp>

--- a/jdocs/Macro1/Chapter0_Roadmap.pptx
+++ b/jdocs/Macro1/Chapter0_Roadmap.pptx
@@ -5820,7 +5820,7 @@
         </p:nvSpPr>
         <p:spPr>
           <a:xfrm>
-            <a:off x="76560" y="5562600"/>
+            <a:off x="3042252" y="1494658"/>
             <a:ext cx="2742840" cy="864834"/>
           </a:xfrm>
           <a:prstGeom prst="rect">
@@ -6218,7 +6218,7 @@
         </p:nvSpPr>
         <p:spPr>
           <a:xfrm>
-            <a:off x="3033396" y="3723392"/>
+            <a:off x="3033396" y="4564838"/>
             <a:ext cx="2895120" cy="866536"/>
           </a:xfrm>
           <a:prstGeom prst="rect">
@@ -6334,7 +6334,7 @@
         </p:nvSpPr>
         <p:spPr>
           <a:xfrm>
-            <a:off x="3033396" y="2611654"/>
+            <a:off x="3033396" y="3505200"/>
             <a:ext cx="2895120" cy="992944"/>
           </a:xfrm>
           <a:prstGeom prst="rect">
@@ -6467,7 +6467,7 @@
         </p:nvSpPr>
         <p:spPr>
           <a:xfrm>
-            <a:off x="3042252" y="1518046"/>
+            <a:off x="3042252" y="2438400"/>
             <a:ext cx="2895120" cy="1005136"/>
           </a:xfrm>
           <a:prstGeom prst="rect">
@@ -7109,7 +7109,7 @@
         </p:nvSpPr>
         <p:spPr>
           <a:xfrm>
-            <a:off x="6101976" y="4502808"/>
+            <a:off x="6101976" y="4529442"/>
             <a:ext cx="2819160" cy="880758"/>
           </a:xfrm>
           <a:prstGeom prst="rect">
@@ -7244,7 +7244,7 @@
         </p:nvSpPr>
         <p:spPr>
           <a:xfrm>
-            <a:off x="3033396" y="4648200"/>
+            <a:off x="3033396" y="5489646"/>
             <a:ext cx="2895120" cy="987354"/>
           </a:xfrm>
           <a:prstGeom prst="rect">
@@ -7451,16 +7451,7 @@
                 </a:solidFill>
                 <a:latin typeface="Calibri"/>
               </a:rPr>
-              <a:t>19</a:t>
-            </a:r>
-            <a:r>
-              <a:rPr lang="en-US" sz="1200" dirty="0" smtClean="0">
-                <a:solidFill>
-                  <a:srgbClr val="000000"/>
-                </a:solidFill>
-                <a:latin typeface="Calibri"/>
-              </a:rPr>
-              <a:t>:</a:t>
+              <a:t>19:</a:t>
             </a:r>
           </a:p>
           <a:p>
@@ -7478,16 +7469,7 @@
                 </a:solidFill>
                 <a:latin typeface="Calibri"/>
               </a:rPr>
-              <a:t>International </a:t>
-            </a:r>
-            <a:r>
-              <a:rPr lang="en-US" sz="1200" dirty="0" smtClean="0">
-                <a:solidFill>
-                  <a:srgbClr val="000000"/>
-                </a:solidFill>
-                <a:latin typeface="Calibri"/>
-              </a:rPr>
-              <a:t>Finance</a:t>
+              <a:t>International Finance</a:t>
             </a:r>
             <a:endParaRPr sz="1200" dirty="0"/>
           </a:p>

--- a/jdocs/Macro1/Chapter0_Roadmap.pptx
+++ b/jdocs/Macro1/Chapter0_Roadmap.pptx
@@ -5820,7 +5820,7 @@
         </p:nvSpPr>
         <p:spPr>
           <a:xfrm>
-            <a:off x="3042252" y="1494658"/>
+            <a:off x="76560" y="5562600"/>
             <a:ext cx="2742840" cy="864834"/>
           </a:xfrm>
           <a:prstGeom prst="rect">
@@ -6218,7 +6218,7 @@
         </p:nvSpPr>
         <p:spPr>
           <a:xfrm>
-            <a:off x="3033396" y="4564838"/>
+            <a:off x="3033396" y="3723392"/>
             <a:ext cx="2895120" cy="866536"/>
           </a:xfrm>
           <a:prstGeom prst="rect">
@@ -6334,7 +6334,7 @@
         </p:nvSpPr>
         <p:spPr>
           <a:xfrm>
-            <a:off x="3033396" y="3505200"/>
+            <a:off x="3033396" y="2611654"/>
             <a:ext cx="2895120" cy="992944"/>
           </a:xfrm>
           <a:prstGeom prst="rect">
@@ -6467,7 +6467,7 @@
         </p:nvSpPr>
         <p:spPr>
           <a:xfrm>
-            <a:off x="3042252" y="2438400"/>
+            <a:off x="3042252" y="1518046"/>
             <a:ext cx="2895120" cy="1005136"/>
           </a:xfrm>
           <a:prstGeom prst="rect">
@@ -7109,7 +7109,7 @@
         </p:nvSpPr>
         <p:spPr>
           <a:xfrm>
-            <a:off x="6101976" y="4529442"/>
+            <a:off x="6101976" y="4502808"/>
             <a:ext cx="2819160" cy="880758"/>
           </a:xfrm>
           <a:prstGeom prst="rect">
@@ -7244,7 +7244,7 @@
         </p:nvSpPr>
         <p:spPr>
           <a:xfrm>
-            <a:off x="3033396" y="5489646"/>
+            <a:off x="3033396" y="4648200"/>
             <a:ext cx="2895120" cy="987354"/>
           </a:xfrm>
           <a:prstGeom prst="rect">
@@ -7451,7 +7451,16 @@
                 </a:solidFill>
                 <a:latin typeface="Calibri"/>
               </a:rPr>
-              <a:t>19:</a:t>
+              <a:t>19</a:t>
+            </a:r>
+            <a:r>
+              <a:rPr lang="en-US" sz="1200" dirty="0" smtClean="0">
+                <a:solidFill>
+                  <a:srgbClr val="000000"/>
+                </a:solidFill>
+                <a:latin typeface="Calibri"/>
+              </a:rPr>
+              <a:t>:</a:t>
             </a:r>
           </a:p>
           <a:p>
@@ -7469,7 +7478,16 @@
                 </a:solidFill>
                 <a:latin typeface="Calibri"/>
               </a:rPr>
-              <a:t>International Finance</a:t>
+              <a:t>International </a:t>
+            </a:r>
+            <a:r>
+              <a:rPr lang="en-US" sz="1200" dirty="0" smtClean="0">
+                <a:solidFill>
+                  <a:srgbClr val="000000"/>
+                </a:solidFill>
+                <a:latin typeface="Calibri"/>
+              </a:rPr>
+              <a:t>Finance</a:t>
             </a:r>
             <a:endParaRPr sz="1200" dirty="0"/>
           </a:p>

--- a/jdocs/Macro1/Chapter0_Roadmap.pptx
+++ b/jdocs/Macro1/Chapter0_Roadmap.pptx
@@ -1,19 +1,114 @@
 
 <file path=ppt/presentation.xml><?xml version="1.0" encoding="utf-8"?>
-<p:presentation xmlns:a="http://schemas.openxmlformats.org/drawingml/2006/main" xmlns:p="http://schemas.openxmlformats.org/presentationml/2006/main" xmlns:r="http://schemas.openxmlformats.org/officeDocument/2006/relationships" xmlns:p14="http://schemas.microsoft.com/office/powerpoint/2010/main" xmlns:p15="http://schemas.microsoft.com/office/powerpoint/2012/main" xmlns:mc="http://schemas.openxmlformats.org/markup-compatibility/2006">
+<p:presentation xmlns:a="http://schemas.openxmlformats.org/drawingml/2006/main" xmlns:r="http://schemas.openxmlformats.org/officeDocument/2006/relationships" xmlns:p="http://schemas.openxmlformats.org/presentationml/2006/main">
   <p:sldMasterIdLst>
-    <p:sldMasterId id="2147483648" r:id="rId2"/>
+    <p:sldMasterId id="2147483648" r:id="rId1"/>
   </p:sldMasterIdLst>
   <p:sldIdLst>
-    <p:sldId id="256" r:id="rId3"/>
+    <p:sldId id="256" r:id="rId2"/>
   </p:sldIdLst>
-  <p:sldSz cx="9144000" cy="6858000"/>
+  <p:sldSz cx="9144000" cy="6858000" type="screen4x3"/>
   <p:notesSz cx="7772400" cy="10058400"/>
+  <p:defaultTextStyle>
+    <a:defPPr>
+      <a:defRPr lang="en-US"/>
+    </a:defPPr>
+    <a:lvl1pPr marL="0" algn="l" defTabSz="914400" rtl="0" eaLnBrk="1" latinLnBrk="0" hangingPunct="1">
+      <a:defRPr sz="1800" kern="1200">
+        <a:solidFill>
+          <a:schemeClr val="tx1"/>
+        </a:solidFill>
+        <a:latin typeface="+mn-lt"/>
+        <a:ea typeface="+mn-ea"/>
+        <a:cs typeface="+mn-cs"/>
+      </a:defRPr>
+    </a:lvl1pPr>
+    <a:lvl2pPr marL="457200" algn="l" defTabSz="914400" rtl="0" eaLnBrk="1" latinLnBrk="0" hangingPunct="1">
+      <a:defRPr sz="1800" kern="1200">
+        <a:solidFill>
+          <a:schemeClr val="tx1"/>
+        </a:solidFill>
+        <a:latin typeface="+mn-lt"/>
+        <a:ea typeface="+mn-ea"/>
+        <a:cs typeface="+mn-cs"/>
+      </a:defRPr>
+    </a:lvl2pPr>
+    <a:lvl3pPr marL="914400" algn="l" defTabSz="914400" rtl="0" eaLnBrk="1" latinLnBrk="0" hangingPunct="1">
+      <a:defRPr sz="1800" kern="1200">
+        <a:solidFill>
+          <a:schemeClr val="tx1"/>
+        </a:solidFill>
+        <a:latin typeface="+mn-lt"/>
+        <a:ea typeface="+mn-ea"/>
+        <a:cs typeface="+mn-cs"/>
+      </a:defRPr>
+    </a:lvl3pPr>
+    <a:lvl4pPr marL="1371600" algn="l" defTabSz="914400" rtl="0" eaLnBrk="1" latinLnBrk="0" hangingPunct="1">
+      <a:defRPr sz="1800" kern="1200">
+        <a:solidFill>
+          <a:schemeClr val="tx1"/>
+        </a:solidFill>
+        <a:latin typeface="+mn-lt"/>
+        <a:ea typeface="+mn-ea"/>
+        <a:cs typeface="+mn-cs"/>
+      </a:defRPr>
+    </a:lvl4pPr>
+    <a:lvl5pPr marL="1828800" algn="l" defTabSz="914400" rtl="0" eaLnBrk="1" latinLnBrk="0" hangingPunct="1">
+      <a:defRPr sz="1800" kern="1200">
+        <a:solidFill>
+          <a:schemeClr val="tx1"/>
+        </a:solidFill>
+        <a:latin typeface="+mn-lt"/>
+        <a:ea typeface="+mn-ea"/>
+        <a:cs typeface="+mn-cs"/>
+      </a:defRPr>
+    </a:lvl5pPr>
+    <a:lvl6pPr marL="2286000" algn="l" defTabSz="914400" rtl="0" eaLnBrk="1" latinLnBrk="0" hangingPunct="1">
+      <a:defRPr sz="1800" kern="1200">
+        <a:solidFill>
+          <a:schemeClr val="tx1"/>
+        </a:solidFill>
+        <a:latin typeface="+mn-lt"/>
+        <a:ea typeface="+mn-ea"/>
+        <a:cs typeface="+mn-cs"/>
+      </a:defRPr>
+    </a:lvl6pPr>
+    <a:lvl7pPr marL="2743200" algn="l" defTabSz="914400" rtl="0" eaLnBrk="1" latinLnBrk="0" hangingPunct="1">
+      <a:defRPr sz="1800" kern="1200">
+        <a:solidFill>
+          <a:schemeClr val="tx1"/>
+        </a:solidFill>
+        <a:latin typeface="+mn-lt"/>
+        <a:ea typeface="+mn-ea"/>
+        <a:cs typeface="+mn-cs"/>
+      </a:defRPr>
+    </a:lvl7pPr>
+    <a:lvl8pPr marL="3200400" algn="l" defTabSz="914400" rtl="0" eaLnBrk="1" latinLnBrk="0" hangingPunct="1">
+      <a:defRPr sz="1800" kern="1200">
+        <a:solidFill>
+          <a:schemeClr val="tx1"/>
+        </a:solidFill>
+        <a:latin typeface="+mn-lt"/>
+        <a:ea typeface="+mn-ea"/>
+        <a:cs typeface="+mn-cs"/>
+      </a:defRPr>
+    </a:lvl8pPr>
+    <a:lvl9pPr marL="3657600" algn="l" defTabSz="914400" rtl="0" eaLnBrk="1" latinLnBrk="0" hangingPunct="1">
+      <a:defRPr sz="1800" kern="1200">
+        <a:solidFill>
+          <a:schemeClr val="tx1"/>
+        </a:solidFill>
+        <a:latin typeface="+mn-lt"/>
+        <a:ea typeface="+mn-ea"/>
+        <a:cs typeface="+mn-cs"/>
+      </a:defRPr>
+    </a:lvl9pPr>
+  </p:defaultTextStyle>
 </p:presentation>
 </file>
 
 <file path=ppt/slideLayouts/slideLayout1.xml><?xml version="1.0" encoding="utf-8"?>
-<p:sldLayout xmlns:a="http://schemas.openxmlformats.org/drawingml/2006/main" xmlns:p="http://schemas.openxmlformats.org/presentationml/2006/main" xmlns:r="http://schemas.openxmlformats.org/officeDocument/2006/relationships" xmlns:p14="http://schemas.microsoft.com/office/powerpoint/2010/main" xmlns:p15="http://schemas.microsoft.com/office/powerpoint/2012/main" xmlns:mc="http://schemas.openxmlformats.org/markup-compatibility/2006" type="blank" preserve="1">
+<p:sldLayout xmlns:a="http://schemas.openxmlformats.org/drawingml/2006/main" xmlns:r="http://schemas.openxmlformats.org/officeDocument/2006/relationships" xmlns:p="http://schemas.openxmlformats.org/presentationml/2006/main" type="blank" preserve="1">
   <p:cSld name="Blank Slide">
     <p:spTree>
       <p:nvGrpSpPr>
@@ -31,11 +126,14 @@
       </p:grpSpPr>
     </p:spTree>
   </p:cSld>
+  <p:clrMapOvr>
+    <a:masterClrMapping/>
+  </p:clrMapOvr>
 </p:sldLayout>
 </file>
 
 <file path=ppt/slideLayouts/slideLayout10.xml><?xml version="1.0" encoding="utf-8"?>
-<p:sldLayout xmlns:a="http://schemas.openxmlformats.org/drawingml/2006/main" xmlns:p="http://schemas.openxmlformats.org/presentationml/2006/main" xmlns:r="http://schemas.openxmlformats.org/officeDocument/2006/relationships" xmlns:p14="http://schemas.microsoft.com/office/powerpoint/2010/main" xmlns:p15="http://schemas.microsoft.com/office/powerpoint/2012/main" xmlns:mc="http://schemas.openxmlformats.org/markup-compatibility/2006" type="objOverTx" preserve="1">
+<p:sldLayout xmlns:a="http://schemas.openxmlformats.org/drawingml/2006/main" xmlns:r="http://schemas.openxmlformats.org/officeDocument/2006/relationships" xmlns:p="http://schemas.openxmlformats.org/presentationml/2006/main" type="objOverTx" preserve="1">
   <p:cSld name="Title, Content over Content">
     <p:spTree>
       <p:nvGrpSpPr>
@@ -71,10 +169,11 @@
           </a:prstGeom>
         </p:spPr>
         <p:txBody>
-          <a:bodyPr lIns="0" rIns="0" tIns="0" bIns="0" anchor="ctr"/>
+          <a:bodyPr lIns="0" tIns="0" rIns="0" bIns="0" anchor="ctr"/>
+          <a:lstStyle/>
           <a:p>
             <a:pPr algn="ctr"/>
-            <a:endParaRPr b="0" lang="en-US" sz="4400" spc="-1" strike="noStrike">
+            <a:endParaRPr lang="en-US" sz="4400" b="0" strike="noStrike" spc="-1">
               <a:latin typeface="Arial"/>
             </a:endParaRPr>
           </a:p>
@@ -100,11 +199,12 @@
           </a:prstGeom>
         </p:spPr>
         <p:txBody>
-          <a:bodyPr lIns="0" rIns="0" tIns="0" bIns="0">
+          <a:bodyPr lIns="0" tIns="0" rIns="0" bIns="0">
             <a:normAutofit/>
           </a:bodyPr>
-          <a:p>
-            <a:endParaRPr b="0" lang="en-US" sz="3200" spc="-1" strike="noStrike">
+          <a:lstStyle/>
+          <a:p>
+            <a:endParaRPr lang="en-US" sz="3200" b="0" strike="noStrike" spc="-1">
               <a:latin typeface="Arial"/>
             </a:endParaRPr>
           </a:p>
@@ -130,11 +230,12 @@
           </a:prstGeom>
         </p:spPr>
         <p:txBody>
-          <a:bodyPr lIns="0" rIns="0" tIns="0" bIns="0">
+          <a:bodyPr lIns="0" tIns="0" rIns="0" bIns="0">
             <a:normAutofit/>
           </a:bodyPr>
-          <a:p>
-            <a:endParaRPr b="0" lang="en-US" sz="3200" spc="-1" strike="noStrike">
+          <a:lstStyle/>
+          <a:p>
+            <a:endParaRPr lang="en-US" sz="3200" b="0" strike="noStrike" spc="-1">
               <a:latin typeface="Arial"/>
             </a:endParaRPr>
           </a:p>
@@ -142,11 +243,14 @@
       </p:sp>
     </p:spTree>
   </p:cSld>
+  <p:clrMapOvr>
+    <a:masterClrMapping/>
+  </p:clrMapOvr>
 </p:sldLayout>
 </file>
 
 <file path=ppt/slideLayouts/slideLayout11.xml><?xml version="1.0" encoding="utf-8"?>
-<p:sldLayout xmlns:a="http://schemas.openxmlformats.org/drawingml/2006/main" xmlns:p="http://schemas.openxmlformats.org/presentationml/2006/main" xmlns:r="http://schemas.openxmlformats.org/officeDocument/2006/relationships" xmlns:p14="http://schemas.microsoft.com/office/powerpoint/2010/main" xmlns:p15="http://schemas.microsoft.com/office/powerpoint/2012/main" xmlns:mc="http://schemas.openxmlformats.org/markup-compatibility/2006" type="fourObj" preserve="1">
+<p:sldLayout xmlns:a="http://schemas.openxmlformats.org/drawingml/2006/main" xmlns:r="http://schemas.openxmlformats.org/officeDocument/2006/relationships" xmlns:p="http://schemas.openxmlformats.org/presentationml/2006/main" type="fourObj" preserve="1">
   <p:cSld name="Title, 4 Content">
     <p:spTree>
       <p:nvGrpSpPr>
@@ -182,10 +286,11 @@
           </a:prstGeom>
         </p:spPr>
         <p:txBody>
-          <a:bodyPr lIns="0" rIns="0" tIns="0" bIns="0" anchor="ctr"/>
+          <a:bodyPr lIns="0" tIns="0" rIns="0" bIns="0" anchor="ctr"/>
+          <a:lstStyle/>
           <a:p>
             <a:pPr algn="ctr"/>
-            <a:endParaRPr b="0" lang="en-US" sz="4400" spc="-1" strike="noStrike">
+            <a:endParaRPr lang="en-US" sz="4400" b="0" strike="noStrike" spc="-1">
               <a:latin typeface="Arial"/>
             </a:endParaRPr>
           </a:p>
@@ -211,11 +316,12 @@
           </a:prstGeom>
         </p:spPr>
         <p:txBody>
-          <a:bodyPr lIns="0" rIns="0" tIns="0" bIns="0">
+          <a:bodyPr lIns="0" tIns="0" rIns="0" bIns="0">
             <a:normAutofit/>
           </a:bodyPr>
-          <a:p>
-            <a:endParaRPr b="0" lang="en-US" sz="3200" spc="-1" strike="noStrike">
+          <a:lstStyle/>
+          <a:p>
+            <a:endParaRPr lang="en-US" sz="3200" b="0" strike="noStrike" spc="-1">
               <a:latin typeface="Arial"/>
             </a:endParaRPr>
           </a:p>
@@ -241,11 +347,12 @@
           </a:prstGeom>
         </p:spPr>
         <p:txBody>
-          <a:bodyPr lIns="0" rIns="0" tIns="0" bIns="0">
+          <a:bodyPr lIns="0" tIns="0" rIns="0" bIns="0">
             <a:normAutofit/>
           </a:bodyPr>
-          <a:p>
-            <a:endParaRPr b="0" lang="en-US" sz="3200" spc="-1" strike="noStrike">
+          <a:lstStyle/>
+          <a:p>
+            <a:endParaRPr lang="en-US" sz="3200" b="0" strike="noStrike" spc="-1">
               <a:latin typeface="Arial"/>
             </a:endParaRPr>
           </a:p>
@@ -271,11 +378,12 @@
           </a:prstGeom>
         </p:spPr>
         <p:txBody>
-          <a:bodyPr lIns="0" rIns="0" tIns="0" bIns="0">
+          <a:bodyPr lIns="0" tIns="0" rIns="0" bIns="0">
             <a:normAutofit/>
           </a:bodyPr>
-          <a:p>
-            <a:endParaRPr b="0" lang="en-US" sz="3200" spc="-1" strike="noStrike">
+          <a:lstStyle/>
+          <a:p>
+            <a:endParaRPr lang="en-US" sz="3200" b="0" strike="noStrike" spc="-1">
               <a:latin typeface="Arial"/>
             </a:endParaRPr>
           </a:p>
@@ -301,11 +409,12 @@
           </a:prstGeom>
         </p:spPr>
         <p:txBody>
-          <a:bodyPr lIns="0" rIns="0" tIns="0" bIns="0">
+          <a:bodyPr lIns="0" tIns="0" rIns="0" bIns="0">
             <a:normAutofit/>
           </a:bodyPr>
-          <a:p>
-            <a:endParaRPr b="0" lang="en-US" sz="3200" spc="-1" strike="noStrike">
+          <a:lstStyle/>
+          <a:p>
+            <a:endParaRPr lang="en-US" sz="3200" b="0" strike="noStrike" spc="-1">
               <a:latin typeface="Arial"/>
             </a:endParaRPr>
           </a:p>
@@ -313,11 +422,14 @@
       </p:sp>
     </p:spTree>
   </p:cSld>
+  <p:clrMapOvr>
+    <a:masterClrMapping/>
+  </p:clrMapOvr>
 </p:sldLayout>
 </file>
 
 <file path=ppt/slideLayouts/slideLayout12.xml><?xml version="1.0" encoding="utf-8"?>
-<p:sldLayout xmlns:a="http://schemas.openxmlformats.org/drawingml/2006/main" xmlns:p="http://schemas.openxmlformats.org/presentationml/2006/main" xmlns:r="http://schemas.openxmlformats.org/officeDocument/2006/relationships" xmlns:p14="http://schemas.microsoft.com/office/powerpoint/2010/main" xmlns:p15="http://schemas.microsoft.com/office/powerpoint/2012/main" xmlns:mc="http://schemas.openxmlformats.org/markup-compatibility/2006" type="blank" preserve="1">
+<p:sldLayout xmlns:a="http://schemas.openxmlformats.org/drawingml/2006/main" xmlns:r="http://schemas.openxmlformats.org/officeDocument/2006/relationships" xmlns:p="http://schemas.openxmlformats.org/presentationml/2006/main" type="blank" preserve="1">
   <p:cSld name="Title, 6 Content">
     <p:spTree>
       <p:nvGrpSpPr>
@@ -353,10 +465,11 @@
           </a:prstGeom>
         </p:spPr>
         <p:txBody>
-          <a:bodyPr lIns="0" rIns="0" tIns="0" bIns="0" anchor="ctr"/>
+          <a:bodyPr lIns="0" tIns="0" rIns="0" bIns="0" anchor="ctr"/>
+          <a:lstStyle/>
           <a:p>
             <a:pPr algn="ctr"/>
-            <a:endParaRPr b="0" lang="en-US" sz="4400" spc="-1" strike="noStrike">
+            <a:endParaRPr lang="en-US" sz="4400" b="0" strike="noStrike" spc="-1">
               <a:latin typeface="Arial"/>
             </a:endParaRPr>
           </a:p>
@@ -382,11 +495,12 @@
           </a:prstGeom>
         </p:spPr>
         <p:txBody>
-          <a:bodyPr lIns="0" rIns="0" tIns="0" bIns="0">
+          <a:bodyPr lIns="0" tIns="0" rIns="0" bIns="0">
             <a:normAutofit/>
           </a:bodyPr>
-          <a:p>
-            <a:endParaRPr b="0" lang="en-US" sz="3200" spc="-1" strike="noStrike">
+          <a:lstStyle/>
+          <a:p>
+            <a:endParaRPr lang="en-US" sz="3200" b="0" strike="noStrike" spc="-1">
               <a:latin typeface="Arial"/>
             </a:endParaRPr>
           </a:p>
@@ -412,11 +526,12 @@
           </a:prstGeom>
         </p:spPr>
         <p:txBody>
-          <a:bodyPr lIns="0" rIns="0" tIns="0" bIns="0">
+          <a:bodyPr lIns="0" tIns="0" rIns="0" bIns="0">
             <a:normAutofit/>
           </a:bodyPr>
-          <a:p>
-            <a:endParaRPr b="0" lang="en-US" sz="3200" spc="-1" strike="noStrike">
+          <a:lstStyle/>
+          <a:p>
+            <a:endParaRPr lang="en-US" sz="3200" b="0" strike="noStrike" spc="-1">
               <a:latin typeface="Arial"/>
             </a:endParaRPr>
           </a:p>
@@ -442,11 +557,12 @@
           </a:prstGeom>
         </p:spPr>
         <p:txBody>
-          <a:bodyPr lIns="0" rIns="0" tIns="0" bIns="0">
+          <a:bodyPr lIns="0" tIns="0" rIns="0" bIns="0">
             <a:normAutofit/>
           </a:bodyPr>
-          <a:p>
-            <a:endParaRPr b="0" lang="en-US" sz="3200" spc="-1" strike="noStrike">
+          <a:lstStyle/>
+          <a:p>
+            <a:endParaRPr lang="en-US" sz="3200" b="0" strike="noStrike" spc="-1">
               <a:latin typeface="Arial"/>
             </a:endParaRPr>
           </a:p>
@@ -472,11 +588,12 @@
           </a:prstGeom>
         </p:spPr>
         <p:txBody>
-          <a:bodyPr lIns="0" rIns="0" tIns="0" bIns="0">
+          <a:bodyPr lIns="0" tIns="0" rIns="0" bIns="0">
             <a:normAutofit/>
           </a:bodyPr>
-          <a:p>
-            <a:endParaRPr b="0" lang="en-US" sz="3200" spc="-1" strike="noStrike">
+          <a:lstStyle/>
+          <a:p>
+            <a:endParaRPr lang="en-US" sz="3200" b="0" strike="noStrike" spc="-1">
               <a:latin typeface="Arial"/>
             </a:endParaRPr>
           </a:p>
@@ -502,11 +619,12 @@
           </a:prstGeom>
         </p:spPr>
         <p:txBody>
-          <a:bodyPr lIns="0" rIns="0" tIns="0" bIns="0">
+          <a:bodyPr lIns="0" tIns="0" rIns="0" bIns="0">
             <a:normAutofit/>
           </a:bodyPr>
-          <a:p>
-            <a:endParaRPr b="0" lang="en-US" sz="3200" spc="-1" strike="noStrike">
+          <a:lstStyle/>
+          <a:p>
+            <a:endParaRPr lang="en-US" sz="3200" b="0" strike="noStrike" spc="-1">
               <a:latin typeface="Arial"/>
             </a:endParaRPr>
           </a:p>
@@ -532,11 +650,12 @@
           </a:prstGeom>
         </p:spPr>
         <p:txBody>
-          <a:bodyPr lIns="0" rIns="0" tIns="0" bIns="0">
+          <a:bodyPr lIns="0" tIns="0" rIns="0" bIns="0">
             <a:normAutofit/>
           </a:bodyPr>
-          <a:p>
-            <a:endParaRPr b="0" lang="en-US" sz="3200" spc="-1" strike="noStrike">
+          <a:lstStyle/>
+          <a:p>
+            <a:endParaRPr lang="en-US" sz="3200" b="0" strike="noStrike" spc="-1">
               <a:latin typeface="Arial"/>
             </a:endParaRPr>
           </a:p>
@@ -544,11 +663,14 @@
       </p:sp>
     </p:spTree>
   </p:cSld>
+  <p:clrMapOvr>
+    <a:masterClrMapping/>
+  </p:clrMapOvr>
 </p:sldLayout>
 </file>
 
 <file path=ppt/slideLayouts/slideLayout2.xml><?xml version="1.0" encoding="utf-8"?>
-<p:sldLayout xmlns:a="http://schemas.openxmlformats.org/drawingml/2006/main" xmlns:p="http://schemas.openxmlformats.org/presentationml/2006/main" xmlns:r="http://schemas.openxmlformats.org/officeDocument/2006/relationships" xmlns:p14="http://schemas.microsoft.com/office/powerpoint/2010/main" xmlns:p15="http://schemas.microsoft.com/office/powerpoint/2012/main" xmlns:mc="http://schemas.openxmlformats.org/markup-compatibility/2006" type="tx" preserve="1">
+<p:sldLayout xmlns:a="http://schemas.openxmlformats.org/drawingml/2006/main" xmlns:r="http://schemas.openxmlformats.org/officeDocument/2006/relationships" xmlns:p="http://schemas.openxmlformats.org/presentationml/2006/main" type="tx" preserve="1">
   <p:cSld name="Title Slide">
     <p:spTree>
       <p:nvGrpSpPr>
@@ -584,10 +706,11 @@
           </a:prstGeom>
         </p:spPr>
         <p:txBody>
-          <a:bodyPr lIns="0" rIns="0" tIns="0" bIns="0" anchor="ctr"/>
+          <a:bodyPr lIns="0" tIns="0" rIns="0" bIns="0" anchor="ctr"/>
+          <a:lstStyle/>
           <a:p>
             <a:pPr algn="ctr"/>
-            <a:endParaRPr b="0" lang="en-US" sz="4400" spc="-1" strike="noStrike">
+            <a:endParaRPr lang="en-US" sz="4400" b="0" strike="noStrike" spc="-1">
               <a:latin typeface="Arial"/>
             </a:endParaRPr>
           </a:p>
@@ -613,10 +736,11 @@
           </a:prstGeom>
         </p:spPr>
         <p:txBody>
-          <a:bodyPr lIns="0" rIns="0" tIns="0" bIns="0" anchor="ctr"/>
+          <a:bodyPr lIns="0" tIns="0" rIns="0" bIns="0" anchor="ctr"/>
+          <a:lstStyle/>
           <a:p>
             <a:pPr algn="ctr"/>
-            <a:endParaRPr b="0" lang="en-US" sz="3200" spc="-1" strike="noStrike">
+            <a:endParaRPr lang="en-US" sz="3200" b="0" strike="noStrike" spc="-1">
               <a:latin typeface="Arial"/>
             </a:endParaRPr>
           </a:p>
@@ -624,11 +748,14 @@
       </p:sp>
     </p:spTree>
   </p:cSld>
+  <p:clrMapOvr>
+    <a:masterClrMapping/>
+  </p:clrMapOvr>
 </p:sldLayout>
 </file>
 
 <file path=ppt/slideLayouts/slideLayout3.xml><?xml version="1.0" encoding="utf-8"?>
-<p:sldLayout xmlns:a="http://schemas.openxmlformats.org/drawingml/2006/main" xmlns:p="http://schemas.openxmlformats.org/presentationml/2006/main" xmlns:r="http://schemas.openxmlformats.org/officeDocument/2006/relationships" xmlns:p14="http://schemas.microsoft.com/office/powerpoint/2010/main" xmlns:p15="http://schemas.microsoft.com/office/powerpoint/2012/main" xmlns:mc="http://schemas.openxmlformats.org/markup-compatibility/2006" type="obj" preserve="1">
+<p:sldLayout xmlns:a="http://schemas.openxmlformats.org/drawingml/2006/main" xmlns:r="http://schemas.openxmlformats.org/officeDocument/2006/relationships" xmlns:p="http://schemas.openxmlformats.org/presentationml/2006/main" type="obj" preserve="1">
   <p:cSld name="Title, Content">
     <p:spTree>
       <p:nvGrpSpPr>
@@ -664,10 +791,11 @@
           </a:prstGeom>
         </p:spPr>
         <p:txBody>
-          <a:bodyPr lIns="0" rIns="0" tIns="0" bIns="0" anchor="ctr"/>
+          <a:bodyPr lIns="0" tIns="0" rIns="0" bIns="0" anchor="ctr"/>
+          <a:lstStyle/>
           <a:p>
             <a:pPr algn="ctr"/>
-            <a:endParaRPr b="0" lang="en-US" sz="4400" spc="-1" strike="noStrike">
+            <a:endParaRPr lang="en-US" sz="4400" b="0" strike="noStrike" spc="-1">
               <a:latin typeface="Arial"/>
             </a:endParaRPr>
           </a:p>
@@ -693,11 +821,12 @@
           </a:prstGeom>
         </p:spPr>
         <p:txBody>
-          <a:bodyPr lIns="0" rIns="0" tIns="0" bIns="0">
+          <a:bodyPr lIns="0" tIns="0" rIns="0" bIns="0">
             <a:normAutofit/>
           </a:bodyPr>
-          <a:p>
-            <a:endParaRPr b="0" lang="en-US" sz="3200" spc="-1" strike="noStrike">
+          <a:lstStyle/>
+          <a:p>
+            <a:endParaRPr lang="en-US" sz="3200" b="0" strike="noStrike" spc="-1">
               <a:latin typeface="Arial"/>
             </a:endParaRPr>
           </a:p>
@@ -705,11 +834,14 @@
       </p:sp>
     </p:spTree>
   </p:cSld>
+  <p:clrMapOvr>
+    <a:masterClrMapping/>
+  </p:clrMapOvr>
 </p:sldLayout>
 </file>
 
 <file path=ppt/slideLayouts/slideLayout4.xml><?xml version="1.0" encoding="utf-8"?>
-<p:sldLayout xmlns:a="http://schemas.openxmlformats.org/drawingml/2006/main" xmlns:p="http://schemas.openxmlformats.org/presentationml/2006/main" xmlns:r="http://schemas.openxmlformats.org/officeDocument/2006/relationships" xmlns:p14="http://schemas.microsoft.com/office/powerpoint/2010/main" xmlns:p15="http://schemas.microsoft.com/office/powerpoint/2012/main" xmlns:mc="http://schemas.openxmlformats.org/markup-compatibility/2006" type="twoObj" preserve="1">
+<p:sldLayout xmlns:a="http://schemas.openxmlformats.org/drawingml/2006/main" xmlns:r="http://schemas.openxmlformats.org/officeDocument/2006/relationships" xmlns:p="http://schemas.openxmlformats.org/presentationml/2006/main" type="twoObj" preserve="1">
   <p:cSld name="Title, 2 Content">
     <p:spTree>
       <p:nvGrpSpPr>
@@ -745,10 +877,11 @@
           </a:prstGeom>
         </p:spPr>
         <p:txBody>
-          <a:bodyPr lIns="0" rIns="0" tIns="0" bIns="0" anchor="ctr"/>
+          <a:bodyPr lIns="0" tIns="0" rIns="0" bIns="0" anchor="ctr"/>
+          <a:lstStyle/>
           <a:p>
             <a:pPr algn="ctr"/>
-            <a:endParaRPr b="0" lang="en-US" sz="4400" spc="-1" strike="noStrike">
+            <a:endParaRPr lang="en-US" sz="4400" b="0" strike="noStrike" spc="-1">
               <a:latin typeface="Arial"/>
             </a:endParaRPr>
           </a:p>
@@ -774,11 +907,12 @@
           </a:prstGeom>
         </p:spPr>
         <p:txBody>
-          <a:bodyPr lIns="0" rIns="0" tIns="0" bIns="0">
+          <a:bodyPr lIns="0" tIns="0" rIns="0" bIns="0">
             <a:normAutofit/>
           </a:bodyPr>
-          <a:p>
-            <a:endParaRPr b="0" lang="en-US" sz="3200" spc="-1" strike="noStrike">
+          <a:lstStyle/>
+          <a:p>
+            <a:endParaRPr lang="en-US" sz="3200" b="0" strike="noStrike" spc="-1">
               <a:latin typeface="Arial"/>
             </a:endParaRPr>
           </a:p>
@@ -804,11 +938,12 @@
           </a:prstGeom>
         </p:spPr>
         <p:txBody>
-          <a:bodyPr lIns="0" rIns="0" tIns="0" bIns="0">
+          <a:bodyPr lIns="0" tIns="0" rIns="0" bIns="0">
             <a:normAutofit/>
           </a:bodyPr>
-          <a:p>
-            <a:endParaRPr b="0" lang="en-US" sz="3200" spc="-1" strike="noStrike">
+          <a:lstStyle/>
+          <a:p>
+            <a:endParaRPr lang="en-US" sz="3200" b="0" strike="noStrike" spc="-1">
               <a:latin typeface="Arial"/>
             </a:endParaRPr>
           </a:p>
@@ -816,11 +951,14 @@
       </p:sp>
     </p:spTree>
   </p:cSld>
+  <p:clrMapOvr>
+    <a:masterClrMapping/>
+  </p:clrMapOvr>
 </p:sldLayout>
 </file>
 
 <file path=ppt/slideLayouts/slideLayout5.xml><?xml version="1.0" encoding="utf-8"?>
-<p:sldLayout xmlns:a="http://schemas.openxmlformats.org/drawingml/2006/main" xmlns:p="http://schemas.openxmlformats.org/presentationml/2006/main" xmlns:r="http://schemas.openxmlformats.org/officeDocument/2006/relationships" xmlns:p14="http://schemas.microsoft.com/office/powerpoint/2010/main" xmlns:p15="http://schemas.microsoft.com/office/powerpoint/2012/main" xmlns:mc="http://schemas.openxmlformats.org/markup-compatibility/2006" type="titleOnly" preserve="1">
+<p:sldLayout xmlns:a="http://schemas.openxmlformats.org/drawingml/2006/main" xmlns:r="http://schemas.openxmlformats.org/officeDocument/2006/relationships" xmlns:p="http://schemas.openxmlformats.org/presentationml/2006/main" type="titleOnly" preserve="1">
   <p:cSld name="Title Only">
     <p:spTree>
       <p:nvGrpSpPr>
@@ -856,10 +994,11 @@
           </a:prstGeom>
         </p:spPr>
         <p:txBody>
-          <a:bodyPr lIns="0" rIns="0" tIns="0" bIns="0" anchor="ctr"/>
+          <a:bodyPr lIns="0" tIns="0" rIns="0" bIns="0" anchor="ctr"/>
+          <a:lstStyle/>
           <a:p>
             <a:pPr algn="ctr"/>
-            <a:endParaRPr b="0" lang="en-US" sz="4400" spc="-1" strike="noStrike">
+            <a:endParaRPr lang="en-US" sz="4400" b="0" strike="noStrike" spc="-1">
               <a:latin typeface="Arial"/>
             </a:endParaRPr>
           </a:p>
@@ -867,11 +1006,14 @@
       </p:sp>
     </p:spTree>
   </p:cSld>
+  <p:clrMapOvr>
+    <a:masterClrMapping/>
+  </p:clrMapOvr>
 </p:sldLayout>
 </file>
 
 <file path=ppt/slideLayouts/slideLayout6.xml><?xml version="1.0" encoding="utf-8"?>
-<p:sldLayout xmlns:a="http://schemas.openxmlformats.org/drawingml/2006/main" xmlns:p="http://schemas.openxmlformats.org/presentationml/2006/main" xmlns:r="http://schemas.openxmlformats.org/officeDocument/2006/relationships" xmlns:p14="http://schemas.microsoft.com/office/powerpoint/2010/main" xmlns:p15="http://schemas.microsoft.com/office/powerpoint/2012/main" xmlns:mc="http://schemas.openxmlformats.org/markup-compatibility/2006" type="objOnly" preserve="1">
+<p:sldLayout xmlns:a="http://schemas.openxmlformats.org/drawingml/2006/main" xmlns:r="http://schemas.openxmlformats.org/officeDocument/2006/relationships" xmlns:p="http://schemas.openxmlformats.org/presentationml/2006/main" type="objOnly" preserve="1">
   <p:cSld name="Centered Text">
     <p:spTree>
       <p:nvGrpSpPr>
@@ -907,10 +1049,11 @@
           </a:prstGeom>
         </p:spPr>
         <p:txBody>
-          <a:bodyPr lIns="0" rIns="0" tIns="0" bIns="0" anchor="ctr"/>
+          <a:bodyPr lIns="0" tIns="0" rIns="0" bIns="0" anchor="ctr"/>
+          <a:lstStyle/>
           <a:p>
             <a:pPr algn="ctr"/>
-            <a:endParaRPr b="0" lang="en-US" sz="3200" spc="-1" strike="noStrike">
+            <a:endParaRPr lang="en-US" sz="3200" b="0" strike="noStrike" spc="-1">
               <a:latin typeface="Arial"/>
             </a:endParaRPr>
           </a:p>
@@ -918,11 +1061,14 @@
       </p:sp>
     </p:spTree>
   </p:cSld>
+  <p:clrMapOvr>
+    <a:masterClrMapping/>
+  </p:clrMapOvr>
 </p:sldLayout>
 </file>
 
 <file path=ppt/slideLayouts/slideLayout7.xml><?xml version="1.0" encoding="utf-8"?>
-<p:sldLayout xmlns:a="http://schemas.openxmlformats.org/drawingml/2006/main" xmlns:p="http://schemas.openxmlformats.org/presentationml/2006/main" xmlns:r="http://schemas.openxmlformats.org/officeDocument/2006/relationships" xmlns:p14="http://schemas.microsoft.com/office/powerpoint/2010/main" xmlns:p15="http://schemas.microsoft.com/office/powerpoint/2012/main" xmlns:mc="http://schemas.openxmlformats.org/markup-compatibility/2006" type="twoObjAndObj" preserve="1">
+<p:sldLayout xmlns:a="http://schemas.openxmlformats.org/drawingml/2006/main" xmlns:r="http://schemas.openxmlformats.org/officeDocument/2006/relationships" xmlns:p="http://schemas.openxmlformats.org/presentationml/2006/main" type="twoObjAndObj" preserve="1">
   <p:cSld name="Title, 2 Content and Content">
     <p:spTree>
       <p:nvGrpSpPr>
@@ -958,10 +1104,11 @@
           </a:prstGeom>
         </p:spPr>
         <p:txBody>
-          <a:bodyPr lIns="0" rIns="0" tIns="0" bIns="0" anchor="ctr"/>
+          <a:bodyPr lIns="0" tIns="0" rIns="0" bIns="0" anchor="ctr"/>
+          <a:lstStyle/>
           <a:p>
             <a:pPr algn="ctr"/>
-            <a:endParaRPr b="0" lang="en-US" sz="4400" spc="-1" strike="noStrike">
+            <a:endParaRPr lang="en-US" sz="4400" b="0" strike="noStrike" spc="-1">
               <a:latin typeface="Arial"/>
             </a:endParaRPr>
           </a:p>
@@ -987,11 +1134,12 @@
           </a:prstGeom>
         </p:spPr>
         <p:txBody>
-          <a:bodyPr lIns="0" rIns="0" tIns="0" bIns="0">
+          <a:bodyPr lIns="0" tIns="0" rIns="0" bIns="0">
             <a:normAutofit/>
           </a:bodyPr>
-          <a:p>
-            <a:endParaRPr b="0" lang="en-US" sz="3200" spc="-1" strike="noStrike">
+          <a:lstStyle/>
+          <a:p>
+            <a:endParaRPr lang="en-US" sz="3200" b="0" strike="noStrike" spc="-1">
               <a:latin typeface="Arial"/>
             </a:endParaRPr>
           </a:p>
@@ -1017,11 +1165,12 @@
           </a:prstGeom>
         </p:spPr>
         <p:txBody>
-          <a:bodyPr lIns="0" rIns="0" tIns="0" bIns="0">
+          <a:bodyPr lIns="0" tIns="0" rIns="0" bIns="0">
             <a:normAutofit/>
           </a:bodyPr>
-          <a:p>
-            <a:endParaRPr b="0" lang="en-US" sz="3200" spc="-1" strike="noStrike">
+          <a:lstStyle/>
+          <a:p>
+            <a:endParaRPr lang="en-US" sz="3200" b="0" strike="noStrike" spc="-1">
               <a:latin typeface="Arial"/>
             </a:endParaRPr>
           </a:p>
@@ -1047,11 +1196,12 @@
           </a:prstGeom>
         </p:spPr>
         <p:txBody>
-          <a:bodyPr lIns="0" rIns="0" tIns="0" bIns="0">
+          <a:bodyPr lIns="0" tIns="0" rIns="0" bIns="0">
             <a:normAutofit/>
           </a:bodyPr>
-          <a:p>
-            <a:endParaRPr b="0" lang="en-US" sz="3200" spc="-1" strike="noStrike">
+          <a:lstStyle/>
+          <a:p>
+            <a:endParaRPr lang="en-US" sz="3200" b="0" strike="noStrike" spc="-1">
               <a:latin typeface="Arial"/>
             </a:endParaRPr>
           </a:p>
@@ -1059,11 +1209,14 @@
       </p:sp>
     </p:spTree>
   </p:cSld>
+  <p:clrMapOvr>
+    <a:masterClrMapping/>
+  </p:clrMapOvr>
 </p:sldLayout>
 </file>
 
 <file path=ppt/slideLayouts/slideLayout8.xml><?xml version="1.0" encoding="utf-8"?>
-<p:sldLayout xmlns:a="http://schemas.openxmlformats.org/drawingml/2006/main" xmlns:p="http://schemas.openxmlformats.org/presentationml/2006/main" xmlns:r="http://schemas.openxmlformats.org/officeDocument/2006/relationships" xmlns:p14="http://schemas.microsoft.com/office/powerpoint/2010/main" xmlns:p15="http://schemas.microsoft.com/office/powerpoint/2012/main" xmlns:mc="http://schemas.openxmlformats.org/markup-compatibility/2006" type="objAndTwoObj" preserve="1">
+<p:sldLayout xmlns:a="http://schemas.openxmlformats.org/drawingml/2006/main" xmlns:r="http://schemas.openxmlformats.org/officeDocument/2006/relationships" xmlns:p="http://schemas.openxmlformats.org/presentationml/2006/main" type="objAndTwoObj" preserve="1">
   <p:cSld name="Title Content and 2 Content">
     <p:spTree>
       <p:nvGrpSpPr>
@@ -1099,10 +1252,11 @@
           </a:prstGeom>
         </p:spPr>
         <p:txBody>
-          <a:bodyPr lIns="0" rIns="0" tIns="0" bIns="0" anchor="ctr"/>
+          <a:bodyPr lIns="0" tIns="0" rIns="0" bIns="0" anchor="ctr"/>
+          <a:lstStyle/>
           <a:p>
             <a:pPr algn="ctr"/>
-            <a:endParaRPr b="0" lang="en-US" sz="4400" spc="-1" strike="noStrike">
+            <a:endParaRPr lang="en-US" sz="4400" b="0" strike="noStrike" spc="-1">
               <a:latin typeface="Arial"/>
             </a:endParaRPr>
           </a:p>
@@ -1128,11 +1282,12 @@
           </a:prstGeom>
         </p:spPr>
         <p:txBody>
-          <a:bodyPr lIns="0" rIns="0" tIns="0" bIns="0">
+          <a:bodyPr lIns="0" tIns="0" rIns="0" bIns="0">
             <a:normAutofit/>
           </a:bodyPr>
-          <a:p>
-            <a:endParaRPr b="0" lang="en-US" sz="3200" spc="-1" strike="noStrike">
+          <a:lstStyle/>
+          <a:p>
+            <a:endParaRPr lang="en-US" sz="3200" b="0" strike="noStrike" spc="-1">
               <a:latin typeface="Arial"/>
             </a:endParaRPr>
           </a:p>
@@ -1158,11 +1313,12 @@
           </a:prstGeom>
         </p:spPr>
         <p:txBody>
-          <a:bodyPr lIns="0" rIns="0" tIns="0" bIns="0">
+          <a:bodyPr lIns="0" tIns="0" rIns="0" bIns="0">
             <a:normAutofit/>
           </a:bodyPr>
-          <a:p>
-            <a:endParaRPr b="0" lang="en-US" sz="3200" spc="-1" strike="noStrike">
+          <a:lstStyle/>
+          <a:p>
+            <a:endParaRPr lang="en-US" sz="3200" b="0" strike="noStrike" spc="-1">
               <a:latin typeface="Arial"/>
             </a:endParaRPr>
           </a:p>
@@ -1188,11 +1344,12 @@
           </a:prstGeom>
         </p:spPr>
         <p:txBody>
-          <a:bodyPr lIns="0" rIns="0" tIns="0" bIns="0">
+          <a:bodyPr lIns="0" tIns="0" rIns="0" bIns="0">
             <a:normAutofit/>
           </a:bodyPr>
-          <a:p>
-            <a:endParaRPr b="0" lang="en-US" sz="3200" spc="-1" strike="noStrike">
+          <a:lstStyle/>
+          <a:p>
+            <a:endParaRPr lang="en-US" sz="3200" b="0" strike="noStrike" spc="-1">
               <a:latin typeface="Arial"/>
             </a:endParaRPr>
           </a:p>
@@ -1200,11 +1357,14 @@
       </p:sp>
     </p:spTree>
   </p:cSld>
+  <p:clrMapOvr>
+    <a:masterClrMapping/>
+  </p:clrMapOvr>
 </p:sldLayout>
 </file>
 
 <file path=ppt/slideLayouts/slideLayout9.xml><?xml version="1.0" encoding="utf-8"?>
-<p:sldLayout xmlns:a="http://schemas.openxmlformats.org/drawingml/2006/main" xmlns:p="http://schemas.openxmlformats.org/presentationml/2006/main" xmlns:r="http://schemas.openxmlformats.org/officeDocument/2006/relationships" xmlns:p14="http://schemas.microsoft.com/office/powerpoint/2010/main" xmlns:p15="http://schemas.microsoft.com/office/powerpoint/2012/main" xmlns:mc="http://schemas.openxmlformats.org/markup-compatibility/2006" type="twoObjOverTx" preserve="1">
+<p:sldLayout xmlns:a="http://schemas.openxmlformats.org/drawingml/2006/main" xmlns:r="http://schemas.openxmlformats.org/officeDocument/2006/relationships" xmlns:p="http://schemas.openxmlformats.org/presentationml/2006/main" type="twoObjOverTx" preserve="1">
   <p:cSld name="Title, 2 Content over Content">
     <p:spTree>
       <p:nvGrpSpPr>
@@ -1240,10 +1400,11 @@
           </a:prstGeom>
         </p:spPr>
         <p:txBody>
-          <a:bodyPr lIns="0" rIns="0" tIns="0" bIns="0" anchor="ctr"/>
+          <a:bodyPr lIns="0" tIns="0" rIns="0" bIns="0" anchor="ctr"/>
+          <a:lstStyle/>
           <a:p>
             <a:pPr algn="ctr"/>
-            <a:endParaRPr b="0" lang="en-US" sz="4400" spc="-1" strike="noStrike">
+            <a:endParaRPr lang="en-US" sz="4400" b="0" strike="noStrike" spc="-1">
               <a:latin typeface="Arial"/>
             </a:endParaRPr>
           </a:p>
@@ -1269,11 +1430,12 @@
           </a:prstGeom>
         </p:spPr>
         <p:txBody>
-          <a:bodyPr lIns="0" rIns="0" tIns="0" bIns="0">
+          <a:bodyPr lIns="0" tIns="0" rIns="0" bIns="0">
             <a:normAutofit/>
           </a:bodyPr>
-          <a:p>
-            <a:endParaRPr b="0" lang="en-US" sz="3200" spc="-1" strike="noStrike">
+          <a:lstStyle/>
+          <a:p>
+            <a:endParaRPr lang="en-US" sz="3200" b="0" strike="noStrike" spc="-1">
               <a:latin typeface="Arial"/>
             </a:endParaRPr>
           </a:p>
@@ -1299,11 +1461,12 @@
           </a:prstGeom>
         </p:spPr>
         <p:txBody>
-          <a:bodyPr lIns="0" rIns="0" tIns="0" bIns="0">
+          <a:bodyPr lIns="0" tIns="0" rIns="0" bIns="0">
             <a:normAutofit/>
           </a:bodyPr>
-          <a:p>
-            <a:endParaRPr b="0" lang="en-US" sz="3200" spc="-1" strike="noStrike">
+          <a:lstStyle/>
+          <a:p>
+            <a:endParaRPr lang="en-US" sz="3200" b="0" strike="noStrike" spc="-1">
               <a:latin typeface="Arial"/>
             </a:endParaRPr>
           </a:p>
@@ -1329,11 +1492,12 @@
           </a:prstGeom>
         </p:spPr>
         <p:txBody>
-          <a:bodyPr lIns="0" rIns="0" tIns="0" bIns="0">
+          <a:bodyPr lIns="0" tIns="0" rIns="0" bIns="0">
             <a:normAutofit/>
           </a:bodyPr>
-          <a:p>
-            <a:endParaRPr b="0" lang="en-US" sz="3200" spc="-1" strike="noStrike">
+          <a:lstStyle/>
+          <a:p>
+            <a:endParaRPr lang="en-US" sz="3200" b="0" strike="noStrike" spc="-1">
               <a:latin typeface="Arial"/>
             </a:endParaRPr>
           </a:p>
@@ -1341,17 +1505,21 @@
       </p:sp>
     </p:spTree>
   </p:cSld>
+  <p:clrMapOvr>
+    <a:masterClrMapping/>
+  </p:clrMapOvr>
 </p:sldLayout>
 </file>
 
 <file path=ppt/slideMasters/slideMaster1.xml><?xml version="1.0" encoding="utf-8"?>
-<p:sldMaster xmlns:a="http://schemas.openxmlformats.org/drawingml/2006/main" xmlns:p="http://schemas.openxmlformats.org/presentationml/2006/main" xmlns:r="http://schemas.openxmlformats.org/officeDocument/2006/relationships" xmlns:p14="http://schemas.microsoft.com/office/powerpoint/2010/main" xmlns:p15="http://schemas.microsoft.com/office/powerpoint/2012/main" xmlns:mc="http://schemas.openxmlformats.org/markup-compatibility/2006">
+<p:sldMaster xmlns:a="http://schemas.openxmlformats.org/drawingml/2006/main" xmlns:r="http://schemas.openxmlformats.org/officeDocument/2006/relationships" xmlns:p="http://schemas.openxmlformats.org/presentationml/2006/main">
   <p:cSld>
     <p:bg>
       <p:bgPr>
         <a:solidFill>
-          <a:srgbClr val="ffffff"/>
+          <a:srgbClr val="FFFFFF"/>
         </a:solidFill>
+        <a:effectLst/>
       </p:bgPr>
     </p:bg>
     <p:spTree>
@@ -1370,7 +1538,7 @@
       </p:grpSpPr>
       <p:sp>
         <p:nvSpPr>
-          <p:cNvPr id="0" name="CustomShape 1"/>
+          <p:cNvPr id="6" name="CustomShape 1"/>
           <p:cNvSpPr/>
           <p:nvPr/>
         </p:nvSpPr>
@@ -1383,7 +1551,7 @@
             <a:avLst/>
           </a:prstGeom>
           <a:solidFill>
-            <a:srgbClr val="3333b2"/>
+            <a:srgbClr val="3333B2"/>
           </a:solidFill>
           <a:ln>
             <a:noFill/>
@@ -1406,7 +1574,7 @@
       </p:sp>
       <p:sp>
         <p:nvSpPr>
-          <p:cNvPr id="1" name="CustomShape 2"/>
+          <p:cNvPr id="7" name="CustomShape 2"/>
           <p:cNvSpPr/>
           <p:nvPr/>
         </p:nvSpPr>
@@ -1460,7 +1628,7 @@
                 <a:schemeClr val="tx1"/>
               </a:gs>
               <a:gs pos="100000">
-                <a:srgbClr val="3333b2"/>
+                <a:srgbClr val="3333B2"/>
               </a:gs>
             </a:gsLst>
             <a:lin ang="10800000"/>
@@ -1469,7 +1637,7 @@
             <a:noFill/>
           </a:ln>
           <a:effectLst>
-            <a:outerShdw algn="tl" blurRad="50800" dir="5400000" dist="88900" rotWithShape="0">
+            <a:outerShdw blurRad="50800" dist="88900" dir="5400000" algn="tl" rotWithShape="0">
               <a:srgbClr val="000000">
                 <a:alpha val="40000"/>
               </a:srgbClr>
@@ -1511,13 +1679,20 @@
           </a:ln>
         </p:spPr>
         <p:style>
-          <a:lnRef idx="0"/>
-          <a:fillRef idx="0"/>
-          <a:effectRef idx="0"/>
+          <a:lnRef idx="0">
+            <a:scrgbClr r="0" g="0" b="0"/>
+          </a:lnRef>
+          <a:fillRef idx="0">
+            <a:scrgbClr r="0" g="0" b="0"/>
+          </a:fillRef>
+          <a:effectRef idx="0">
+            <a:scrgbClr r="0" g="0" b="0"/>
+          </a:effectRef>
           <a:fontRef idx="minor"/>
         </p:style>
         <p:txBody>
-          <a:bodyPr lIns="90000" rIns="90000" tIns="45000" bIns="45000" anchor="ctr"/>
+          <a:bodyPr lIns="90000" tIns="45000" rIns="90000" bIns="45000" anchor="ctr"/>
+          <a:lstStyle/>
           <a:p>
             <a:pPr algn="r">
               <a:lnSpc>
@@ -1525,9 +1700,9 @@
               </a:lnSpc>
             </a:pPr>
             <a:r>
-              <a:rPr b="0" lang="en-US" sz="1200" spc="-1" strike="noStrike">
-                <a:solidFill>
-                  <a:srgbClr val="ffffff"/>
+              <a:rPr lang="en-US" sz="1200" b="0" strike="noStrike" spc="-1">
+                <a:solidFill>
+                  <a:srgbClr val="FFFFFF"/>
                 </a:solidFill>
                 <a:latin typeface="Calibri"/>
                 <a:ea typeface="DejaVu Sans"/>
@@ -1535,9 +1710,9 @@
               <a:t>Juergen Jung </a:t>
             </a:r>
             <a:r>
-              <a:rPr b="0" lang="en-US" sz="1200" spc="-1" strike="noStrike">
-                <a:solidFill>
-                  <a:srgbClr val="ffffff"/>
+              <a:rPr lang="en-US" sz="1200" b="0" strike="noStrike" spc="-1">
+                <a:solidFill>
+                  <a:srgbClr val="FFFFFF"/>
                 </a:solidFill>
                 <a:latin typeface="Arial"/>
                 <a:ea typeface="DejaVu Sans"/>
@@ -1545,16 +1720,16 @@
               <a:t>–</a:t>
             </a:r>
             <a:r>
-              <a:rPr b="0" lang="en-US" sz="1200" spc="-1" strike="noStrike">
-                <a:solidFill>
-                  <a:srgbClr val="ffffff"/>
+              <a:rPr lang="en-US" sz="1200" b="0" strike="noStrike" spc="-1">
+                <a:solidFill>
+                  <a:srgbClr val="FFFFFF"/>
                 </a:solidFill>
                 <a:latin typeface="Calibri"/>
                 <a:ea typeface="DejaVu Sans"/>
               </a:rPr>
               <a:t> Towson University</a:t>
             </a:r>
-            <a:endParaRPr b="0" lang="en-US" sz="1200" spc="-1" strike="noStrike">
+            <a:endParaRPr lang="en-US" sz="1200" b="0" strike="noStrike" spc="-1">
               <a:latin typeface="Arial"/>
             </a:endParaRPr>
           </a:p>
@@ -1580,18 +1755,16 @@
           </a:prstGeom>
         </p:spPr>
         <p:txBody>
-          <a:bodyPr lIns="0" rIns="0" tIns="0" bIns="0" anchor="ctr"/>
+          <a:bodyPr lIns="0" tIns="0" rIns="0" bIns="0" anchor="ctr"/>
+          <a:lstStyle/>
           <a:p>
             <a:pPr algn="ctr"/>
             <a:r>
-              <a:rPr b="0" lang="en-US" sz="4400" spc="-1" strike="noStrike">
+              <a:rPr lang="en-US" sz="4400" b="0" strike="noStrike" spc="-1">
                 <a:latin typeface="Arial"/>
               </a:rPr>
               <a:t>Click to edit the title text format</a:t>
             </a:r>
-            <a:endParaRPr b="0" lang="en-US" sz="4400" spc="-1" strike="noStrike">
-              <a:latin typeface="Arial"/>
-            </a:endParaRPr>
           </a:p>
         </p:txBody>
       </p:sp>
@@ -1615,9 +1788,10 @@
           </a:prstGeom>
         </p:spPr>
         <p:txBody>
-          <a:bodyPr lIns="0" rIns="0" tIns="0" bIns="0">
+          <a:bodyPr lIns="0" tIns="0" rIns="0" bIns="0">
             <a:normAutofit/>
           </a:bodyPr>
+          <a:lstStyle/>
           <a:p>
             <a:pPr marL="432000" indent="-324000">
               <a:spcBef>
@@ -1631,17 +1805,14 @@
               <a:buChar char=""/>
             </a:pPr>
             <a:r>
-              <a:rPr b="0" lang="en-US" sz="3200" spc="-1" strike="noStrike">
+              <a:rPr lang="en-US" sz="3200" b="0" strike="noStrike" spc="-1">
                 <a:latin typeface="Arial"/>
               </a:rPr>
               <a:t>Click to edit the outline text format</a:t>
             </a:r>
-            <a:endParaRPr b="0" lang="en-US" sz="3200" spc="-1" strike="noStrike">
-              <a:latin typeface="Arial"/>
-            </a:endParaRPr>
-          </a:p>
-          <a:p>
-            <a:pPr lvl="1" marL="864000" indent="-324000">
+          </a:p>
+          <a:p>
+            <a:pPr marL="864000" lvl="1" indent="-324000">
               <a:spcBef>
                 <a:spcPts val="1134"/>
               </a:spcBef>
@@ -1653,17 +1824,14 @@
               <a:buChar char=""/>
             </a:pPr>
             <a:r>
-              <a:rPr b="0" lang="en-US" sz="2800" spc="-1" strike="noStrike">
+              <a:rPr lang="en-US" sz="2800" b="0" strike="noStrike" spc="-1">
                 <a:latin typeface="Arial"/>
               </a:rPr>
               <a:t>Second Outline Level</a:t>
             </a:r>
-            <a:endParaRPr b="0" lang="en-US" sz="2800" spc="-1" strike="noStrike">
-              <a:latin typeface="Arial"/>
-            </a:endParaRPr>
-          </a:p>
-          <a:p>
-            <a:pPr lvl="2" marL="1296000" indent="-288000">
+          </a:p>
+          <a:p>
+            <a:pPr marL="1296000" lvl="2" indent="-288000">
               <a:spcBef>
                 <a:spcPts val="850"/>
               </a:spcBef>
@@ -1675,17 +1843,14 @@
               <a:buChar char=""/>
             </a:pPr>
             <a:r>
-              <a:rPr b="0" lang="en-US" sz="2400" spc="-1" strike="noStrike">
+              <a:rPr lang="en-US" sz="2400" b="0" strike="noStrike" spc="-1">
                 <a:latin typeface="Arial"/>
               </a:rPr>
               <a:t>Third Outline Level</a:t>
             </a:r>
-            <a:endParaRPr b="0" lang="en-US" sz="2400" spc="-1" strike="noStrike">
-              <a:latin typeface="Arial"/>
-            </a:endParaRPr>
-          </a:p>
-          <a:p>
-            <a:pPr lvl="3" marL="1728000" indent="-216000">
+          </a:p>
+          <a:p>
+            <a:pPr marL="1728000" lvl="3" indent="-216000">
               <a:spcBef>
                 <a:spcPts val="567"/>
               </a:spcBef>
@@ -1697,17 +1862,14 @@
               <a:buChar char=""/>
             </a:pPr>
             <a:r>
-              <a:rPr b="0" lang="en-US" sz="2000" spc="-1" strike="noStrike">
+              <a:rPr lang="en-US" sz="2000" b="0" strike="noStrike" spc="-1">
                 <a:latin typeface="Arial"/>
               </a:rPr>
               <a:t>Fourth Outline Level</a:t>
             </a:r>
-            <a:endParaRPr b="0" lang="en-US" sz="2000" spc="-1" strike="noStrike">
-              <a:latin typeface="Arial"/>
-            </a:endParaRPr>
-          </a:p>
-          <a:p>
-            <a:pPr lvl="4" marL="2160000" indent="-216000">
+          </a:p>
+          <a:p>
+            <a:pPr marL="2160000" lvl="4" indent="-216000">
               <a:spcBef>
                 <a:spcPts val="283"/>
               </a:spcBef>
@@ -1719,17 +1881,14 @@
               <a:buChar char=""/>
             </a:pPr>
             <a:r>
-              <a:rPr b="0" lang="en-US" sz="2000" spc="-1" strike="noStrike">
+              <a:rPr lang="en-US" sz="2000" b="0" strike="noStrike" spc="-1">
                 <a:latin typeface="Arial"/>
               </a:rPr>
               <a:t>Fifth Outline Level</a:t>
             </a:r>
-            <a:endParaRPr b="0" lang="en-US" sz="2000" spc="-1" strike="noStrike">
-              <a:latin typeface="Arial"/>
-            </a:endParaRPr>
-          </a:p>
-          <a:p>
-            <a:pPr lvl="5" marL="2592000" indent="-216000">
+          </a:p>
+          <a:p>
+            <a:pPr marL="2592000" lvl="5" indent="-216000">
               <a:spcBef>
                 <a:spcPts val="283"/>
               </a:spcBef>
@@ -1741,17 +1900,14 @@
               <a:buChar char=""/>
             </a:pPr>
             <a:r>
-              <a:rPr b="0" lang="en-US" sz="2000" spc="-1" strike="noStrike">
+              <a:rPr lang="en-US" sz="2000" b="0" strike="noStrike" spc="-1">
                 <a:latin typeface="Arial"/>
               </a:rPr>
               <a:t>Sixth Outline Level</a:t>
             </a:r>
-            <a:endParaRPr b="0" lang="en-US" sz="2000" spc="-1" strike="noStrike">
-              <a:latin typeface="Arial"/>
-            </a:endParaRPr>
-          </a:p>
-          <a:p>
-            <a:pPr lvl="6" marL="3024000" indent="-216000">
+          </a:p>
+          <a:p>
+            <a:pPr marL="3024000" lvl="6" indent="-216000">
               <a:spcBef>
                 <a:spcPts val="283"/>
               </a:spcBef>
@@ -1763,39 +1919,41 @@
               <a:buChar char=""/>
             </a:pPr>
             <a:r>
-              <a:rPr b="0" lang="en-US" sz="2000" spc="-1" strike="noStrike">
+              <a:rPr lang="en-US" sz="2000" b="0" strike="noStrike" spc="-1">
                 <a:latin typeface="Arial"/>
               </a:rPr>
               <a:t>Seventh Outline Level</a:t>
             </a:r>
-            <a:endParaRPr b="0" lang="en-US" sz="2000" spc="-1" strike="noStrike">
-              <a:latin typeface="Arial"/>
-            </a:endParaRPr>
           </a:p>
         </p:txBody>
       </p:sp>
     </p:spTree>
   </p:cSld>
-  <p:clrMap bg1="lt1" bg2="lt2" tx1="dk1" tx2="dk2" accent1="accent1" accent2="accent2" accent3="accent3" accent4="accent4" accent5="accent5" accent6="accent6" hlink="hlink" folHlink="folHlink"/>
+  <p:clrMap bg1="lt1" tx1="dk1" bg2="lt2" tx2="dk2" accent1="accent1" accent2="accent2" accent3="accent3" accent4="accent4" accent5="accent5" accent6="accent6" hlink="hlink" folHlink="folHlink"/>
   <p:sldLayoutIdLst>
-    <p:sldLayoutId id="2147483649" r:id="rId2"/>
-    <p:sldLayoutId id="2147483650" r:id="rId3"/>
-    <p:sldLayoutId id="2147483651" r:id="rId4"/>
-    <p:sldLayoutId id="2147483652" r:id="rId5"/>
-    <p:sldLayoutId id="2147483653" r:id="rId6"/>
-    <p:sldLayoutId id="2147483654" r:id="rId7"/>
-    <p:sldLayoutId id="2147483655" r:id="rId8"/>
-    <p:sldLayoutId id="2147483656" r:id="rId9"/>
-    <p:sldLayoutId id="2147483657" r:id="rId10"/>
-    <p:sldLayoutId id="2147483658" r:id="rId11"/>
-    <p:sldLayoutId id="2147483659" r:id="rId12"/>
-    <p:sldLayoutId id="2147483660" r:id="rId13"/>
+    <p:sldLayoutId id="2147483649" r:id="rId1"/>
+    <p:sldLayoutId id="2147483650" r:id="rId2"/>
+    <p:sldLayoutId id="2147483651" r:id="rId3"/>
+    <p:sldLayoutId id="2147483652" r:id="rId4"/>
+    <p:sldLayoutId id="2147483653" r:id="rId5"/>
+    <p:sldLayoutId id="2147483654" r:id="rId6"/>
+    <p:sldLayoutId id="2147483655" r:id="rId7"/>
+    <p:sldLayoutId id="2147483656" r:id="rId8"/>
+    <p:sldLayoutId id="2147483657" r:id="rId9"/>
+    <p:sldLayoutId id="2147483658" r:id="rId10"/>
+    <p:sldLayoutId id="2147483659" r:id="rId11"/>
+    <p:sldLayoutId id="2147483660" r:id="rId12"/>
   </p:sldLayoutIdLst>
+  <p:txStyles>
+    <p:titleStyle/>
+    <p:bodyStyle/>
+    <p:otherStyle/>
+  </p:txStyles>
 </p:sldMaster>
 </file>
 
 <file path=ppt/slides/slide1.xml><?xml version="1.0" encoding="utf-8"?>
-<p:sld xmlns:a="http://schemas.openxmlformats.org/drawingml/2006/main" xmlns:p="http://schemas.openxmlformats.org/presentationml/2006/main" xmlns:r="http://schemas.openxmlformats.org/officeDocument/2006/relationships" xmlns:p14="http://schemas.microsoft.com/office/powerpoint/2010/main" xmlns:p15="http://schemas.microsoft.com/office/powerpoint/2012/main" xmlns:mc="http://schemas.openxmlformats.org/markup-compatibility/2006">
+<p:sld xmlns:a="http://schemas.openxmlformats.org/drawingml/2006/main" xmlns:r="http://schemas.openxmlformats.org/officeDocument/2006/relationships" xmlns:p="http://schemas.openxmlformats.org/presentationml/2006/main">
   <p:cSld>
     <p:spTree>
       <p:nvGrpSpPr>
@@ -1831,13 +1989,20 @@
           </a:ln>
         </p:spPr>
         <p:style>
-          <a:lnRef idx="0"/>
-          <a:fillRef idx="0"/>
-          <a:effectRef idx="0"/>
+          <a:lnRef idx="0">
+            <a:scrgbClr r="0" g="0" b="0"/>
+          </a:lnRef>
+          <a:fillRef idx="0">
+            <a:scrgbClr r="0" g="0" b="0"/>
+          </a:fillRef>
+          <a:effectRef idx="0">
+            <a:scrgbClr r="0" g="0" b="0"/>
+          </a:effectRef>
           <a:fontRef idx="minor"/>
         </p:style>
         <p:txBody>
-          <a:bodyPr lIns="90000" rIns="90000" tIns="45000" bIns="45000" anchor="ctr"/>
+          <a:bodyPr lIns="90000" tIns="45000" rIns="90000" bIns="45000" anchor="ctr"/>
+          <a:lstStyle/>
           <a:p>
             <a:pPr algn="ctr">
               <a:lnSpc>
@@ -1845,16 +2010,16 @@
               </a:lnSpc>
             </a:pPr>
             <a:r>
-              <a:rPr b="0" lang="en-US" sz="4400" spc="-1" strike="noStrike">
-                <a:solidFill>
-                  <a:srgbClr val="ffffff"/>
+              <a:rPr lang="en-US" sz="4400" b="0" strike="noStrike" spc="-1">
+                <a:solidFill>
+                  <a:srgbClr val="FFFFFF"/>
                 </a:solidFill>
                 <a:latin typeface="Calibri"/>
                 <a:ea typeface="DejaVu Sans"/>
               </a:rPr>
               <a:t>Econ 202 - Roadmap</a:t>
             </a:r>
-            <a:endParaRPr b="0" lang="en-US" sz="4400" spc="-1" strike="noStrike">
+            <a:endParaRPr lang="en-US" sz="4400" b="0" strike="noStrike" spc="-1">
               <a:latin typeface="Arial"/>
             </a:endParaRPr>
           </a:p>
@@ -1877,29 +2042,36 @@
           <a:gradFill>
             <a:gsLst>
               <a:gs pos="0">
-                <a:srgbClr val="bfd4fe"/>
+                <a:srgbClr val="BFD4FE"/>
               </a:gs>
               <a:gs pos="100000">
-                <a:srgbClr val="e5efff"/>
+                <a:srgbClr val="E5EFFF"/>
               </a:gs>
             </a:gsLst>
             <a:lin ang="16200000"/>
           </a:gradFill>
           <a:ln w="9360">
             <a:solidFill>
-              <a:srgbClr val="4a7ebb"/>
+              <a:srgbClr val="4A7EBB"/>
             </a:solidFill>
             <a:round/>
           </a:ln>
         </p:spPr>
         <p:style>
-          <a:lnRef idx="0"/>
-          <a:fillRef idx="0"/>
-          <a:effectRef idx="0"/>
+          <a:lnRef idx="0">
+            <a:scrgbClr r="0" g="0" b="0"/>
+          </a:lnRef>
+          <a:fillRef idx="0">
+            <a:scrgbClr r="0" g="0" b="0"/>
+          </a:fillRef>
+          <a:effectRef idx="0">
+            <a:scrgbClr r="0" g="0" b="0"/>
+          </a:effectRef>
           <a:fontRef idx="minor"/>
         </p:style>
         <p:txBody>
-          <a:bodyPr lIns="90000" rIns="90000" tIns="45000" bIns="45000"/>
+          <a:bodyPr lIns="90000" tIns="45000" rIns="90000" bIns="45000"/>
+          <a:lstStyle/>
           <a:p>
             <a:pPr algn="ctr">
               <a:lnSpc>
@@ -1907,7 +2079,7 @@
               </a:lnSpc>
             </a:pPr>
             <a:r>
-              <a:rPr b="0" lang="en-US" sz="2000" spc="-1" strike="noStrike">
+              <a:rPr lang="en-US" sz="2000" b="0" strike="noStrike" spc="-1">
                 <a:solidFill>
                   <a:srgbClr val="000000"/>
                 </a:solidFill>
@@ -1916,7 +2088,7 @@
               </a:rPr>
               <a:t>Intro</a:t>
             </a:r>
-            <a:endParaRPr b="0" lang="en-US" sz="2000" spc="-1" strike="noStrike">
+            <a:endParaRPr lang="en-US" sz="2000" b="0" strike="noStrike" spc="-1">
               <a:latin typeface="Arial"/>
             </a:endParaRPr>
           </a:p>
@@ -1927,7 +2099,7 @@
               </a:lnSpc>
             </a:pPr>
             <a:r>
-              <a:rPr b="0" lang="en-US" sz="1100" spc="-1" strike="noStrike">
+              <a:rPr lang="en-US" sz="1100" b="0" strike="noStrike" spc="-1">
                 <a:solidFill>
                   <a:srgbClr val="000000"/>
                 </a:solidFill>
@@ -1936,7 +2108,7 @@
               </a:rPr>
               <a:t>Chapter 1-4:</a:t>
             </a:r>
-            <a:endParaRPr b="0" lang="en-US" sz="1100" spc="-1" strike="noStrike">
+            <a:endParaRPr lang="en-US" sz="1100" b="0" strike="noStrike" spc="-1">
               <a:latin typeface="Arial"/>
             </a:endParaRPr>
           </a:p>
@@ -1952,7 +2124,7 @@
               <a:buChar char="•"/>
             </a:pPr>
             <a:r>
-              <a:rPr b="0" lang="en-US" sz="1100" spc="-1" strike="noStrike">
+              <a:rPr lang="en-US" sz="1100" b="0" strike="noStrike" spc="-1">
                 <a:solidFill>
                   <a:srgbClr val="000000"/>
                 </a:solidFill>
@@ -1961,7 +2133,7 @@
               </a:rPr>
               <a:t>Basic Econ Concepts</a:t>
             </a:r>
-            <a:endParaRPr b="0" lang="en-US" sz="1100" spc="-1" strike="noStrike">
+            <a:endParaRPr lang="en-US" sz="1100" b="0" strike="noStrike" spc="-1">
               <a:latin typeface="Arial"/>
             </a:endParaRPr>
           </a:p>
@@ -1977,7 +2149,7 @@
               <a:buChar char="•"/>
             </a:pPr>
             <a:r>
-              <a:rPr b="0" lang="en-US" sz="1100" spc="-1" strike="noStrike">
+              <a:rPr lang="en-US" sz="1100" b="0" strike="noStrike" spc="-1">
                 <a:solidFill>
                   <a:srgbClr val="000000"/>
                 </a:solidFill>
@@ -1986,7 +2158,7 @@
               </a:rPr>
               <a:t>Demand and supply</a:t>
             </a:r>
-            <a:endParaRPr b="0" lang="en-US" sz="1100" spc="-1" strike="noStrike">
+            <a:endParaRPr lang="en-US" sz="1100" b="0" strike="noStrike" spc="-1">
               <a:latin typeface="Arial"/>
             </a:endParaRPr>
           </a:p>
@@ -2002,7 +2174,7 @@
               <a:buChar char="•"/>
             </a:pPr>
             <a:r>
-              <a:rPr b="0" lang="en-US" sz="1100" spc="-1" strike="noStrike">
+              <a:rPr lang="en-US" sz="1100" b="0" strike="noStrike" spc="-1">
                 <a:solidFill>
                   <a:srgbClr val="000000"/>
                 </a:solidFill>
@@ -2011,7 +2183,7 @@
               </a:rPr>
               <a:t>Equilibrium</a:t>
             </a:r>
-            <a:endParaRPr b="0" lang="en-US" sz="1100" spc="-1" strike="noStrike">
+            <a:endParaRPr lang="en-US" sz="1100" b="0" strike="noStrike" spc="-1">
               <a:latin typeface="Arial"/>
             </a:endParaRPr>
           </a:p>
@@ -2021,7 +2193,7 @@
                 <a:spcPct val="100000"/>
               </a:lnSpc>
             </a:pPr>
-            <a:endParaRPr b="0" lang="en-US" sz="1100" spc="-1" strike="noStrike">
+            <a:endParaRPr lang="en-US" sz="1100" b="0" strike="noStrike" spc="-1">
               <a:latin typeface="Arial"/>
             </a:endParaRPr>
           </a:p>
@@ -2044,29 +2216,56 @@
           <a:gradFill>
             <a:gsLst>
               <a:gs pos="0">
-                <a:srgbClr val="ffded0"/>
+                <a:srgbClr val="FFDED0"/>
               </a:gs>
               <a:gs pos="100000">
-                <a:srgbClr val="fff1ec"/>
+                <a:srgbClr val="FFF1EC"/>
               </a:gs>
             </a:gsLst>
             <a:lin ang="16200000"/>
           </a:gradFill>
           <a:ln w="9360">
             <a:solidFill>
-              <a:srgbClr val="f59240"/>
+              <a:srgbClr val="F59240"/>
             </a:solidFill>
             <a:round/>
           </a:ln>
         </p:spPr>
         <p:style>
-          <a:lnRef idx="0"/>
-          <a:fillRef idx="0"/>
-          <a:effectRef idx="0"/>
+          <a:lnRef idx="0">
+            <a:scrgbClr r="0" g="0" b="0"/>
+          </a:lnRef>
+          <a:fillRef idx="0">
+            <a:scrgbClr r="0" g="0" b="0"/>
+          </a:fillRef>
+          <a:effectRef idx="0">
+            <a:scrgbClr r="0" g="0" b="0"/>
+          </a:effectRef>
           <a:fontRef idx="minor"/>
         </p:style>
         <p:txBody>
-          <a:bodyPr lIns="90000" rIns="90000" tIns="45000" bIns="45000"/>
+          <a:bodyPr lIns="90000" tIns="45000" rIns="90000" bIns="45000"/>
+          <a:lstStyle/>
+          <a:p>
+            <a:pPr algn="ctr">
+              <a:lnSpc>
+                <a:spcPct val="100000"/>
+              </a:lnSpc>
+            </a:pPr>
+            <a:r>
+              <a:rPr lang="en-US" sz="1800" b="0" strike="noStrike" spc="-1">
+                <a:solidFill>
+                  <a:srgbClr val="000000"/>
+                </a:solidFill>
+                <a:latin typeface="Arial"/>
+                <a:ea typeface="DejaVu Sans"/>
+              </a:rPr>
+              <a:t>Unemployment</a:t>
+            </a:r>
+            <a:endParaRPr lang="en-US" sz="1800" b="0" strike="noStrike" spc="-1">
+              <a:latin typeface="Arial"/>
+            </a:endParaRPr>
+          </a:p>
           <a:p>
             <a:pPr>
               <a:lnSpc>
@@ -2074,36 +2273,16 @@
               </a:lnSpc>
             </a:pPr>
             <a:r>
-              <a:rPr b="0" lang="en-US" sz="1800" spc="-1" strike="noStrike">
+              <a:rPr lang="en-US" sz="1200" b="0" strike="noStrike" spc="-1" dirty="0">
                 <a:solidFill>
                   <a:srgbClr val="000000"/>
                 </a:solidFill>
                 <a:latin typeface="Arial"/>
                 <a:ea typeface="DejaVu Sans"/>
               </a:rPr>
-              <a:t>Unemployment</a:t>
-            </a:r>
-            <a:endParaRPr b="0" lang="en-US" sz="1800" spc="-1" strike="noStrike">
-              <a:latin typeface="Arial"/>
-            </a:endParaRPr>
-          </a:p>
-          <a:p>
-            <a:pPr>
-              <a:lnSpc>
-                <a:spcPct val="100000"/>
-              </a:lnSpc>
-            </a:pPr>
-            <a:r>
-              <a:rPr b="0" lang="en-US" sz="1200" spc="-1" strike="noStrike">
-                <a:solidFill>
-                  <a:srgbClr val="000000"/>
-                </a:solidFill>
-                <a:latin typeface="Arial"/>
-                <a:ea typeface="DejaVu Sans"/>
-              </a:rPr>
               <a:t>Chapter 6:</a:t>
             </a:r>
-            <a:endParaRPr b="0" lang="en-US" sz="1200" spc="-1" strike="noStrike">
+            <a:endParaRPr lang="en-US" sz="1200" b="0" strike="noStrike" spc="-1" dirty="0">
               <a:latin typeface="Arial"/>
             </a:endParaRPr>
           </a:p>
@@ -2120,7 +2299,7 @@
               <a:buChar char=""/>
             </a:pPr>
             <a:r>
-              <a:rPr b="0" lang="en-US" sz="1200" spc="-1" strike="noStrike">
+              <a:rPr lang="en-US" sz="1200" b="0" strike="noStrike" spc="-1" dirty="0">
                 <a:solidFill>
                   <a:srgbClr val="000000"/>
                 </a:solidFill>
@@ -2129,7 +2308,7 @@
               </a:rPr>
               <a:t>Unemployment definitions</a:t>
             </a:r>
-            <a:endParaRPr b="0" lang="en-US" sz="1200" spc="-1" strike="noStrike">
+            <a:endParaRPr lang="en-US" sz="1200" b="0" strike="noStrike" spc="-1" dirty="0">
               <a:latin typeface="Arial"/>
             </a:endParaRPr>
           </a:p>
@@ -2146,7 +2325,7 @@
               <a:buChar char=""/>
             </a:pPr>
             <a:r>
-              <a:rPr b="0" lang="en-US" sz="1200" spc="-1" strike="noStrike">
+              <a:rPr lang="en-US" sz="1200" b="0" strike="noStrike" spc="-1" dirty="0">
                 <a:solidFill>
                   <a:srgbClr val="000000"/>
                 </a:solidFill>
@@ -2155,7 +2334,7 @@
               </a:rPr>
               <a:t>Inflation</a:t>
             </a:r>
-            <a:endParaRPr b="0" lang="en-US" sz="1200" spc="-1" strike="noStrike">
+            <a:endParaRPr lang="en-US" sz="1200" b="0" strike="noStrike" spc="-1" dirty="0">
               <a:latin typeface="Arial"/>
             </a:endParaRPr>
           </a:p>
@@ -2165,7 +2344,7 @@
                 <a:spcPct val="100000"/>
               </a:lnSpc>
             </a:pPr>
-            <a:endParaRPr b="0" lang="en-US" sz="1200" spc="-1" strike="noStrike">
+            <a:endParaRPr lang="en-US" sz="1200" b="0" strike="noStrike" spc="-1" dirty="0">
               <a:latin typeface="Arial"/>
             </a:endParaRPr>
           </a:p>
@@ -2188,29 +2367,36 @@
           <a:gradFill>
             <a:gsLst>
               <a:gs pos="0">
-                <a:srgbClr val="bfd4fe"/>
+                <a:srgbClr val="BFD4FE"/>
               </a:gs>
               <a:gs pos="100000">
-                <a:srgbClr val="e5efff"/>
+                <a:srgbClr val="E5EFFF"/>
               </a:gs>
             </a:gsLst>
             <a:lin ang="16200000"/>
           </a:gradFill>
           <a:ln w="9360">
             <a:solidFill>
-              <a:srgbClr val="4a7ebb"/>
+              <a:srgbClr val="4A7EBB"/>
             </a:solidFill>
             <a:round/>
           </a:ln>
         </p:spPr>
         <p:style>
-          <a:lnRef idx="0"/>
-          <a:fillRef idx="0"/>
-          <a:effectRef idx="0"/>
+          <a:lnRef idx="0">
+            <a:scrgbClr r="0" g="0" b="0"/>
+          </a:lnRef>
+          <a:fillRef idx="0">
+            <a:scrgbClr r="0" g="0" b="0"/>
+          </a:fillRef>
+          <a:effectRef idx="0">
+            <a:scrgbClr r="0" g="0" b="0"/>
+          </a:effectRef>
           <a:fontRef idx="minor"/>
         </p:style>
         <p:txBody>
-          <a:bodyPr lIns="90000" rIns="90000" tIns="45000" bIns="45000"/>
+          <a:bodyPr lIns="90000" tIns="45000" rIns="90000" bIns="45000"/>
+          <a:lstStyle/>
           <a:p>
             <a:pPr algn="ctr">
               <a:lnSpc>
@@ -2218,7 +2404,7 @@
               </a:lnSpc>
             </a:pPr>
             <a:r>
-              <a:rPr b="0" lang="en-US" sz="2000" spc="-1" strike="noStrike">
+              <a:rPr lang="en-US" sz="2000" b="0" strike="noStrike" spc="-1">
                 <a:solidFill>
                   <a:srgbClr val="000000"/>
                 </a:solidFill>
@@ -2227,7 +2413,7 @@
               </a:rPr>
               <a:t>Measuring</a:t>
             </a:r>
-            <a:endParaRPr b="0" lang="en-US" sz="2000" spc="-1" strike="noStrike">
+            <a:endParaRPr lang="en-US" sz="2000" b="0" strike="noStrike" spc="-1">
               <a:latin typeface="Arial"/>
             </a:endParaRPr>
           </a:p>
@@ -2238,7 +2424,7 @@
               </a:lnSpc>
             </a:pPr>
             <a:r>
-              <a:rPr b="0" lang="en-US" sz="1100" spc="-1" strike="noStrike">
+              <a:rPr lang="en-US" sz="1100" b="0" strike="noStrike" spc="-1">
                 <a:solidFill>
                   <a:srgbClr val="000000"/>
                 </a:solidFill>
@@ -2247,7 +2433,7 @@
               </a:rPr>
               <a:t>Chapter 5:</a:t>
             </a:r>
-            <a:endParaRPr b="0" lang="en-US" sz="1100" spc="-1" strike="noStrike">
+            <a:endParaRPr lang="en-US" sz="1100" b="0" strike="noStrike" spc="-1">
               <a:latin typeface="Arial"/>
             </a:endParaRPr>
           </a:p>
@@ -2263,7 +2449,7 @@
               <a:buChar char="•"/>
             </a:pPr>
             <a:r>
-              <a:rPr b="0" lang="en-US" sz="1100" spc="-1" strike="noStrike">
+              <a:rPr lang="en-US" sz="1100" b="0" strike="noStrike" spc="-1">
                 <a:solidFill>
                   <a:srgbClr val="000000"/>
                 </a:solidFill>
@@ -2272,7 +2458,7 @@
               </a:rPr>
               <a:t>GDP, GNP, Inflation</a:t>
             </a:r>
-            <a:endParaRPr b="0" lang="en-US" sz="1100" spc="-1" strike="noStrike">
+            <a:endParaRPr lang="en-US" sz="1100" b="0" strike="noStrike" spc="-1">
               <a:latin typeface="Arial"/>
             </a:endParaRPr>
           </a:p>
@@ -2288,7 +2474,7 @@
               <a:buChar char="•"/>
             </a:pPr>
             <a:r>
-              <a:rPr b="0" lang="en-US" sz="1100" spc="-1" strike="noStrike">
+              <a:rPr lang="en-US" sz="1100" b="0" strike="noStrike" spc="-1">
                 <a:solidFill>
                   <a:srgbClr val="000000"/>
                 </a:solidFill>
@@ -2297,7 +2483,7 @@
               </a:rPr>
               <a:t>Measurements</a:t>
             </a:r>
-            <a:endParaRPr b="0" lang="en-US" sz="1100" spc="-1" strike="noStrike">
+            <a:endParaRPr lang="en-US" sz="1100" b="0" strike="noStrike" spc="-1">
               <a:latin typeface="Arial"/>
             </a:endParaRPr>
           </a:p>
@@ -2313,7 +2499,7 @@
               <a:buChar char="•"/>
             </a:pPr>
             <a:r>
-              <a:rPr b="0" lang="en-US" sz="1100" spc="-1" strike="noStrike">
+              <a:rPr lang="en-US" sz="1100" b="0" strike="noStrike" spc="-1">
                 <a:solidFill>
                   <a:srgbClr val="000000"/>
                 </a:solidFill>
@@ -2322,7 +2508,7 @@
               </a:rPr>
               <a:t>Accounting</a:t>
             </a:r>
-            <a:endParaRPr b="0" lang="en-US" sz="1100" spc="-1" strike="noStrike">
+            <a:endParaRPr lang="en-US" sz="1100" b="0" strike="noStrike" spc="-1">
               <a:latin typeface="Arial"/>
             </a:endParaRPr>
           </a:p>
@@ -2345,29 +2531,36 @@
           <a:gradFill>
             <a:gsLst>
               <a:gs pos="0">
-                <a:srgbClr val="bfd4fe"/>
+                <a:srgbClr val="BFD4FE"/>
               </a:gs>
               <a:gs pos="100000">
-                <a:srgbClr val="e5efff"/>
+                <a:srgbClr val="E5EFFF"/>
               </a:gs>
             </a:gsLst>
             <a:lin ang="16200000"/>
           </a:gradFill>
           <a:ln w="9360">
             <a:solidFill>
-              <a:srgbClr val="4a7ebb"/>
+              <a:srgbClr val="4A7EBB"/>
             </a:solidFill>
             <a:round/>
           </a:ln>
         </p:spPr>
         <p:style>
-          <a:lnRef idx="0"/>
-          <a:fillRef idx="0"/>
-          <a:effectRef idx="0"/>
+          <a:lnRef idx="0">
+            <a:scrgbClr r="0" g="0" b="0"/>
+          </a:lnRef>
+          <a:fillRef idx="0">
+            <a:scrgbClr r="0" g="0" b="0"/>
+          </a:fillRef>
+          <a:effectRef idx="0">
+            <a:scrgbClr r="0" g="0" b="0"/>
+          </a:effectRef>
           <a:fontRef idx="minor"/>
         </p:style>
         <p:txBody>
-          <a:bodyPr lIns="90000" rIns="90000" tIns="45000" bIns="45000"/>
+          <a:bodyPr lIns="90000" tIns="45000" rIns="90000" bIns="45000"/>
+          <a:lstStyle/>
           <a:p>
             <a:pPr algn="ctr">
               <a:lnSpc>
@@ -2375,7 +2568,7 @@
               </a:lnSpc>
             </a:pPr>
             <a:r>
-              <a:rPr b="0" lang="en-US" sz="2200" spc="-1" strike="noStrike">
+              <a:rPr lang="en-US" sz="2200" b="0" strike="noStrike" spc="-1">
                 <a:solidFill>
                   <a:srgbClr val="000000"/>
                 </a:solidFill>
@@ -2384,7 +2577,7 @@
               </a:rPr>
               <a:t>Focus: Midterm 1</a:t>
             </a:r>
-            <a:endParaRPr b="0" lang="en-US" sz="2200" spc="-1" strike="noStrike">
+            <a:endParaRPr lang="en-US" sz="2200" b="0" strike="noStrike" spc="-1">
               <a:latin typeface="Arial"/>
             </a:endParaRPr>
           </a:p>
@@ -2407,29 +2600,36 @@
           <a:gradFill>
             <a:gsLst>
               <a:gs pos="0">
-                <a:srgbClr val="ffded0"/>
+                <a:srgbClr val="FFDED0"/>
               </a:gs>
               <a:gs pos="100000">
-                <a:srgbClr val="fff1ec"/>
+                <a:srgbClr val="FFF1EC"/>
               </a:gs>
             </a:gsLst>
             <a:lin ang="16200000"/>
           </a:gradFill>
           <a:ln w="9360">
             <a:solidFill>
-              <a:srgbClr val="f59240"/>
+              <a:srgbClr val="F59240"/>
             </a:solidFill>
             <a:round/>
           </a:ln>
         </p:spPr>
         <p:style>
-          <a:lnRef idx="0"/>
-          <a:fillRef idx="0"/>
-          <a:effectRef idx="0"/>
+          <a:lnRef idx="0">
+            <a:scrgbClr r="0" g="0" b="0"/>
+          </a:lnRef>
+          <a:fillRef idx="0">
+            <a:scrgbClr r="0" g="0" b="0"/>
+          </a:fillRef>
+          <a:effectRef idx="0">
+            <a:scrgbClr r="0" g="0" b="0"/>
+          </a:effectRef>
           <a:fontRef idx="minor"/>
         </p:style>
         <p:txBody>
-          <a:bodyPr lIns="90000" rIns="90000" tIns="45000" bIns="45000"/>
+          <a:bodyPr lIns="90000" tIns="45000" rIns="90000" bIns="45000"/>
+          <a:lstStyle/>
           <a:p>
             <a:pPr algn="ctr">
               <a:lnSpc>
@@ -2437,7 +2637,7 @@
               </a:lnSpc>
             </a:pPr>
             <a:r>
-              <a:rPr b="0" lang="en-US" sz="1800" spc="-1" strike="noStrike">
+              <a:rPr lang="en-US" sz="1800" b="0" strike="noStrike" spc="-1">
                 <a:solidFill>
                   <a:srgbClr val="000000"/>
                 </a:solidFill>
@@ -2446,7 +2646,7 @@
               </a:rPr>
               <a:t>Fiscal Policy</a:t>
             </a:r>
-            <a:endParaRPr b="0" lang="en-US" sz="1800" spc="-1" strike="noStrike">
+            <a:endParaRPr lang="en-US" sz="1800" b="0" strike="noStrike" spc="-1">
               <a:latin typeface="Arial"/>
             </a:endParaRPr>
           </a:p>
@@ -2457,7 +2657,7 @@
               </a:lnSpc>
             </a:pPr>
             <a:r>
-              <a:rPr b="0" lang="en-US" sz="1100" spc="-1" strike="noStrike">
+              <a:rPr lang="en-US" sz="1100" b="0" strike="noStrike" spc="-1">
                 <a:solidFill>
                   <a:srgbClr val="000000"/>
                 </a:solidFill>
@@ -2466,7 +2666,7 @@
               </a:rPr>
               <a:t>Chapter 10:</a:t>
             </a:r>
-            <a:endParaRPr b="0" lang="en-US" sz="1100" spc="-1" strike="noStrike">
+            <a:endParaRPr lang="en-US" sz="1100" b="0" strike="noStrike" spc="-1">
               <a:latin typeface="Arial"/>
             </a:endParaRPr>
           </a:p>
@@ -2482,7 +2682,7 @@
               <a:buChar char="•"/>
             </a:pPr>
             <a:r>
-              <a:rPr b="0" lang="en-US" sz="1200" spc="-1" strike="noStrike">
+              <a:rPr lang="en-US" sz="1200" b="0" strike="noStrike" spc="-1">
                 <a:solidFill>
                   <a:srgbClr val="000000"/>
                 </a:solidFill>
@@ -2491,7 +2691,7 @@
               </a:rPr>
               <a:t>Fiscal multiplier</a:t>
             </a:r>
-            <a:endParaRPr b="0" lang="en-US" sz="1200" spc="-1" strike="noStrike">
+            <a:endParaRPr lang="en-US" sz="1200" b="0" strike="noStrike" spc="-1">
               <a:latin typeface="Arial"/>
             </a:endParaRPr>
           </a:p>
@@ -2507,7 +2707,7 @@
               <a:buChar char="•"/>
             </a:pPr>
             <a:r>
-              <a:rPr b="0" lang="en-US" sz="1200" spc="-1" strike="noStrike">
+              <a:rPr lang="en-US" sz="1200" b="0" strike="noStrike" spc="-1">
                 <a:solidFill>
                   <a:srgbClr val="000000"/>
                 </a:solidFill>
@@ -2516,7 +2716,7 @@
               </a:rPr>
               <a:t>Federal budget </a:t>
             </a:r>
-            <a:endParaRPr b="0" lang="en-US" sz="1200" spc="-1" strike="noStrike">
+            <a:endParaRPr lang="en-US" sz="1200" b="0" strike="noStrike" spc="-1">
               <a:latin typeface="Arial"/>
             </a:endParaRPr>
           </a:p>
@@ -2539,29 +2739,36 @@
           <a:gradFill>
             <a:gsLst>
               <a:gs pos="0">
-                <a:srgbClr val="ffded0"/>
+                <a:srgbClr val="FFDED0"/>
               </a:gs>
               <a:gs pos="100000">
-                <a:srgbClr val="fff1ec"/>
+                <a:srgbClr val="FFF1EC"/>
               </a:gs>
             </a:gsLst>
             <a:lin ang="16200000"/>
           </a:gradFill>
           <a:ln w="9360">
             <a:solidFill>
-              <a:srgbClr val="f59240"/>
+              <a:srgbClr val="F59240"/>
             </a:solidFill>
             <a:round/>
           </a:ln>
         </p:spPr>
         <p:style>
-          <a:lnRef idx="0"/>
-          <a:fillRef idx="0"/>
-          <a:effectRef idx="0"/>
+          <a:lnRef idx="0">
+            <a:scrgbClr r="0" g="0" b="0"/>
+          </a:lnRef>
+          <a:fillRef idx="0">
+            <a:scrgbClr r="0" g="0" b="0"/>
+          </a:fillRef>
+          <a:effectRef idx="0">
+            <a:scrgbClr r="0" g="0" b="0"/>
+          </a:effectRef>
           <a:fontRef idx="minor"/>
         </p:style>
         <p:txBody>
-          <a:bodyPr lIns="90000" rIns="90000" tIns="45000" bIns="45000"/>
+          <a:bodyPr lIns="90000" tIns="45000" rIns="90000" bIns="45000"/>
+          <a:lstStyle/>
           <a:p>
             <a:pPr algn="ctr">
               <a:lnSpc>
@@ -2569,7 +2776,7 @@
               </a:lnSpc>
             </a:pPr>
             <a:r>
-              <a:rPr b="0" lang="en-US" sz="1600" spc="-1" strike="noStrike">
+              <a:rPr lang="en-US" b="0" strike="noStrike" spc="-1" dirty="0">
                 <a:solidFill>
                   <a:srgbClr val="000000"/>
                 </a:solidFill>
@@ -2578,7 +2785,7 @@
               </a:rPr>
               <a:t>Aggregate D &amp; S</a:t>
             </a:r>
-            <a:endParaRPr b="0" lang="en-US" sz="1600" spc="-1" strike="noStrike">
+            <a:endParaRPr lang="en-US" b="0" strike="noStrike" spc="-1" dirty="0">
               <a:latin typeface="Arial"/>
             </a:endParaRPr>
           </a:p>
@@ -2589,7 +2796,7 @@
               </a:lnSpc>
             </a:pPr>
             <a:r>
-              <a:rPr b="0" lang="en-US" sz="1100" spc="-1" strike="noStrike">
+              <a:rPr lang="en-US" sz="1100" b="0" strike="noStrike" spc="-1" dirty="0">
                 <a:solidFill>
                   <a:srgbClr val="000000"/>
                 </a:solidFill>
@@ -2598,7 +2805,7 @@
               </a:rPr>
               <a:t>Chapter 9:</a:t>
             </a:r>
-            <a:endParaRPr b="0" lang="en-US" sz="1100" spc="-1" strike="noStrike">
+            <a:endParaRPr lang="en-US" sz="1100" b="0" strike="noStrike" spc="-1" dirty="0">
               <a:latin typeface="Arial"/>
             </a:endParaRPr>
           </a:p>
@@ -2614,7 +2821,7 @@
               <a:buChar char="•"/>
             </a:pPr>
             <a:r>
-              <a:rPr b="0" lang="en-US" sz="1100" spc="-1" strike="noStrike">
+              <a:rPr lang="en-US" sz="1100" b="0" strike="noStrike" spc="-1" dirty="0">
                 <a:solidFill>
                   <a:srgbClr val="000000"/>
                 </a:solidFill>
@@ -2623,7 +2830,7 @@
               </a:rPr>
               <a:t>Sticky prices (short-run)</a:t>
             </a:r>
-            <a:endParaRPr b="0" lang="en-US" sz="1100" spc="-1" strike="noStrike">
+            <a:endParaRPr lang="en-US" sz="1100" b="0" strike="noStrike" spc="-1" dirty="0">
               <a:latin typeface="Arial"/>
             </a:endParaRPr>
           </a:p>
@@ -2639,7 +2846,7 @@
               <a:buChar char="•"/>
             </a:pPr>
             <a:r>
-              <a:rPr b="0" lang="en-US" sz="1100" spc="-1" strike="noStrike">
+              <a:rPr lang="en-US" sz="1100" b="0" strike="noStrike" spc="-1" dirty="0">
                 <a:solidFill>
                   <a:srgbClr val="000000"/>
                 </a:solidFill>
@@ -2648,7 +2855,7 @@
               </a:rPr>
               <a:t>Shifts in AD and AS</a:t>
             </a:r>
-            <a:endParaRPr b="0" lang="en-US" sz="1100" spc="-1" strike="noStrike">
+            <a:endParaRPr lang="en-US" sz="1100" b="0" strike="noStrike" spc="-1" dirty="0">
               <a:latin typeface="Arial"/>
             </a:endParaRPr>
           </a:p>
@@ -2671,29 +2878,36 @@
           <a:gradFill>
             <a:gsLst>
               <a:gs pos="0">
-                <a:srgbClr val="ffded0"/>
+                <a:srgbClr val="FFDED0"/>
               </a:gs>
               <a:gs pos="100000">
-                <a:srgbClr val="fff1ec"/>
+                <a:srgbClr val="FFF1EC"/>
               </a:gs>
             </a:gsLst>
             <a:lin ang="16200000"/>
           </a:gradFill>
           <a:ln w="9360">
             <a:solidFill>
-              <a:srgbClr val="f59240"/>
+              <a:srgbClr val="F59240"/>
             </a:solidFill>
             <a:round/>
           </a:ln>
         </p:spPr>
         <p:style>
-          <a:lnRef idx="0"/>
-          <a:fillRef idx="0"/>
-          <a:effectRef idx="0"/>
+          <a:lnRef idx="0">
+            <a:scrgbClr r="0" g="0" b="0"/>
+          </a:lnRef>
+          <a:fillRef idx="0">
+            <a:scrgbClr r="0" g="0" b="0"/>
+          </a:fillRef>
+          <a:effectRef idx="0">
+            <a:scrgbClr r="0" g="0" b="0"/>
+          </a:effectRef>
           <a:fontRef idx="minor"/>
         </p:style>
         <p:txBody>
-          <a:bodyPr lIns="90000" rIns="90000" tIns="45000" bIns="45000"/>
+          <a:bodyPr lIns="90000" tIns="45000" rIns="90000" bIns="45000"/>
+          <a:lstStyle/>
           <a:p>
             <a:pPr algn="ctr">
               <a:lnSpc>
@@ -2701,7 +2915,7 @@
               </a:lnSpc>
             </a:pPr>
             <a:r>
-              <a:rPr b="0" lang="en-US" sz="1600" spc="-1" strike="noStrike">
+              <a:rPr lang="en-US" b="0" strike="noStrike" spc="-1" dirty="0">
                 <a:solidFill>
                   <a:srgbClr val="000000"/>
                 </a:solidFill>
@@ -2710,7 +2924,7 @@
               </a:rPr>
               <a:t>Growth</a:t>
             </a:r>
-            <a:endParaRPr b="0" lang="en-US" sz="1600" spc="-1" strike="noStrike">
+            <a:endParaRPr lang="en-US" b="0" strike="noStrike" spc="-1" dirty="0">
               <a:latin typeface="Arial"/>
             </a:endParaRPr>
           </a:p>
@@ -2721,7 +2935,7 @@
               </a:lnSpc>
             </a:pPr>
             <a:r>
-              <a:rPr b="0" lang="en-US" sz="1100" spc="-1" strike="noStrike">
+              <a:rPr lang="en-US" sz="1100" b="0" strike="noStrike" spc="-1" dirty="0">
                 <a:solidFill>
                   <a:srgbClr val="000000"/>
                 </a:solidFill>
@@ -2730,7 +2944,7 @@
               </a:rPr>
               <a:t>Chapter 8:</a:t>
             </a:r>
-            <a:endParaRPr b="0" lang="en-US" sz="1100" spc="-1" strike="noStrike">
+            <a:endParaRPr lang="en-US" sz="1100" b="0" strike="noStrike" spc="-1" dirty="0">
               <a:latin typeface="Arial"/>
             </a:endParaRPr>
           </a:p>
@@ -2746,7 +2960,7 @@
               <a:buChar char="•"/>
             </a:pPr>
             <a:r>
-              <a:rPr b="0" lang="en-US" sz="1100" spc="-1" strike="noStrike">
+              <a:rPr lang="en-US" sz="1100" b="0" strike="noStrike" spc="-1" dirty="0">
                 <a:solidFill>
                   <a:srgbClr val="000000"/>
                 </a:solidFill>
@@ -2755,7 +2969,7 @@
               </a:rPr>
               <a:t>Growth rates</a:t>
             </a:r>
-            <a:endParaRPr b="0" lang="en-US" sz="1100" spc="-1" strike="noStrike">
+            <a:endParaRPr lang="en-US" sz="1100" b="0" strike="noStrike" spc="-1" dirty="0">
               <a:latin typeface="Arial"/>
             </a:endParaRPr>
           </a:p>
@@ -2771,7 +2985,7 @@
               <a:buChar char="•"/>
             </a:pPr>
             <a:r>
-              <a:rPr b="0" lang="en-US" sz="1100" spc="-1" strike="noStrike">
+              <a:rPr lang="en-US" sz="1100" b="0" strike="noStrike" spc="-1" dirty="0">
                 <a:solidFill>
                   <a:srgbClr val="000000"/>
                 </a:solidFill>
@@ -2780,7 +2994,7 @@
               </a:rPr>
               <a:t>Capital deepening</a:t>
             </a:r>
-            <a:endParaRPr b="0" lang="en-US" sz="1100" spc="-1" strike="noStrike">
+            <a:endParaRPr lang="en-US" sz="1100" b="0" strike="noStrike" spc="-1" dirty="0">
               <a:latin typeface="Arial"/>
             </a:endParaRPr>
           </a:p>
@@ -2796,7 +3010,7 @@
               <a:buChar char="•"/>
             </a:pPr>
             <a:r>
-              <a:rPr b="0" lang="en-US" sz="1100" spc="-1" strike="noStrike">
+              <a:rPr lang="en-US" sz="1100" b="0" strike="noStrike" spc="-1" dirty="0">
                 <a:solidFill>
                   <a:srgbClr val="000000"/>
                 </a:solidFill>
@@ -2805,7 +3019,7 @@
               </a:rPr>
               <a:t>Solow growth model</a:t>
             </a:r>
-            <a:endParaRPr b="0" lang="en-US" sz="1100" spc="-1" strike="noStrike">
+            <a:endParaRPr lang="en-US" sz="1100" b="0" strike="noStrike" spc="-1" dirty="0">
               <a:latin typeface="Arial"/>
             </a:endParaRPr>
           </a:p>
@@ -2828,29 +3042,36 @@
           <a:gradFill>
             <a:gsLst>
               <a:gs pos="0">
-                <a:srgbClr val="ffded0"/>
+                <a:srgbClr val="FFDED0"/>
               </a:gs>
               <a:gs pos="100000">
-                <a:srgbClr val="fff1ec"/>
+                <a:srgbClr val="FFF1EC"/>
               </a:gs>
             </a:gsLst>
             <a:lin ang="16200000"/>
           </a:gradFill>
           <a:ln w="9360">
             <a:solidFill>
-              <a:srgbClr val="f59240"/>
+              <a:srgbClr val="F59240"/>
             </a:solidFill>
             <a:round/>
           </a:ln>
         </p:spPr>
         <p:style>
-          <a:lnRef idx="0"/>
-          <a:fillRef idx="0"/>
-          <a:effectRef idx="0"/>
+          <a:lnRef idx="0">
+            <a:scrgbClr r="0" g="0" b="0"/>
+          </a:lnRef>
+          <a:fillRef idx="0">
+            <a:scrgbClr r="0" g="0" b="0"/>
+          </a:fillRef>
+          <a:effectRef idx="0">
+            <a:scrgbClr r="0" g="0" b="0"/>
+          </a:effectRef>
           <a:fontRef idx="minor"/>
         </p:style>
         <p:txBody>
-          <a:bodyPr lIns="90000" rIns="90000" tIns="45000" bIns="45000"/>
+          <a:bodyPr lIns="90000" tIns="45000" rIns="90000" bIns="45000"/>
+          <a:lstStyle/>
           <a:p>
             <a:pPr algn="ctr">
               <a:lnSpc>
@@ -2858,7 +3079,7 @@
               </a:lnSpc>
             </a:pPr>
             <a:r>
-              <a:rPr b="0" lang="en-US" sz="2200" spc="-1" strike="noStrike">
+              <a:rPr lang="en-US" sz="2200" b="0" strike="noStrike" spc="-1">
                 <a:solidFill>
                   <a:srgbClr val="000000"/>
                 </a:solidFill>
@@ -2867,7 +3088,7 @@
               </a:rPr>
               <a:t>Focus: Midterm 2</a:t>
             </a:r>
-            <a:endParaRPr b="0" lang="en-US" sz="2200" spc="-1" strike="noStrike">
+            <a:endParaRPr lang="en-US" sz="2200" b="0" strike="noStrike" spc="-1">
               <a:latin typeface="Arial"/>
             </a:endParaRPr>
           </a:p>
@@ -2890,10 +3111,10 @@
           <a:gradFill>
             <a:gsLst>
               <a:gs pos="0">
-                <a:srgbClr val="d0d0d0"/>
+                <a:srgbClr val="D0D0D0"/>
               </a:gs>
               <a:gs pos="100000">
-                <a:srgbClr val="ededed"/>
+                <a:srgbClr val="EDEDED"/>
               </a:gs>
             </a:gsLst>
             <a:lin ang="16200000"/>
@@ -2906,13 +3127,20 @@
           </a:ln>
         </p:spPr>
         <p:style>
-          <a:lnRef idx="0"/>
-          <a:fillRef idx="0"/>
-          <a:effectRef idx="0"/>
+          <a:lnRef idx="0">
+            <a:scrgbClr r="0" g="0" b="0"/>
+          </a:lnRef>
+          <a:fillRef idx="0">
+            <a:scrgbClr r="0" g="0" b="0"/>
+          </a:fillRef>
+          <a:effectRef idx="0">
+            <a:scrgbClr r="0" g="0" b="0"/>
+          </a:effectRef>
           <a:fontRef idx="minor"/>
         </p:style>
         <p:txBody>
-          <a:bodyPr lIns="90000" rIns="90000" tIns="45000" bIns="45000"/>
+          <a:bodyPr lIns="90000" tIns="45000" rIns="90000" bIns="45000"/>
+          <a:lstStyle/>
           <a:p>
             <a:pPr algn="ctr">
               <a:lnSpc>
@@ -2920,7 +3148,7 @@
               </a:lnSpc>
             </a:pPr>
             <a:r>
-              <a:rPr b="0" lang="en-US" sz="2200" spc="-1" strike="noStrike">
+              <a:rPr lang="en-US" sz="2200" b="0" strike="noStrike" spc="-1">
                 <a:solidFill>
                   <a:srgbClr val="000000"/>
                 </a:solidFill>
@@ -2929,7 +3157,7 @@
               </a:rPr>
               <a:t>Focus: Final</a:t>
             </a:r>
-            <a:endParaRPr b="0" lang="en-US" sz="2200" spc="-1" strike="noStrike">
+            <a:endParaRPr lang="en-US" sz="2200" b="0" strike="noStrike" spc="-1">
               <a:latin typeface="Arial"/>
             </a:endParaRPr>
           </a:p>
@@ -2952,10 +3180,10 @@
           <a:gradFill>
             <a:gsLst>
               <a:gs pos="0">
-                <a:srgbClr val="d0d0d0"/>
+                <a:srgbClr val="D0D0D0"/>
               </a:gs>
               <a:gs pos="100000">
-                <a:srgbClr val="ededed"/>
+                <a:srgbClr val="EDEDED"/>
               </a:gs>
             </a:gsLst>
             <a:lin ang="16200000"/>
@@ -2968,13 +3196,20 @@
           </a:ln>
         </p:spPr>
         <p:style>
-          <a:lnRef idx="0"/>
-          <a:fillRef idx="0"/>
-          <a:effectRef idx="0"/>
+          <a:lnRef idx="0">
+            <a:scrgbClr r="0" g="0" b="0"/>
+          </a:lnRef>
+          <a:fillRef idx="0">
+            <a:scrgbClr r="0" g="0" b="0"/>
+          </a:fillRef>
+          <a:effectRef idx="0">
+            <a:scrgbClr r="0" g="0" b="0"/>
+          </a:effectRef>
           <a:fontRef idx="minor"/>
         </p:style>
         <p:txBody>
-          <a:bodyPr lIns="90000" rIns="90000" tIns="45000" bIns="45000"/>
+          <a:bodyPr lIns="90000" tIns="45000" rIns="90000" bIns="45000"/>
+          <a:lstStyle/>
           <a:p>
             <a:pPr algn="ctr">
               <a:lnSpc>
@@ -2982,7 +3217,7 @@
               </a:lnSpc>
             </a:pPr>
             <a:r>
-              <a:rPr b="0" lang="en-US" sz="1800" spc="-1" strike="noStrike">
+              <a:rPr lang="en-US" sz="1800" b="0" strike="noStrike" spc="-1">
                 <a:solidFill>
                   <a:srgbClr val="000000"/>
                 </a:solidFill>
@@ -2991,7 +3226,7 @@
               </a:rPr>
               <a:t>Money and Banking</a:t>
             </a:r>
-            <a:endParaRPr b="0" lang="en-US" sz="1800" spc="-1" strike="noStrike">
+            <a:endParaRPr lang="en-US" sz="1800" b="0" strike="noStrike" spc="-1">
               <a:latin typeface="Arial"/>
             </a:endParaRPr>
           </a:p>
@@ -3002,7 +3237,7 @@
               </a:lnSpc>
             </a:pPr>
             <a:r>
-              <a:rPr b="0" lang="en-US" sz="1200" spc="-1" strike="noStrike">
+              <a:rPr lang="en-US" sz="1200" b="0" strike="noStrike" spc="-1">
                 <a:solidFill>
                   <a:srgbClr val="000000"/>
                 </a:solidFill>
@@ -3011,7 +3246,7 @@
               </a:rPr>
               <a:t>Chapters 13-14:</a:t>
             </a:r>
-            <a:endParaRPr b="0" lang="en-US" sz="1200" spc="-1" strike="noStrike">
+            <a:endParaRPr lang="en-US" sz="1200" b="0" strike="noStrike" spc="-1">
               <a:latin typeface="Arial"/>
             </a:endParaRPr>
           </a:p>
@@ -3027,7 +3262,7 @@
               <a:buChar char="•"/>
             </a:pPr>
             <a:r>
-              <a:rPr b="0" lang="en-US" sz="1200" spc="-1" strike="noStrike">
+              <a:rPr lang="en-US" sz="1200" b="0" strike="noStrike" spc="-1">
                 <a:solidFill>
                   <a:srgbClr val="000000"/>
                 </a:solidFill>
@@ -3036,7 +3271,7 @@
               </a:rPr>
               <a:t>Money</a:t>
             </a:r>
-            <a:endParaRPr b="0" lang="en-US" sz="1200" spc="-1" strike="noStrike">
+            <a:endParaRPr lang="en-US" sz="1200" b="0" strike="noStrike" spc="-1">
               <a:latin typeface="Arial"/>
             </a:endParaRPr>
           </a:p>
@@ -3052,7 +3287,7 @@
               <a:buChar char="•"/>
             </a:pPr>
             <a:r>
-              <a:rPr b="0" lang="en-US" sz="1200" spc="-1" strike="noStrike">
+              <a:rPr lang="en-US" sz="1200" b="0" strike="noStrike" spc="-1">
                 <a:solidFill>
                   <a:srgbClr val="000000"/>
                 </a:solidFill>
@@ -3061,7 +3296,7 @@
               </a:rPr>
               <a:t>Federal Reserve</a:t>
             </a:r>
-            <a:endParaRPr b="0" lang="en-US" sz="1200" spc="-1" strike="noStrike">
+            <a:endParaRPr lang="en-US" sz="1200" b="0" strike="noStrike" spc="-1">
               <a:latin typeface="Arial"/>
             </a:endParaRPr>
           </a:p>
@@ -3077,7 +3312,7 @@
               <a:buChar char="•"/>
             </a:pPr>
             <a:r>
-              <a:rPr b="0" lang="en-US" sz="1200" spc="-1" strike="noStrike">
+              <a:rPr lang="en-US" sz="1200" b="0" strike="noStrike" spc="-1">
                 <a:solidFill>
                   <a:srgbClr val="000000"/>
                 </a:solidFill>
@@ -3086,7 +3321,7 @@
               </a:rPr>
               <a:t>Money market: Interest rates</a:t>
             </a:r>
-            <a:endParaRPr b="0" lang="en-US" sz="1200" spc="-1" strike="noStrike">
+            <a:endParaRPr lang="en-US" sz="1200" b="0" strike="noStrike" spc="-1">
               <a:latin typeface="Arial"/>
             </a:endParaRPr>
           </a:p>
@@ -3096,7 +3331,7 @@
                 <a:spcPct val="100000"/>
               </a:lnSpc>
             </a:pPr>
-            <a:endParaRPr b="0" lang="en-US" sz="1200" spc="-1" strike="noStrike">
+            <a:endParaRPr lang="en-US" sz="1200" b="0" strike="noStrike" spc="-1">
               <a:latin typeface="Arial"/>
             </a:endParaRPr>
           </a:p>
@@ -3119,10 +3354,10 @@
           <a:gradFill>
             <a:gsLst>
               <a:gs pos="0">
-                <a:srgbClr val="d0d0d0"/>
+                <a:srgbClr val="D0D0D0"/>
               </a:gs>
               <a:gs pos="100000">
-                <a:srgbClr val="ededed"/>
+                <a:srgbClr val="EDEDED"/>
               </a:gs>
             </a:gsLst>
             <a:lin ang="16200000"/>
@@ -3135,13 +3370,20 @@
           </a:ln>
         </p:spPr>
         <p:style>
-          <a:lnRef idx="0"/>
-          <a:fillRef idx="0"/>
-          <a:effectRef idx="0"/>
+          <a:lnRef idx="0">
+            <a:scrgbClr r="0" g="0" b="0"/>
+          </a:lnRef>
+          <a:fillRef idx="0">
+            <a:scrgbClr r="0" g="0" b="0"/>
+          </a:fillRef>
+          <a:effectRef idx="0">
+            <a:scrgbClr r="0" g="0" b="0"/>
+          </a:effectRef>
           <a:fontRef idx="minor"/>
         </p:style>
         <p:txBody>
-          <a:bodyPr lIns="90000" rIns="90000" tIns="45000" bIns="45000"/>
+          <a:bodyPr lIns="90000" tIns="45000" rIns="90000" bIns="45000"/>
+          <a:lstStyle/>
           <a:p>
             <a:pPr algn="ctr">
               <a:lnSpc>
@@ -3149,7 +3391,7 @@
               </a:lnSpc>
             </a:pPr>
             <a:r>
-              <a:rPr b="0" lang="en-US" sz="1600" spc="-1" strike="noStrike">
+              <a:rPr lang="en-US" b="0" strike="noStrike" spc="-1" dirty="0">
                 <a:solidFill>
                   <a:srgbClr val="000000"/>
                 </a:solidFill>
@@ -3158,7 +3400,7 @@
               </a:rPr>
               <a:t>Investments/Financial Markets</a:t>
             </a:r>
-            <a:endParaRPr b="0" lang="en-US" sz="1600" spc="-1" strike="noStrike">
+            <a:endParaRPr lang="en-US" b="0" strike="noStrike" spc="-1" dirty="0">
               <a:latin typeface="Arial"/>
             </a:endParaRPr>
           </a:p>
@@ -3169,7 +3411,7 @@
               </a:lnSpc>
             </a:pPr>
             <a:r>
-              <a:rPr b="0" lang="en-US" sz="1200" spc="-1" strike="noStrike">
+              <a:rPr lang="en-US" sz="1200" b="0" strike="noStrike" spc="-1" dirty="0">
                 <a:solidFill>
                   <a:srgbClr val="000000"/>
                 </a:solidFill>
@@ -3178,7 +3420,7 @@
               </a:rPr>
               <a:t>Chapter 12: </a:t>
             </a:r>
-            <a:endParaRPr b="0" lang="en-US" sz="1200" spc="-1" strike="noStrike">
+            <a:endParaRPr lang="en-US" sz="1200" b="0" strike="noStrike" spc="-1" dirty="0">
               <a:latin typeface="Arial"/>
             </a:endParaRPr>
           </a:p>
@@ -3194,7 +3436,7 @@
               <a:buChar char="•"/>
             </a:pPr>
             <a:r>
-              <a:rPr b="0" lang="en-US" sz="1200" spc="-1" strike="noStrike">
+              <a:rPr lang="en-US" sz="1200" b="0" strike="noStrike" spc="-1" dirty="0">
                 <a:solidFill>
                   <a:srgbClr val="000000"/>
                 </a:solidFill>
@@ -3203,7 +3445,7 @@
               </a:rPr>
               <a:t>Expectations</a:t>
             </a:r>
-            <a:endParaRPr b="0" lang="en-US" sz="1200" spc="-1" strike="noStrike">
+            <a:endParaRPr lang="en-US" sz="1200" b="0" strike="noStrike" spc="-1" dirty="0">
               <a:latin typeface="Arial"/>
             </a:endParaRPr>
           </a:p>
@@ -3219,7 +3461,7 @@
               <a:buChar char="•"/>
             </a:pPr>
             <a:r>
-              <a:rPr b="0" lang="en-US" sz="1200" spc="-1" strike="noStrike">
+              <a:rPr lang="en-US" sz="1200" b="0" strike="noStrike" spc="-1" dirty="0">
                 <a:solidFill>
                   <a:srgbClr val="000000"/>
                 </a:solidFill>
@@ -3228,7 +3470,7 @@
               </a:rPr>
               <a:t>Financial intermediaries</a:t>
             </a:r>
-            <a:endParaRPr b="0" lang="en-US" sz="1200" spc="-1" strike="noStrike">
+            <a:endParaRPr lang="en-US" sz="1200" b="0" strike="noStrike" spc="-1" dirty="0">
               <a:latin typeface="Arial"/>
             </a:endParaRPr>
           </a:p>
@@ -3238,7 +3480,7 @@
                 <a:spcPct val="100000"/>
               </a:lnSpc>
             </a:pPr>
-            <a:endParaRPr b="0" lang="en-US" sz="1200" spc="-1" strike="noStrike">
+            <a:endParaRPr lang="en-US" sz="1200" b="0" strike="noStrike" spc="-1" dirty="0">
               <a:latin typeface="Arial"/>
             </a:endParaRPr>
           </a:p>
@@ -3261,10 +3503,10 @@
           <a:gradFill>
             <a:gsLst>
               <a:gs pos="0">
-                <a:srgbClr val="d0d0d0"/>
+                <a:srgbClr val="D0D0D0"/>
               </a:gs>
               <a:gs pos="100000">
-                <a:srgbClr val="ededed"/>
+                <a:srgbClr val="EDEDED"/>
               </a:gs>
             </a:gsLst>
             <a:lin ang="16200000"/>
@@ -3277,13 +3519,20 @@
           </a:ln>
         </p:spPr>
         <p:style>
-          <a:lnRef idx="0"/>
-          <a:fillRef idx="0"/>
-          <a:effectRef idx="0"/>
+          <a:lnRef idx="0">
+            <a:scrgbClr r="0" g="0" b="0"/>
+          </a:lnRef>
+          <a:fillRef idx="0">
+            <a:scrgbClr r="0" g="0" b="0"/>
+          </a:fillRef>
+          <a:effectRef idx="0">
+            <a:scrgbClr r="0" g="0" b="0"/>
+          </a:effectRef>
           <a:fontRef idx="minor"/>
         </p:style>
         <p:txBody>
-          <a:bodyPr lIns="90000" rIns="90000" tIns="45000" bIns="45000"/>
+          <a:bodyPr lIns="90000" tIns="45000" rIns="90000" bIns="45000"/>
+          <a:lstStyle/>
           <a:p>
             <a:pPr algn="ctr">
               <a:lnSpc>
@@ -3291,7 +3540,7 @@
               </a:lnSpc>
             </a:pPr>
             <a:r>
-              <a:rPr b="0" lang="en-US" sz="1800" spc="-1" strike="noStrike">
+              <a:rPr lang="en-US" sz="1800" b="0" strike="noStrike" spc="-1">
                 <a:solidFill>
                   <a:srgbClr val="000000"/>
                 </a:solidFill>
@@ -3300,7 +3549,7 @@
               </a:rPr>
               <a:t>Short to Long-Run</a:t>
             </a:r>
-            <a:endParaRPr b="0" lang="en-US" sz="1800" spc="-1" strike="noStrike">
+            <a:endParaRPr lang="en-US" sz="1800" b="0" strike="noStrike" spc="-1">
               <a:latin typeface="Arial"/>
             </a:endParaRPr>
           </a:p>
@@ -3311,7 +3560,7 @@
               </a:lnSpc>
             </a:pPr>
             <a:r>
-              <a:rPr b="0" lang="en-US" sz="1200" spc="-1" strike="noStrike">
+              <a:rPr lang="en-US" sz="1200" b="0" strike="noStrike" spc="-1">
                 <a:solidFill>
                   <a:srgbClr val="000000"/>
                 </a:solidFill>
@@ -3320,7 +3569,7 @@
               </a:rPr>
               <a:t>Chapters 15:</a:t>
             </a:r>
-            <a:endParaRPr b="0" lang="en-US" sz="1200" spc="-1" strike="noStrike">
+            <a:endParaRPr lang="en-US" sz="1200" b="0" strike="noStrike" spc="-1">
               <a:latin typeface="Arial"/>
             </a:endParaRPr>
           </a:p>
@@ -3336,7 +3585,7 @@
               <a:buChar char="•"/>
             </a:pPr>
             <a:r>
-              <a:rPr b="0" lang="en-US" sz="1200" spc="-1" strike="noStrike">
+              <a:rPr lang="en-US" sz="1200" b="0" strike="noStrike" spc="-1">
                 <a:solidFill>
                   <a:srgbClr val="000000"/>
                 </a:solidFill>
@@ -3345,7 +3594,7 @@
               </a:rPr>
               <a:t>Wage and price changes</a:t>
             </a:r>
-            <a:endParaRPr b="0" lang="en-US" sz="1200" spc="-1" strike="noStrike">
+            <a:endParaRPr lang="en-US" sz="1200" b="0" strike="noStrike" spc="-1">
               <a:latin typeface="Arial"/>
             </a:endParaRPr>
           </a:p>
@@ -3361,7 +3610,7 @@
               <a:buChar char="•"/>
             </a:pPr>
             <a:r>
-              <a:rPr b="0" lang="en-US" sz="1200" spc="-1" strike="noStrike">
+              <a:rPr lang="en-US" sz="1200" b="0" strike="noStrike" spc="-1">
                 <a:solidFill>
                   <a:srgbClr val="000000"/>
                 </a:solidFill>
@@ -3370,7 +3619,7 @@
               </a:rPr>
               <a:t>Keynesian vs. Classical debate</a:t>
             </a:r>
-            <a:endParaRPr b="0" lang="en-US" sz="1200" spc="-1" strike="noStrike">
+            <a:endParaRPr lang="en-US" sz="1200" b="0" strike="noStrike" spc="-1">
               <a:latin typeface="Arial"/>
             </a:endParaRPr>
           </a:p>
@@ -3380,7 +3629,7 @@
                 <a:spcPct val="100000"/>
               </a:lnSpc>
             </a:pPr>
-            <a:endParaRPr b="0" lang="en-US" sz="1200" spc="-1" strike="noStrike">
+            <a:endParaRPr lang="en-US" sz="1200" b="0" strike="noStrike" spc="-1">
               <a:latin typeface="Arial"/>
             </a:endParaRPr>
           </a:p>
@@ -3403,10 +3652,10 @@
           <a:gradFill>
             <a:gsLst>
               <a:gs pos="0">
-                <a:srgbClr val="d0d0d0"/>
+                <a:srgbClr val="D0D0D0"/>
               </a:gs>
               <a:gs pos="100000">
-                <a:srgbClr val="ededed"/>
+                <a:srgbClr val="EDEDED"/>
               </a:gs>
             </a:gsLst>
             <a:lin ang="16200000"/>
@@ -3419,13 +3668,20 @@
           </a:ln>
         </p:spPr>
         <p:style>
-          <a:lnRef idx="0"/>
-          <a:fillRef idx="0"/>
-          <a:effectRef idx="0"/>
+          <a:lnRef idx="0">
+            <a:scrgbClr r="0" g="0" b="0"/>
+          </a:lnRef>
+          <a:fillRef idx="0">
+            <a:scrgbClr r="0" g="0" b="0"/>
+          </a:fillRef>
+          <a:effectRef idx="0">
+            <a:scrgbClr r="0" g="0" b="0"/>
+          </a:effectRef>
           <a:fontRef idx="minor"/>
         </p:style>
         <p:txBody>
-          <a:bodyPr lIns="90000" rIns="90000" tIns="45000" bIns="45000"/>
+          <a:bodyPr lIns="90000" tIns="45000" rIns="90000" bIns="45000"/>
+          <a:lstStyle/>
           <a:p>
             <a:pPr algn="ctr">
               <a:lnSpc>
@@ -3433,7 +3689,7 @@
               </a:lnSpc>
             </a:pPr>
             <a:r>
-              <a:rPr b="0" lang="en-US" sz="1600" spc="-1" strike="noStrike">
+              <a:rPr lang="en-US" b="0" strike="noStrike" spc="-1" dirty="0">
                 <a:solidFill>
                   <a:srgbClr val="000000"/>
                 </a:solidFill>
@@ -3442,7 +3698,7 @@
               </a:rPr>
               <a:t>Optional</a:t>
             </a:r>
-            <a:endParaRPr b="0" lang="en-US" sz="1600" spc="-1" strike="noStrike">
+            <a:endParaRPr lang="en-US" b="0" strike="noStrike" spc="-1" dirty="0">
               <a:latin typeface="Arial"/>
             </a:endParaRPr>
           </a:p>
@@ -3453,7 +3709,7 @@
               </a:lnSpc>
             </a:pPr>
             <a:r>
-              <a:rPr b="0" lang="en-US" sz="1200" spc="-1" strike="noStrike">
+              <a:rPr lang="en-US" sz="1200" b="0" strike="noStrike" spc="-1" dirty="0">
                 <a:solidFill>
                   <a:srgbClr val="000000"/>
                 </a:solidFill>
@@ -3462,7 +3718,7 @@
               </a:rPr>
               <a:t>Chapters 16-17: </a:t>
             </a:r>
-            <a:endParaRPr b="0" lang="en-US" sz="1200" spc="-1" strike="noStrike">
+            <a:endParaRPr lang="en-US" sz="1200" b="0" strike="noStrike" spc="-1" dirty="0">
               <a:latin typeface="Arial"/>
             </a:endParaRPr>
           </a:p>
@@ -3478,7 +3734,7 @@
               <a:buChar char="•"/>
             </a:pPr>
             <a:r>
-              <a:rPr b="0" lang="en-US" sz="1200" spc="-1" strike="noStrike">
+              <a:rPr lang="en-US" sz="1200" b="0" strike="noStrike" spc="-1" dirty="0">
                 <a:solidFill>
                   <a:srgbClr val="000000"/>
                 </a:solidFill>
@@ -3487,7 +3743,7 @@
               </a:rPr>
               <a:t>Inflation &amp; Policy Debates</a:t>
             </a:r>
-            <a:endParaRPr b="0" lang="en-US" sz="1200" spc="-1" strike="noStrike">
+            <a:endParaRPr lang="en-US" sz="1200" b="0" strike="noStrike" spc="-1" dirty="0">
               <a:latin typeface="Arial"/>
             </a:endParaRPr>
           </a:p>
@@ -3503,7 +3759,7 @@
               <a:buChar char="•"/>
             </a:pPr>
             <a:r>
-              <a:rPr b="0" lang="en-US" sz="1200" spc="-1" strike="noStrike">
+              <a:rPr lang="en-US" sz="1200" b="0" strike="noStrike" spc="-1" dirty="0">
                 <a:solidFill>
                   <a:srgbClr val="000000"/>
                 </a:solidFill>
@@ -3512,7 +3768,7 @@
               </a:rPr>
               <a:t>Money growth</a:t>
             </a:r>
-            <a:endParaRPr b="0" lang="en-US" sz="1200" spc="-1" strike="noStrike">
+            <a:endParaRPr lang="en-US" sz="1200" b="0" strike="noStrike" spc="-1" dirty="0">
               <a:latin typeface="Arial"/>
             </a:endParaRPr>
           </a:p>
@@ -3527,7 +3783,7 @@
               <a:buFont typeface="Arial"/>
               <a:buChar char="•"/>
             </a:pPr>
-            <a:endParaRPr b="0" lang="en-US" sz="1200" spc="-1" strike="noStrike">
+            <a:endParaRPr lang="en-US" sz="1200" b="0" strike="noStrike" spc="-1" dirty="0">
               <a:latin typeface="Arial"/>
             </a:endParaRPr>
           </a:p>
@@ -3538,7 +3794,7 @@
               </a:lnSpc>
             </a:pPr>
             <a:r>
-              <a:rPr b="0" lang="en-US" sz="1200" spc="-1" strike="noStrike">
+              <a:rPr lang="en-US" sz="1200" b="0" strike="noStrike" spc="-1" dirty="0">
                 <a:solidFill>
                   <a:srgbClr val="000000"/>
                 </a:solidFill>
@@ -3547,7 +3803,7 @@
               </a:rPr>
               <a:t>Chapter 19:</a:t>
             </a:r>
-            <a:endParaRPr b="0" lang="en-US" sz="1200" spc="-1" strike="noStrike">
+            <a:endParaRPr lang="en-US" sz="1200" b="0" strike="noStrike" spc="-1" dirty="0">
               <a:latin typeface="Arial"/>
             </a:endParaRPr>
           </a:p>
@@ -3563,7 +3819,7 @@
               <a:buChar char="•"/>
             </a:pPr>
             <a:r>
-              <a:rPr b="0" lang="en-US" sz="1200" spc="-1" strike="noStrike">
+              <a:rPr lang="en-US" sz="1200" b="0" strike="noStrike" spc="-1" dirty="0">
                 <a:solidFill>
                   <a:srgbClr val="000000"/>
                 </a:solidFill>
@@ -3572,7 +3828,7 @@
               </a:rPr>
               <a:t>International Finance</a:t>
             </a:r>
-            <a:endParaRPr b="0" lang="en-US" sz="1200" spc="-1" strike="noStrike">
+            <a:endParaRPr lang="en-US" sz="1200" b="0" strike="noStrike" spc="-1" dirty="0">
               <a:latin typeface="Arial"/>
             </a:endParaRPr>
           </a:p>
@@ -3588,7 +3844,7 @@
               <a:buChar char="•"/>
             </a:pPr>
             <a:r>
-              <a:rPr b="0" lang="en-US" sz="1200" spc="-1" strike="noStrike">
+              <a:rPr lang="en-US" sz="1200" b="0" strike="noStrike" spc="-1" dirty="0">
                 <a:solidFill>
                   <a:srgbClr val="000000"/>
                 </a:solidFill>
@@ -3597,7 +3853,7 @@
               </a:rPr>
               <a:t>Phillips curve</a:t>
             </a:r>
-            <a:endParaRPr b="0" lang="en-US" sz="1200" spc="-1" strike="noStrike">
+            <a:endParaRPr lang="en-US" sz="1200" b="0" strike="noStrike" spc="-1" dirty="0">
               <a:latin typeface="Arial"/>
             </a:endParaRPr>
           </a:p>
@@ -3607,7 +3863,7 @@
                 <a:spcPct val="100000"/>
               </a:lnSpc>
             </a:pPr>
-            <a:endParaRPr b="0" lang="en-US" sz="1200" spc="-1" strike="noStrike">
+            <a:endParaRPr lang="en-US" sz="1200" b="0" strike="noStrike" spc="-1" dirty="0">
               <a:latin typeface="Arial"/>
             </a:endParaRPr>
           </a:p>
@@ -3630,29 +3886,36 @@
           <a:gradFill>
             <a:gsLst>
               <a:gs pos="0">
-                <a:srgbClr val="ffded0"/>
+                <a:srgbClr val="FFDED0"/>
               </a:gs>
               <a:gs pos="100000">
-                <a:srgbClr val="fff1ec"/>
+                <a:srgbClr val="FFF1EC"/>
               </a:gs>
             </a:gsLst>
             <a:lin ang="16200000"/>
           </a:gradFill>
           <a:ln w="9360">
             <a:solidFill>
-              <a:srgbClr val="f59240"/>
+              <a:srgbClr val="F59240"/>
             </a:solidFill>
             <a:round/>
           </a:ln>
         </p:spPr>
         <p:style>
-          <a:lnRef idx="0"/>
-          <a:fillRef idx="0"/>
-          <a:effectRef idx="0"/>
+          <a:lnRef idx="0">
+            <a:scrgbClr r="0" g="0" b="0"/>
+          </a:lnRef>
+          <a:fillRef idx="0">
+            <a:scrgbClr r="0" g="0" b="0"/>
+          </a:fillRef>
+          <a:effectRef idx="0">
+            <a:scrgbClr r="0" g="0" b="0"/>
+          </a:effectRef>
           <a:fontRef idx="minor"/>
         </p:style>
         <p:txBody>
-          <a:bodyPr lIns="90000" rIns="90000" tIns="45000" bIns="45000"/>
+          <a:bodyPr lIns="90000" tIns="45000" rIns="90000" bIns="45000"/>
+          <a:lstStyle/>
           <a:p>
             <a:pPr algn="ctr">
               <a:lnSpc>
@@ -3660,7 +3923,7 @@
               </a:lnSpc>
             </a:pPr>
             <a:r>
-              <a:rPr b="0" lang="en-US" sz="1600" spc="-1" strike="noStrike">
+              <a:rPr lang="en-US" sz="1600" b="0" strike="noStrike" spc="-1">
                 <a:solidFill>
                   <a:srgbClr val="000000"/>
                 </a:solidFill>
@@ -3669,7 +3932,7 @@
               </a:rPr>
               <a:t>Income Expenditure Model</a:t>
             </a:r>
-            <a:endParaRPr b="0" lang="en-US" sz="1600" spc="-1" strike="noStrike">
+            <a:endParaRPr lang="en-US" sz="1600" b="0" strike="noStrike" spc="-1">
               <a:latin typeface="Arial"/>
             </a:endParaRPr>
           </a:p>
@@ -3680,7 +3943,7 @@
               </a:lnSpc>
             </a:pPr>
             <a:r>
-              <a:rPr b="0" lang="en-US" sz="1100" spc="-1" strike="noStrike">
+              <a:rPr lang="en-US" sz="1100" b="0" strike="noStrike" spc="-1">
                 <a:solidFill>
                   <a:srgbClr val="000000"/>
                 </a:solidFill>
@@ -3689,7 +3952,7 @@
               </a:rPr>
               <a:t>Chapter 11:</a:t>
             </a:r>
-            <a:endParaRPr b="0" lang="en-US" sz="1100" spc="-1" strike="noStrike">
+            <a:endParaRPr lang="en-US" sz="1100" b="0" strike="noStrike" spc="-1">
               <a:latin typeface="Arial"/>
             </a:endParaRPr>
           </a:p>
@@ -3705,7 +3968,7 @@
               <a:buChar char="•"/>
             </a:pPr>
             <a:r>
-              <a:rPr b="0" lang="en-US" sz="1100" spc="-1" strike="noStrike">
+              <a:rPr lang="en-US" sz="1100" b="0" strike="noStrike" spc="-1">
                 <a:solidFill>
                   <a:srgbClr val="000000"/>
                 </a:solidFill>
@@ -3714,7 +3977,7 @@
               </a:rPr>
               <a:t>Consumption function</a:t>
             </a:r>
-            <a:endParaRPr b="0" lang="en-US" sz="1100" spc="-1" strike="noStrike">
+            <a:endParaRPr lang="en-US" sz="1100" b="0" strike="noStrike" spc="-1">
               <a:latin typeface="Arial"/>
             </a:endParaRPr>
           </a:p>
@@ -3730,7 +3993,7 @@
               <a:buChar char="•"/>
             </a:pPr>
             <a:r>
-              <a:rPr b="0" lang="en-US" sz="1100" spc="-1" strike="noStrike">
+              <a:rPr lang="en-US" sz="1100" b="0" strike="noStrike" spc="-1">
                 <a:solidFill>
                   <a:srgbClr val="000000"/>
                 </a:solidFill>
@@ -3739,7 +4002,7 @@
               </a:rPr>
               <a:t>Gov’t spending and multiplier</a:t>
             </a:r>
-            <a:endParaRPr b="0" lang="en-US" sz="1100" spc="-1" strike="noStrike">
+            <a:endParaRPr lang="en-US" sz="1100" b="0" strike="noStrike" spc="-1">
               <a:latin typeface="Arial"/>
             </a:endParaRPr>
           </a:p>
@@ -3755,7 +4018,7 @@
               <a:buChar char="•"/>
             </a:pPr>
             <a:r>
-              <a:rPr b="0" lang="en-US" sz="1100" spc="-1" strike="noStrike">
+              <a:rPr lang="en-US" sz="1100" b="0" strike="noStrike" spc="-1">
                 <a:solidFill>
                   <a:srgbClr val="000000"/>
                 </a:solidFill>
@@ -3764,7 +4027,7 @@
               </a:rPr>
               <a:t>Exports and Imports</a:t>
             </a:r>
-            <a:endParaRPr b="0" lang="en-US" sz="1100" spc="-1" strike="noStrike">
+            <a:endParaRPr lang="en-US" sz="1100" b="0" strike="noStrike" spc="-1">
               <a:latin typeface="Arial"/>
             </a:endParaRPr>
           </a:p>
@@ -3787,29 +4050,36 @@
           <a:gradFill>
             <a:gsLst>
               <a:gs pos="0">
-                <a:srgbClr val="bfd4fe"/>
+                <a:srgbClr val="BFD4FE"/>
               </a:gs>
               <a:gs pos="100000">
-                <a:srgbClr val="e5efff"/>
+                <a:srgbClr val="E5EFFF"/>
               </a:gs>
             </a:gsLst>
             <a:lin ang="16200000"/>
           </a:gradFill>
           <a:ln w="9360">
             <a:solidFill>
-              <a:srgbClr val="4a7ebb"/>
+              <a:srgbClr val="4A7EBB"/>
             </a:solidFill>
             <a:round/>
           </a:ln>
         </p:spPr>
         <p:style>
-          <a:lnRef idx="0"/>
-          <a:fillRef idx="0"/>
-          <a:effectRef idx="0"/>
+          <a:lnRef idx="0">
+            <a:scrgbClr r="0" g="0" b="0"/>
+          </a:lnRef>
+          <a:fillRef idx="0">
+            <a:scrgbClr r="0" g="0" b="0"/>
+          </a:fillRef>
+          <a:effectRef idx="0">
+            <a:scrgbClr r="0" g="0" b="0"/>
+          </a:effectRef>
           <a:fontRef idx="minor"/>
         </p:style>
         <p:txBody>
-          <a:bodyPr lIns="90000" rIns="90000" tIns="45000" bIns="45000"/>
+          <a:bodyPr lIns="90000" tIns="45000" rIns="90000" bIns="45000"/>
+          <a:lstStyle/>
           <a:p>
             <a:pPr algn="ctr">
               <a:lnSpc>
@@ -3817,7 +4087,7 @@
               </a:lnSpc>
             </a:pPr>
             <a:r>
-              <a:rPr b="0" lang="en-US" sz="2000" spc="-1" strike="noStrike">
+              <a:rPr lang="en-US" sz="2000" b="0" strike="noStrike" spc="-1">
                 <a:solidFill>
                   <a:srgbClr val="000000"/>
                 </a:solidFill>
@@ -3826,7 +4096,7 @@
               </a:rPr>
               <a:t>Trade</a:t>
             </a:r>
-            <a:endParaRPr b="0" lang="en-US" sz="2000" spc="-1" strike="noStrike">
+            <a:endParaRPr lang="en-US" sz="2000" b="0" strike="noStrike" spc="-1">
               <a:latin typeface="Arial"/>
             </a:endParaRPr>
           </a:p>
@@ -3837,7 +4107,7 @@
               </a:lnSpc>
             </a:pPr>
             <a:r>
-              <a:rPr b="0" lang="en-US" sz="1100" spc="-1" strike="noStrike">
+              <a:rPr lang="en-US" sz="1100" b="0" strike="noStrike" spc="-1">
                 <a:solidFill>
                   <a:srgbClr val="000000"/>
                 </a:solidFill>
@@ -3846,7 +4116,7 @@
               </a:rPr>
               <a:t>Chapter 18:</a:t>
             </a:r>
-            <a:endParaRPr b="0" lang="en-US" sz="1100" spc="-1" strike="noStrike">
+            <a:endParaRPr lang="en-US" sz="1100" b="0" strike="noStrike" spc="-1">
               <a:latin typeface="Arial"/>
             </a:endParaRPr>
           </a:p>
@@ -3862,7 +4132,7 @@
               <a:buChar char="•"/>
             </a:pPr>
             <a:r>
-              <a:rPr b="0" lang="en-US" sz="1100" spc="-1" strike="noStrike">
+              <a:rPr lang="en-US" sz="1100" b="0" strike="noStrike" spc="-1">
                 <a:solidFill>
                   <a:srgbClr val="000000"/>
                 </a:solidFill>
@@ -3871,7 +4141,7 @@
               </a:rPr>
               <a:t>Exports, Imports, Trade Balance</a:t>
             </a:r>
-            <a:endParaRPr b="0" lang="en-US" sz="1100" spc="-1" strike="noStrike">
+            <a:endParaRPr lang="en-US" sz="1100" b="0" strike="noStrike" spc="-1">
               <a:latin typeface="Arial"/>
             </a:endParaRPr>
           </a:p>
@@ -3887,7 +4157,7 @@
               <a:buChar char="•"/>
             </a:pPr>
             <a:r>
-              <a:rPr b="0" lang="en-US" sz="1100" spc="-1" strike="noStrike">
+              <a:rPr lang="en-US" sz="1100" b="0" strike="noStrike" spc="-1">
                 <a:solidFill>
                   <a:srgbClr val="000000"/>
                 </a:solidFill>
@@ -3896,7 +4166,7 @@
               </a:rPr>
               <a:t>Benefits of Trade and Trade Policies</a:t>
             </a:r>
-            <a:endParaRPr b="0" lang="en-US" sz="1100" spc="-1" strike="noStrike">
+            <a:endParaRPr lang="en-US" sz="1100" b="0" strike="noStrike" spc="-1">
               <a:latin typeface="Arial"/>
             </a:endParaRPr>
           </a:p>
@@ -3919,29 +4189,36 @@
           <a:gradFill>
             <a:gsLst>
               <a:gs pos="0">
-                <a:srgbClr val="ffded0"/>
+                <a:srgbClr val="FFDED0"/>
               </a:gs>
               <a:gs pos="100000">
-                <a:srgbClr val="fff1ec"/>
+                <a:srgbClr val="FFF1EC"/>
               </a:gs>
             </a:gsLst>
             <a:lin ang="16200000"/>
           </a:gradFill>
           <a:ln w="9360">
             <a:solidFill>
-              <a:srgbClr val="f59240"/>
+              <a:srgbClr val="F59240"/>
             </a:solidFill>
             <a:round/>
           </a:ln>
         </p:spPr>
         <p:style>
-          <a:lnRef idx="0"/>
-          <a:fillRef idx="0"/>
-          <a:effectRef idx="0"/>
+          <a:lnRef idx="0">
+            <a:scrgbClr r="0" g="0" b="0"/>
+          </a:lnRef>
+          <a:fillRef idx="0">
+            <a:scrgbClr r="0" g="0" b="0"/>
+          </a:fillRef>
+          <a:effectRef idx="0">
+            <a:scrgbClr r="0" g="0" b="0"/>
+          </a:effectRef>
           <a:fontRef idx="minor"/>
         </p:style>
         <p:txBody>
-          <a:bodyPr lIns="90000" rIns="90000" tIns="45000" bIns="45000"/>
+          <a:bodyPr lIns="90000" tIns="45000" rIns="90000" bIns="45000"/>
+          <a:lstStyle/>
           <a:p>
             <a:pPr algn="ctr">
               <a:lnSpc>
@@ -3949,7 +4226,7 @@
               </a:lnSpc>
             </a:pPr>
             <a:r>
-              <a:rPr b="0" lang="en-US" sz="2000" spc="-1" strike="noStrike">
+              <a:rPr lang="en-US" sz="2000" b="0" strike="noStrike" spc="-1">
                 <a:solidFill>
                   <a:srgbClr val="000000"/>
                 </a:solidFill>
@@ -3958,7 +4235,7 @@
               </a:rPr>
               <a:t>Long-Run Economy</a:t>
             </a:r>
-            <a:endParaRPr b="0" lang="en-US" sz="2000" spc="-1" strike="noStrike">
+            <a:endParaRPr lang="en-US" sz="2000" b="0" strike="noStrike" spc="-1">
               <a:latin typeface="Arial"/>
             </a:endParaRPr>
           </a:p>
@@ -3969,7 +4246,7 @@
               </a:lnSpc>
             </a:pPr>
             <a:r>
-              <a:rPr b="0" lang="en-US" sz="1100" spc="-1" strike="noStrike">
+              <a:rPr lang="en-US" sz="1100" b="0" strike="noStrike" spc="-1">
                 <a:solidFill>
                   <a:srgbClr val="000000"/>
                 </a:solidFill>
@@ -3978,7 +4255,7 @@
               </a:rPr>
               <a:t>Chapter 7:</a:t>
             </a:r>
-            <a:endParaRPr b="0" lang="en-US" sz="1100" spc="-1" strike="noStrike">
+            <a:endParaRPr lang="en-US" sz="1100" b="0" strike="noStrike" spc="-1">
               <a:latin typeface="Arial"/>
             </a:endParaRPr>
           </a:p>
@@ -3989,7 +4266,7 @@
               </a:lnSpc>
             </a:pPr>
             <a:r>
-              <a:rPr b="0" lang="en-US" sz="1100" spc="-1" strike="noStrike">
+              <a:rPr lang="en-US" sz="1100" b="0" strike="noStrike" spc="-1">
                 <a:solidFill>
                   <a:srgbClr val="000000"/>
                 </a:solidFill>
@@ -3998,7 +4275,7 @@
               </a:rPr>
               <a:t>Price flexibility</a:t>
             </a:r>
-            <a:endParaRPr b="0" lang="en-US" sz="1100" spc="-1" strike="noStrike">
+            <a:endParaRPr lang="en-US" sz="1100" b="0" strike="noStrike" spc="-1">
               <a:latin typeface="Arial"/>
             </a:endParaRPr>
           </a:p>
@@ -4009,7 +4286,7 @@
               </a:lnSpc>
             </a:pPr>
             <a:r>
-              <a:rPr b="0" lang="en-US" sz="1100" spc="-1" strike="noStrike">
+              <a:rPr lang="en-US" sz="1100" b="0" strike="noStrike" spc="-1">
                 <a:solidFill>
                   <a:srgbClr val="000000"/>
                 </a:solidFill>
@@ -4018,7 +4295,7 @@
               </a:rPr>
               <a:t>Full employment</a:t>
             </a:r>
-            <a:endParaRPr b="0" lang="en-US" sz="1100" spc="-1" strike="noStrike">
+            <a:endParaRPr lang="en-US" sz="1100" b="0" strike="noStrike" spc="-1">
               <a:latin typeface="Arial"/>
             </a:endParaRPr>
           </a:p>
@@ -4028,7 +4305,7 @@
                 <a:spcPct val="100000"/>
               </a:lnSpc>
             </a:pPr>
-            <a:endParaRPr b="0" lang="en-US" sz="1100" spc="-1" strike="noStrike">
+            <a:endParaRPr lang="en-US" sz="1100" b="0" strike="noStrike" spc="-1">
               <a:latin typeface="Arial"/>
             </a:endParaRPr>
           </a:p>
@@ -4036,6 +4313,9 @@
       </p:sp>
     </p:spTree>
   </p:cSld>
+  <p:clrMapOvr>
+    <a:masterClrMapping/>
+  </p:clrMapOvr>
   <p:timing>
     <p:tnLst>
       <p:par>
@@ -4044,14 +4324,14 @@
             <p:seq>
               <p:cTn id="2" nodeType="mainSeq"/>
               <p:prevCondLst>
-                <p:cond delay="0" evt="onPrev">
+                <p:cond evt="onPrev" delay="0">
                   <p:tgtEl>
                     <p:sldTgt/>
                   </p:tgtEl>
                 </p:cond>
               </p:prevCondLst>
               <p:nextCondLst>
-                <p:cond delay="0" evt="onNext">
+                <p:cond evt="onNext" delay="0">
                   <p:tgtEl>
                     <p:sldTgt/>
                   </p:tgtEl>
@@ -4286,5 +4566,7 @@
       </a:bgFillStyleLst>
     </a:fmtScheme>
   </a:themeElements>
+  <a:objectDefaults/>
+  <a:extraClrSchemeLst/>
 </a:theme>
 </file>
--- a/jdocs/Macro1/Chapter0_Roadmap.pptx
+++ b/jdocs/Macro1/Chapter0_Roadmap.pptx
@@ -1,114 +1,19 @@
 
 <file path=ppt/presentation.xml><?xml version="1.0" encoding="utf-8"?>
-<p:presentation xmlns:a="http://schemas.openxmlformats.org/drawingml/2006/main" xmlns:r="http://schemas.openxmlformats.org/officeDocument/2006/relationships" xmlns:p="http://schemas.openxmlformats.org/presentationml/2006/main">
+<p:presentation xmlns:a="http://schemas.openxmlformats.org/drawingml/2006/main" xmlns:p="http://schemas.openxmlformats.org/presentationml/2006/main" xmlns:r="http://schemas.openxmlformats.org/officeDocument/2006/relationships" xmlns:p14="http://schemas.microsoft.com/office/powerpoint/2010/main" xmlns:p15="http://schemas.microsoft.com/office/powerpoint/2012/main" xmlns:mc="http://schemas.openxmlformats.org/markup-compatibility/2006">
   <p:sldMasterIdLst>
-    <p:sldMasterId id="2147483648" r:id="rId1"/>
+    <p:sldMasterId id="2147483648" r:id="rId2"/>
   </p:sldMasterIdLst>
   <p:sldIdLst>
-    <p:sldId id="256" r:id="rId2"/>
+    <p:sldId id="256" r:id="rId3"/>
   </p:sldIdLst>
-  <p:sldSz cx="9144000" cy="6858000" type="screen4x3"/>
+  <p:sldSz cx="9144000" cy="6858000"/>
   <p:notesSz cx="7772400" cy="10058400"/>
-  <p:defaultTextStyle>
-    <a:defPPr>
-      <a:defRPr lang="en-US"/>
-    </a:defPPr>
-    <a:lvl1pPr marL="0" algn="l" defTabSz="914400" rtl="0" eaLnBrk="1" latinLnBrk="0" hangingPunct="1">
-      <a:defRPr sz="1800" kern="1200">
-        <a:solidFill>
-          <a:schemeClr val="tx1"/>
-        </a:solidFill>
-        <a:latin typeface="+mn-lt"/>
-        <a:ea typeface="+mn-ea"/>
-        <a:cs typeface="+mn-cs"/>
-      </a:defRPr>
-    </a:lvl1pPr>
-    <a:lvl2pPr marL="457200" algn="l" defTabSz="914400" rtl="0" eaLnBrk="1" latinLnBrk="0" hangingPunct="1">
-      <a:defRPr sz="1800" kern="1200">
-        <a:solidFill>
-          <a:schemeClr val="tx1"/>
-        </a:solidFill>
-        <a:latin typeface="+mn-lt"/>
-        <a:ea typeface="+mn-ea"/>
-        <a:cs typeface="+mn-cs"/>
-      </a:defRPr>
-    </a:lvl2pPr>
-    <a:lvl3pPr marL="914400" algn="l" defTabSz="914400" rtl="0" eaLnBrk="1" latinLnBrk="0" hangingPunct="1">
-      <a:defRPr sz="1800" kern="1200">
-        <a:solidFill>
-          <a:schemeClr val="tx1"/>
-        </a:solidFill>
-        <a:latin typeface="+mn-lt"/>
-        <a:ea typeface="+mn-ea"/>
-        <a:cs typeface="+mn-cs"/>
-      </a:defRPr>
-    </a:lvl3pPr>
-    <a:lvl4pPr marL="1371600" algn="l" defTabSz="914400" rtl="0" eaLnBrk="1" latinLnBrk="0" hangingPunct="1">
-      <a:defRPr sz="1800" kern="1200">
-        <a:solidFill>
-          <a:schemeClr val="tx1"/>
-        </a:solidFill>
-        <a:latin typeface="+mn-lt"/>
-        <a:ea typeface="+mn-ea"/>
-        <a:cs typeface="+mn-cs"/>
-      </a:defRPr>
-    </a:lvl4pPr>
-    <a:lvl5pPr marL="1828800" algn="l" defTabSz="914400" rtl="0" eaLnBrk="1" latinLnBrk="0" hangingPunct="1">
-      <a:defRPr sz="1800" kern="1200">
-        <a:solidFill>
-          <a:schemeClr val="tx1"/>
-        </a:solidFill>
-        <a:latin typeface="+mn-lt"/>
-        <a:ea typeface="+mn-ea"/>
-        <a:cs typeface="+mn-cs"/>
-      </a:defRPr>
-    </a:lvl5pPr>
-    <a:lvl6pPr marL="2286000" algn="l" defTabSz="914400" rtl="0" eaLnBrk="1" latinLnBrk="0" hangingPunct="1">
-      <a:defRPr sz="1800" kern="1200">
-        <a:solidFill>
-          <a:schemeClr val="tx1"/>
-        </a:solidFill>
-        <a:latin typeface="+mn-lt"/>
-        <a:ea typeface="+mn-ea"/>
-        <a:cs typeface="+mn-cs"/>
-      </a:defRPr>
-    </a:lvl6pPr>
-    <a:lvl7pPr marL="2743200" algn="l" defTabSz="914400" rtl="0" eaLnBrk="1" latinLnBrk="0" hangingPunct="1">
-      <a:defRPr sz="1800" kern="1200">
-        <a:solidFill>
-          <a:schemeClr val="tx1"/>
-        </a:solidFill>
-        <a:latin typeface="+mn-lt"/>
-        <a:ea typeface="+mn-ea"/>
-        <a:cs typeface="+mn-cs"/>
-      </a:defRPr>
-    </a:lvl7pPr>
-    <a:lvl8pPr marL="3200400" algn="l" defTabSz="914400" rtl="0" eaLnBrk="1" latinLnBrk="0" hangingPunct="1">
-      <a:defRPr sz="1800" kern="1200">
-        <a:solidFill>
-          <a:schemeClr val="tx1"/>
-        </a:solidFill>
-        <a:latin typeface="+mn-lt"/>
-        <a:ea typeface="+mn-ea"/>
-        <a:cs typeface="+mn-cs"/>
-      </a:defRPr>
-    </a:lvl8pPr>
-    <a:lvl9pPr marL="3657600" algn="l" defTabSz="914400" rtl="0" eaLnBrk="1" latinLnBrk="0" hangingPunct="1">
-      <a:defRPr sz="1800" kern="1200">
-        <a:solidFill>
-          <a:schemeClr val="tx1"/>
-        </a:solidFill>
-        <a:latin typeface="+mn-lt"/>
-        <a:ea typeface="+mn-ea"/>
-        <a:cs typeface="+mn-cs"/>
-      </a:defRPr>
-    </a:lvl9pPr>
-  </p:defaultTextStyle>
 </p:presentation>
 </file>
 
 <file path=ppt/slideLayouts/slideLayout1.xml><?xml version="1.0" encoding="utf-8"?>
-<p:sldLayout xmlns:a="http://schemas.openxmlformats.org/drawingml/2006/main" xmlns:r="http://schemas.openxmlformats.org/officeDocument/2006/relationships" xmlns:p="http://schemas.openxmlformats.org/presentationml/2006/main" type="blank" preserve="1">
+<p:sldLayout xmlns:a="http://schemas.openxmlformats.org/drawingml/2006/main" xmlns:p="http://schemas.openxmlformats.org/presentationml/2006/main" xmlns:r="http://schemas.openxmlformats.org/officeDocument/2006/relationships" xmlns:p14="http://schemas.microsoft.com/office/powerpoint/2010/main" xmlns:p15="http://schemas.microsoft.com/office/powerpoint/2012/main" xmlns:mc="http://schemas.openxmlformats.org/markup-compatibility/2006" type="blank" preserve="1">
   <p:cSld name="Blank Slide">
     <p:spTree>
       <p:nvGrpSpPr>
@@ -126,14 +31,11 @@
       </p:grpSpPr>
     </p:spTree>
   </p:cSld>
-  <p:clrMapOvr>
-    <a:masterClrMapping/>
-  </p:clrMapOvr>
 </p:sldLayout>
 </file>
 
 <file path=ppt/slideLayouts/slideLayout10.xml><?xml version="1.0" encoding="utf-8"?>
-<p:sldLayout xmlns:a="http://schemas.openxmlformats.org/drawingml/2006/main" xmlns:r="http://schemas.openxmlformats.org/officeDocument/2006/relationships" xmlns:p="http://schemas.openxmlformats.org/presentationml/2006/main" type="objOverTx" preserve="1">
+<p:sldLayout xmlns:a="http://schemas.openxmlformats.org/drawingml/2006/main" xmlns:p="http://schemas.openxmlformats.org/presentationml/2006/main" xmlns:r="http://schemas.openxmlformats.org/officeDocument/2006/relationships" xmlns:p14="http://schemas.microsoft.com/office/powerpoint/2010/main" xmlns:p15="http://schemas.microsoft.com/office/powerpoint/2012/main" xmlns:mc="http://schemas.openxmlformats.org/markup-compatibility/2006" type="objOverTx" preserve="1">
   <p:cSld name="Title, Content over Content">
     <p:spTree>
       <p:nvGrpSpPr>
@@ -169,11 +71,12 @@
           </a:prstGeom>
         </p:spPr>
         <p:txBody>
-          <a:bodyPr lIns="0" tIns="0" rIns="0" bIns="0" anchor="ctr"/>
-          <a:lstStyle/>
-          <a:p>
-            <a:pPr algn="ctr"/>
-            <a:endParaRPr lang="en-US" sz="4400" b="0" strike="noStrike" spc="-1">
+          <a:bodyPr lIns="0" rIns="0" tIns="0" bIns="0" anchor="ctr"/>
+          <a:p>
+            <a:endParaRPr b="0" lang="en-US" sz="1800" spc="-1" strike="noStrike">
+              <a:solidFill>
+                <a:srgbClr val="000000"/>
+              </a:solidFill>
               <a:latin typeface="Arial"/>
             </a:endParaRPr>
           </a:p>
@@ -199,12 +102,14 @@
           </a:prstGeom>
         </p:spPr>
         <p:txBody>
-          <a:bodyPr lIns="0" tIns="0" rIns="0" bIns="0">
+          <a:bodyPr lIns="0" rIns="0" tIns="0" bIns="0">
             <a:normAutofit/>
           </a:bodyPr>
-          <a:lstStyle/>
-          <a:p>
-            <a:endParaRPr lang="en-US" sz="3200" b="0" strike="noStrike" spc="-1">
+          <a:p>
+            <a:endParaRPr b="0" lang="en-US" sz="1800" spc="-1" strike="noStrike">
+              <a:solidFill>
+                <a:srgbClr val="000000"/>
+              </a:solidFill>
               <a:latin typeface="Arial"/>
             </a:endParaRPr>
           </a:p>
@@ -230,12 +135,14 @@
           </a:prstGeom>
         </p:spPr>
         <p:txBody>
-          <a:bodyPr lIns="0" tIns="0" rIns="0" bIns="0">
+          <a:bodyPr lIns="0" rIns="0" tIns="0" bIns="0">
             <a:normAutofit/>
           </a:bodyPr>
-          <a:lstStyle/>
-          <a:p>
-            <a:endParaRPr lang="en-US" sz="3200" b="0" strike="noStrike" spc="-1">
+          <a:p>
+            <a:endParaRPr b="0" lang="en-US" sz="1800" spc="-1" strike="noStrike">
+              <a:solidFill>
+                <a:srgbClr val="000000"/>
+              </a:solidFill>
               <a:latin typeface="Arial"/>
             </a:endParaRPr>
           </a:p>
@@ -243,14 +150,11 @@
       </p:sp>
     </p:spTree>
   </p:cSld>
-  <p:clrMapOvr>
-    <a:masterClrMapping/>
-  </p:clrMapOvr>
 </p:sldLayout>
 </file>
 
 <file path=ppt/slideLayouts/slideLayout11.xml><?xml version="1.0" encoding="utf-8"?>
-<p:sldLayout xmlns:a="http://schemas.openxmlformats.org/drawingml/2006/main" xmlns:r="http://schemas.openxmlformats.org/officeDocument/2006/relationships" xmlns:p="http://schemas.openxmlformats.org/presentationml/2006/main" type="fourObj" preserve="1">
+<p:sldLayout xmlns:a="http://schemas.openxmlformats.org/drawingml/2006/main" xmlns:p="http://schemas.openxmlformats.org/presentationml/2006/main" xmlns:r="http://schemas.openxmlformats.org/officeDocument/2006/relationships" xmlns:p14="http://schemas.microsoft.com/office/powerpoint/2010/main" xmlns:p15="http://schemas.microsoft.com/office/powerpoint/2012/main" xmlns:mc="http://schemas.openxmlformats.org/markup-compatibility/2006" type="fourObj" preserve="1">
   <p:cSld name="Title, 4 Content">
     <p:spTree>
       <p:nvGrpSpPr>
@@ -286,11 +190,12 @@
           </a:prstGeom>
         </p:spPr>
         <p:txBody>
-          <a:bodyPr lIns="0" tIns="0" rIns="0" bIns="0" anchor="ctr"/>
-          <a:lstStyle/>
-          <a:p>
-            <a:pPr algn="ctr"/>
-            <a:endParaRPr lang="en-US" sz="4400" b="0" strike="noStrike" spc="-1">
+          <a:bodyPr lIns="0" rIns="0" tIns="0" bIns="0" anchor="ctr"/>
+          <a:p>
+            <a:endParaRPr b="0" lang="en-US" sz="1800" spc="-1" strike="noStrike">
+              <a:solidFill>
+                <a:srgbClr val="000000"/>
+              </a:solidFill>
               <a:latin typeface="Arial"/>
             </a:endParaRPr>
           </a:p>
@@ -316,12 +221,14 @@
           </a:prstGeom>
         </p:spPr>
         <p:txBody>
-          <a:bodyPr lIns="0" tIns="0" rIns="0" bIns="0">
+          <a:bodyPr lIns="0" rIns="0" tIns="0" bIns="0">
             <a:normAutofit/>
           </a:bodyPr>
-          <a:lstStyle/>
-          <a:p>
-            <a:endParaRPr lang="en-US" sz="3200" b="0" strike="noStrike" spc="-1">
+          <a:p>
+            <a:endParaRPr b="0" lang="en-US" sz="1800" spc="-1" strike="noStrike">
+              <a:solidFill>
+                <a:srgbClr val="000000"/>
+              </a:solidFill>
               <a:latin typeface="Arial"/>
             </a:endParaRPr>
           </a:p>
@@ -347,12 +254,14 @@
           </a:prstGeom>
         </p:spPr>
         <p:txBody>
-          <a:bodyPr lIns="0" tIns="0" rIns="0" bIns="0">
+          <a:bodyPr lIns="0" rIns="0" tIns="0" bIns="0">
             <a:normAutofit/>
           </a:bodyPr>
-          <a:lstStyle/>
-          <a:p>
-            <a:endParaRPr lang="en-US" sz="3200" b="0" strike="noStrike" spc="-1">
+          <a:p>
+            <a:endParaRPr b="0" lang="en-US" sz="1800" spc="-1" strike="noStrike">
+              <a:solidFill>
+                <a:srgbClr val="000000"/>
+              </a:solidFill>
               <a:latin typeface="Arial"/>
             </a:endParaRPr>
           </a:p>
@@ -378,12 +287,14 @@
           </a:prstGeom>
         </p:spPr>
         <p:txBody>
-          <a:bodyPr lIns="0" tIns="0" rIns="0" bIns="0">
+          <a:bodyPr lIns="0" rIns="0" tIns="0" bIns="0">
             <a:normAutofit/>
           </a:bodyPr>
-          <a:lstStyle/>
-          <a:p>
-            <a:endParaRPr lang="en-US" sz="3200" b="0" strike="noStrike" spc="-1">
+          <a:p>
+            <a:endParaRPr b="0" lang="en-US" sz="1800" spc="-1" strike="noStrike">
+              <a:solidFill>
+                <a:srgbClr val="000000"/>
+              </a:solidFill>
               <a:latin typeface="Arial"/>
             </a:endParaRPr>
           </a:p>
@@ -409,12 +320,14 @@
           </a:prstGeom>
         </p:spPr>
         <p:txBody>
-          <a:bodyPr lIns="0" tIns="0" rIns="0" bIns="0">
+          <a:bodyPr lIns="0" rIns="0" tIns="0" bIns="0">
             <a:normAutofit/>
           </a:bodyPr>
-          <a:lstStyle/>
-          <a:p>
-            <a:endParaRPr lang="en-US" sz="3200" b="0" strike="noStrike" spc="-1">
+          <a:p>
+            <a:endParaRPr b="0" lang="en-US" sz="1800" spc="-1" strike="noStrike">
+              <a:solidFill>
+                <a:srgbClr val="000000"/>
+              </a:solidFill>
               <a:latin typeface="Arial"/>
             </a:endParaRPr>
           </a:p>
@@ -422,14 +335,11 @@
       </p:sp>
     </p:spTree>
   </p:cSld>
-  <p:clrMapOvr>
-    <a:masterClrMapping/>
-  </p:clrMapOvr>
 </p:sldLayout>
 </file>
 
 <file path=ppt/slideLayouts/slideLayout12.xml><?xml version="1.0" encoding="utf-8"?>
-<p:sldLayout xmlns:a="http://schemas.openxmlformats.org/drawingml/2006/main" xmlns:r="http://schemas.openxmlformats.org/officeDocument/2006/relationships" xmlns:p="http://schemas.openxmlformats.org/presentationml/2006/main" type="blank" preserve="1">
+<p:sldLayout xmlns:a="http://schemas.openxmlformats.org/drawingml/2006/main" xmlns:p="http://schemas.openxmlformats.org/presentationml/2006/main" xmlns:r="http://schemas.openxmlformats.org/officeDocument/2006/relationships" xmlns:p14="http://schemas.microsoft.com/office/powerpoint/2010/main" xmlns:p15="http://schemas.microsoft.com/office/powerpoint/2012/main" xmlns:mc="http://schemas.openxmlformats.org/markup-compatibility/2006" type="blank" preserve="1">
   <p:cSld name="Title, 6 Content">
     <p:spTree>
       <p:nvGrpSpPr>
@@ -465,11 +375,12 @@
           </a:prstGeom>
         </p:spPr>
         <p:txBody>
-          <a:bodyPr lIns="0" tIns="0" rIns="0" bIns="0" anchor="ctr"/>
-          <a:lstStyle/>
-          <a:p>
-            <a:pPr algn="ctr"/>
-            <a:endParaRPr lang="en-US" sz="4400" b="0" strike="noStrike" spc="-1">
+          <a:bodyPr lIns="0" rIns="0" tIns="0" bIns="0" anchor="ctr"/>
+          <a:p>
+            <a:endParaRPr b="0" lang="en-US" sz="1800" spc="-1" strike="noStrike">
+              <a:solidFill>
+                <a:srgbClr val="000000"/>
+              </a:solidFill>
               <a:latin typeface="Arial"/>
             </a:endParaRPr>
           </a:p>
@@ -495,12 +406,14 @@
           </a:prstGeom>
         </p:spPr>
         <p:txBody>
-          <a:bodyPr lIns="0" tIns="0" rIns="0" bIns="0">
+          <a:bodyPr lIns="0" rIns="0" tIns="0" bIns="0">
             <a:normAutofit/>
           </a:bodyPr>
-          <a:lstStyle/>
-          <a:p>
-            <a:endParaRPr lang="en-US" sz="3200" b="0" strike="noStrike" spc="-1">
+          <a:p>
+            <a:endParaRPr b="0" lang="en-US" sz="1800" spc="-1" strike="noStrike">
+              <a:solidFill>
+                <a:srgbClr val="000000"/>
+              </a:solidFill>
               <a:latin typeface="Arial"/>
             </a:endParaRPr>
           </a:p>
@@ -526,12 +439,14 @@
           </a:prstGeom>
         </p:spPr>
         <p:txBody>
-          <a:bodyPr lIns="0" tIns="0" rIns="0" bIns="0">
+          <a:bodyPr lIns="0" rIns="0" tIns="0" bIns="0">
             <a:normAutofit/>
           </a:bodyPr>
-          <a:lstStyle/>
-          <a:p>
-            <a:endParaRPr lang="en-US" sz="3200" b="0" strike="noStrike" spc="-1">
+          <a:p>
+            <a:endParaRPr b="0" lang="en-US" sz="1800" spc="-1" strike="noStrike">
+              <a:solidFill>
+                <a:srgbClr val="000000"/>
+              </a:solidFill>
               <a:latin typeface="Arial"/>
             </a:endParaRPr>
           </a:p>
@@ -557,12 +472,14 @@
           </a:prstGeom>
         </p:spPr>
         <p:txBody>
-          <a:bodyPr lIns="0" tIns="0" rIns="0" bIns="0">
+          <a:bodyPr lIns="0" rIns="0" tIns="0" bIns="0">
             <a:normAutofit/>
           </a:bodyPr>
-          <a:lstStyle/>
-          <a:p>
-            <a:endParaRPr lang="en-US" sz="3200" b="0" strike="noStrike" spc="-1">
+          <a:p>
+            <a:endParaRPr b="0" lang="en-US" sz="1800" spc="-1" strike="noStrike">
+              <a:solidFill>
+                <a:srgbClr val="000000"/>
+              </a:solidFill>
               <a:latin typeface="Arial"/>
             </a:endParaRPr>
           </a:p>
@@ -588,12 +505,14 @@
           </a:prstGeom>
         </p:spPr>
         <p:txBody>
-          <a:bodyPr lIns="0" tIns="0" rIns="0" bIns="0">
+          <a:bodyPr lIns="0" rIns="0" tIns="0" bIns="0">
             <a:normAutofit/>
           </a:bodyPr>
-          <a:lstStyle/>
-          <a:p>
-            <a:endParaRPr lang="en-US" sz="3200" b="0" strike="noStrike" spc="-1">
+          <a:p>
+            <a:endParaRPr b="0" lang="en-US" sz="1800" spc="-1" strike="noStrike">
+              <a:solidFill>
+                <a:srgbClr val="000000"/>
+              </a:solidFill>
               <a:latin typeface="Arial"/>
             </a:endParaRPr>
           </a:p>
@@ -619,12 +538,14 @@
           </a:prstGeom>
         </p:spPr>
         <p:txBody>
-          <a:bodyPr lIns="0" tIns="0" rIns="0" bIns="0">
+          <a:bodyPr lIns="0" rIns="0" tIns="0" bIns="0">
             <a:normAutofit/>
           </a:bodyPr>
-          <a:lstStyle/>
-          <a:p>
-            <a:endParaRPr lang="en-US" sz="3200" b="0" strike="noStrike" spc="-1">
+          <a:p>
+            <a:endParaRPr b="0" lang="en-US" sz="1800" spc="-1" strike="noStrike">
+              <a:solidFill>
+                <a:srgbClr val="000000"/>
+              </a:solidFill>
               <a:latin typeface="Arial"/>
             </a:endParaRPr>
           </a:p>
@@ -650,12 +571,14 @@
           </a:prstGeom>
         </p:spPr>
         <p:txBody>
-          <a:bodyPr lIns="0" tIns="0" rIns="0" bIns="0">
+          <a:bodyPr lIns="0" rIns="0" tIns="0" bIns="0">
             <a:normAutofit/>
           </a:bodyPr>
-          <a:lstStyle/>
-          <a:p>
-            <a:endParaRPr lang="en-US" sz="3200" b="0" strike="noStrike" spc="-1">
+          <a:p>
+            <a:endParaRPr b="0" lang="en-US" sz="1800" spc="-1" strike="noStrike">
+              <a:solidFill>
+                <a:srgbClr val="000000"/>
+              </a:solidFill>
               <a:latin typeface="Arial"/>
             </a:endParaRPr>
           </a:p>
@@ -663,14 +586,11 @@
       </p:sp>
     </p:spTree>
   </p:cSld>
-  <p:clrMapOvr>
-    <a:masterClrMapping/>
-  </p:clrMapOvr>
 </p:sldLayout>
 </file>
 
 <file path=ppt/slideLayouts/slideLayout2.xml><?xml version="1.0" encoding="utf-8"?>
-<p:sldLayout xmlns:a="http://schemas.openxmlformats.org/drawingml/2006/main" xmlns:r="http://schemas.openxmlformats.org/officeDocument/2006/relationships" xmlns:p="http://schemas.openxmlformats.org/presentationml/2006/main" type="tx" preserve="1">
+<p:sldLayout xmlns:a="http://schemas.openxmlformats.org/drawingml/2006/main" xmlns:p="http://schemas.openxmlformats.org/presentationml/2006/main" xmlns:r="http://schemas.openxmlformats.org/officeDocument/2006/relationships" xmlns:p14="http://schemas.microsoft.com/office/powerpoint/2010/main" xmlns:p15="http://schemas.microsoft.com/office/powerpoint/2012/main" xmlns:mc="http://schemas.openxmlformats.org/markup-compatibility/2006" type="tx" preserve="1">
   <p:cSld name="Title Slide">
     <p:spTree>
       <p:nvGrpSpPr>
@@ -706,11 +626,12 @@
           </a:prstGeom>
         </p:spPr>
         <p:txBody>
-          <a:bodyPr lIns="0" tIns="0" rIns="0" bIns="0" anchor="ctr"/>
-          <a:lstStyle/>
-          <a:p>
-            <a:pPr algn="ctr"/>
-            <a:endParaRPr lang="en-US" sz="4400" b="0" strike="noStrike" spc="-1">
+          <a:bodyPr lIns="0" rIns="0" tIns="0" bIns="0" anchor="ctr"/>
+          <a:p>
+            <a:endParaRPr b="0" lang="en-US" sz="1800" spc="-1" strike="noStrike">
+              <a:solidFill>
+                <a:srgbClr val="000000"/>
+              </a:solidFill>
               <a:latin typeface="Arial"/>
             </a:endParaRPr>
           </a:p>
@@ -736,11 +657,10 @@
           </a:prstGeom>
         </p:spPr>
         <p:txBody>
-          <a:bodyPr lIns="0" tIns="0" rIns="0" bIns="0" anchor="ctr"/>
-          <a:lstStyle/>
+          <a:bodyPr lIns="0" rIns="0" tIns="0" bIns="0" anchor="ctr"/>
           <a:p>
             <a:pPr algn="ctr"/>
-            <a:endParaRPr lang="en-US" sz="3200" b="0" strike="noStrike" spc="-1">
+            <a:endParaRPr b="0" lang="en-US" sz="3200" spc="-1" strike="noStrike">
               <a:latin typeface="Arial"/>
             </a:endParaRPr>
           </a:p>
@@ -748,14 +668,11 @@
       </p:sp>
     </p:spTree>
   </p:cSld>
-  <p:clrMapOvr>
-    <a:masterClrMapping/>
-  </p:clrMapOvr>
 </p:sldLayout>
 </file>
 
 <file path=ppt/slideLayouts/slideLayout3.xml><?xml version="1.0" encoding="utf-8"?>
-<p:sldLayout xmlns:a="http://schemas.openxmlformats.org/drawingml/2006/main" xmlns:r="http://schemas.openxmlformats.org/officeDocument/2006/relationships" xmlns:p="http://schemas.openxmlformats.org/presentationml/2006/main" type="obj" preserve="1">
+<p:sldLayout xmlns:a="http://schemas.openxmlformats.org/drawingml/2006/main" xmlns:p="http://schemas.openxmlformats.org/presentationml/2006/main" xmlns:r="http://schemas.openxmlformats.org/officeDocument/2006/relationships" xmlns:p14="http://schemas.microsoft.com/office/powerpoint/2010/main" xmlns:p15="http://schemas.microsoft.com/office/powerpoint/2012/main" xmlns:mc="http://schemas.openxmlformats.org/markup-compatibility/2006" type="obj" preserve="1">
   <p:cSld name="Title, Content">
     <p:spTree>
       <p:nvGrpSpPr>
@@ -791,11 +708,12 @@
           </a:prstGeom>
         </p:spPr>
         <p:txBody>
-          <a:bodyPr lIns="0" tIns="0" rIns="0" bIns="0" anchor="ctr"/>
-          <a:lstStyle/>
-          <a:p>
-            <a:pPr algn="ctr"/>
-            <a:endParaRPr lang="en-US" sz="4400" b="0" strike="noStrike" spc="-1">
+          <a:bodyPr lIns="0" rIns="0" tIns="0" bIns="0" anchor="ctr"/>
+          <a:p>
+            <a:endParaRPr b="0" lang="en-US" sz="1800" spc="-1" strike="noStrike">
+              <a:solidFill>
+                <a:srgbClr val="000000"/>
+              </a:solidFill>
               <a:latin typeface="Arial"/>
             </a:endParaRPr>
           </a:p>
@@ -821,12 +739,14 @@
           </a:prstGeom>
         </p:spPr>
         <p:txBody>
-          <a:bodyPr lIns="0" tIns="0" rIns="0" bIns="0">
+          <a:bodyPr lIns="0" rIns="0" tIns="0" bIns="0">
             <a:normAutofit/>
           </a:bodyPr>
-          <a:lstStyle/>
-          <a:p>
-            <a:endParaRPr lang="en-US" sz="3200" b="0" strike="noStrike" spc="-1">
+          <a:p>
+            <a:endParaRPr b="0" lang="en-US" sz="1800" spc="-1" strike="noStrike">
+              <a:solidFill>
+                <a:srgbClr val="000000"/>
+              </a:solidFill>
               <a:latin typeface="Arial"/>
             </a:endParaRPr>
           </a:p>
@@ -834,14 +754,11 @@
       </p:sp>
     </p:spTree>
   </p:cSld>
-  <p:clrMapOvr>
-    <a:masterClrMapping/>
-  </p:clrMapOvr>
 </p:sldLayout>
 </file>
 
 <file path=ppt/slideLayouts/slideLayout4.xml><?xml version="1.0" encoding="utf-8"?>
-<p:sldLayout xmlns:a="http://schemas.openxmlformats.org/drawingml/2006/main" xmlns:r="http://schemas.openxmlformats.org/officeDocument/2006/relationships" xmlns:p="http://schemas.openxmlformats.org/presentationml/2006/main" type="twoObj" preserve="1">
+<p:sldLayout xmlns:a="http://schemas.openxmlformats.org/drawingml/2006/main" xmlns:p="http://schemas.openxmlformats.org/presentationml/2006/main" xmlns:r="http://schemas.openxmlformats.org/officeDocument/2006/relationships" xmlns:p14="http://schemas.microsoft.com/office/powerpoint/2010/main" xmlns:p15="http://schemas.microsoft.com/office/powerpoint/2012/main" xmlns:mc="http://schemas.openxmlformats.org/markup-compatibility/2006" type="twoObj" preserve="1">
   <p:cSld name="Title, 2 Content">
     <p:spTree>
       <p:nvGrpSpPr>
@@ -877,11 +794,12 @@
           </a:prstGeom>
         </p:spPr>
         <p:txBody>
-          <a:bodyPr lIns="0" tIns="0" rIns="0" bIns="0" anchor="ctr"/>
-          <a:lstStyle/>
-          <a:p>
-            <a:pPr algn="ctr"/>
-            <a:endParaRPr lang="en-US" sz="4400" b="0" strike="noStrike" spc="-1">
+          <a:bodyPr lIns="0" rIns="0" tIns="0" bIns="0" anchor="ctr"/>
+          <a:p>
+            <a:endParaRPr b="0" lang="en-US" sz="1800" spc="-1" strike="noStrike">
+              <a:solidFill>
+                <a:srgbClr val="000000"/>
+              </a:solidFill>
               <a:latin typeface="Arial"/>
             </a:endParaRPr>
           </a:p>
@@ -907,12 +825,14 @@
           </a:prstGeom>
         </p:spPr>
         <p:txBody>
-          <a:bodyPr lIns="0" tIns="0" rIns="0" bIns="0">
+          <a:bodyPr lIns="0" rIns="0" tIns="0" bIns="0">
             <a:normAutofit/>
           </a:bodyPr>
-          <a:lstStyle/>
-          <a:p>
-            <a:endParaRPr lang="en-US" sz="3200" b="0" strike="noStrike" spc="-1">
+          <a:p>
+            <a:endParaRPr b="0" lang="en-US" sz="1800" spc="-1" strike="noStrike">
+              <a:solidFill>
+                <a:srgbClr val="000000"/>
+              </a:solidFill>
               <a:latin typeface="Arial"/>
             </a:endParaRPr>
           </a:p>
@@ -938,12 +858,14 @@
           </a:prstGeom>
         </p:spPr>
         <p:txBody>
-          <a:bodyPr lIns="0" tIns="0" rIns="0" bIns="0">
+          <a:bodyPr lIns="0" rIns="0" tIns="0" bIns="0">
             <a:normAutofit/>
           </a:bodyPr>
-          <a:lstStyle/>
-          <a:p>
-            <a:endParaRPr lang="en-US" sz="3200" b="0" strike="noStrike" spc="-1">
+          <a:p>
+            <a:endParaRPr b="0" lang="en-US" sz="1800" spc="-1" strike="noStrike">
+              <a:solidFill>
+                <a:srgbClr val="000000"/>
+              </a:solidFill>
               <a:latin typeface="Arial"/>
             </a:endParaRPr>
           </a:p>
@@ -951,14 +873,11 @@
       </p:sp>
     </p:spTree>
   </p:cSld>
-  <p:clrMapOvr>
-    <a:masterClrMapping/>
-  </p:clrMapOvr>
 </p:sldLayout>
 </file>
 
 <file path=ppt/slideLayouts/slideLayout5.xml><?xml version="1.0" encoding="utf-8"?>
-<p:sldLayout xmlns:a="http://schemas.openxmlformats.org/drawingml/2006/main" xmlns:r="http://schemas.openxmlformats.org/officeDocument/2006/relationships" xmlns:p="http://schemas.openxmlformats.org/presentationml/2006/main" type="titleOnly" preserve="1">
+<p:sldLayout xmlns:a="http://schemas.openxmlformats.org/drawingml/2006/main" xmlns:p="http://schemas.openxmlformats.org/presentationml/2006/main" xmlns:r="http://schemas.openxmlformats.org/officeDocument/2006/relationships" xmlns:p14="http://schemas.microsoft.com/office/powerpoint/2010/main" xmlns:p15="http://schemas.microsoft.com/office/powerpoint/2012/main" xmlns:mc="http://schemas.openxmlformats.org/markup-compatibility/2006" type="titleOnly" preserve="1">
   <p:cSld name="Title Only">
     <p:spTree>
       <p:nvGrpSpPr>
@@ -994,11 +913,12 @@
           </a:prstGeom>
         </p:spPr>
         <p:txBody>
-          <a:bodyPr lIns="0" tIns="0" rIns="0" bIns="0" anchor="ctr"/>
-          <a:lstStyle/>
-          <a:p>
-            <a:pPr algn="ctr"/>
-            <a:endParaRPr lang="en-US" sz="4400" b="0" strike="noStrike" spc="-1">
+          <a:bodyPr lIns="0" rIns="0" tIns="0" bIns="0" anchor="ctr"/>
+          <a:p>
+            <a:endParaRPr b="0" lang="en-US" sz="1800" spc="-1" strike="noStrike">
+              <a:solidFill>
+                <a:srgbClr val="000000"/>
+              </a:solidFill>
               <a:latin typeface="Arial"/>
             </a:endParaRPr>
           </a:p>
@@ -1006,14 +926,11 @@
       </p:sp>
     </p:spTree>
   </p:cSld>
-  <p:clrMapOvr>
-    <a:masterClrMapping/>
-  </p:clrMapOvr>
 </p:sldLayout>
 </file>
 
 <file path=ppt/slideLayouts/slideLayout6.xml><?xml version="1.0" encoding="utf-8"?>
-<p:sldLayout xmlns:a="http://schemas.openxmlformats.org/drawingml/2006/main" xmlns:r="http://schemas.openxmlformats.org/officeDocument/2006/relationships" xmlns:p="http://schemas.openxmlformats.org/presentationml/2006/main" type="objOnly" preserve="1">
+<p:sldLayout xmlns:a="http://schemas.openxmlformats.org/drawingml/2006/main" xmlns:p="http://schemas.openxmlformats.org/presentationml/2006/main" xmlns:r="http://schemas.openxmlformats.org/officeDocument/2006/relationships" xmlns:p14="http://schemas.microsoft.com/office/powerpoint/2010/main" xmlns:p15="http://schemas.microsoft.com/office/powerpoint/2012/main" xmlns:mc="http://schemas.openxmlformats.org/markup-compatibility/2006" type="objOnly" preserve="1">
   <p:cSld name="Centered Text">
     <p:spTree>
       <p:nvGrpSpPr>
@@ -1049,11 +966,10 @@
           </a:prstGeom>
         </p:spPr>
         <p:txBody>
-          <a:bodyPr lIns="0" tIns="0" rIns="0" bIns="0" anchor="ctr"/>
-          <a:lstStyle/>
+          <a:bodyPr lIns="0" rIns="0" tIns="0" bIns="0" anchor="ctr"/>
           <a:p>
             <a:pPr algn="ctr"/>
-            <a:endParaRPr lang="en-US" sz="3200" b="0" strike="noStrike" spc="-1">
+            <a:endParaRPr b="0" lang="en-US" sz="3200" spc="-1" strike="noStrike">
               <a:latin typeface="Arial"/>
             </a:endParaRPr>
           </a:p>
@@ -1061,14 +977,11 @@
       </p:sp>
     </p:spTree>
   </p:cSld>
-  <p:clrMapOvr>
-    <a:masterClrMapping/>
-  </p:clrMapOvr>
 </p:sldLayout>
 </file>
 
 <file path=ppt/slideLayouts/slideLayout7.xml><?xml version="1.0" encoding="utf-8"?>
-<p:sldLayout xmlns:a="http://schemas.openxmlformats.org/drawingml/2006/main" xmlns:r="http://schemas.openxmlformats.org/officeDocument/2006/relationships" xmlns:p="http://schemas.openxmlformats.org/presentationml/2006/main" type="twoObjAndObj" preserve="1">
+<p:sldLayout xmlns:a="http://schemas.openxmlformats.org/drawingml/2006/main" xmlns:p="http://schemas.openxmlformats.org/presentationml/2006/main" xmlns:r="http://schemas.openxmlformats.org/officeDocument/2006/relationships" xmlns:p14="http://schemas.microsoft.com/office/powerpoint/2010/main" xmlns:p15="http://schemas.microsoft.com/office/powerpoint/2012/main" xmlns:mc="http://schemas.openxmlformats.org/markup-compatibility/2006" type="twoObjAndObj" preserve="1">
   <p:cSld name="Title, 2 Content and Content">
     <p:spTree>
       <p:nvGrpSpPr>
@@ -1104,11 +1017,12 @@
           </a:prstGeom>
         </p:spPr>
         <p:txBody>
-          <a:bodyPr lIns="0" tIns="0" rIns="0" bIns="0" anchor="ctr"/>
-          <a:lstStyle/>
-          <a:p>
-            <a:pPr algn="ctr"/>
-            <a:endParaRPr lang="en-US" sz="4400" b="0" strike="noStrike" spc="-1">
+          <a:bodyPr lIns="0" rIns="0" tIns="0" bIns="0" anchor="ctr"/>
+          <a:p>
+            <a:endParaRPr b="0" lang="en-US" sz="1800" spc="-1" strike="noStrike">
+              <a:solidFill>
+                <a:srgbClr val="000000"/>
+              </a:solidFill>
               <a:latin typeface="Arial"/>
             </a:endParaRPr>
           </a:p>
@@ -1134,12 +1048,14 @@
           </a:prstGeom>
         </p:spPr>
         <p:txBody>
-          <a:bodyPr lIns="0" tIns="0" rIns="0" bIns="0">
+          <a:bodyPr lIns="0" rIns="0" tIns="0" bIns="0">
             <a:normAutofit/>
           </a:bodyPr>
-          <a:lstStyle/>
-          <a:p>
-            <a:endParaRPr lang="en-US" sz="3200" b="0" strike="noStrike" spc="-1">
+          <a:p>
+            <a:endParaRPr b="0" lang="en-US" sz="1800" spc="-1" strike="noStrike">
+              <a:solidFill>
+                <a:srgbClr val="000000"/>
+              </a:solidFill>
               <a:latin typeface="Arial"/>
             </a:endParaRPr>
           </a:p>
@@ -1165,12 +1081,14 @@
           </a:prstGeom>
         </p:spPr>
         <p:txBody>
-          <a:bodyPr lIns="0" tIns="0" rIns="0" bIns="0">
+          <a:bodyPr lIns="0" rIns="0" tIns="0" bIns="0">
             <a:normAutofit/>
           </a:bodyPr>
-          <a:lstStyle/>
-          <a:p>
-            <a:endParaRPr lang="en-US" sz="3200" b="0" strike="noStrike" spc="-1">
+          <a:p>
+            <a:endParaRPr b="0" lang="en-US" sz="1800" spc="-1" strike="noStrike">
+              <a:solidFill>
+                <a:srgbClr val="000000"/>
+              </a:solidFill>
               <a:latin typeface="Arial"/>
             </a:endParaRPr>
           </a:p>
@@ -1196,12 +1114,14 @@
           </a:prstGeom>
         </p:spPr>
         <p:txBody>
-          <a:bodyPr lIns="0" tIns="0" rIns="0" bIns="0">
+          <a:bodyPr lIns="0" rIns="0" tIns="0" bIns="0">
             <a:normAutofit/>
           </a:bodyPr>
-          <a:lstStyle/>
-          <a:p>
-            <a:endParaRPr lang="en-US" sz="3200" b="0" strike="noStrike" spc="-1">
+          <a:p>
+            <a:endParaRPr b="0" lang="en-US" sz="1800" spc="-1" strike="noStrike">
+              <a:solidFill>
+                <a:srgbClr val="000000"/>
+              </a:solidFill>
               <a:latin typeface="Arial"/>
             </a:endParaRPr>
           </a:p>
@@ -1209,14 +1129,11 @@
       </p:sp>
     </p:spTree>
   </p:cSld>
-  <p:clrMapOvr>
-    <a:masterClrMapping/>
-  </p:clrMapOvr>
 </p:sldLayout>
 </file>
 
 <file path=ppt/slideLayouts/slideLayout8.xml><?xml version="1.0" encoding="utf-8"?>
-<p:sldLayout xmlns:a="http://schemas.openxmlformats.org/drawingml/2006/main" xmlns:r="http://schemas.openxmlformats.org/officeDocument/2006/relationships" xmlns:p="http://schemas.openxmlformats.org/presentationml/2006/main" type="objAndTwoObj" preserve="1">
+<p:sldLayout xmlns:a="http://schemas.openxmlformats.org/drawingml/2006/main" xmlns:p="http://schemas.openxmlformats.org/presentationml/2006/main" xmlns:r="http://schemas.openxmlformats.org/officeDocument/2006/relationships" xmlns:p14="http://schemas.microsoft.com/office/powerpoint/2010/main" xmlns:p15="http://schemas.microsoft.com/office/powerpoint/2012/main" xmlns:mc="http://schemas.openxmlformats.org/markup-compatibility/2006" type="objAndTwoObj" preserve="1">
   <p:cSld name="Title Content and 2 Content">
     <p:spTree>
       <p:nvGrpSpPr>
@@ -1252,11 +1169,12 @@
           </a:prstGeom>
         </p:spPr>
         <p:txBody>
-          <a:bodyPr lIns="0" tIns="0" rIns="0" bIns="0" anchor="ctr"/>
-          <a:lstStyle/>
-          <a:p>
-            <a:pPr algn="ctr"/>
-            <a:endParaRPr lang="en-US" sz="4400" b="0" strike="noStrike" spc="-1">
+          <a:bodyPr lIns="0" rIns="0" tIns="0" bIns="0" anchor="ctr"/>
+          <a:p>
+            <a:endParaRPr b="0" lang="en-US" sz="1800" spc="-1" strike="noStrike">
+              <a:solidFill>
+                <a:srgbClr val="000000"/>
+              </a:solidFill>
               <a:latin typeface="Arial"/>
             </a:endParaRPr>
           </a:p>
@@ -1282,12 +1200,14 @@
           </a:prstGeom>
         </p:spPr>
         <p:txBody>
-          <a:bodyPr lIns="0" tIns="0" rIns="0" bIns="0">
+          <a:bodyPr lIns="0" rIns="0" tIns="0" bIns="0">
             <a:normAutofit/>
           </a:bodyPr>
-          <a:lstStyle/>
-          <a:p>
-            <a:endParaRPr lang="en-US" sz="3200" b="0" strike="noStrike" spc="-1">
+          <a:p>
+            <a:endParaRPr b="0" lang="en-US" sz="1800" spc="-1" strike="noStrike">
+              <a:solidFill>
+                <a:srgbClr val="000000"/>
+              </a:solidFill>
               <a:latin typeface="Arial"/>
             </a:endParaRPr>
           </a:p>
@@ -1313,12 +1233,14 @@
           </a:prstGeom>
         </p:spPr>
         <p:txBody>
-          <a:bodyPr lIns="0" tIns="0" rIns="0" bIns="0">
+          <a:bodyPr lIns="0" rIns="0" tIns="0" bIns="0">
             <a:normAutofit/>
           </a:bodyPr>
-          <a:lstStyle/>
-          <a:p>
-            <a:endParaRPr lang="en-US" sz="3200" b="0" strike="noStrike" spc="-1">
+          <a:p>
+            <a:endParaRPr b="0" lang="en-US" sz="1800" spc="-1" strike="noStrike">
+              <a:solidFill>
+                <a:srgbClr val="000000"/>
+              </a:solidFill>
               <a:latin typeface="Arial"/>
             </a:endParaRPr>
           </a:p>
@@ -1344,12 +1266,14 @@
           </a:prstGeom>
         </p:spPr>
         <p:txBody>
-          <a:bodyPr lIns="0" tIns="0" rIns="0" bIns="0">
+          <a:bodyPr lIns="0" rIns="0" tIns="0" bIns="0">
             <a:normAutofit/>
           </a:bodyPr>
-          <a:lstStyle/>
-          <a:p>
-            <a:endParaRPr lang="en-US" sz="3200" b="0" strike="noStrike" spc="-1">
+          <a:p>
+            <a:endParaRPr b="0" lang="en-US" sz="1800" spc="-1" strike="noStrike">
+              <a:solidFill>
+                <a:srgbClr val="000000"/>
+              </a:solidFill>
               <a:latin typeface="Arial"/>
             </a:endParaRPr>
           </a:p>
@@ -1357,14 +1281,11 @@
       </p:sp>
     </p:spTree>
   </p:cSld>
-  <p:clrMapOvr>
-    <a:masterClrMapping/>
-  </p:clrMapOvr>
 </p:sldLayout>
 </file>
 
 <file path=ppt/slideLayouts/slideLayout9.xml><?xml version="1.0" encoding="utf-8"?>
-<p:sldLayout xmlns:a="http://schemas.openxmlformats.org/drawingml/2006/main" xmlns:r="http://schemas.openxmlformats.org/officeDocument/2006/relationships" xmlns:p="http://schemas.openxmlformats.org/presentationml/2006/main" type="twoObjOverTx" preserve="1">
+<p:sldLayout xmlns:a="http://schemas.openxmlformats.org/drawingml/2006/main" xmlns:p="http://schemas.openxmlformats.org/presentationml/2006/main" xmlns:r="http://schemas.openxmlformats.org/officeDocument/2006/relationships" xmlns:p14="http://schemas.microsoft.com/office/powerpoint/2010/main" xmlns:p15="http://schemas.microsoft.com/office/powerpoint/2012/main" xmlns:mc="http://schemas.openxmlformats.org/markup-compatibility/2006" type="twoObjOverTx" preserve="1">
   <p:cSld name="Title, 2 Content over Content">
     <p:spTree>
       <p:nvGrpSpPr>
@@ -1400,11 +1321,12 @@
           </a:prstGeom>
         </p:spPr>
         <p:txBody>
-          <a:bodyPr lIns="0" tIns="0" rIns="0" bIns="0" anchor="ctr"/>
-          <a:lstStyle/>
-          <a:p>
-            <a:pPr algn="ctr"/>
-            <a:endParaRPr lang="en-US" sz="4400" b="0" strike="noStrike" spc="-1">
+          <a:bodyPr lIns="0" rIns="0" tIns="0" bIns="0" anchor="ctr"/>
+          <a:p>
+            <a:endParaRPr b="0" lang="en-US" sz="1800" spc="-1" strike="noStrike">
+              <a:solidFill>
+                <a:srgbClr val="000000"/>
+              </a:solidFill>
               <a:latin typeface="Arial"/>
             </a:endParaRPr>
           </a:p>
@@ -1430,12 +1352,14 @@
           </a:prstGeom>
         </p:spPr>
         <p:txBody>
-          <a:bodyPr lIns="0" tIns="0" rIns="0" bIns="0">
+          <a:bodyPr lIns="0" rIns="0" tIns="0" bIns="0">
             <a:normAutofit/>
           </a:bodyPr>
-          <a:lstStyle/>
-          <a:p>
-            <a:endParaRPr lang="en-US" sz="3200" b="0" strike="noStrike" spc="-1">
+          <a:p>
+            <a:endParaRPr b="0" lang="en-US" sz="1800" spc="-1" strike="noStrike">
+              <a:solidFill>
+                <a:srgbClr val="000000"/>
+              </a:solidFill>
               <a:latin typeface="Arial"/>
             </a:endParaRPr>
           </a:p>
@@ -1461,12 +1385,14 @@
           </a:prstGeom>
         </p:spPr>
         <p:txBody>
-          <a:bodyPr lIns="0" tIns="0" rIns="0" bIns="0">
+          <a:bodyPr lIns="0" rIns="0" tIns="0" bIns="0">
             <a:normAutofit/>
           </a:bodyPr>
-          <a:lstStyle/>
-          <a:p>
-            <a:endParaRPr lang="en-US" sz="3200" b="0" strike="noStrike" spc="-1">
+          <a:p>
+            <a:endParaRPr b="0" lang="en-US" sz="1800" spc="-1" strike="noStrike">
+              <a:solidFill>
+                <a:srgbClr val="000000"/>
+              </a:solidFill>
               <a:latin typeface="Arial"/>
             </a:endParaRPr>
           </a:p>
@@ -1492,12 +1418,14 @@
           </a:prstGeom>
         </p:spPr>
         <p:txBody>
-          <a:bodyPr lIns="0" tIns="0" rIns="0" bIns="0">
+          <a:bodyPr lIns="0" rIns="0" tIns="0" bIns="0">
             <a:normAutofit/>
           </a:bodyPr>
-          <a:lstStyle/>
-          <a:p>
-            <a:endParaRPr lang="en-US" sz="3200" b="0" strike="noStrike" spc="-1">
+          <a:p>
+            <a:endParaRPr b="0" lang="en-US" sz="1800" spc="-1" strike="noStrike">
+              <a:solidFill>
+                <a:srgbClr val="000000"/>
+              </a:solidFill>
               <a:latin typeface="Arial"/>
             </a:endParaRPr>
           </a:p>
@@ -1505,21 +1433,17 @@
       </p:sp>
     </p:spTree>
   </p:cSld>
-  <p:clrMapOvr>
-    <a:masterClrMapping/>
-  </p:clrMapOvr>
 </p:sldLayout>
 </file>
 
 <file path=ppt/slideMasters/slideMaster1.xml><?xml version="1.0" encoding="utf-8"?>
-<p:sldMaster xmlns:a="http://schemas.openxmlformats.org/drawingml/2006/main" xmlns:r="http://schemas.openxmlformats.org/officeDocument/2006/relationships" xmlns:p="http://schemas.openxmlformats.org/presentationml/2006/main">
+<p:sldMaster xmlns:a="http://schemas.openxmlformats.org/drawingml/2006/main" xmlns:p="http://schemas.openxmlformats.org/presentationml/2006/main" xmlns:r="http://schemas.openxmlformats.org/officeDocument/2006/relationships" xmlns:p14="http://schemas.microsoft.com/office/powerpoint/2010/main" xmlns:p15="http://schemas.microsoft.com/office/powerpoint/2012/main" xmlns:mc="http://schemas.openxmlformats.org/markup-compatibility/2006">
   <p:cSld>
     <p:bg>
       <p:bgPr>
         <a:solidFill>
-          <a:srgbClr val="FFFFFF"/>
+          <a:srgbClr val="ffffff"/>
         </a:solidFill>
-        <a:effectLst/>
       </p:bgPr>
     </p:bg>
     <p:spTree>
@@ -1538,20 +1462,20 @@
       </p:grpSpPr>
       <p:sp>
         <p:nvSpPr>
-          <p:cNvPr id="6" name="CustomShape 1"/>
+          <p:cNvPr id="0" name="CustomShape 1"/>
           <p:cNvSpPr/>
           <p:nvPr/>
         </p:nvSpPr>
         <p:spPr>
           <a:xfrm>
             <a:off x="4572000" y="6477120"/>
-            <a:ext cx="4571280" cy="380160"/>
+            <a:ext cx="4570920" cy="379800"/>
           </a:xfrm>
           <a:prstGeom prst="rect">
             <a:avLst/>
           </a:prstGeom>
           <a:solidFill>
-            <a:srgbClr val="3333B2"/>
+            <a:srgbClr val="3333b2"/>
           </a:solidFill>
           <a:ln>
             <a:noFill/>
@@ -1574,14 +1498,14 @@
       </p:sp>
       <p:sp>
         <p:nvSpPr>
-          <p:cNvPr id="7" name="CustomShape 2"/>
+          <p:cNvPr id="1" name="CustomShape 2"/>
           <p:cNvSpPr/>
           <p:nvPr/>
         </p:nvSpPr>
         <p:spPr>
           <a:xfrm>
             <a:off x="0" y="6477120"/>
-            <a:ext cx="4571280" cy="380160"/>
+            <a:ext cx="4570920" cy="379800"/>
           </a:xfrm>
           <a:prstGeom prst="rect">
             <a:avLst/>
@@ -1617,7 +1541,7 @@
         <p:spPr>
           <a:xfrm>
             <a:off x="0" y="0"/>
-            <a:ext cx="9143280" cy="761400"/>
+            <a:ext cx="9142920" cy="761040"/>
           </a:xfrm>
           <a:prstGeom prst="rect">
             <a:avLst/>
@@ -1628,7 +1552,7 @@
                 <a:schemeClr val="tx1"/>
               </a:gs>
               <a:gs pos="100000">
-                <a:srgbClr val="3333B2"/>
+                <a:srgbClr val="3333b2"/>
               </a:gs>
             </a:gsLst>
             <a:lin ang="10800000"/>
@@ -1637,7 +1561,7 @@
             <a:noFill/>
           </a:ln>
           <a:effectLst>
-            <a:outerShdw blurRad="50800" dist="88900" dir="5400000" algn="tl" rotWithShape="0">
+            <a:outerShdw algn="tl" blurRad="50800" dir="5400000" dist="88900" rotWithShape="0">
               <a:srgbClr val="000000">
                 <a:alpha val="40000"/>
               </a:srgbClr>
@@ -1668,7 +1592,7 @@
         <p:spPr>
           <a:xfrm>
             <a:off x="1071720" y="6488280"/>
-            <a:ext cx="3499560" cy="369000"/>
+            <a:ext cx="3499200" cy="368640"/>
           </a:xfrm>
           <a:prstGeom prst="rect">
             <a:avLst/>
@@ -1679,20 +1603,13 @@
           </a:ln>
         </p:spPr>
         <p:style>
-          <a:lnRef idx="0">
-            <a:scrgbClr r="0" g="0" b="0"/>
-          </a:lnRef>
-          <a:fillRef idx="0">
-            <a:scrgbClr r="0" g="0" b="0"/>
-          </a:fillRef>
-          <a:effectRef idx="0">
-            <a:scrgbClr r="0" g="0" b="0"/>
-          </a:effectRef>
+          <a:lnRef idx="0"/>
+          <a:fillRef idx="0"/>
+          <a:effectRef idx="0"/>
           <a:fontRef idx="minor"/>
         </p:style>
         <p:txBody>
-          <a:bodyPr lIns="90000" tIns="45000" rIns="90000" bIns="45000" anchor="ctr"/>
-          <a:lstStyle/>
+          <a:bodyPr lIns="90000" rIns="90000" tIns="45000" bIns="45000" anchor="ctr"/>
           <a:p>
             <a:pPr algn="r">
               <a:lnSpc>
@@ -1700,9 +1617,9 @@
               </a:lnSpc>
             </a:pPr>
             <a:r>
-              <a:rPr lang="en-US" sz="1200" b="0" strike="noStrike" spc="-1">
-                <a:solidFill>
-                  <a:srgbClr val="FFFFFF"/>
+              <a:rPr b="0" lang="en-US" sz="1200" spc="-1" strike="noStrike">
+                <a:solidFill>
+                  <a:srgbClr val="ffffff"/>
                 </a:solidFill>
                 <a:latin typeface="Calibri"/>
                 <a:ea typeface="DejaVu Sans"/>
@@ -1710,9 +1627,9 @@
               <a:t>Juergen Jung </a:t>
             </a:r>
             <a:r>
-              <a:rPr lang="en-US" sz="1200" b="0" strike="noStrike" spc="-1">
-                <a:solidFill>
-                  <a:srgbClr val="FFFFFF"/>
+              <a:rPr b="0" lang="en-US" sz="1200" spc="-1" strike="noStrike">
+                <a:solidFill>
+                  <a:srgbClr val="ffffff"/>
                 </a:solidFill>
                 <a:latin typeface="Arial"/>
                 <a:ea typeface="DejaVu Sans"/>
@@ -1720,16 +1637,16 @@
               <a:t>–</a:t>
             </a:r>
             <a:r>
-              <a:rPr lang="en-US" sz="1200" b="0" strike="noStrike" spc="-1">
-                <a:solidFill>
-                  <a:srgbClr val="FFFFFF"/>
+              <a:rPr b="0" lang="en-US" sz="1200" spc="-1" strike="noStrike">
+                <a:solidFill>
+                  <a:srgbClr val="ffffff"/>
                 </a:solidFill>
                 <a:latin typeface="Calibri"/>
                 <a:ea typeface="DejaVu Sans"/>
               </a:rPr>
               <a:t> Towson University</a:t>
             </a:r>
-            <a:endParaRPr lang="en-US" sz="1200" b="0" strike="noStrike" spc="-1">
+            <a:endParaRPr b="0" lang="en-US" sz="1200" spc="-1" strike="noStrike">
               <a:latin typeface="Arial"/>
             </a:endParaRPr>
           </a:p>
@@ -1755,16 +1672,23 @@
           </a:prstGeom>
         </p:spPr>
         <p:txBody>
-          <a:bodyPr lIns="0" tIns="0" rIns="0" bIns="0" anchor="ctr"/>
-          <a:lstStyle/>
-          <a:p>
-            <a:pPr algn="ctr"/>
-            <a:r>
-              <a:rPr lang="en-US" sz="4400" b="0" strike="noStrike" spc="-1">
+          <a:bodyPr lIns="0" rIns="0" tIns="0" bIns="0" anchor="ctr"/>
+          <a:p>
+            <a:r>
+              <a:rPr b="0" lang="en-US" sz="1800" spc="-1" strike="noStrike">
+                <a:solidFill>
+                  <a:srgbClr val="000000"/>
+                </a:solidFill>
                 <a:latin typeface="Arial"/>
               </a:rPr>
               <a:t>Click to edit the title text format</a:t>
             </a:r>
+            <a:endParaRPr b="0" lang="en-US" sz="1800" spc="-1" strike="noStrike">
+              <a:solidFill>
+                <a:srgbClr val="000000"/>
+              </a:solidFill>
+              <a:latin typeface="Arial"/>
+            </a:endParaRPr>
           </a:p>
         </p:txBody>
       </p:sp>
@@ -1788,10 +1712,9 @@
           </a:prstGeom>
         </p:spPr>
         <p:txBody>
-          <a:bodyPr lIns="0" tIns="0" rIns="0" bIns="0">
+          <a:bodyPr lIns="0" rIns="0" tIns="0" bIns="0">
             <a:normAutofit/>
           </a:bodyPr>
-          <a:lstStyle/>
           <a:p>
             <a:pPr marL="432000" indent="-324000">
               <a:spcBef>
@@ -1805,14 +1728,23 @@
               <a:buChar char=""/>
             </a:pPr>
             <a:r>
-              <a:rPr lang="en-US" sz="3200" b="0" strike="noStrike" spc="-1">
+              <a:rPr b="0" lang="en-US" sz="1800" spc="-1" strike="noStrike">
+                <a:solidFill>
+                  <a:srgbClr val="000000"/>
+                </a:solidFill>
                 <a:latin typeface="Arial"/>
               </a:rPr>
               <a:t>Click to edit the outline text format</a:t>
             </a:r>
-          </a:p>
-          <a:p>
-            <a:pPr marL="864000" lvl="1" indent="-324000">
+            <a:endParaRPr b="0" lang="en-US" sz="1800" spc="-1" strike="noStrike">
+              <a:solidFill>
+                <a:srgbClr val="000000"/>
+              </a:solidFill>
+              <a:latin typeface="Arial"/>
+            </a:endParaRPr>
+          </a:p>
+          <a:p>
+            <a:pPr lvl="1" marL="864000" indent="-324000">
               <a:spcBef>
                 <a:spcPts val="1134"/>
               </a:spcBef>
@@ -1824,14 +1756,23 @@
               <a:buChar char=""/>
             </a:pPr>
             <a:r>
-              <a:rPr lang="en-US" sz="2800" b="0" strike="noStrike" spc="-1">
+              <a:rPr b="0" lang="en-US" sz="1800" spc="-1" strike="noStrike">
+                <a:solidFill>
+                  <a:srgbClr val="000000"/>
+                </a:solidFill>
                 <a:latin typeface="Arial"/>
               </a:rPr>
               <a:t>Second Outline Level</a:t>
             </a:r>
-          </a:p>
-          <a:p>
-            <a:pPr marL="1296000" lvl="2" indent="-288000">
+            <a:endParaRPr b="0" lang="en-US" sz="1800" spc="-1" strike="noStrike">
+              <a:solidFill>
+                <a:srgbClr val="000000"/>
+              </a:solidFill>
+              <a:latin typeface="Arial"/>
+            </a:endParaRPr>
+          </a:p>
+          <a:p>
+            <a:pPr lvl="2" marL="1296000" indent="-288000">
               <a:spcBef>
                 <a:spcPts val="850"/>
               </a:spcBef>
@@ -1843,14 +1784,23 @@
               <a:buChar char=""/>
             </a:pPr>
             <a:r>
-              <a:rPr lang="en-US" sz="2400" b="0" strike="noStrike" spc="-1">
+              <a:rPr b="0" lang="en-US" sz="1800" spc="-1" strike="noStrike">
+                <a:solidFill>
+                  <a:srgbClr val="000000"/>
+                </a:solidFill>
                 <a:latin typeface="Arial"/>
               </a:rPr>
               <a:t>Third Outline Level</a:t>
             </a:r>
-          </a:p>
-          <a:p>
-            <a:pPr marL="1728000" lvl="3" indent="-216000">
+            <a:endParaRPr b="0" lang="en-US" sz="1800" spc="-1" strike="noStrike">
+              <a:solidFill>
+                <a:srgbClr val="000000"/>
+              </a:solidFill>
+              <a:latin typeface="Arial"/>
+            </a:endParaRPr>
+          </a:p>
+          <a:p>
+            <a:pPr lvl="3" marL="1728000" indent="-216000">
               <a:spcBef>
                 <a:spcPts val="567"/>
               </a:spcBef>
@@ -1862,14 +1812,23 @@
               <a:buChar char=""/>
             </a:pPr>
             <a:r>
-              <a:rPr lang="en-US" sz="2000" b="0" strike="noStrike" spc="-1">
+              <a:rPr b="0" lang="en-US" sz="1800" spc="-1" strike="noStrike">
+                <a:solidFill>
+                  <a:srgbClr val="000000"/>
+                </a:solidFill>
                 <a:latin typeface="Arial"/>
               </a:rPr>
               <a:t>Fourth Outline Level</a:t>
             </a:r>
-          </a:p>
-          <a:p>
-            <a:pPr marL="2160000" lvl="4" indent="-216000">
+            <a:endParaRPr b="0" lang="en-US" sz="1800" spc="-1" strike="noStrike">
+              <a:solidFill>
+                <a:srgbClr val="000000"/>
+              </a:solidFill>
+              <a:latin typeface="Arial"/>
+            </a:endParaRPr>
+          </a:p>
+          <a:p>
+            <a:pPr lvl="4" marL="2160000" indent="-216000">
               <a:spcBef>
                 <a:spcPts val="283"/>
               </a:spcBef>
@@ -1881,14 +1840,23 @@
               <a:buChar char=""/>
             </a:pPr>
             <a:r>
-              <a:rPr lang="en-US" sz="2000" b="0" strike="noStrike" spc="-1">
+              <a:rPr b="0" lang="en-US" sz="2000" spc="-1" strike="noStrike">
+                <a:solidFill>
+                  <a:srgbClr val="000000"/>
+                </a:solidFill>
                 <a:latin typeface="Arial"/>
               </a:rPr>
               <a:t>Fifth Outline Level</a:t>
             </a:r>
-          </a:p>
-          <a:p>
-            <a:pPr marL="2592000" lvl="5" indent="-216000">
+            <a:endParaRPr b="0" lang="en-US" sz="2000" spc="-1" strike="noStrike">
+              <a:solidFill>
+                <a:srgbClr val="000000"/>
+              </a:solidFill>
+              <a:latin typeface="Arial"/>
+            </a:endParaRPr>
+          </a:p>
+          <a:p>
+            <a:pPr lvl="5" marL="2592000" indent="-216000">
               <a:spcBef>
                 <a:spcPts val="283"/>
               </a:spcBef>
@@ -1900,14 +1868,23 @@
               <a:buChar char=""/>
             </a:pPr>
             <a:r>
-              <a:rPr lang="en-US" sz="2000" b="0" strike="noStrike" spc="-1">
+              <a:rPr b="0" lang="en-US" sz="2000" spc="-1" strike="noStrike">
+                <a:solidFill>
+                  <a:srgbClr val="000000"/>
+                </a:solidFill>
                 <a:latin typeface="Arial"/>
               </a:rPr>
               <a:t>Sixth Outline Level</a:t>
             </a:r>
-          </a:p>
-          <a:p>
-            <a:pPr marL="3024000" lvl="6" indent="-216000">
+            <a:endParaRPr b="0" lang="en-US" sz="2000" spc="-1" strike="noStrike">
+              <a:solidFill>
+                <a:srgbClr val="000000"/>
+              </a:solidFill>
+              <a:latin typeface="Arial"/>
+            </a:endParaRPr>
+          </a:p>
+          <a:p>
+            <a:pPr lvl="6" marL="3024000" indent="-216000">
               <a:spcBef>
                 <a:spcPts val="283"/>
               </a:spcBef>
@@ -1919,41 +1896,45 @@
               <a:buChar char=""/>
             </a:pPr>
             <a:r>
-              <a:rPr lang="en-US" sz="2000" b="0" strike="noStrike" spc="-1">
+              <a:rPr b="0" lang="en-US" sz="2000" spc="-1" strike="noStrike">
+                <a:solidFill>
+                  <a:srgbClr val="000000"/>
+                </a:solidFill>
                 <a:latin typeface="Arial"/>
               </a:rPr>
               <a:t>Seventh Outline Level</a:t>
             </a:r>
+            <a:endParaRPr b="0" lang="en-US" sz="2000" spc="-1" strike="noStrike">
+              <a:solidFill>
+                <a:srgbClr val="000000"/>
+              </a:solidFill>
+              <a:latin typeface="Arial"/>
+            </a:endParaRPr>
           </a:p>
         </p:txBody>
       </p:sp>
     </p:spTree>
   </p:cSld>
-  <p:clrMap bg1="lt1" tx1="dk1" bg2="lt2" tx2="dk2" accent1="accent1" accent2="accent2" accent3="accent3" accent4="accent4" accent5="accent5" accent6="accent6" hlink="hlink" folHlink="folHlink"/>
+  <p:clrMap bg1="lt1" bg2="lt2" tx1="dk1" tx2="dk2" accent1="accent1" accent2="accent2" accent3="accent3" accent4="accent4" accent5="accent5" accent6="accent6" hlink="hlink" folHlink="folHlink"/>
   <p:sldLayoutIdLst>
-    <p:sldLayoutId id="2147483649" r:id="rId1"/>
-    <p:sldLayoutId id="2147483650" r:id="rId2"/>
-    <p:sldLayoutId id="2147483651" r:id="rId3"/>
-    <p:sldLayoutId id="2147483652" r:id="rId4"/>
-    <p:sldLayoutId id="2147483653" r:id="rId5"/>
-    <p:sldLayoutId id="2147483654" r:id="rId6"/>
-    <p:sldLayoutId id="2147483655" r:id="rId7"/>
-    <p:sldLayoutId id="2147483656" r:id="rId8"/>
-    <p:sldLayoutId id="2147483657" r:id="rId9"/>
-    <p:sldLayoutId id="2147483658" r:id="rId10"/>
-    <p:sldLayoutId id="2147483659" r:id="rId11"/>
-    <p:sldLayoutId id="2147483660" r:id="rId12"/>
+    <p:sldLayoutId id="2147483649" r:id="rId2"/>
+    <p:sldLayoutId id="2147483650" r:id="rId3"/>
+    <p:sldLayoutId id="2147483651" r:id="rId4"/>
+    <p:sldLayoutId id="2147483652" r:id="rId5"/>
+    <p:sldLayoutId id="2147483653" r:id="rId6"/>
+    <p:sldLayoutId id="2147483654" r:id="rId7"/>
+    <p:sldLayoutId id="2147483655" r:id="rId8"/>
+    <p:sldLayoutId id="2147483656" r:id="rId9"/>
+    <p:sldLayoutId id="2147483657" r:id="rId10"/>
+    <p:sldLayoutId id="2147483658" r:id="rId11"/>
+    <p:sldLayoutId id="2147483659" r:id="rId12"/>
+    <p:sldLayoutId id="2147483660" r:id="rId13"/>
   </p:sldLayoutIdLst>
-  <p:txStyles>
-    <p:titleStyle/>
-    <p:bodyStyle/>
-    <p:otherStyle/>
-  </p:txStyles>
 </p:sldMaster>
 </file>
 
 <file path=ppt/slides/slide1.xml><?xml version="1.0" encoding="utf-8"?>
-<p:sld xmlns:a="http://schemas.openxmlformats.org/drawingml/2006/main" xmlns:r="http://schemas.openxmlformats.org/officeDocument/2006/relationships" xmlns:p="http://schemas.openxmlformats.org/presentationml/2006/main">
+<p:sld xmlns:a="http://schemas.openxmlformats.org/drawingml/2006/main" xmlns:p="http://schemas.openxmlformats.org/presentationml/2006/main" xmlns:r="http://schemas.openxmlformats.org/officeDocument/2006/relationships" xmlns:p14="http://schemas.microsoft.com/office/powerpoint/2010/main" xmlns:p15="http://schemas.microsoft.com/office/powerpoint/2012/main" xmlns:mc="http://schemas.openxmlformats.org/markup-compatibility/2006">
   <p:cSld>
     <p:spTree>
       <p:nvGrpSpPr>
@@ -1978,7 +1959,7 @@
         <p:spPr>
           <a:xfrm>
             <a:off x="380880" y="76320"/>
-            <a:ext cx="8228520" cy="486360"/>
+            <a:ext cx="8228160" cy="486000"/>
           </a:xfrm>
           <a:prstGeom prst="rect">
             <a:avLst/>
@@ -1989,20 +1970,13 @@
           </a:ln>
         </p:spPr>
         <p:style>
-          <a:lnRef idx="0">
-            <a:scrgbClr r="0" g="0" b="0"/>
-          </a:lnRef>
-          <a:fillRef idx="0">
-            <a:scrgbClr r="0" g="0" b="0"/>
-          </a:fillRef>
-          <a:effectRef idx="0">
-            <a:scrgbClr r="0" g="0" b="0"/>
-          </a:effectRef>
+          <a:lnRef idx="0"/>
+          <a:fillRef idx="0"/>
+          <a:effectRef idx="0"/>
           <a:fontRef idx="minor"/>
         </p:style>
         <p:txBody>
-          <a:bodyPr lIns="90000" tIns="45000" rIns="90000" bIns="45000" anchor="ctr"/>
-          <a:lstStyle/>
+          <a:bodyPr lIns="90000" rIns="90000" tIns="45000" bIns="45000" anchor="ctr"/>
           <a:p>
             <a:pPr algn="ctr">
               <a:lnSpc>
@@ -2010,16 +1984,16 @@
               </a:lnSpc>
             </a:pPr>
             <a:r>
-              <a:rPr lang="en-US" sz="4400" b="0" strike="noStrike" spc="-1">
-                <a:solidFill>
-                  <a:srgbClr val="FFFFFF"/>
+              <a:rPr b="0" lang="en-US" sz="4400" spc="-1" strike="noStrike">
+                <a:solidFill>
+                  <a:srgbClr val="ffffff"/>
                 </a:solidFill>
                 <a:latin typeface="Calibri"/>
                 <a:ea typeface="DejaVu Sans"/>
               </a:rPr>
               <a:t>Econ 202 - Roadmap</a:t>
             </a:r>
-            <a:endParaRPr lang="en-US" sz="4400" b="0" strike="noStrike" spc="-1">
+            <a:endParaRPr b="0" lang="en-US" sz="4400" spc="-1" strike="noStrike">
               <a:latin typeface="Arial"/>
             </a:endParaRPr>
           </a:p>
@@ -2034,7 +2008,7 @@
         <p:spPr>
           <a:xfrm>
             <a:off x="85320" y="1447560"/>
-            <a:ext cx="2742120" cy="1070280"/>
+            <a:ext cx="2741760" cy="1069920"/>
           </a:xfrm>
           <a:prstGeom prst="rect">
             <a:avLst/>
@@ -2042,36 +2016,29 @@
           <a:gradFill>
             <a:gsLst>
               <a:gs pos="0">
-                <a:srgbClr val="BFD4FE"/>
+                <a:srgbClr val="bfd4fe"/>
               </a:gs>
               <a:gs pos="100000">
-                <a:srgbClr val="E5EFFF"/>
+                <a:srgbClr val="e5efff"/>
               </a:gs>
             </a:gsLst>
             <a:lin ang="16200000"/>
           </a:gradFill>
           <a:ln w="9360">
             <a:solidFill>
-              <a:srgbClr val="4A7EBB"/>
+              <a:srgbClr val="4a7ebb"/>
             </a:solidFill>
             <a:round/>
           </a:ln>
         </p:spPr>
         <p:style>
-          <a:lnRef idx="0">
-            <a:scrgbClr r="0" g="0" b="0"/>
-          </a:lnRef>
-          <a:fillRef idx="0">
-            <a:scrgbClr r="0" g="0" b="0"/>
-          </a:fillRef>
-          <a:effectRef idx="0">
-            <a:scrgbClr r="0" g="0" b="0"/>
-          </a:effectRef>
+          <a:lnRef idx="0"/>
+          <a:fillRef idx="0"/>
+          <a:effectRef idx="0"/>
           <a:fontRef idx="minor"/>
         </p:style>
         <p:txBody>
-          <a:bodyPr lIns="90000" tIns="45000" rIns="90000" bIns="45000"/>
-          <a:lstStyle/>
+          <a:bodyPr lIns="90000" rIns="90000" tIns="45000" bIns="45000"/>
           <a:p>
             <a:pPr algn="ctr">
               <a:lnSpc>
@@ -2079,7 +2046,7 @@
               </a:lnSpc>
             </a:pPr>
             <a:r>
-              <a:rPr lang="en-US" sz="2000" b="0" strike="noStrike" spc="-1">
+              <a:rPr b="0" lang="en-US" sz="2000" spc="-1" strike="noStrike">
                 <a:solidFill>
                   <a:srgbClr val="000000"/>
                 </a:solidFill>
@@ -2088,7 +2055,7 @@
               </a:rPr>
               <a:t>Intro</a:t>
             </a:r>
-            <a:endParaRPr lang="en-US" sz="2000" b="0" strike="noStrike" spc="-1">
+            <a:endParaRPr b="0" lang="en-US" sz="2000" spc="-1" strike="noStrike">
               <a:latin typeface="Arial"/>
             </a:endParaRPr>
           </a:p>
@@ -2099,7 +2066,7 @@
               </a:lnSpc>
             </a:pPr>
             <a:r>
-              <a:rPr lang="en-US" sz="1100" b="0" strike="noStrike" spc="-1">
+              <a:rPr b="0" lang="en-US" sz="1100" spc="-1" strike="noStrike">
                 <a:solidFill>
                   <a:srgbClr val="000000"/>
                 </a:solidFill>
@@ -2108,12 +2075,12 @@
               </a:rPr>
               <a:t>Chapter 1-4:</a:t>
             </a:r>
-            <a:endParaRPr lang="en-US" sz="1100" b="0" strike="noStrike" spc="-1">
-              <a:latin typeface="Arial"/>
-            </a:endParaRPr>
-          </a:p>
-          <a:p>
-            <a:pPr marL="171360" indent="-170640">
+            <a:endParaRPr b="0" lang="en-US" sz="1100" spc="-1" strike="noStrike">
+              <a:latin typeface="Arial"/>
+            </a:endParaRPr>
+          </a:p>
+          <a:p>
+            <a:pPr marL="171360" indent="-170280">
               <a:lnSpc>
                 <a:spcPct val="100000"/>
               </a:lnSpc>
@@ -2124,7 +2091,7 @@
               <a:buChar char="•"/>
             </a:pPr>
             <a:r>
-              <a:rPr lang="en-US" sz="1100" b="0" strike="noStrike" spc="-1">
+              <a:rPr b="0" lang="en-US" sz="1100" spc="-1" strike="noStrike">
                 <a:solidFill>
                   <a:srgbClr val="000000"/>
                 </a:solidFill>
@@ -2133,12 +2100,12 @@
               </a:rPr>
               <a:t>Basic Econ Concepts</a:t>
             </a:r>
-            <a:endParaRPr lang="en-US" sz="1100" b="0" strike="noStrike" spc="-1">
-              <a:latin typeface="Arial"/>
-            </a:endParaRPr>
-          </a:p>
-          <a:p>
-            <a:pPr marL="171360" indent="-170640">
+            <a:endParaRPr b="0" lang="en-US" sz="1100" spc="-1" strike="noStrike">
+              <a:latin typeface="Arial"/>
+            </a:endParaRPr>
+          </a:p>
+          <a:p>
+            <a:pPr marL="171360" indent="-170280">
               <a:lnSpc>
                 <a:spcPct val="100000"/>
               </a:lnSpc>
@@ -2149,7 +2116,7 @@
               <a:buChar char="•"/>
             </a:pPr>
             <a:r>
-              <a:rPr lang="en-US" sz="1100" b="0" strike="noStrike" spc="-1">
+              <a:rPr b="0" lang="en-US" sz="1100" spc="-1" strike="noStrike">
                 <a:solidFill>
                   <a:srgbClr val="000000"/>
                 </a:solidFill>
@@ -2158,12 +2125,12 @@
               </a:rPr>
               <a:t>Demand and supply</a:t>
             </a:r>
-            <a:endParaRPr lang="en-US" sz="1100" b="0" strike="noStrike" spc="-1">
-              <a:latin typeface="Arial"/>
-            </a:endParaRPr>
-          </a:p>
-          <a:p>
-            <a:pPr marL="171360" indent="-170640">
+            <a:endParaRPr b="0" lang="en-US" sz="1100" spc="-1" strike="noStrike">
+              <a:latin typeface="Arial"/>
+            </a:endParaRPr>
+          </a:p>
+          <a:p>
+            <a:pPr marL="171360" indent="-170280">
               <a:lnSpc>
                 <a:spcPct val="100000"/>
               </a:lnSpc>
@@ -2174,7 +2141,7 @@
               <a:buChar char="•"/>
             </a:pPr>
             <a:r>
-              <a:rPr lang="en-US" sz="1100" b="0" strike="noStrike" spc="-1">
+              <a:rPr b="0" lang="en-US" sz="1100" spc="-1" strike="noStrike">
                 <a:solidFill>
                   <a:srgbClr val="000000"/>
                 </a:solidFill>
@@ -2183,7 +2150,7 @@
               </a:rPr>
               <a:t>Equilibrium</a:t>
             </a:r>
-            <a:endParaRPr lang="en-US" sz="1100" b="0" strike="noStrike" spc="-1">
+            <a:endParaRPr b="0" lang="en-US" sz="1100" spc="-1" strike="noStrike">
               <a:latin typeface="Arial"/>
             </a:endParaRPr>
           </a:p>
@@ -2193,7 +2160,7 @@
                 <a:spcPct val="100000"/>
               </a:lnSpc>
             </a:pPr>
-            <a:endParaRPr lang="en-US" sz="1100" b="0" strike="noStrike" spc="-1">
+            <a:endParaRPr b="0" lang="en-US" sz="1100" spc="-1" strike="noStrike">
               <a:latin typeface="Arial"/>
             </a:endParaRPr>
           </a:p>
@@ -2208,7 +2175,7 @@
         <p:spPr>
           <a:xfrm>
             <a:off x="76680" y="4789440"/>
-            <a:ext cx="2742120" cy="987480"/>
+            <a:ext cx="2741760" cy="987120"/>
           </a:xfrm>
           <a:prstGeom prst="rect">
             <a:avLst/>
@@ -2216,36 +2183,29 @@
           <a:gradFill>
             <a:gsLst>
               <a:gs pos="0">
-                <a:srgbClr val="FFDED0"/>
+                <a:srgbClr val="ffded0"/>
               </a:gs>
               <a:gs pos="100000">
-                <a:srgbClr val="FFF1EC"/>
+                <a:srgbClr val="fff1ec"/>
               </a:gs>
             </a:gsLst>
             <a:lin ang="16200000"/>
           </a:gradFill>
           <a:ln w="9360">
             <a:solidFill>
-              <a:srgbClr val="F59240"/>
+              <a:srgbClr val="f59240"/>
             </a:solidFill>
             <a:round/>
           </a:ln>
         </p:spPr>
         <p:style>
-          <a:lnRef idx="0">
-            <a:scrgbClr r="0" g="0" b="0"/>
-          </a:lnRef>
-          <a:fillRef idx="0">
-            <a:scrgbClr r="0" g="0" b="0"/>
-          </a:fillRef>
-          <a:effectRef idx="0">
-            <a:scrgbClr r="0" g="0" b="0"/>
-          </a:effectRef>
+          <a:lnRef idx="0"/>
+          <a:fillRef idx="0"/>
+          <a:effectRef idx="0"/>
           <a:fontRef idx="minor"/>
         </p:style>
         <p:txBody>
-          <a:bodyPr lIns="90000" tIns="45000" rIns="90000" bIns="45000"/>
-          <a:lstStyle/>
+          <a:bodyPr lIns="90000" rIns="90000" tIns="45000" bIns="45000"/>
           <a:p>
             <a:pPr algn="ctr">
               <a:lnSpc>
@@ -2253,7 +2213,7 @@
               </a:lnSpc>
             </a:pPr>
             <a:r>
-              <a:rPr lang="en-US" sz="1800" b="0" strike="noStrike" spc="-1">
+              <a:rPr b="0" lang="en-US" sz="1800" spc="-1" strike="noStrike">
                 <a:solidFill>
                   <a:srgbClr val="000000"/>
                 </a:solidFill>
@@ -2262,7 +2222,7 @@
               </a:rPr>
               <a:t>Unemployment</a:t>
             </a:r>
-            <a:endParaRPr lang="en-US" sz="1800" b="0" strike="noStrike" spc="-1">
+            <a:endParaRPr b="0" lang="en-US" sz="1800" spc="-1" strike="noStrike">
               <a:latin typeface="Arial"/>
             </a:endParaRPr>
           </a:p>
@@ -2273,7 +2233,7 @@
               </a:lnSpc>
             </a:pPr>
             <a:r>
-              <a:rPr lang="en-US" sz="1200" b="0" strike="noStrike" spc="-1" dirty="0">
+              <a:rPr b="0" lang="en-US" sz="1100" spc="-1" strike="noStrike">
                 <a:solidFill>
                   <a:srgbClr val="000000"/>
                 </a:solidFill>
@@ -2282,12 +2242,12 @@
               </a:rPr>
               <a:t>Chapter 6:</a:t>
             </a:r>
-            <a:endParaRPr lang="en-US" sz="1200" b="0" strike="noStrike" spc="-1" dirty="0">
-              <a:latin typeface="Arial"/>
-            </a:endParaRPr>
-          </a:p>
-          <a:p>
-            <a:pPr marL="216000" indent="-215640">
+            <a:endParaRPr b="0" lang="en-US" sz="1100" spc="-1" strike="noStrike">
+              <a:latin typeface="Arial"/>
+            </a:endParaRPr>
+          </a:p>
+          <a:p>
+            <a:pPr marL="216000" indent="-215280">
               <a:lnSpc>
                 <a:spcPct val="100000"/>
               </a:lnSpc>
@@ -2299,7 +2259,7 @@
               <a:buChar char=""/>
             </a:pPr>
             <a:r>
-              <a:rPr lang="en-US" sz="1200" b="0" strike="noStrike" spc="-1" dirty="0">
+              <a:rPr b="0" lang="en-US" sz="1050" spc="-1" strike="noStrike">
                 <a:solidFill>
                   <a:srgbClr val="000000"/>
                 </a:solidFill>
@@ -2308,12 +2268,12 @@
               </a:rPr>
               <a:t>Unemployment definitions</a:t>
             </a:r>
-            <a:endParaRPr lang="en-US" sz="1200" b="0" strike="noStrike" spc="-1" dirty="0">
-              <a:latin typeface="Arial"/>
-            </a:endParaRPr>
-          </a:p>
-          <a:p>
-            <a:pPr marL="216000" indent="-215640">
+            <a:endParaRPr b="0" lang="en-US" sz="1050" spc="-1" strike="noStrike">
+              <a:latin typeface="Arial"/>
+            </a:endParaRPr>
+          </a:p>
+          <a:p>
+            <a:pPr marL="216000" indent="-215280">
               <a:lnSpc>
                 <a:spcPct val="100000"/>
               </a:lnSpc>
@@ -2325,7 +2285,7 @@
               <a:buChar char=""/>
             </a:pPr>
             <a:r>
-              <a:rPr lang="en-US" sz="1200" b="0" strike="noStrike" spc="-1" dirty="0">
+              <a:rPr b="0" lang="en-US" sz="1050" spc="-1" strike="noStrike">
                 <a:solidFill>
                   <a:srgbClr val="000000"/>
                 </a:solidFill>
@@ -2334,7 +2294,7 @@
               </a:rPr>
               <a:t>Inflation</a:t>
             </a:r>
-            <a:endParaRPr lang="en-US" sz="1200" b="0" strike="noStrike" spc="-1" dirty="0">
+            <a:endParaRPr b="0" lang="en-US" sz="1050" spc="-1" strike="noStrike">
               <a:latin typeface="Arial"/>
             </a:endParaRPr>
           </a:p>
@@ -2344,7 +2304,7 @@
                 <a:spcPct val="100000"/>
               </a:lnSpc>
             </a:pPr>
-            <a:endParaRPr lang="en-US" sz="1200" b="0" strike="noStrike" spc="-1" dirty="0">
+            <a:endParaRPr b="0" lang="en-US" sz="1050" spc="-1" strike="noStrike">
               <a:latin typeface="Arial"/>
             </a:endParaRPr>
           </a:p>
@@ -2359,7 +2319,7 @@
         <p:spPr>
           <a:xfrm>
             <a:off x="81720" y="2554560"/>
-            <a:ext cx="2742120" cy="1033920"/>
+            <a:ext cx="2741760" cy="1033560"/>
           </a:xfrm>
           <a:prstGeom prst="rect">
             <a:avLst/>
@@ -2367,36 +2327,29 @@
           <a:gradFill>
             <a:gsLst>
               <a:gs pos="0">
-                <a:srgbClr val="BFD4FE"/>
+                <a:srgbClr val="bfd4fe"/>
               </a:gs>
               <a:gs pos="100000">
-                <a:srgbClr val="E5EFFF"/>
+                <a:srgbClr val="e5efff"/>
               </a:gs>
             </a:gsLst>
             <a:lin ang="16200000"/>
           </a:gradFill>
           <a:ln w="9360">
             <a:solidFill>
-              <a:srgbClr val="4A7EBB"/>
+              <a:srgbClr val="4a7ebb"/>
             </a:solidFill>
             <a:round/>
           </a:ln>
         </p:spPr>
         <p:style>
-          <a:lnRef idx="0">
-            <a:scrgbClr r="0" g="0" b="0"/>
-          </a:lnRef>
-          <a:fillRef idx="0">
-            <a:scrgbClr r="0" g="0" b="0"/>
-          </a:fillRef>
-          <a:effectRef idx="0">
-            <a:scrgbClr r="0" g="0" b="0"/>
-          </a:effectRef>
+          <a:lnRef idx="0"/>
+          <a:fillRef idx="0"/>
+          <a:effectRef idx="0"/>
           <a:fontRef idx="minor"/>
         </p:style>
         <p:txBody>
-          <a:bodyPr lIns="90000" tIns="45000" rIns="90000" bIns="45000"/>
-          <a:lstStyle/>
+          <a:bodyPr lIns="90000" rIns="90000" tIns="45000" bIns="45000"/>
           <a:p>
             <a:pPr algn="ctr">
               <a:lnSpc>
@@ -2404,7 +2357,7 @@
               </a:lnSpc>
             </a:pPr>
             <a:r>
-              <a:rPr lang="en-US" sz="2000" b="0" strike="noStrike" spc="-1">
+              <a:rPr b="0" lang="en-US" sz="2000" spc="-1" strike="noStrike">
                 <a:solidFill>
                   <a:srgbClr val="000000"/>
                 </a:solidFill>
@@ -2413,7 +2366,7 @@
               </a:rPr>
               <a:t>Measuring</a:t>
             </a:r>
-            <a:endParaRPr lang="en-US" sz="2000" b="0" strike="noStrike" spc="-1">
+            <a:endParaRPr b="0" lang="en-US" sz="2000" spc="-1" strike="noStrike">
               <a:latin typeface="Arial"/>
             </a:endParaRPr>
           </a:p>
@@ -2424,7 +2377,7 @@
               </a:lnSpc>
             </a:pPr>
             <a:r>
-              <a:rPr lang="en-US" sz="1100" b="0" strike="noStrike" spc="-1">
+              <a:rPr b="0" lang="en-US" sz="1100" spc="-1" strike="noStrike">
                 <a:solidFill>
                   <a:srgbClr val="000000"/>
                 </a:solidFill>
@@ -2433,12 +2386,12 @@
               </a:rPr>
               <a:t>Chapter 5:</a:t>
             </a:r>
-            <a:endParaRPr lang="en-US" sz="1100" b="0" strike="noStrike" spc="-1">
-              <a:latin typeface="Arial"/>
-            </a:endParaRPr>
-          </a:p>
-          <a:p>
-            <a:pPr marL="171360" indent="-170640">
+            <a:endParaRPr b="0" lang="en-US" sz="1100" spc="-1" strike="noStrike">
+              <a:latin typeface="Arial"/>
+            </a:endParaRPr>
+          </a:p>
+          <a:p>
+            <a:pPr marL="171360" indent="-170280">
               <a:lnSpc>
                 <a:spcPct val="100000"/>
               </a:lnSpc>
@@ -2449,7 +2402,7 @@
               <a:buChar char="•"/>
             </a:pPr>
             <a:r>
-              <a:rPr lang="en-US" sz="1100" b="0" strike="noStrike" spc="-1">
+              <a:rPr b="0" lang="en-US" sz="1100" spc="-1" strike="noStrike">
                 <a:solidFill>
                   <a:srgbClr val="000000"/>
                 </a:solidFill>
@@ -2458,12 +2411,12 @@
               </a:rPr>
               <a:t>GDP, GNP, Inflation</a:t>
             </a:r>
-            <a:endParaRPr lang="en-US" sz="1100" b="0" strike="noStrike" spc="-1">
-              <a:latin typeface="Arial"/>
-            </a:endParaRPr>
-          </a:p>
-          <a:p>
-            <a:pPr marL="171360" indent="-170640">
+            <a:endParaRPr b="0" lang="en-US" sz="1100" spc="-1" strike="noStrike">
+              <a:latin typeface="Arial"/>
+            </a:endParaRPr>
+          </a:p>
+          <a:p>
+            <a:pPr marL="171360" indent="-170280">
               <a:lnSpc>
                 <a:spcPct val="100000"/>
               </a:lnSpc>
@@ -2474,7 +2427,7 @@
               <a:buChar char="•"/>
             </a:pPr>
             <a:r>
-              <a:rPr lang="en-US" sz="1100" b="0" strike="noStrike" spc="-1">
+              <a:rPr b="0" lang="en-US" sz="1100" spc="-1" strike="noStrike">
                 <a:solidFill>
                   <a:srgbClr val="000000"/>
                 </a:solidFill>
@@ -2483,12 +2436,12 @@
               </a:rPr>
               <a:t>Measurements</a:t>
             </a:r>
-            <a:endParaRPr lang="en-US" sz="1100" b="0" strike="noStrike" spc="-1">
-              <a:latin typeface="Arial"/>
-            </a:endParaRPr>
-          </a:p>
-          <a:p>
-            <a:pPr marL="171360" indent="-170640">
+            <a:endParaRPr b="0" lang="en-US" sz="1100" spc="-1" strike="noStrike">
+              <a:latin typeface="Arial"/>
+            </a:endParaRPr>
+          </a:p>
+          <a:p>
+            <a:pPr marL="171360" indent="-170280">
               <a:lnSpc>
                 <a:spcPct val="100000"/>
               </a:lnSpc>
@@ -2499,7 +2452,7 @@
               <a:buChar char="•"/>
             </a:pPr>
             <a:r>
-              <a:rPr lang="en-US" sz="1100" b="0" strike="noStrike" spc="-1">
+              <a:rPr b="0" lang="en-US" sz="1100" spc="-1" strike="noStrike">
                 <a:solidFill>
                   <a:srgbClr val="000000"/>
                 </a:solidFill>
@@ -2508,7 +2461,7 @@
               </a:rPr>
               <a:t>Accounting</a:t>
             </a:r>
-            <a:endParaRPr lang="en-US" sz="1100" b="0" strike="noStrike" spc="-1">
+            <a:endParaRPr b="0" lang="en-US" sz="1100" spc="-1" strike="noStrike">
               <a:latin typeface="Arial"/>
             </a:endParaRPr>
           </a:p>
@@ -2523,7 +2476,7 @@
         <p:spPr>
           <a:xfrm>
             <a:off x="76320" y="838080"/>
-            <a:ext cx="2742120" cy="547920"/>
+            <a:ext cx="2741760" cy="547560"/>
           </a:xfrm>
           <a:prstGeom prst="rect">
             <a:avLst/>
@@ -2531,36 +2484,29 @@
           <a:gradFill>
             <a:gsLst>
               <a:gs pos="0">
-                <a:srgbClr val="BFD4FE"/>
+                <a:srgbClr val="bfd4fe"/>
               </a:gs>
               <a:gs pos="100000">
-                <a:srgbClr val="E5EFFF"/>
+                <a:srgbClr val="e5efff"/>
               </a:gs>
             </a:gsLst>
             <a:lin ang="16200000"/>
           </a:gradFill>
           <a:ln w="9360">
             <a:solidFill>
-              <a:srgbClr val="4A7EBB"/>
+              <a:srgbClr val="4a7ebb"/>
             </a:solidFill>
             <a:round/>
           </a:ln>
         </p:spPr>
         <p:style>
-          <a:lnRef idx="0">
-            <a:scrgbClr r="0" g="0" b="0"/>
-          </a:lnRef>
-          <a:fillRef idx="0">
-            <a:scrgbClr r="0" g="0" b="0"/>
-          </a:fillRef>
-          <a:effectRef idx="0">
-            <a:scrgbClr r="0" g="0" b="0"/>
-          </a:effectRef>
+          <a:lnRef idx="0"/>
+          <a:fillRef idx="0"/>
+          <a:effectRef idx="0"/>
           <a:fontRef idx="minor"/>
         </p:style>
         <p:txBody>
-          <a:bodyPr lIns="90000" tIns="45000" rIns="90000" bIns="45000"/>
-          <a:lstStyle/>
+          <a:bodyPr lIns="90000" rIns="90000" tIns="45000" bIns="45000"/>
           <a:p>
             <a:pPr algn="ctr">
               <a:lnSpc>
@@ -2568,7 +2514,7 @@
               </a:lnSpc>
             </a:pPr>
             <a:r>
-              <a:rPr lang="en-US" sz="2200" b="0" strike="noStrike" spc="-1">
+              <a:rPr b="0" lang="en-US" sz="2200" spc="-1" strike="noStrike">
                 <a:solidFill>
                   <a:srgbClr val="000000"/>
                 </a:solidFill>
@@ -2577,7 +2523,7 @@
               </a:rPr>
               <a:t>Focus: Midterm 1</a:t>
             </a:r>
-            <a:endParaRPr lang="en-US" sz="2200" b="0" strike="noStrike" spc="-1">
+            <a:endParaRPr b="0" lang="en-US" sz="2200" spc="-1" strike="noStrike">
               <a:latin typeface="Arial"/>
             </a:endParaRPr>
           </a:p>
@@ -2592,7 +2538,7 @@
         <p:spPr>
           <a:xfrm>
             <a:off x="3045600" y="4511520"/>
-            <a:ext cx="2894400" cy="865800"/>
+            <a:ext cx="2894040" cy="865440"/>
           </a:xfrm>
           <a:prstGeom prst="rect">
             <a:avLst/>
@@ -2600,521 +2546,10 @@
           <a:gradFill>
             <a:gsLst>
               <a:gs pos="0">
-                <a:srgbClr val="FFDED0"/>
+                <a:srgbClr val="d0d0d0"/>
               </a:gs>
               <a:gs pos="100000">
-                <a:srgbClr val="FFF1EC"/>
-              </a:gs>
-            </a:gsLst>
-            <a:lin ang="16200000"/>
-          </a:gradFill>
-          <a:ln w="9360">
-            <a:solidFill>
-              <a:srgbClr val="F59240"/>
-            </a:solidFill>
-            <a:round/>
-          </a:ln>
-        </p:spPr>
-        <p:style>
-          <a:lnRef idx="0">
-            <a:scrgbClr r="0" g="0" b="0"/>
-          </a:lnRef>
-          <a:fillRef idx="0">
-            <a:scrgbClr r="0" g="0" b="0"/>
-          </a:fillRef>
-          <a:effectRef idx="0">
-            <a:scrgbClr r="0" g="0" b="0"/>
-          </a:effectRef>
-          <a:fontRef idx="minor"/>
-        </p:style>
-        <p:txBody>
-          <a:bodyPr lIns="90000" tIns="45000" rIns="90000" bIns="45000"/>
-          <a:lstStyle/>
-          <a:p>
-            <a:pPr algn="ctr">
-              <a:lnSpc>
-                <a:spcPct val="100000"/>
-              </a:lnSpc>
-            </a:pPr>
-            <a:r>
-              <a:rPr lang="en-US" sz="1800" b="0" strike="noStrike" spc="-1">
-                <a:solidFill>
-                  <a:srgbClr val="000000"/>
-                </a:solidFill>
-                <a:latin typeface="Calibri"/>
-                <a:ea typeface="DejaVu Sans"/>
-              </a:rPr>
-              <a:t>Fiscal Policy</a:t>
-            </a:r>
-            <a:endParaRPr lang="en-US" sz="1800" b="0" strike="noStrike" spc="-1">
-              <a:latin typeface="Arial"/>
-            </a:endParaRPr>
-          </a:p>
-          <a:p>
-            <a:pPr>
-              <a:lnSpc>
-                <a:spcPct val="100000"/>
-              </a:lnSpc>
-            </a:pPr>
-            <a:r>
-              <a:rPr lang="en-US" sz="1100" b="0" strike="noStrike" spc="-1">
-                <a:solidFill>
-                  <a:srgbClr val="000000"/>
-                </a:solidFill>
-                <a:latin typeface="Calibri"/>
-                <a:ea typeface="DejaVu Sans"/>
-              </a:rPr>
-              <a:t>Chapter 10:</a:t>
-            </a:r>
-            <a:endParaRPr lang="en-US" sz="1100" b="0" strike="noStrike" spc="-1">
-              <a:latin typeface="Arial"/>
-            </a:endParaRPr>
-          </a:p>
-          <a:p>
-            <a:pPr marL="285840" indent="-285120">
-              <a:lnSpc>
-                <a:spcPct val="100000"/>
-              </a:lnSpc>
-              <a:buClr>
-                <a:srgbClr val="000000"/>
-              </a:buClr>
-              <a:buFont typeface="Arial"/>
-              <a:buChar char="•"/>
-            </a:pPr>
-            <a:r>
-              <a:rPr lang="en-US" sz="1200" b="0" strike="noStrike" spc="-1">
-                <a:solidFill>
-                  <a:srgbClr val="000000"/>
-                </a:solidFill>
-                <a:latin typeface="Calibri"/>
-                <a:ea typeface="DejaVu Sans"/>
-              </a:rPr>
-              <a:t>Fiscal multiplier</a:t>
-            </a:r>
-            <a:endParaRPr lang="en-US" sz="1200" b="0" strike="noStrike" spc="-1">
-              <a:latin typeface="Arial"/>
-            </a:endParaRPr>
-          </a:p>
-          <a:p>
-            <a:pPr marL="285840" indent="-285120">
-              <a:lnSpc>
-                <a:spcPct val="100000"/>
-              </a:lnSpc>
-              <a:buClr>
-                <a:srgbClr val="000000"/>
-              </a:buClr>
-              <a:buFont typeface="Arial"/>
-              <a:buChar char="•"/>
-            </a:pPr>
-            <a:r>
-              <a:rPr lang="en-US" sz="1200" b="0" strike="noStrike" spc="-1">
-                <a:solidFill>
-                  <a:srgbClr val="000000"/>
-                </a:solidFill>
-                <a:latin typeface="Calibri"/>
-                <a:ea typeface="DejaVu Sans"/>
-              </a:rPr>
-              <a:t>Federal budget </a:t>
-            </a:r>
-            <a:endParaRPr lang="en-US" sz="1200" b="0" strike="noStrike" spc="-1">
-              <a:latin typeface="Arial"/>
-            </a:endParaRPr>
-          </a:p>
-        </p:txBody>
-      </p:sp>
-      <p:sp>
-        <p:nvSpPr>
-          <p:cNvPr id="48" name="CustomShape 7"/>
-          <p:cNvSpPr/>
-          <p:nvPr/>
-        </p:nvSpPr>
-        <p:spPr>
-          <a:xfrm>
-            <a:off x="3045600" y="3552120"/>
-            <a:ext cx="2894400" cy="914040"/>
-          </a:xfrm>
-          <a:prstGeom prst="rect">
-            <a:avLst/>
-          </a:prstGeom>
-          <a:gradFill>
-            <a:gsLst>
-              <a:gs pos="0">
-                <a:srgbClr val="FFDED0"/>
-              </a:gs>
-              <a:gs pos="100000">
-                <a:srgbClr val="FFF1EC"/>
-              </a:gs>
-            </a:gsLst>
-            <a:lin ang="16200000"/>
-          </a:gradFill>
-          <a:ln w="9360">
-            <a:solidFill>
-              <a:srgbClr val="F59240"/>
-            </a:solidFill>
-            <a:round/>
-          </a:ln>
-        </p:spPr>
-        <p:style>
-          <a:lnRef idx="0">
-            <a:scrgbClr r="0" g="0" b="0"/>
-          </a:lnRef>
-          <a:fillRef idx="0">
-            <a:scrgbClr r="0" g="0" b="0"/>
-          </a:fillRef>
-          <a:effectRef idx="0">
-            <a:scrgbClr r="0" g="0" b="0"/>
-          </a:effectRef>
-          <a:fontRef idx="minor"/>
-        </p:style>
-        <p:txBody>
-          <a:bodyPr lIns="90000" tIns="45000" rIns="90000" bIns="45000"/>
-          <a:lstStyle/>
-          <a:p>
-            <a:pPr algn="ctr">
-              <a:lnSpc>
-                <a:spcPct val="100000"/>
-              </a:lnSpc>
-            </a:pPr>
-            <a:r>
-              <a:rPr lang="en-US" b="0" strike="noStrike" spc="-1" dirty="0">
-                <a:solidFill>
-                  <a:srgbClr val="000000"/>
-                </a:solidFill>
-                <a:latin typeface="Calibri"/>
-                <a:ea typeface="DejaVu Sans"/>
-              </a:rPr>
-              <a:t>Aggregate D &amp; S</a:t>
-            </a:r>
-            <a:endParaRPr lang="en-US" b="0" strike="noStrike" spc="-1" dirty="0">
-              <a:latin typeface="Arial"/>
-            </a:endParaRPr>
-          </a:p>
-          <a:p>
-            <a:pPr>
-              <a:lnSpc>
-                <a:spcPct val="100000"/>
-              </a:lnSpc>
-            </a:pPr>
-            <a:r>
-              <a:rPr lang="en-US" sz="1100" b="0" strike="noStrike" spc="-1" dirty="0">
-                <a:solidFill>
-                  <a:srgbClr val="000000"/>
-                </a:solidFill>
-                <a:latin typeface="Calibri"/>
-                <a:ea typeface="DejaVu Sans"/>
-              </a:rPr>
-              <a:t>Chapter 9:</a:t>
-            </a:r>
-            <a:endParaRPr lang="en-US" sz="1100" b="0" strike="noStrike" spc="-1" dirty="0">
-              <a:latin typeface="Arial"/>
-            </a:endParaRPr>
-          </a:p>
-          <a:p>
-            <a:pPr marL="171360" indent="-170640">
-              <a:lnSpc>
-                <a:spcPct val="100000"/>
-              </a:lnSpc>
-              <a:buClr>
-                <a:srgbClr val="000000"/>
-              </a:buClr>
-              <a:buFont typeface="Arial"/>
-              <a:buChar char="•"/>
-            </a:pPr>
-            <a:r>
-              <a:rPr lang="en-US" sz="1100" b="0" strike="noStrike" spc="-1" dirty="0">
-                <a:solidFill>
-                  <a:srgbClr val="000000"/>
-                </a:solidFill>
-                <a:latin typeface="Calibri"/>
-                <a:ea typeface="DejaVu Sans"/>
-              </a:rPr>
-              <a:t>Sticky prices (short-run)</a:t>
-            </a:r>
-            <a:endParaRPr lang="en-US" sz="1100" b="0" strike="noStrike" spc="-1" dirty="0">
-              <a:latin typeface="Arial"/>
-            </a:endParaRPr>
-          </a:p>
-          <a:p>
-            <a:pPr marL="171360" indent="-170640">
-              <a:lnSpc>
-                <a:spcPct val="100000"/>
-              </a:lnSpc>
-              <a:buClr>
-                <a:srgbClr val="000000"/>
-              </a:buClr>
-              <a:buFont typeface="Arial"/>
-              <a:buChar char="•"/>
-            </a:pPr>
-            <a:r>
-              <a:rPr lang="en-US" sz="1100" b="0" strike="noStrike" spc="-1" dirty="0">
-                <a:solidFill>
-                  <a:srgbClr val="000000"/>
-                </a:solidFill>
-                <a:latin typeface="Calibri"/>
-                <a:ea typeface="DejaVu Sans"/>
-              </a:rPr>
-              <a:t>Shifts in AD and AS</a:t>
-            </a:r>
-            <a:endParaRPr lang="en-US" sz="1100" b="0" strike="noStrike" spc="-1" dirty="0">
-              <a:latin typeface="Arial"/>
-            </a:endParaRPr>
-          </a:p>
-        </p:txBody>
-      </p:sp>
-      <p:sp>
-        <p:nvSpPr>
-          <p:cNvPr id="49" name="CustomShape 8"/>
-          <p:cNvSpPr/>
-          <p:nvPr/>
-        </p:nvSpPr>
-        <p:spPr>
-          <a:xfrm>
-            <a:off x="3042360" y="2509560"/>
-            <a:ext cx="2894400" cy="1004400"/>
-          </a:xfrm>
-          <a:prstGeom prst="rect">
-            <a:avLst/>
-          </a:prstGeom>
-          <a:gradFill>
-            <a:gsLst>
-              <a:gs pos="0">
-                <a:srgbClr val="FFDED0"/>
-              </a:gs>
-              <a:gs pos="100000">
-                <a:srgbClr val="FFF1EC"/>
-              </a:gs>
-            </a:gsLst>
-            <a:lin ang="16200000"/>
-          </a:gradFill>
-          <a:ln w="9360">
-            <a:solidFill>
-              <a:srgbClr val="F59240"/>
-            </a:solidFill>
-            <a:round/>
-          </a:ln>
-        </p:spPr>
-        <p:style>
-          <a:lnRef idx="0">
-            <a:scrgbClr r="0" g="0" b="0"/>
-          </a:lnRef>
-          <a:fillRef idx="0">
-            <a:scrgbClr r="0" g="0" b="0"/>
-          </a:fillRef>
-          <a:effectRef idx="0">
-            <a:scrgbClr r="0" g="0" b="0"/>
-          </a:effectRef>
-          <a:fontRef idx="minor"/>
-        </p:style>
-        <p:txBody>
-          <a:bodyPr lIns="90000" tIns="45000" rIns="90000" bIns="45000"/>
-          <a:lstStyle/>
-          <a:p>
-            <a:pPr algn="ctr">
-              <a:lnSpc>
-                <a:spcPct val="100000"/>
-              </a:lnSpc>
-            </a:pPr>
-            <a:r>
-              <a:rPr lang="en-US" b="0" strike="noStrike" spc="-1" dirty="0">
-                <a:solidFill>
-                  <a:srgbClr val="000000"/>
-                </a:solidFill>
-                <a:latin typeface="Calibri"/>
-                <a:ea typeface="DejaVu Sans"/>
-              </a:rPr>
-              <a:t>Growth</a:t>
-            </a:r>
-            <a:endParaRPr lang="en-US" b="0" strike="noStrike" spc="-1" dirty="0">
-              <a:latin typeface="Arial"/>
-            </a:endParaRPr>
-          </a:p>
-          <a:p>
-            <a:pPr>
-              <a:lnSpc>
-                <a:spcPct val="100000"/>
-              </a:lnSpc>
-            </a:pPr>
-            <a:r>
-              <a:rPr lang="en-US" sz="1100" b="0" strike="noStrike" spc="-1" dirty="0">
-                <a:solidFill>
-                  <a:srgbClr val="000000"/>
-                </a:solidFill>
-                <a:latin typeface="Calibri"/>
-                <a:ea typeface="DejaVu Sans"/>
-              </a:rPr>
-              <a:t>Chapter 8:</a:t>
-            </a:r>
-            <a:endParaRPr lang="en-US" sz="1100" b="0" strike="noStrike" spc="-1" dirty="0">
-              <a:latin typeface="Arial"/>
-            </a:endParaRPr>
-          </a:p>
-          <a:p>
-            <a:pPr marL="171360" indent="-170640">
-              <a:lnSpc>
-                <a:spcPct val="100000"/>
-              </a:lnSpc>
-              <a:buClr>
-                <a:srgbClr val="000000"/>
-              </a:buClr>
-              <a:buFont typeface="Arial"/>
-              <a:buChar char="•"/>
-            </a:pPr>
-            <a:r>
-              <a:rPr lang="en-US" sz="1100" b="0" strike="noStrike" spc="-1" dirty="0">
-                <a:solidFill>
-                  <a:srgbClr val="000000"/>
-                </a:solidFill>
-                <a:latin typeface="Calibri"/>
-                <a:ea typeface="DejaVu Sans"/>
-              </a:rPr>
-              <a:t>Growth rates</a:t>
-            </a:r>
-            <a:endParaRPr lang="en-US" sz="1100" b="0" strike="noStrike" spc="-1" dirty="0">
-              <a:latin typeface="Arial"/>
-            </a:endParaRPr>
-          </a:p>
-          <a:p>
-            <a:pPr marL="171360" indent="-170640">
-              <a:lnSpc>
-                <a:spcPct val="100000"/>
-              </a:lnSpc>
-              <a:buClr>
-                <a:srgbClr val="000000"/>
-              </a:buClr>
-              <a:buFont typeface="Arial"/>
-              <a:buChar char="•"/>
-            </a:pPr>
-            <a:r>
-              <a:rPr lang="en-US" sz="1100" b="0" strike="noStrike" spc="-1" dirty="0">
-                <a:solidFill>
-                  <a:srgbClr val="000000"/>
-                </a:solidFill>
-                <a:latin typeface="Calibri"/>
-                <a:ea typeface="DejaVu Sans"/>
-              </a:rPr>
-              <a:t>Capital deepening</a:t>
-            </a:r>
-            <a:endParaRPr lang="en-US" sz="1100" b="0" strike="noStrike" spc="-1" dirty="0">
-              <a:latin typeface="Arial"/>
-            </a:endParaRPr>
-          </a:p>
-          <a:p>
-            <a:pPr marL="171360" indent="-170640">
-              <a:lnSpc>
-                <a:spcPct val="100000"/>
-              </a:lnSpc>
-              <a:buClr>
-                <a:srgbClr val="000000"/>
-              </a:buClr>
-              <a:buFont typeface="Arial"/>
-              <a:buChar char="•"/>
-            </a:pPr>
-            <a:r>
-              <a:rPr lang="en-US" sz="1100" b="0" strike="noStrike" spc="-1" dirty="0">
-                <a:solidFill>
-                  <a:srgbClr val="000000"/>
-                </a:solidFill>
-                <a:latin typeface="Calibri"/>
-                <a:ea typeface="DejaVu Sans"/>
-              </a:rPr>
-              <a:t>Solow growth model</a:t>
-            </a:r>
-            <a:endParaRPr lang="en-US" sz="1100" b="0" strike="noStrike" spc="-1" dirty="0">
-              <a:latin typeface="Arial"/>
-            </a:endParaRPr>
-          </a:p>
-        </p:txBody>
-      </p:sp>
-      <p:sp>
-        <p:nvSpPr>
-          <p:cNvPr id="50" name="CustomShape 9"/>
-          <p:cNvSpPr/>
-          <p:nvPr/>
-        </p:nvSpPr>
-        <p:spPr>
-          <a:xfrm>
-            <a:off x="3036240" y="838080"/>
-            <a:ext cx="2906280" cy="547920"/>
-          </a:xfrm>
-          <a:prstGeom prst="rect">
-            <a:avLst/>
-          </a:prstGeom>
-          <a:gradFill>
-            <a:gsLst>
-              <a:gs pos="0">
-                <a:srgbClr val="FFDED0"/>
-              </a:gs>
-              <a:gs pos="100000">
-                <a:srgbClr val="FFF1EC"/>
-              </a:gs>
-            </a:gsLst>
-            <a:lin ang="16200000"/>
-          </a:gradFill>
-          <a:ln w="9360">
-            <a:solidFill>
-              <a:srgbClr val="F59240"/>
-            </a:solidFill>
-            <a:round/>
-          </a:ln>
-        </p:spPr>
-        <p:style>
-          <a:lnRef idx="0">
-            <a:scrgbClr r="0" g="0" b="0"/>
-          </a:lnRef>
-          <a:fillRef idx="0">
-            <a:scrgbClr r="0" g="0" b="0"/>
-          </a:fillRef>
-          <a:effectRef idx="0">
-            <a:scrgbClr r="0" g="0" b="0"/>
-          </a:effectRef>
-          <a:fontRef idx="minor"/>
-        </p:style>
-        <p:txBody>
-          <a:bodyPr lIns="90000" tIns="45000" rIns="90000" bIns="45000"/>
-          <a:lstStyle/>
-          <a:p>
-            <a:pPr algn="ctr">
-              <a:lnSpc>
-                <a:spcPct val="100000"/>
-              </a:lnSpc>
-            </a:pPr>
-            <a:r>
-              <a:rPr lang="en-US" sz="2200" b="0" strike="noStrike" spc="-1">
-                <a:solidFill>
-                  <a:srgbClr val="000000"/>
-                </a:solidFill>
-                <a:latin typeface="Calibri"/>
-                <a:ea typeface="DejaVu Sans"/>
-              </a:rPr>
-              <a:t>Focus: Midterm 2</a:t>
-            </a:r>
-            <a:endParaRPr lang="en-US" sz="2200" b="0" strike="noStrike" spc="-1">
-              <a:latin typeface="Arial"/>
-            </a:endParaRPr>
-          </a:p>
-        </p:txBody>
-      </p:sp>
-      <p:sp>
-        <p:nvSpPr>
-          <p:cNvPr id="51" name="CustomShape 10"/>
-          <p:cNvSpPr/>
-          <p:nvPr/>
-        </p:nvSpPr>
-        <p:spPr>
-          <a:xfrm>
-            <a:off x="6083640" y="839160"/>
-            <a:ext cx="2830680" cy="546840"/>
-          </a:xfrm>
-          <a:prstGeom prst="rect">
-            <a:avLst/>
-          </a:prstGeom>
-          <a:gradFill>
-            <a:gsLst>
-              <a:gs pos="0">
-                <a:srgbClr val="D0D0D0"/>
-              </a:gs>
-              <a:gs pos="100000">
-                <a:srgbClr val="EDEDED"/>
+                <a:srgbClr val="ededed"/>
               </a:gs>
             </a:gsLst>
             <a:lin ang="16200000"/>
@@ -3127,20 +2562,13 @@
           </a:ln>
         </p:spPr>
         <p:style>
-          <a:lnRef idx="0">
-            <a:scrgbClr r="0" g="0" b="0"/>
-          </a:lnRef>
-          <a:fillRef idx="0">
-            <a:scrgbClr r="0" g="0" b="0"/>
-          </a:fillRef>
-          <a:effectRef idx="0">
-            <a:scrgbClr r="0" g="0" b="0"/>
-          </a:effectRef>
+          <a:lnRef idx="0"/>
+          <a:fillRef idx="0"/>
+          <a:effectRef idx="0"/>
           <a:fontRef idx="minor"/>
         </p:style>
         <p:txBody>
-          <a:bodyPr lIns="90000" tIns="45000" rIns="90000" bIns="45000"/>
-          <a:lstStyle/>
+          <a:bodyPr lIns="90000" rIns="90000" tIns="45000" bIns="45000"/>
           <a:p>
             <a:pPr algn="ctr">
               <a:lnSpc>
@@ -3148,7 +2576,477 @@
               </a:lnSpc>
             </a:pPr>
             <a:r>
-              <a:rPr lang="en-US" sz="2200" b="0" strike="noStrike" spc="-1">
+              <a:rPr b="1" lang="en-US" sz="1400" spc="-1" strike="noStrike">
+                <a:latin typeface="Arial"/>
+              </a:rPr>
+              <a:t>Fiscal Policy</a:t>
+            </a:r>
+            <a:endParaRPr b="0" lang="en-US" sz="1400" spc="-1" strike="noStrike">
+              <a:latin typeface="Arial"/>
+              <a:ea typeface="Microsoft YaHei"/>
+            </a:endParaRPr>
+          </a:p>
+          <a:p>
+            <a:pPr>
+              <a:lnSpc>
+                <a:spcPct val="100000"/>
+              </a:lnSpc>
+            </a:pPr>
+            <a:r>
+              <a:rPr b="0" lang="en-US" sz="1200" spc="-1" strike="noStrike">
+                <a:latin typeface="Arial"/>
+              </a:rPr>
+              <a:t>Chapter 10:</a:t>
+            </a:r>
+            <a:endParaRPr b="0" lang="en-US" sz="1200" spc="-1" strike="noStrike">
+              <a:latin typeface="Arial"/>
+              <a:ea typeface="Microsoft YaHei"/>
+            </a:endParaRPr>
+          </a:p>
+          <a:p>
+            <a:pPr marL="216000" indent="-216000">
+              <a:lnSpc>
+                <a:spcPct val="100000"/>
+              </a:lnSpc>
+              <a:buClr>
+                <a:srgbClr val="000000"/>
+              </a:buClr>
+              <a:buSzPct val="45000"/>
+              <a:buFont typeface="Wingdings" charset="2"/>
+              <a:buChar char=""/>
+            </a:pPr>
+            <a:r>
+              <a:rPr b="0" lang="en-US" sz="1050" spc="-1" strike="noStrike">
+                <a:latin typeface="Arial"/>
+              </a:rPr>
+              <a:t>Fiscal multiplier</a:t>
+            </a:r>
+            <a:endParaRPr b="0" lang="en-US" sz="1050" spc="-1" strike="noStrike">
+              <a:latin typeface="Arial"/>
+              <a:ea typeface="Microsoft YaHei"/>
+            </a:endParaRPr>
+          </a:p>
+          <a:p>
+            <a:pPr marL="216000" indent="-216000">
+              <a:lnSpc>
+                <a:spcPct val="100000"/>
+              </a:lnSpc>
+              <a:buClr>
+                <a:srgbClr val="000000"/>
+              </a:buClr>
+              <a:buSzPct val="45000"/>
+              <a:buFont typeface="Wingdings" charset="2"/>
+              <a:buChar char=""/>
+            </a:pPr>
+            <a:r>
+              <a:rPr b="0" lang="en-US" sz="1050" spc="-1" strike="noStrike">
+                <a:latin typeface="Arial"/>
+              </a:rPr>
+              <a:t>Federal budget </a:t>
+            </a:r>
+            <a:endParaRPr b="0" lang="en-US" sz="1050" spc="-1" strike="noStrike">
+              <a:latin typeface="Arial"/>
+              <a:ea typeface="Microsoft YaHei"/>
+            </a:endParaRPr>
+          </a:p>
+        </p:txBody>
+      </p:sp>
+      <p:sp>
+        <p:nvSpPr>
+          <p:cNvPr id="48" name="CustomShape 7"/>
+          <p:cNvSpPr/>
+          <p:nvPr/>
+        </p:nvSpPr>
+        <p:spPr>
+          <a:xfrm>
+            <a:off x="3045600" y="3552120"/>
+            <a:ext cx="2894040" cy="913680"/>
+          </a:xfrm>
+          <a:prstGeom prst="rect">
+            <a:avLst/>
+          </a:prstGeom>
+          <a:gradFill>
+            <a:gsLst>
+              <a:gs pos="0">
+                <a:srgbClr val="ffded0"/>
+              </a:gs>
+              <a:gs pos="100000">
+                <a:srgbClr val="fff1ec"/>
+              </a:gs>
+            </a:gsLst>
+            <a:lin ang="16200000"/>
+          </a:gradFill>
+          <a:ln w="9360">
+            <a:solidFill>
+              <a:srgbClr val="f59240"/>
+            </a:solidFill>
+            <a:round/>
+          </a:ln>
+        </p:spPr>
+        <p:style>
+          <a:lnRef idx="0"/>
+          <a:fillRef idx="0"/>
+          <a:effectRef idx="0"/>
+          <a:fontRef idx="minor"/>
+        </p:style>
+        <p:txBody>
+          <a:bodyPr lIns="90000" rIns="90000" tIns="45000" bIns="45000"/>
+          <a:p>
+            <a:pPr algn="ctr">
+              <a:lnSpc>
+                <a:spcPct val="100000"/>
+              </a:lnSpc>
+            </a:pPr>
+            <a:r>
+              <a:rPr b="0" lang="en-US" sz="1800" spc="-1" strike="noStrike">
+                <a:solidFill>
+                  <a:srgbClr val="000000"/>
+                </a:solidFill>
+                <a:latin typeface="Calibri"/>
+                <a:ea typeface="DejaVu Sans"/>
+              </a:rPr>
+              <a:t>Aggregate D &amp; S</a:t>
+            </a:r>
+            <a:endParaRPr b="0" lang="en-US" sz="1800" spc="-1" strike="noStrike">
+              <a:latin typeface="Arial"/>
+            </a:endParaRPr>
+          </a:p>
+          <a:p>
+            <a:pPr>
+              <a:lnSpc>
+                <a:spcPct val="100000"/>
+              </a:lnSpc>
+            </a:pPr>
+            <a:r>
+              <a:rPr b="0" lang="en-US" sz="1100" spc="-1" strike="noStrike">
+                <a:solidFill>
+                  <a:srgbClr val="000000"/>
+                </a:solidFill>
+                <a:latin typeface="Calibri"/>
+                <a:ea typeface="DejaVu Sans"/>
+              </a:rPr>
+              <a:t>Chapter 9:</a:t>
+            </a:r>
+            <a:endParaRPr b="0" lang="en-US" sz="1100" spc="-1" strike="noStrike">
+              <a:latin typeface="Arial"/>
+            </a:endParaRPr>
+          </a:p>
+          <a:p>
+            <a:pPr marL="171360" indent="-170280">
+              <a:lnSpc>
+                <a:spcPct val="100000"/>
+              </a:lnSpc>
+              <a:buClr>
+                <a:srgbClr val="000000"/>
+              </a:buClr>
+              <a:buFont typeface="Arial"/>
+              <a:buChar char="•"/>
+            </a:pPr>
+            <a:r>
+              <a:rPr b="0" lang="en-US" sz="1100" spc="-1" strike="noStrike">
+                <a:solidFill>
+                  <a:srgbClr val="000000"/>
+                </a:solidFill>
+                <a:latin typeface="Calibri"/>
+                <a:ea typeface="DejaVu Sans"/>
+              </a:rPr>
+              <a:t>Sticky prices (short-run)</a:t>
+            </a:r>
+            <a:endParaRPr b="0" lang="en-US" sz="1100" spc="-1" strike="noStrike">
+              <a:latin typeface="Arial"/>
+            </a:endParaRPr>
+          </a:p>
+          <a:p>
+            <a:pPr marL="171360" indent="-170280">
+              <a:lnSpc>
+                <a:spcPct val="100000"/>
+              </a:lnSpc>
+              <a:buClr>
+                <a:srgbClr val="000000"/>
+              </a:buClr>
+              <a:buFont typeface="Arial"/>
+              <a:buChar char="•"/>
+            </a:pPr>
+            <a:r>
+              <a:rPr b="0" lang="en-US" sz="1100" spc="-1" strike="noStrike">
+                <a:solidFill>
+                  <a:srgbClr val="000000"/>
+                </a:solidFill>
+                <a:latin typeface="Calibri"/>
+                <a:ea typeface="DejaVu Sans"/>
+              </a:rPr>
+              <a:t>Shifts in AD and AS</a:t>
+            </a:r>
+            <a:endParaRPr b="0" lang="en-US" sz="1100" spc="-1" strike="noStrike">
+              <a:latin typeface="Arial"/>
+            </a:endParaRPr>
+          </a:p>
+        </p:txBody>
+      </p:sp>
+      <p:sp>
+        <p:nvSpPr>
+          <p:cNvPr id="49" name="CustomShape 8"/>
+          <p:cNvSpPr/>
+          <p:nvPr/>
+        </p:nvSpPr>
+        <p:spPr>
+          <a:xfrm>
+            <a:off x="3039480" y="2509560"/>
+            <a:ext cx="2894040" cy="1004040"/>
+          </a:xfrm>
+          <a:prstGeom prst="rect">
+            <a:avLst/>
+          </a:prstGeom>
+          <a:gradFill>
+            <a:gsLst>
+              <a:gs pos="0">
+                <a:srgbClr val="ffded0"/>
+              </a:gs>
+              <a:gs pos="100000">
+                <a:srgbClr val="fff1ec"/>
+              </a:gs>
+            </a:gsLst>
+            <a:lin ang="16200000"/>
+          </a:gradFill>
+          <a:ln w="9360">
+            <a:solidFill>
+              <a:srgbClr val="f59240"/>
+            </a:solidFill>
+            <a:round/>
+          </a:ln>
+        </p:spPr>
+        <p:style>
+          <a:lnRef idx="0"/>
+          <a:fillRef idx="0"/>
+          <a:effectRef idx="0"/>
+          <a:fontRef idx="minor"/>
+        </p:style>
+        <p:txBody>
+          <a:bodyPr lIns="90000" rIns="90000" tIns="45000" bIns="45000"/>
+          <a:p>
+            <a:pPr algn="ctr">
+              <a:lnSpc>
+                <a:spcPct val="100000"/>
+              </a:lnSpc>
+            </a:pPr>
+            <a:r>
+              <a:rPr b="0" lang="en-US" sz="1800" spc="-1" strike="noStrike">
+                <a:solidFill>
+                  <a:srgbClr val="000000"/>
+                </a:solidFill>
+                <a:latin typeface="Calibri"/>
+                <a:ea typeface="DejaVu Sans"/>
+              </a:rPr>
+              <a:t>Growth</a:t>
+            </a:r>
+            <a:endParaRPr b="0" lang="en-US" sz="1800" spc="-1" strike="noStrike">
+              <a:latin typeface="Arial"/>
+            </a:endParaRPr>
+          </a:p>
+          <a:p>
+            <a:pPr>
+              <a:lnSpc>
+                <a:spcPct val="100000"/>
+              </a:lnSpc>
+            </a:pPr>
+            <a:r>
+              <a:rPr b="0" lang="en-US" sz="1200" spc="-1" strike="noStrike">
+                <a:solidFill>
+                  <a:srgbClr val="000000"/>
+                </a:solidFill>
+                <a:latin typeface="Calibri"/>
+                <a:ea typeface="DejaVu Sans"/>
+              </a:rPr>
+              <a:t>Chapter 8:</a:t>
+            </a:r>
+            <a:endParaRPr b="0" lang="en-US" sz="1200" spc="-1" strike="noStrike">
+              <a:latin typeface="Arial"/>
+            </a:endParaRPr>
+          </a:p>
+          <a:p>
+            <a:pPr marL="171360" indent="-170280">
+              <a:lnSpc>
+                <a:spcPct val="100000"/>
+              </a:lnSpc>
+              <a:buClr>
+                <a:srgbClr val="000000"/>
+              </a:buClr>
+              <a:buFont typeface="Arial"/>
+              <a:buChar char="•"/>
+            </a:pPr>
+            <a:r>
+              <a:rPr b="0" lang="en-US" sz="1100" spc="-1" strike="noStrike">
+                <a:solidFill>
+                  <a:srgbClr val="000000"/>
+                </a:solidFill>
+                <a:latin typeface="Calibri"/>
+                <a:ea typeface="DejaVu Sans"/>
+              </a:rPr>
+              <a:t>Growth rates</a:t>
+            </a:r>
+            <a:endParaRPr b="0" lang="en-US" sz="1100" spc="-1" strike="noStrike">
+              <a:latin typeface="Arial"/>
+            </a:endParaRPr>
+          </a:p>
+          <a:p>
+            <a:pPr marL="171360" indent="-170280">
+              <a:lnSpc>
+                <a:spcPct val="100000"/>
+              </a:lnSpc>
+              <a:buClr>
+                <a:srgbClr val="000000"/>
+              </a:buClr>
+              <a:buFont typeface="Arial"/>
+              <a:buChar char="•"/>
+            </a:pPr>
+            <a:r>
+              <a:rPr b="0" lang="en-US" sz="1100" spc="-1" strike="noStrike">
+                <a:solidFill>
+                  <a:srgbClr val="000000"/>
+                </a:solidFill>
+                <a:latin typeface="Calibri"/>
+                <a:ea typeface="DejaVu Sans"/>
+              </a:rPr>
+              <a:t>Capital deepening</a:t>
+            </a:r>
+            <a:endParaRPr b="0" lang="en-US" sz="1100" spc="-1" strike="noStrike">
+              <a:latin typeface="Arial"/>
+            </a:endParaRPr>
+          </a:p>
+          <a:p>
+            <a:pPr marL="171360" indent="-170280">
+              <a:lnSpc>
+                <a:spcPct val="100000"/>
+              </a:lnSpc>
+              <a:buClr>
+                <a:srgbClr val="000000"/>
+              </a:buClr>
+              <a:buFont typeface="Arial"/>
+              <a:buChar char="•"/>
+            </a:pPr>
+            <a:r>
+              <a:rPr b="0" lang="en-US" sz="1100" spc="-1" strike="noStrike">
+                <a:solidFill>
+                  <a:srgbClr val="000000"/>
+                </a:solidFill>
+                <a:latin typeface="Calibri"/>
+                <a:ea typeface="DejaVu Sans"/>
+              </a:rPr>
+              <a:t>Solow growth model</a:t>
+            </a:r>
+            <a:endParaRPr b="0" lang="en-US" sz="1100" spc="-1" strike="noStrike">
+              <a:latin typeface="Arial"/>
+            </a:endParaRPr>
+          </a:p>
+        </p:txBody>
+      </p:sp>
+      <p:sp>
+        <p:nvSpPr>
+          <p:cNvPr id="50" name="CustomShape 9"/>
+          <p:cNvSpPr/>
+          <p:nvPr/>
+        </p:nvSpPr>
+        <p:spPr>
+          <a:xfrm>
+            <a:off x="3036240" y="838080"/>
+            <a:ext cx="2905920" cy="547560"/>
+          </a:xfrm>
+          <a:prstGeom prst="rect">
+            <a:avLst/>
+          </a:prstGeom>
+          <a:gradFill>
+            <a:gsLst>
+              <a:gs pos="0">
+                <a:srgbClr val="ffded0"/>
+              </a:gs>
+              <a:gs pos="100000">
+                <a:srgbClr val="fff1ec"/>
+              </a:gs>
+            </a:gsLst>
+            <a:lin ang="16200000"/>
+          </a:gradFill>
+          <a:ln w="9360">
+            <a:solidFill>
+              <a:srgbClr val="f59240"/>
+            </a:solidFill>
+            <a:round/>
+          </a:ln>
+        </p:spPr>
+        <p:style>
+          <a:lnRef idx="0"/>
+          <a:fillRef idx="0"/>
+          <a:effectRef idx="0"/>
+          <a:fontRef idx="minor"/>
+        </p:style>
+        <p:txBody>
+          <a:bodyPr lIns="90000" rIns="90000" tIns="45000" bIns="45000"/>
+          <a:p>
+            <a:pPr algn="ctr">
+              <a:lnSpc>
+                <a:spcPct val="100000"/>
+              </a:lnSpc>
+            </a:pPr>
+            <a:r>
+              <a:rPr b="0" lang="en-US" sz="2200" spc="-1" strike="noStrike">
+                <a:solidFill>
+                  <a:srgbClr val="000000"/>
+                </a:solidFill>
+                <a:latin typeface="Calibri"/>
+                <a:ea typeface="DejaVu Sans"/>
+              </a:rPr>
+              <a:t>Focus: Midterm 2</a:t>
+            </a:r>
+            <a:endParaRPr b="0" lang="en-US" sz="2200" spc="-1" strike="noStrike">
+              <a:latin typeface="Arial"/>
+            </a:endParaRPr>
+          </a:p>
+        </p:txBody>
+      </p:sp>
+      <p:sp>
+        <p:nvSpPr>
+          <p:cNvPr id="51" name="CustomShape 10"/>
+          <p:cNvSpPr/>
+          <p:nvPr/>
+        </p:nvSpPr>
+        <p:spPr>
+          <a:xfrm>
+            <a:off x="6083640" y="839160"/>
+            <a:ext cx="2830320" cy="546480"/>
+          </a:xfrm>
+          <a:prstGeom prst="rect">
+            <a:avLst/>
+          </a:prstGeom>
+          <a:gradFill>
+            <a:gsLst>
+              <a:gs pos="0">
+                <a:srgbClr val="d0d0d0"/>
+              </a:gs>
+              <a:gs pos="100000">
+                <a:srgbClr val="ededed"/>
+              </a:gs>
+            </a:gsLst>
+            <a:lin ang="16200000"/>
+          </a:gradFill>
+          <a:ln w="9360">
+            <a:round/>
+          </a:ln>
+        </p:spPr>
+        <p:style>
+          <a:lnRef idx="0"/>
+          <a:fillRef idx="0"/>
+          <a:effectRef idx="0"/>
+          <a:fontRef idx="minor"/>
+        </p:style>
+        <p:txBody>
+          <a:bodyPr lIns="90000" rIns="90000" tIns="45000" bIns="45000"/>
+          <a:p>
+            <a:pPr algn="ctr">
+              <a:lnSpc>
+                <a:spcPct val="100000"/>
+              </a:lnSpc>
+            </a:pPr>
+            <a:r>
+              <a:rPr b="0" lang="en-US" sz="2200" spc="-1" strike="noStrike">
                 <a:solidFill>
                   <a:srgbClr val="000000"/>
                 </a:solidFill>
@@ -3157,7 +3055,7 @@
               </a:rPr>
               <a:t>Focus: Final</a:t>
             </a:r>
-            <a:endParaRPr lang="en-US" sz="2200" b="0" strike="noStrike" spc="-1">
+            <a:endParaRPr b="0" lang="en-US" sz="2200" spc="-1" strike="noStrike">
               <a:latin typeface="Arial"/>
             </a:endParaRPr>
           </a:p>
@@ -3172,7 +3070,7 @@
         <p:spPr>
           <a:xfrm>
             <a:off x="6093000" y="2658600"/>
-            <a:ext cx="2818440" cy="1047240"/>
+            <a:ext cx="2818080" cy="1046880"/>
           </a:xfrm>
           <a:prstGeom prst="rect">
             <a:avLst/>
@@ -3180,10 +3078,661 @@
           <a:gradFill>
             <a:gsLst>
               <a:gs pos="0">
-                <a:srgbClr val="D0D0D0"/>
+                <a:srgbClr val="d0d0d0"/>
               </a:gs>
               <a:gs pos="100000">
-                <a:srgbClr val="EDEDED"/>
+                <a:srgbClr val="ededed"/>
+              </a:gs>
+            </a:gsLst>
+            <a:lin ang="16200000"/>
+          </a:gradFill>
+          <a:ln w="9360">
+            <a:round/>
+          </a:ln>
+        </p:spPr>
+        <p:style>
+          <a:lnRef idx="0"/>
+          <a:fillRef idx="0"/>
+          <a:effectRef idx="0"/>
+          <a:fontRef idx="minor"/>
+        </p:style>
+        <p:txBody>
+          <a:bodyPr lIns="90000" rIns="90000" tIns="45000" bIns="45000"/>
+          <a:p>
+            <a:pPr algn="ctr">
+              <a:lnSpc>
+                <a:spcPct val="100000"/>
+              </a:lnSpc>
+            </a:pPr>
+            <a:r>
+              <a:rPr b="0" lang="en-US" sz="1800" spc="-1" strike="noStrike">
+                <a:solidFill>
+                  <a:srgbClr val="000000"/>
+                </a:solidFill>
+                <a:latin typeface="Calibri"/>
+                <a:ea typeface="DejaVu Sans"/>
+              </a:rPr>
+              <a:t>Money and Banking</a:t>
+            </a:r>
+            <a:endParaRPr b="0" lang="en-US" sz="1800" spc="-1" strike="noStrike">
+              <a:latin typeface="Arial"/>
+            </a:endParaRPr>
+          </a:p>
+          <a:p>
+            <a:pPr>
+              <a:lnSpc>
+                <a:spcPct val="100000"/>
+              </a:lnSpc>
+            </a:pPr>
+            <a:r>
+              <a:rPr b="0" lang="en-US" sz="1200" spc="-1" strike="noStrike">
+                <a:solidFill>
+                  <a:srgbClr val="000000"/>
+                </a:solidFill>
+                <a:latin typeface="Calibri"/>
+                <a:ea typeface="DejaVu Sans"/>
+              </a:rPr>
+              <a:t>Chapters 13-14:</a:t>
+            </a:r>
+            <a:endParaRPr b="0" lang="en-US" sz="1200" spc="-1" strike="noStrike">
+              <a:latin typeface="Arial"/>
+            </a:endParaRPr>
+          </a:p>
+          <a:p>
+            <a:pPr marL="171360" indent="-170280">
+              <a:lnSpc>
+                <a:spcPct val="100000"/>
+              </a:lnSpc>
+              <a:buClr>
+                <a:srgbClr val="000000"/>
+              </a:buClr>
+              <a:buFont typeface="Arial"/>
+              <a:buChar char="•"/>
+            </a:pPr>
+            <a:r>
+              <a:rPr b="0" lang="en-US" sz="1100" spc="-1" strike="noStrike">
+                <a:solidFill>
+                  <a:srgbClr val="000000"/>
+                </a:solidFill>
+                <a:latin typeface="Calibri"/>
+                <a:ea typeface="DejaVu Sans"/>
+              </a:rPr>
+              <a:t>Money</a:t>
+            </a:r>
+            <a:endParaRPr b="0" lang="en-US" sz="1100" spc="-1" strike="noStrike">
+              <a:latin typeface="Arial"/>
+            </a:endParaRPr>
+          </a:p>
+          <a:p>
+            <a:pPr marL="171360" indent="-170280">
+              <a:lnSpc>
+                <a:spcPct val="100000"/>
+              </a:lnSpc>
+              <a:buClr>
+                <a:srgbClr val="000000"/>
+              </a:buClr>
+              <a:buFont typeface="Arial"/>
+              <a:buChar char="•"/>
+            </a:pPr>
+            <a:r>
+              <a:rPr b="0" lang="en-US" sz="1100" spc="-1" strike="noStrike">
+                <a:solidFill>
+                  <a:srgbClr val="000000"/>
+                </a:solidFill>
+                <a:latin typeface="Calibri"/>
+                <a:ea typeface="DejaVu Sans"/>
+              </a:rPr>
+              <a:t>Federal Reserve</a:t>
+            </a:r>
+            <a:endParaRPr b="0" lang="en-US" sz="1100" spc="-1" strike="noStrike">
+              <a:latin typeface="Arial"/>
+            </a:endParaRPr>
+          </a:p>
+          <a:p>
+            <a:pPr marL="171360" indent="-170280">
+              <a:lnSpc>
+                <a:spcPct val="100000"/>
+              </a:lnSpc>
+              <a:buClr>
+                <a:srgbClr val="000000"/>
+              </a:buClr>
+              <a:buFont typeface="Arial"/>
+              <a:buChar char="•"/>
+            </a:pPr>
+            <a:r>
+              <a:rPr b="0" lang="en-US" sz="1100" spc="-1" strike="noStrike">
+                <a:solidFill>
+                  <a:srgbClr val="000000"/>
+                </a:solidFill>
+                <a:latin typeface="Calibri"/>
+                <a:ea typeface="DejaVu Sans"/>
+              </a:rPr>
+              <a:t>Money market: Interest rates</a:t>
+            </a:r>
+            <a:endParaRPr b="0" lang="en-US" sz="1100" spc="-1" strike="noStrike">
+              <a:latin typeface="Arial"/>
+            </a:endParaRPr>
+          </a:p>
+          <a:p>
+            <a:pPr>
+              <a:lnSpc>
+                <a:spcPct val="100000"/>
+              </a:lnSpc>
+            </a:pPr>
+            <a:endParaRPr b="0" lang="en-US" sz="1100" spc="-1" strike="noStrike">
+              <a:latin typeface="Arial"/>
+            </a:endParaRPr>
+          </a:p>
+        </p:txBody>
+      </p:sp>
+      <p:sp>
+        <p:nvSpPr>
+          <p:cNvPr id="53" name="CustomShape 12"/>
+          <p:cNvSpPr/>
+          <p:nvPr/>
+        </p:nvSpPr>
+        <p:spPr>
+          <a:xfrm>
+            <a:off x="6093000" y="1446120"/>
+            <a:ext cx="2818080" cy="1175760"/>
+          </a:xfrm>
+          <a:prstGeom prst="rect">
+            <a:avLst/>
+          </a:prstGeom>
+          <a:gradFill>
+            <a:gsLst>
+              <a:gs pos="0">
+                <a:srgbClr val="d0d0d0"/>
+              </a:gs>
+              <a:gs pos="100000">
+                <a:srgbClr val="ededed"/>
+              </a:gs>
+            </a:gsLst>
+            <a:lin ang="16200000"/>
+          </a:gradFill>
+          <a:ln w="9360">
+            <a:round/>
+          </a:ln>
+        </p:spPr>
+        <p:style>
+          <a:lnRef idx="0"/>
+          <a:fillRef idx="0"/>
+          <a:effectRef idx="0"/>
+          <a:fontRef idx="minor"/>
+        </p:style>
+        <p:txBody>
+          <a:bodyPr lIns="90000" rIns="90000" tIns="45000" bIns="45000"/>
+          <a:p>
+            <a:pPr algn="ctr">
+              <a:lnSpc>
+                <a:spcPct val="100000"/>
+              </a:lnSpc>
+            </a:pPr>
+            <a:r>
+              <a:rPr b="0" lang="en-US" sz="1800" spc="-1" strike="noStrike">
+                <a:solidFill>
+                  <a:srgbClr val="000000"/>
+                </a:solidFill>
+                <a:latin typeface="Calibri"/>
+                <a:ea typeface="DejaVu Sans"/>
+              </a:rPr>
+              <a:t>Investments/Financial Markets</a:t>
+            </a:r>
+            <a:endParaRPr b="0" lang="en-US" sz="1800" spc="-1" strike="noStrike">
+              <a:latin typeface="Arial"/>
+            </a:endParaRPr>
+          </a:p>
+          <a:p>
+            <a:pPr>
+              <a:lnSpc>
+                <a:spcPct val="100000"/>
+              </a:lnSpc>
+            </a:pPr>
+            <a:r>
+              <a:rPr b="0" lang="en-US" sz="1200" spc="-1" strike="noStrike">
+                <a:solidFill>
+                  <a:srgbClr val="000000"/>
+                </a:solidFill>
+                <a:latin typeface="Calibri"/>
+                <a:ea typeface="DejaVu Sans"/>
+              </a:rPr>
+              <a:t>Chapter 12: </a:t>
+            </a:r>
+            <a:endParaRPr b="0" lang="en-US" sz="1200" spc="-1" strike="noStrike">
+              <a:latin typeface="Arial"/>
+            </a:endParaRPr>
+          </a:p>
+          <a:p>
+            <a:pPr marL="171360" indent="-170280">
+              <a:lnSpc>
+                <a:spcPct val="100000"/>
+              </a:lnSpc>
+              <a:buClr>
+                <a:srgbClr val="000000"/>
+              </a:buClr>
+              <a:buFont typeface="Arial"/>
+              <a:buChar char="•"/>
+            </a:pPr>
+            <a:r>
+              <a:rPr b="0" lang="en-US" sz="1100" spc="-1" strike="noStrike">
+                <a:solidFill>
+                  <a:srgbClr val="000000"/>
+                </a:solidFill>
+                <a:latin typeface="Calibri"/>
+                <a:ea typeface="DejaVu Sans"/>
+              </a:rPr>
+              <a:t>Expectations</a:t>
+            </a:r>
+            <a:endParaRPr b="0" lang="en-US" sz="1100" spc="-1" strike="noStrike">
+              <a:latin typeface="Arial"/>
+            </a:endParaRPr>
+          </a:p>
+          <a:p>
+            <a:pPr marL="171360" indent="-170280">
+              <a:lnSpc>
+                <a:spcPct val="100000"/>
+              </a:lnSpc>
+              <a:buClr>
+                <a:srgbClr val="000000"/>
+              </a:buClr>
+              <a:buFont typeface="Arial"/>
+              <a:buChar char="•"/>
+            </a:pPr>
+            <a:r>
+              <a:rPr b="0" lang="en-US" sz="1100" spc="-1" strike="noStrike">
+                <a:solidFill>
+                  <a:srgbClr val="000000"/>
+                </a:solidFill>
+                <a:latin typeface="Calibri"/>
+                <a:ea typeface="DejaVu Sans"/>
+              </a:rPr>
+              <a:t>Financial intermediaries</a:t>
+            </a:r>
+            <a:endParaRPr b="0" lang="en-US" sz="1100" spc="-1" strike="noStrike">
+              <a:latin typeface="Arial"/>
+            </a:endParaRPr>
+          </a:p>
+          <a:p>
+            <a:pPr>
+              <a:lnSpc>
+                <a:spcPct val="100000"/>
+              </a:lnSpc>
+            </a:pPr>
+            <a:endParaRPr b="0" lang="en-US" sz="1100" spc="-1" strike="noStrike">
+              <a:latin typeface="Arial"/>
+            </a:endParaRPr>
+          </a:p>
+        </p:txBody>
+      </p:sp>
+      <p:sp>
+        <p:nvSpPr>
+          <p:cNvPr id="54" name="CustomShape 13"/>
+          <p:cNvSpPr/>
+          <p:nvPr/>
+        </p:nvSpPr>
+        <p:spPr>
+          <a:xfrm>
+            <a:off x="6100920" y="3734640"/>
+            <a:ext cx="2818080" cy="925200"/>
+          </a:xfrm>
+          <a:prstGeom prst="rect">
+            <a:avLst/>
+          </a:prstGeom>
+          <a:gradFill>
+            <a:gsLst>
+              <a:gs pos="0">
+                <a:srgbClr val="d0d0d0"/>
+              </a:gs>
+              <a:gs pos="100000">
+                <a:srgbClr val="ededed"/>
+              </a:gs>
+            </a:gsLst>
+            <a:lin ang="16200000"/>
+          </a:gradFill>
+          <a:ln w="9360">
+            <a:round/>
+          </a:ln>
+        </p:spPr>
+        <p:style>
+          <a:lnRef idx="0"/>
+          <a:fillRef idx="0"/>
+          <a:effectRef idx="0"/>
+          <a:fontRef idx="minor"/>
+        </p:style>
+        <p:txBody>
+          <a:bodyPr lIns="90000" rIns="90000" tIns="45000" bIns="45000"/>
+          <a:p>
+            <a:pPr algn="ctr">
+              <a:lnSpc>
+                <a:spcPct val="100000"/>
+              </a:lnSpc>
+            </a:pPr>
+            <a:r>
+              <a:rPr b="0" lang="en-US" sz="1800" spc="-1" strike="noStrike">
+                <a:solidFill>
+                  <a:srgbClr val="000000"/>
+                </a:solidFill>
+                <a:latin typeface="Calibri"/>
+                <a:ea typeface="DejaVu Sans"/>
+              </a:rPr>
+              <a:t>Short to Long-Run</a:t>
+            </a:r>
+            <a:endParaRPr b="0" lang="en-US" sz="1800" spc="-1" strike="noStrike">
+              <a:latin typeface="Arial"/>
+            </a:endParaRPr>
+          </a:p>
+          <a:p>
+            <a:pPr>
+              <a:lnSpc>
+                <a:spcPct val="100000"/>
+              </a:lnSpc>
+            </a:pPr>
+            <a:r>
+              <a:rPr b="0" lang="en-US" sz="1200" spc="-1" strike="noStrike">
+                <a:solidFill>
+                  <a:srgbClr val="000000"/>
+                </a:solidFill>
+                <a:latin typeface="Calibri"/>
+                <a:ea typeface="DejaVu Sans"/>
+              </a:rPr>
+              <a:t>Chapters 15:</a:t>
+            </a:r>
+            <a:endParaRPr b="0" lang="en-US" sz="1200" spc="-1" strike="noStrike">
+              <a:latin typeface="Arial"/>
+            </a:endParaRPr>
+          </a:p>
+          <a:p>
+            <a:pPr marL="171360" indent="-170280">
+              <a:lnSpc>
+                <a:spcPct val="100000"/>
+              </a:lnSpc>
+              <a:buClr>
+                <a:srgbClr val="000000"/>
+              </a:buClr>
+              <a:buFont typeface="Arial"/>
+              <a:buChar char="•"/>
+            </a:pPr>
+            <a:r>
+              <a:rPr b="0" lang="en-US" sz="1100" spc="-1" strike="noStrike">
+                <a:solidFill>
+                  <a:srgbClr val="000000"/>
+                </a:solidFill>
+                <a:latin typeface="Calibri"/>
+                <a:ea typeface="DejaVu Sans"/>
+              </a:rPr>
+              <a:t>Wage and price changes</a:t>
+            </a:r>
+            <a:endParaRPr b="0" lang="en-US" sz="1100" spc="-1" strike="noStrike">
+              <a:latin typeface="Arial"/>
+            </a:endParaRPr>
+          </a:p>
+          <a:p>
+            <a:pPr marL="171360" indent="-170280">
+              <a:lnSpc>
+                <a:spcPct val="100000"/>
+              </a:lnSpc>
+              <a:buClr>
+                <a:srgbClr val="000000"/>
+              </a:buClr>
+              <a:buFont typeface="Arial"/>
+              <a:buChar char="•"/>
+            </a:pPr>
+            <a:r>
+              <a:rPr b="0" lang="en-US" sz="1100" spc="-1" strike="noStrike">
+                <a:solidFill>
+                  <a:srgbClr val="000000"/>
+                </a:solidFill>
+                <a:latin typeface="Calibri"/>
+                <a:ea typeface="DejaVu Sans"/>
+              </a:rPr>
+              <a:t>Keynesian vs. Classical debate</a:t>
+            </a:r>
+            <a:endParaRPr b="0" lang="en-US" sz="1100" spc="-1" strike="noStrike">
+              <a:latin typeface="Arial"/>
+            </a:endParaRPr>
+          </a:p>
+          <a:p>
+            <a:pPr>
+              <a:lnSpc>
+                <a:spcPct val="100000"/>
+              </a:lnSpc>
+            </a:pPr>
+            <a:endParaRPr b="0" lang="en-US" sz="1100" spc="-1" strike="noStrike">
+              <a:latin typeface="Arial"/>
+            </a:endParaRPr>
+          </a:p>
+        </p:txBody>
+      </p:sp>
+      <p:sp>
+        <p:nvSpPr>
+          <p:cNvPr id="55" name="CustomShape 14"/>
+          <p:cNvSpPr/>
+          <p:nvPr/>
+        </p:nvSpPr>
+        <p:spPr>
+          <a:xfrm>
+            <a:off x="6102000" y="4846320"/>
+            <a:ext cx="2818080" cy="1554120"/>
+          </a:xfrm>
+          <a:prstGeom prst="rect">
+            <a:avLst/>
+          </a:prstGeom>
+          <a:gradFill>
+            <a:gsLst>
+              <a:gs pos="0">
+                <a:srgbClr val="d0d0d0"/>
+              </a:gs>
+              <a:gs pos="100000">
+                <a:srgbClr val="ededed"/>
+              </a:gs>
+            </a:gsLst>
+            <a:lin ang="16200000"/>
+          </a:gradFill>
+          <a:ln w="9360">
+            <a:round/>
+          </a:ln>
+        </p:spPr>
+        <p:style>
+          <a:lnRef idx="0"/>
+          <a:fillRef idx="0"/>
+          <a:effectRef idx="0"/>
+          <a:fontRef idx="minor"/>
+        </p:style>
+        <p:txBody>
+          <a:bodyPr lIns="90000" rIns="90000" tIns="45000" bIns="45000"/>
+          <a:p>
+            <a:pPr algn="ctr">
+              <a:lnSpc>
+                <a:spcPct val="100000"/>
+              </a:lnSpc>
+            </a:pPr>
+            <a:r>
+              <a:rPr b="0" lang="en-US" sz="1800" spc="-1" strike="noStrike">
+                <a:solidFill>
+                  <a:srgbClr val="000000"/>
+                </a:solidFill>
+                <a:latin typeface="Calibri"/>
+                <a:ea typeface="DejaVu Sans"/>
+              </a:rPr>
+              <a:t>Optional</a:t>
+            </a:r>
+            <a:endParaRPr b="0" lang="en-US" sz="1800" spc="-1" strike="noStrike">
+              <a:latin typeface="Arial"/>
+            </a:endParaRPr>
+          </a:p>
+          <a:p>
+            <a:pPr>
+              <a:lnSpc>
+                <a:spcPct val="100000"/>
+              </a:lnSpc>
+            </a:pPr>
+            <a:r>
+              <a:rPr b="0" lang="en-US" sz="1300" spc="-1" strike="noStrike">
+                <a:solidFill>
+                  <a:srgbClr val="000000"/>
+                </a:solidFill>
+                <a:latin typeface="Calibri"/>
+                <a:ea typeface="DejaVu Sans"/>
+              </a:rPr>
+              <a:t>Chapters 16-17: </a:t>
+            </a:r>
+            <a:endParaRPr b="0" lang="en-US" sz="1300" spc="-1" strike="noStrike">
+              <a:latin typeface="Arial"/>
+            </a:endParaRPr>
+          </a:p>
+          <a:p>
+            <a:pPr marL="171360" indent="-170280">
+              <a:lnSpc>
+                <a:spcPct val="100000"/>
+              </a:lnSpc>
+              <a:buClr>
+                <a:srgbClr val="000000"/>
+              </a:buClr>
+              <a:buFont typeface="Arial"/>
+              <a:buChar char="•"/>
+            </a:pPr>
+            <a:r>
+              <a:rPr b="0" lang="en-US" sz="1100" spc="-1" strike="noStrike">
+                <a:solidFill>
+                  <a:srgbClr val="000000"/>
+                </a:solidFill>
+                <a:latin typeface="Calibri"/>
+                <a:ea typeface="DejaVu Sans"/>
+              </a:rPr>
+              <a:t>Inflation &amp; Policy Debates</a:t>
+            </a:r>
+            <a:endParaRPr b="0" lang="en-US" sz="1100" spc="-1" strike="noStrike">
+              <a:latin typeface="Arial"/>
+            </a:endParaRPr>
+          </a:p>
+          <a:p>
+            <a:pPr marL="171360" indent="-170280">
+              <a:lnSpc>
+                <a:spcPct val="100000"/>
+              </a:lnSpc>
+              <a:buClr>
+                <a:srgbClr val="000000"/>
+              </a:buClr>
+              <a:buFont typeface="Arial"/>
+              <a:buChar char="•"/>
+            </a:pPr>
+            <a:r>
+              <a:rPr b="0" lang="en-US" sz="1100" spc="-1" strike="noStrike">
+                <a:solidFill>
+                  <a:srgbClr val="000000"/>
+                </a:solidFill>
+                <a:latin typeface="Calibri"/>
+                <a:ea typeface="DejaVu Sans"/>
+              </a:rPr>
+              <a:t>Money growth</a:t>
+            </a:r>
+            <a:endParaRPr b="0" lang="en-US" sz="1100" spc="-1" strike="noStrike">
+              <a:latin typeface="Arial"/>
+            </a:endParaRPr>
+          </a:p>
+          <a:p>
+            <a:pPr>
+              <a:lnSpc>
+                <a:spcPct val="100000"/>
+              </a:lnSpc>
+            </a:pPr>
+            <a:r>
+              <a:rPr b="0" lang="en-US" sz="1300" spc="-1" strike="noStrike">
+                <a:solidFill>
+                  <a:srgbClr val="000000"/>
+                </a:solidFill>
+                <a:latin typeface="Calibri"/>
+                <a:ea typeface="DejaVu Sans"/>
+              </a:rPr>
+              <a:t>Chapter 19:</a:t>
+            </a:r>
+            <a:endParaRPr b="0" lang="en-US" sz="1300" spc="-1" strike="noStrike">
+              <a:latin typeface="Arial"/>
+            </a:endParaRPr>
+          </a:p>
+          <a:p>
+            <a:pPr marL="171360" indent="-170280">
+              <a:lnSpc>
+                <a:spcPct val="100000"/>
+              </a:lnSpc>
+              <a:buClr>
+                <a:srgbClr val="000000"/>
+              </a:buClr>
+              <a:buFont typeface="Arial"/>
+              <a:buChar char="•"/>
+            </a:pPr>
+            <a:r>
+              <a:rPr b="0" lang="en-US" sz="1100" spc="-1" strike="noStrike">
+                <a:solidFill>
+                  <a:srgbClr val="000000"/>
+                </a:solidFill>
+                <a:latin typeface="Calibri"/>
+                <a:ea typeface="DejaVu Sans"/>
+              </a:rPr>
+              <a:t>International Finance</a:t>
+            </a:r>
+            <a:endParaRPr b="0" lang="en-US" sz="1100" spc="-1" strike="noStrike">
+              <a:latin typeface="Arial"/>
+            </a:endParaRPr>
+          </a:p>
+          <a:p>
+            <a:pPr marL="171360" indent="-170280">
+              <a:lnSpc>
+                <a:spcPct val="100000"/>
+              </a:lnSpc>
+              <a:buClr>
+                <a:srgbClr val="000000"/>
+              </a:buClr>
+              <a:buFont typeface="Arial"/>
+              <a:buChar char="•"/>
+            </a:pPr>
+            <a:r>
+              <a:rPr b="0" lang="en-US" sz="1100" spc="-1" strike="noStrike">
+                <a:solidFill>
+                  <a:srgbClr val="000000"/>
+                </a:solidFill>
+                <a:latin typeface="Calibri"/>
+                <a:ea typeface="DejaVu Sans"/>
+              </a:rPr>
+              <a:t>Phillips curve</a:t>
+            </a:r>
+            <a:endParaRPr b="0" lang="en-US" sz="1100" spc="-1" strike="noStrike">
+              <a:latin typeface="Arial"/>
+            </a:endParaRPr>
+          </a:p>
+          <a:p>
+            <a:pPr>
+              <a:lnSpc>
+                <a:spcPct val="100000"/>
+              </a:lnSpc>
+            </a:pPr>
+            <a:endParaRPr b="0" lang="en-US" sz="1100" spc="-1" strike="noStrike">
+              <a:latin typeface="Arial"/>
+            </a:endParaRPr>
+          </a:p>
+        </p:txBody>
+      </p:sp>
+      <p:sp>
+        <p:nvSpPr>
+          <p:cNvPr id="56" name="CustomShape 15"/>
+          <p:cNvSpPr/>
+          <p:nvPr/>
+        </p:nvSpPr>
+        <p:spPr>
+          <a:xfrm>
+            <a:off x="3045600" y="5413680"/>
+            <a:ext cx="2894040" cy="986400"/>
+          </a:xfrm>
+          <a:prstGeom prst="rect">
+            <a:avLst/>
+          </a:prstGeom>
+          <a:gradFill>
+            <a:gsLst>
+              <a:gs pos="0">
+                <a:srgbClr val="d0d0d0"/>
+              </a:gs>
+              <a:gs pos="100000">
+                <a:srgbClr val="ededed"/>
               </a:gs>
             </a:gsLst>
             <a:lin ang="16200000"/>
@@ -3196,40 +3745,13 @@
           </a:ln>
         </p:spPr>
         <p:style>
-          <a:lnRef idx="0">
-            <a:scrgbClr r="0" g="0" b="0"/>
-          </a:lnRef>
-          <a:fillRef idx="0">
-            <a:scrgbClr r="0" g="0" b="0"/>
-          </a:fillRef>
-          <a:effectRef idx="0">
-            <a:scrgbClr r="0" g="0" b="0"/>
-          </a:effectRef>
+          <a:lnRef idx="0"/>
+          <a:fillRef idx="0"/>
+          <a:effectRef idx="0"/>
           <a:fontRef idx="minor"/>
         </p:style>
         <p:txBody>
-          <a:bodyPr lIns="90000" tIns="45000" rIns="90000" bIns="45000"/>
-          <a:lstStyle/>
-          <a:p>
-            <a:pPr algn="ctr">
-              <a:lnSpc>
-                <a:spcPct val="100000"/>
-              </a:lnSpc>
-            </a:pPr>
-            <a:r>
-              <a:rPr lang="en-US" sz="1800" b="0" strike="noStrike" spc="-1">
-                <a:solidFill>
-                  <a:srgbClr val="000000"/>
-                </a:solidFill>
-                <a:latin typeface="Calibri"/>
-                <a:ea typeface="DejaVu Sans"/>
-              </a:rPr>
-              <a:t>Money and Banking</a:t>
-            </a:r>
-            <a:endParaRPr lang="en-US" sz="1800" b="0" strike="noStrike" spc="-1">
-              <a:latin typeface="Arial"/>
-            </a:endParaRPr>
-          </a:p>
+          <a:bodyPr lIns="90000" rIns="90000" tIns="45000" bIns="45000"/>
           <a:p>
             <a:pPr>
               <a:lnSpc>
@@ -3237,116 +3759,114 @@
               </a:lnSpc>
             </a:pPr>
             <a:r>
-              <a:rPr lang="en-US" sz="1200" b="0" strike="noStrike" spc="-1">
-                <a:solidFill>
-                  <a:srgbClr val="000000"/>
-                </a:solidFill>
-                <a:latin typeface="Calibri"/>
-                <a:ea typeface="DejaVu Sans"/>
-              </a:rPr>
-              <a:t>Chapters 13-14:</a:t>
-            </a:r>
-            <a:endParaRPr lang="en-US" sz="1200" b="0" strike="noStrike" spc="-1">
-              <a:latin typeface="Arial"/>
-            </a:endParaRPr>
-          </a:p>
-          <a:p>
-            <a:pPr marL="171360" indent="-170640">
-              <a:lnSpc>
-                <a:spcPct val="100000"/>
-              </a:lnSpc>
+              <a:rPr b="1" lang="en-US" sz="1400" spc="-1" strike="noStrike">
+                <a:latin typeface="Arial"/>
+              </a:rPr>
+              <a:t>Income Expenditure Model</a:t>
+            </a:r>
+            <a:endParaRPr b="0" lang="en-US" sz="1400" spc="-1" strike="noStrike">
+              <a:latin typeface="Arial"/>
+              <a:ea typeface="Microsoft YaHei"/>
+            </a:endParaRPr>
+          </a:p>
+          <a:p>
+            <a:pPr>
+              <a:lnSpc>
+                <a:spcPct val="100000"/>
+              </a:lnSpc>
+            </a:pPr>
+            <a:r>
+              <a:rPr b="0" lang="en-US" sz="1200" spc="-1" strike="noStrike">
+                <a:latin typeface="Arial"/>
+              </a:rPr>
+              <a:t>Chapter 11:</a:t>
+            </a:r>
+            <a:endParaRPr b="0" lang="en-US" sz="1200" spc="-1" strike="noStrike">
+              <a:latin typeface="Arial"/>
+              <a:ea typeface="Microsoft YaHei"/>
+            </a:endParaRPr>
+          </a:p>
+          <a:p>
+            <a:pPr marL="216000" indent="-216000">
               <a:buClr>
                 <a:srgbClr val="000000"/>
               </a:buClr>
-              <a:buFont typeface="Arial"/>
-              <a:buChar char="•"/>
-            </a:pPr>
-            <a:r>
-              <a:rPr lang="en-US" sz="1200" b="0" strike="noStrike" spc="-1">
-                <a:solidFill>
-                  <a:srgbClr val="000000"/>
-                </a:solidFill>
-                <a:latin typeface="Calibri"/>
-                <a:ea typeface="DejaVu Sans"/>
-              </a:rPr>
-              <a:t>Money</a:t>
-            </a:r>
-            <a:endParaRPr lang="en-US" sz="1200" b="0" strike="noStrike" spc="-1">
-              <a:latin typeface="Arial"/>
-            </a:endParaRPr>
-          </a:p>
-          <a:p>
-            <a:pPr marL="171360" indent="-170640">
-              <a:lnSpc>
-                <a:spcPct val="100000"/>
-              </a:lnSpc>
+              <a:buSzPct val="45000"/>
+              <a:buFont typeface="Wingdings" charset="2"/>
+              <a:buChar char=""/>
+            </a:pPr>
+            <a:r>
+              <a:rPr b="0" lang="en-US" sz="1100" spc="-1" strike="noStrike">
+                <a:solidFill>
+                  <a:srgbClr val="000000"/>
+                </a:solidFill>
+                <a:latin typeface="Calibri"/>
+                <a:ea typeface="DejaVu Sans"/>
+              </a:rPr>
+              <a:t>Consumption function</a:t>
+            </a:r>
+            <a:endParaRPr b="0" lang="en-US" sz="1100" spc="-1" strike="noStrike">
+              <a:latin typeface="Arial"/>
+            </a:endParaRPr>
+          </a:p>
+          <a:p>
+            <a:pPr marL="216000" indent="-216000">
               <a:buClr>
                 <a:srgbClr val="000000"/>
               </a:buClr>
-              <a:buFont typeface="Arial"/>
-              <a:buChar char="•"/>
-            </a:pPr>
-            <a:r>
-              <a:rPr lang="en-US" sz="1200" b="0" strike="noStrike" spc="-1">
-                <a:solidFill>
-                  <a:srgbClr val="000000"/>
-                </a:solidFill>
-                <a:latin typeface="Calibri"/>
-                <a:ea typeface="DejaVu Sans"/>
-              </a:rPr>
-              <a:t>Federal Reserve</a:t>
-            </a:r>
-            <a:endParaRPr lang="en-US" sz="1200" b="0" strike="noStrike" spc="-1">
-              <a:latin typeface="Arial"/>
-            </a:endParaRPr>
-          </a:p>
-          <a:p>
-            <a:pPr marL="171360" indent="-170640">
-              <a:lnSpc>
-                <a:spcPct val="100000"/>
-              </a:lnSpc>
+              <a:buSzPct val="45000"/>
+              <a:buFont typeface="Wingdings" charset="2"/>
+              <a:buChar char=""/>
+            </a:pPr>
+            <a:r>
+              <a:rPr b="0" lang="en-US" sz="1100" spc="-1" strike="noStrike">
+                <a:solidFill>
+                  <a:srgbClr val="000000"/>
+                </a:solidFill>
+                <a:latin typeface="Calibri"/>
+                <a:ea typeface="DejaVu Sans"/>
+              </a:rPr>
+              <a:t>Gov’t spending and multiplier</a:t>
+            </a:r>
+            <a:endParaRPr b="0" lang="en-US" sz="1100" spc="-1" strike="noStrike">
+              <a:latin typeface="Arial"/>
+            </a:endParaRPr>
+          </a:p>
+          <a:p>
+            <a:pPr marL="216000" indent="-216000">
               <a:buClr>
                 <a:srgbClr val="000000"/>
               </a:buClr>
-              <a:buFont typeface="Arial"/>
-              <a:buChar char="•"/>
-            </a:pPr>
-            <a:r>
-              <a:rPr lang="en-US" sz="1200" b="0" strike="noStrike" spc="-1">
-                <a:solidFill>
-                  <a:srgbClr val="000000"/>
-                </a:solidFill>
-                <a:latin typeface="Calibri"/>
-                <a:ea typeface="DejaVu Sans"/>
-              </a:rPr>
-              <a:t>Money market: Interest rates</a:t>
-            </a:r>
-            <a:endParaRPr lang="en-US" sz="1200" b="0" strike="noStrike" spc="-1">
-              <a:latin typeface="Arial"/>
-            </a:endParaRPr>
-          </a:p>
-          <a:p>
-            <a:pPr>
-              <a:lnSpc>
-                <a:spcPct val="100000"/>
-              </a:lnSpc>
-            </a:pPr>
-            <a:endParaRPr lang="en-US" sz="1200" b="0" strike="noStrike" spc="-1">
-              <a:latin typeface="Arial"/>
-            </a:endParaRPr>
-          </a:p>
-        </p:txBody>
-      </p:sp>
-      <p:sp>
-        <p:nvSpPr>
-          <p:cNvPr id="53" name="CustomShape 12"/>
+              <a:buSzPct val="45000"/>
+              <a:buFont typeface="Wingdings" charset="2"/>
+              <a:buChar char=""/>
+            </a:pPr>
+            <a:r>
+              <a:rPr b="0" lang="en-US" sz="1100" spc="-1" strike="noStrike">
+                <a:solidFill>
+                  <a:srgbClr val="000000"/>
+                </a:solidFill>
+                <a:latin typeface="Calibri"/>
+                <a:ea typeface="DejaVu Sans"/>
+              </a:rPr>
+              <a:t>Exports and Imports</a:t>
+            </a:r>
+            <a:endParaRPr b="0" lang="en-US" sz="1100" spc="-1" strike="noStrike">
+              <a:latin typeface="Arial"/>
+            </a:endParaRPr>
+          </a:p>
+        </p:txBody>
+      </p:sp>
+      <p:sp>
+        <p:nvSpPr>
+          <p:cNvPr id="57" name="CustomShape 16"/>
           <p:cNvSpPr/>
           <p:nvPr/>
         </p:nvSpPr>
         <p:spPr>
           <a:xfrm>
-            <a:off x="6093000" y="1446120"/>
-            <a:ext cx="2818440" cy="1176120"/>
+            <a:off x="76320" y="3615840"/>
+            <a:ext cx="2741760" cy="1038240"/>
           </a:xfrm>
           <a:prstGeom prst="rect">
             <a:avLst/>
@@ -3354,36 +3874,29 @@
           <a:gradFill>
             <a:gsLst>
               <a:gs pos="0">
-                <a:srgbClr val="D0D0D0"/>
+                <a:srgbClr val="bfd4fe"/>
               </a:gs>
               <a:gs pos="100000">
-                <a:srgbClr val="EDEDED"/>
+                <a:srgbClr val="e5efff"/>
               </a:gs>
             </a:gsLst>
             <a:lin ang="16200000"/>
           </a:gradFill>
           <a:ln w="9360">
             <a:solidFill>
-              <a:srgbClr val="000000"/>
+              <a:srgbClr val="4a7ebb"/>
             </a:solidFill>
             <a:round/>
           </a:ln>
         </p:spPr>
         <p:style>
-          <a:lnRef idx="0">
-            <a:scrgbClr r="0" g="0" b="0"/>
-          </a:lnRef>
-          <a:fillRef idx="0">
-            <a:scrgbClr r="0" g="0" b="0"/>
-          </a:fillRef>
-          <a:effectRef idx="0">
-            <a:scrgbClr r="0" g="0" b="0"/>
-          </a:effectRef>
+          <a:lnRef idx="0"/>
+          <a:fillRef idx="0"/>
+          <a:effectRef idx="0"/>
           <a:fontRef idx="minor"/>
         </p:style>
         <p:txBody>
-          <a:bodyPr lIns="90000" tIns="45000" rIns="90000" bIns="45000"/>
-          <a:lstStyle/>
+          <a:bodyPr lIns="90000" rIns="90000" tIns="45000" bIns="45000"/>
           <a:p>
             <a:pPr algn="ctr">
               <a:lnSpc>
@@ -3391,16 +3904,16 @@
               </a:lnSpc>
             </a:pPr>
             <a:r>
-              <a:rPr lang="en-US" b="0" strike="noStrike" spc="-1" dirty="0">
-                <a:solidFill>
-                  <a:srgbClr val="000000"/>
-                </a:solidFill>
-                <a:latin typeface="Calibri"/>
-                <a:ea typeface="DejaVu Sans"/>
-              </a:rPr>
-              <a:t>Investments/Financial Markets</a:t>
-            </a:r>
-            <a:endParaRPr lang="en-US" b="0" strike="noStrike" spc="-1" dirty="0">
+              <a:rPr b="0" lang="en-US" sz="2000" spc="-1" strike="noStrike">
+                <a:solidFill>
+                  <a:srgbClr val="000000"/>
+                </a:solidFill>
+                <a:latin typeface="Calibri"/>
+                <a:ea typeface="DejaVu Sans"/>
+              </a:rPr>
+              <a:t>Trade</a:t>
+            </a:r>
+            <a:endParaRPr b="0" lang="en-US" sz="2000" spc="-1" strike="noStrike">
               <a:latin typeface="Arial"/>
             </a:endParaRPr>
           </a:p>
@@ -3411,21 +3924,21 @@
               </a:lnSpc>
             </a:pPr>
             <a:r>
-              <a:rPr lang="en-US" sz="1200" b="0" strike="noStrike" spc="-1" dirty="0">
-                <a:solidFill>
-                  <a:srgbClr val="000000"/>
-                </a:solidFill>
-                <a:latin typeface="Calibri"/>
-                <a:ea typeface="DejaVu Sans"/>
-              </a:rPr>
-              <a:t>Chapter 12: </a:t>
-            </a:r>
-            <a:endParaRPr lang="en-US" sz="1200" b="0" strike="noStrike" spc="-1" dirty="0">
-              <a:latin typeface="Arial"/>
-            </a:endParaRPr>
-          </a:p>
-          <a:p>
-            <a:pPr marL="171360" indent="-170640">
+              <a:rPr b="0" lang="en-US" sz="1100" spc="-1" strike="noStrike">
+                <a:solidFill>
+                  <a:srgbClr val="000000"/>
+                </a:solidFill>
+                <a:latin typeface="Calibri"/>
+                <a:ea typeface="DejaVu Sans"/>
+              </a:rPr>
+              <a:t>Chapter 18:</a:t>
+            </a:r>
+            <a:endParaRPr b="0" lang="en-US" sz="1100" spc="-1" strike="noStrike">
+              <a:latin typeface="Arial"/>
+            </a:endParaRPr>
+          </a:p>
+          <a:p>
+            <a:pPr marL="171360" indent="-170280">
               <a:lnSpc>
                 <a:spcPct val="100000"/>
               </a:lnSpc>
@@ -3436,21 +3949,21 @@
               <a:buChar char="•"/>
             </a:pPr>
             <a:r>
-              <a:rPr lang="en-US" sz="1200" b="0" strike="noStrike" spc="-1" dirty="0">
-                <a:solidFill>
-                  <a:srgbClr val="000000"/>
-                </a:solidFill>
-                <a:latin typeface="Calibri"/>
-                <a:ea typeface="DejaVu Sans"/>
-              </a:rPr>
-              <a:t>Expectations</a:t>
-            </a:r>
-            <a:endParaRPr lang="en-US" sz="1200" b="0" strike="noStrike" spc="-1" dirty="0">
-              <a:latin typeface="Arial"/>
-            </a:endParaRPr>
-          </a:p>
-          <a:p>
-            <a:pPr marL="171360" indent="-170640">
+              <a:rPr b="0" lang="en-US" sz="1100" spc="-1" strike="noStrike">
+                <a:solidFill>
+                  <a:srgbClr val="000000"/>
+                </a:solidFill>
+                <a:latin typeface="Calibri"/>
+                <a:ea typeface="DejaVu Sans"/>
+              </a:rPr>
+              <a:t>Exports, Imports, Trade Balance</a:t>
+            </a:r>
+            <a:endParaRPr b="0" lang="en-US" sz="1100" spc="-1" strike="noStrike">
+              <a:latin typeface="Arial"/>
+            </a:endParaRPr>
+          </a:p>
+          <a:p>
+            <a:pPr marL="171360" indent="-170280">
               <a:lnSpc>
                 <a:spcPct val="100000"/>
               </a:lnSpc>
@@ -3461,41 +3974,31 @@
               <a:buChar char="•"/>
             </a:pPr>
             <a:r>
-              <a:rPr lang="en-US" sz="1200" b="0" strike="noStrike" spc="-1" dirty="0">
-                <a:solidFill>
-                  <a:srgbClr val="000000"/>
-                </a:solidFill>
-                <a:latin typeface="Calibri"/>
-                <a:ea typeface="DejaVu Sans"/>
-              </a:rPr>
-              <a:t>Financial intermediaries</a:t>
-            </a:r>
-            <a:endParaRPr lang="en-US" sz="1200" b="0" strike="noStrike" spc="-1" dirty="0">
-              <a:latin typeface="Arial"/>
-            </a:endParaRPr>
-          </a:p>
-          <a:p>
-            <a:pPr>
-              <a:lnSpc>
-                <a:spcPct val="100000"/>
-              </a:lnSpc>
-            </a:pPr>
-            <a:endParaRPr lang="en-US" sz="1200" b="0" strike="noStrike" spc="-1" dirty="0">
-              <a:latin typeface="Arial"/>
-            </a:endParaRPr>
-          </a:p>
-        </p:txBody>
-      </p:sp>
-      <p:sp>
-        <p:nvSpPr>
-          <p:cNvPr id="54" name="CustomShape 13"/>
+              <a:rPr b="0" lang="en-US" sz="1100" spc="-1" strike="noStrike">
+                <a:solidFill>
+                  <a:srgbClr val="000000"/>
+                </a:solidFill>
+                <a:latin typeface="Calibri"/>
+                <a:ea typeface="DejaVu Sans"/>
+              </a:rPr>
+              <a:t>Benefits of Trade and Trade Policies</a:t>
+            </a:r>
+            <a:endParaRPr b="0" lang="en-US" sz="1100" spc="-1" strike="noStrike">
+              <a:latin typeface="Arial"/>
+            </a:endParaRPr>
+          </a:p>
+        </p:txBody>
+      </p:sp>
+      <p:sp>
+        <p:nvSpPr>
+          <p:cNvPr id="58" name="CustomShape 17"/>
           <p:cNvSpPr/>
           <p:nvPr/>
         </p:nvSpPr>
         <p:spPr>
           <a:xfrm>
-            <a:off x="6100920" y="3734640"/>
-            <a:ext cx="2818440" cy="925560"/>
+            <a:off x="3039480" y="1460520"/>
+            <a:ext cx="2894040" cy="1004040"/>
           </a:xfrm>
           <a:prstGeom prst="rect">
             <a:avLst/>
@@ -3503,36 +4006,29 @@
           <a:gradFill>
             <a:gsLst>
               <a:gs pos="0">
-                <a:srgbClr val="D0D0D0"/>
+                <a:srgbClr val="ffded0"/>
               </a:gs>
               <a:gs pos="100000">
-                <a:srgbClr val="EDEDED"/>
+                <a:srgbClr val="fff1ec"/>
               </a:gs>
             </a:gsLst>
             <a:lin ang="16200000"/>
           </a:gradFill>
           <a:ln w="9360">
             <a:solidFill>
-              <a:srgbClr val="000000"/>
+              <a:srgbClr val="f59240"/>
             </a:solidFill>
             <a:round/>
           </a:ln>
         </p:spPr>
         <p:style>
-          <a:lnRef idx="0">
-            <a:scrgbClr r="0" g="0" b="0"/>
-          </a:lnRef>
-          <a:fillRef idx="0">
-            <a:scrgbClr r="0" g="0" b="0"/>
-          </a:fillRef>
-          <a:effectRef idx="0">
-            <a:scrgbClr r="0" g="0" b="0"/>
-          </a:effectRef>
+          <a:lnRef idx="0"/>
+          <a:fillRef idx="0"/>
+          <a:effectRef idx="0"/>
           <a:fontRef idx="minor"/>
         </p:style>
         <p:txBody>
-          <a:bodyPr lIns="90000" tIns="45000" rIns="90000" bIns="45000"/>
-          <a:lstStyle/>
+          <a:bodyPr lIns="90000" rIns="90000" tIns="45000" bIns="45000"/>
           <a:p>
             <a:pPr algn="ctr">
               <a:lnSpc>
@@ -3540,16 +4036,16 @@
               </a:lnSpc>
             </a:pPr>
             <a:r>
-              <a:rPr lang="en-US" sz="1800" b="0" strike="noStrike" spc="-1">
-                <a:solidFill>
-                  <a:srgbClr val="000000"/>
-                </a:solidFill>
-                <a:latin typeface="Calibri"/>
-                <a:ea typeface="DejaVu Sans"/>
-              </a:rPr>
-              <a:t>Short to Long-Run</a:t>
-            </a:r>
-            <a:endParaRPr lang="en-US" sz="1800" b="0" strike="noStrike" spc="-1">
+              <a:rPr b="0" lang="en-US" sz="2000" spc="-1" strike="noStrike">
+                <a:solidFill>
+                  <a:srgbClr val="000000"/>
+                </a:solidFill>
+                <a:latin typeface="Calibri"/>
+                <a:ea typeface="DejaVu Sans"/>
+              </a:rPr>
+              <a:t>Long-Run Economy</a:t>
+            </a:r>
+            <a:endParaRPr b="0" lang="en-US" sz="2000" spc="-1" strike="noStrike">
               <a:latin typeface="Arial"/>
             </a:endParaRPr>
           </a:p>
@@ -3560,66 +4056,68 @@
               </a:lnSpc>
             </a:pPr>
             <a:r>
-              <a:rPr lang="en-US" sz="1200" b="0" strike="noStrike" spc="-1">
-                <a:solidFill>
-                  <a:srgbClr val="000000"/>
-                </a:solidFill>
-                <a:latin typeface="Calibri"/>
-                <a:ea typeface="DejaVu Sans"/>
-              </a:rPr>
-              <a:t>Chapters 15:</a:t>
-            </a:r>
-            <a:endParaRPr lang="en-US" sz="1200" b="0" strike="noStrike" spc="-1">
-              <a:latin typeface="Arial"/>
-            </a:endParaRPr>
-          </a:p>
-          <a:p>
-            <a:pPr marL="171360" indent="-170640">
+              <a:rPr b="0" lang="en-US" sz="1200" spc="-1" strike="noStrike">
+                <a:solidFill>
+                  <a:srgbClr val="000000"/>
+                </a:solidFill>
+                <a:latin typeface="Calibri"/>
+                <a:ea typeface="DejaVu Sans"/>
+              </a:rPr>
+              <a:t>Chapter 7:</a:t>
+            </a:r>
+            <a:endParaRPr b="0" lang="en-US" sz="1200" spc="-1" strike="noStrike">
+              <a:latin typeface="Arial"/>
+            </a:endParaRPr>
+          </a:p>
+          <a:p>
+            <a:pPr marL="216000" indent="-216000">
               <a:lnSpc>
                 <a:spcPct val="100000"/>
               </a:lnSpc>
               <a:buClr>
                 <a:srgbClr val="000000"/>
               </a:buClr>
-              <a:buFont typeface="Arial"/>
-              <a:buChar char="•"/>
-            </a:pPr>
-            <a:r>
-              <a:rPr lang="en-US" sz="1200" b="0" strike="noStrike" spc="-1">
-                <a:solidFill>
-                  <a:srgbClr val="000000"/>
-                </a:solidFill>
-                <a:latin typeface="Calibri"/>
-                <a:ea typeface="DejaVu Sans"/>
-              </a:rPr>
-              <a:t>Wage and price changes</a:t>
-            </a:r>
-            <a:endParaRPr lang="en-US" sz="1200" b="0" strike="noStrike" spc="-1">
-              <a:latin typeface="Arial"/>
-            </a:endParaRPr>
-          </a:p>
-          <a:p>
-            <a:pPr marL="171360" indent="-170640">
+              <a:buSzPct val="45000"/>
+              <a:buFont typeface="Wingdings" charset="2"/>
+              <a:buChar char=""/>
+            </a:pPr>
+            <a:r>
+              <a:rPr b="0" lang="en-US" sz="1100" spc="-1" strike="noStrike">
+                <a:solidFill>
+                  <a:srgbClr val="000000"/>
+                </a:solidFill>
+                <a:latin typeface="Calibri"/>
+                <a:ea typeface="DejaVu Sans"/>
+              </a:rPr>
+              <a:t>Price flexibility</a:t>
+            </a:r>
+            <a:endParaRPr b="0" lang="en-US" sz="1100" spc="-1" strike="noStrike">
+              <a:latin typeface="Arial"/>
+            </a:endParaRPr>
+          </a:p>
+          <a:p>
+            <a:pPr marL="216000" indent="-216000">
               <a:lnSpc>
                 <a:spcPct val="100000"/>
               </a:lnSpc>
               <a:buClr>
                 <a:srgbClr val="000000"/>
               </a:buClr>
-              <a:buFont typeface="Arial"/>
-              <a:buChar char="•"/>
-            </a:pPr>
-            <a:r>
-              <a:rPr lang="en-US" sz="1200" b="0" strike="noStrike" spc="-1">
-                <a:solidFill>
-                  <a:srgbClr val="000000"/>
-                </a:solidFill>
-                <a:latin typeface="Calibri"/>
-                <a:ea typeface="DejaVu Sans"/>
-              </a:rPr>
-              <a:t>Keynesian vs. Classical debate</a:t>
-            </a:r>
-            <a:endParaRPr lang="en-US" sz="1200" b="0" strike="noStrike" spc="-1">
+              <a:buSzPct val="45000"/>
+              <a:buFont typeface="Wingdings" charset="2"/>
+              <a:buChar char=""/>
+            </a:pPr>
+            <a:r>
+              <a:rPr b="0" lang="en-US" sz="1100" spc="-1" strike="noStrike">
+                <a:solidFill>
+                  <a:srgbClr val="000000"/>
+                </a:solidFill>
+                <a:latin typeface="Calibri"/>
+                <a:ea typeface="DejaVu Sans"/>
+              </a:rPr>
+              <a:t>Full employment</a:t>
+            </a:r>
+            <a:endParaRPr b="0" lang="en-US" sz="1100" spc="-1" strike="noStrike">
               <a:latin typeface="Arial"/>
             </a:endParaRPr>
           </a:p>
@@ -3629,683 +4127,7 @@
                 <a:spcPct val="100000"/>
               </a:lnSpc>
             </a:pPr>
-            <a:endParaRPr lang="en-US" sz="1200" b="0" strike="noStrike" spc="-1">
-              <a:latin typeface="Arial"/>
-            </a:endParaRPr>
-          </a:p>
-        </p:txBody>
-      </p:sp>
-      <p:sp>
-        <p:nvSpPr>
-          <p:cNvPr id="55" name="CustomShape 14"/>
-          <p:cNvSpPr/>
-          <p:nvPr/>
-        </p:nvSpPr>
-        <p:spPr>
-          <a:xfrm>
-            <a:off x="6102000" y="4682880"/>
-            <a:ext cx="2818440" cy="1717920"/>
-          </a:xfrm>
-          <a:prstGeom prst="rect">
-            <a:avLst/>
-          </a:prstGeom>
-          <a:gradFill>
-            <a:gsLst>
-              <a:gs pos="0">
-                <a:srgbClr val="D0D0D0"/>
-              </a:gs>
-              <a:gs pos="100000">
-                <a:srgbClr val="EDEDED"/>
-              </a:gs>
-            </a:gsLst>
-            <a:lin ang="16200000"/>
-          </a:gradFill>
-          <a:ln w="9360">
-            <a:solidFill>
-              <a:srgbClr val="000000"/>
-            </a:solidFill>
-            <a:round/>
-          </a:ln>
-        </p:spPr>
-        <p:style>
-          <a:lnRef idx="0">
-            <a:scrgbClr r="0" g="0" b="0"/>
-          </a:lnRef>
-          <a:fillRef idx="0">
-            <a:scrgbClr r="0" g="0" b="0"/>
-          </a:fillRef>
-          <a:effectRef idx="0">
-            <a:scrgbClr r="0" g="0" b="0"/>
-          </a:effectRef>
-          <a:fontRef idx="minor"/>
-        </p:style>
-        <p:txBody>
-          <a:bodyPr lIns="90000" tIns="45000" rIns="90000" bIns="45000"/>
-          <a:lstStyle/>
-          <a:p>
-            <a:pPr algn="ctr">
-              <a:lnSpc>
-                <a:spcPct val="100000"/>
-              </a:lnSpc>
-            </a:pPr>
-            <a:r>
-              <a:rPr lang="en-US" b="0" strike="noStrike" spc="-1" dirty="0">
-                <a:solidFill>
-                  <a:srgbClr val="000000"/>
-                </a:solidFill>
-                <a:latin typeface="Calibri"/>
-                <a:ea typeface="DejaVu Sans"/>
-              </a:rPr>
-              <a:t>Optional</a:t>
-            </a:r>
-            <a:endParaRPr lang="en-US" b="0" strike="noStrike" spc="-1" dirty="0">
-              <a:latin typeface="Arial"/>
-            </a:endParaRPr>
-          </a:p>
-          <a:p>
-            <a:pPr>
-              <a:lnSpc>
-                <a:spcPct val="100000"/>
-              </a:lnSpc>
-            </a:pPr>
-            <a:r>
-              <a:rPr lang="en-US" sz="1200" b="0" strike="noStrike" spc="-1" dirty="0">
-                <a:solidFill>
-                  <a:srgbClr val="000000"/>
-                </a:solidFill>
-                <a:latin typeface="Calibri"/>
-                <a:ea typeface="DejaVu Sans"/>
-              </a:rPr>
-              <a:t>Chapters 16-17: </a:t>
-            </a:r>
-            <a:endParaRPr lang="en-US" sz="1200" b="0" strike="noStrike" spc="-1" dirty="0">
-              <a:latin typeface="Arial"/>
-            </a:endParaRPr>
-          </a:p>
-          <a:p>
-            <a:pPr marL="171360" indent="-170640">
-              <a:lnSpc>
-                <a:spcPct val="100000"/>
-              </a:lnSpc>
-              <a:buClr>
-                <a:srgbClr val="000000"/>
-              </a:buClr>
-              <a:buFont typeface="Arial"/>
-              <a:buChar char="•"/>
-            </a:pPr>
-            <a:r>
-              <a:rPr lang="en-US" sz="1200" b="0" strike="noStrike" spc="-1" dirty="0">
-                <a:solidFill>
-                  <a:srgbClr val="000000"/>
-                </a:solidFill>
-                <a:latin typeface="Calibri"/>
-                <a:ea typeface="DejaVu Sans"/>
-              </a:rPr>
-              <a:t>Inflation &amp; Policy Debates</a:t>
-            </a:r>
-            <a:endParaRPr lang="en-US" sz="1200" b="0" strike="noStrike" spc="-1" dirty="0">
-              <a:latin typeface="Arial"/>
-            </a:endParaRPr>
-          </a:p>
-          <a:p>
-            <a:pPr marL="171360" indent="-170640">
-              <a:lnSpc>
-                <a:spcPct val="100000"/>
-              </a:lnSpc>
-              <a:buClr>
-                <a:srgbClr val="000000"/>
-              </a:buClr>
-              <a:buFont typeface="Arial"/>
-              <a:buChar char="•"/>
-            </a:pPr>
-            <a:r>
-              <a:rPr lang="en-US" sz="1200" b="0" strike="noStrike" spc="-1" dirty="0">
-                <a:solidFill>
-                  <a:srgbClr val="000000"/>
-                </a:solidFill>
-                <a:latin typeface="Calibri"/>
-                <a:ea typeface="DejaVu Sans"/>
-              </a:rPr>
-              <a:t>Money growth</a:t>
-            </a:r>
-            <a:endParaRPr lang="en-US" sz="1200" b="0" strike="noStrike" spc="-1" dirty="0">
-              <a:latin typeface="Arial"/>
-            </a:endParaRPr>
-          </a:p>
-          <a:p>
-            <a:pPr marL="171360" indent="-170640">
-              <a:lnSpc>
-                <a:spcPct val="100000"/>
-              </a:lnSpc>
-              <a:buClr>
-                <a:srgbClr val="000000"/>
-              </a:buClr>
-              <a:buFont typeface="Arial"/>
-              <a:buChar char="•"/>
-            </a:pPr>
-            <a:endParaRPr lang="en-US" sz="1200" b="0" strike="noStrike" spc="-1" dirty="0">
-              <a:latin typeface="Arial"/>
-            </a:endParaRPr>
-          </a:p>
-          <a:p>
-            <a:pPr>
-              <a:lnSpc>
-                <a:spcPct val="100000"/>
-              </a:lnSpc>
-            </a:pPr>
-            <a:r>
-              <a:rPr lang="en-US" sz="1200" b="0" strike="noStrike" spc="-1" dirty="0">
-                <a:solidFill>
-                  <a:srgbClr val="000000"/>
-                </a:solidFill>
-                <a:latin typeface="Calibri"/>
-                <a:ea typeface="DejaVu Sans"/>
-              </a:rPr>
-              <a:t>Chapter 19:</a:t>
-            </a:r>
-            <a:endParaRPr lang="en-US" sz="1200" b="0" strike="noStrike" spc="-1" dirty="0">
-              <a:latin typeface="Arial"/>
-            </a:endParaRPr>
-          </a:p>
-          <a:p>
-            <a:pPr marL="171360" indent="-170640">
-              <a:lnSpc>
-                <a:spcPct val="100000"/>
-              </a:lnSpc>
-              <a:buClr>
-                <a:srgbClr val="000000"/>
-              </a:buClr>
-              <a:buFont typeface="Arial"/>
-              <a:buChar char="•"/>
-            </a:pPr>
-            <a:r>
-              <a:rPr lang="en-US" sz="1200" b="0" strike="noStrike" spc="-1" dirty="0">
-                <a:solidFill>
-                  <a:srgbClr val="000000"/>
-                </a:solidFill>
-                <a:latin typeface="Calibri"/>
-                <a:ea typeface="DejaVu Sans"/>
-              </a:rPr>
-              <a:t>International Finance</a:t>
-            </a:r>
-            <a:endParaRPr lang="en-US" sz="1200" b="0" strike="noStrike" spc="-1" dirty="0">
-              <a:latin typeface="Arial"/>
-            </a:endParaRPr>
-          </a:p>
-          <a:p>
-            <a:pPr marL="171360" indent="-170640">
-              <a:lnSpc>
-                <a:spcPct val="100000"/>
-              </a:lnSpc>
-              <a:buClr>
-                <a:srgbClr val="000000"/>
-              </a:buClr>
-              <a:buFont typeface="Arial"/>
-              <a:buChar char="•"/>
-            </a:pPr>
-            <a:r>
-              <a:rPr lang="en-US" sz="1200" b="0" strike="noStrike" spc="-1" dirty="0">
-                <a:solidFill>
-                  <a:srgbClr val="000000"/>
-                </a:solidFill>
-                <a:latin typeface="Calibri"/>
-                <a:ea typeface="DejaVu Sans"/>
-              </a:rPr>
-              <a:t>Phillips curve</a:t>
-            </a:r>
-            <a:endParaRPr lang="en-US" sz="1200" b="0" strike="noStrike" spc="-1" dirty="0">
-              <a:latin typeface="Arial"/>
-            </a:endParaRPr>
-          </a:p>
-          <a:p>
-            <a:pPr>
-              <a:lnSpc>
-                <a:spcPct val="100000"/>
-              </a:lnSpc>
-            </a:pPr>
-            <a:endParaRPr lang="en-US" sz="1200" b="0" strike="noStrike" spc="-1" dirty="0">
-              <a:latin typeface="Arial"/>
-            </a:endParaRPr>
-          </a:p>
-        </p:txBody>
-      </p:sp>
-      <p:sp>
-        <p:nvSpPr>
-          <p:cNvPr id="56" name="CustomShape 15"/>
-          <p:cNvSpPr/>
-          <p:nvPr/>
-        </p:nvSpPr>
-        <p:spPr>
-          <a:xfrm>
-            <a:off x="3045600" y="5413680"/>
-            <a:ext cx="2894400" cy="986760"/>
-          </a:xfrm>
-          <a:prstGeom prst="rect">
-            <a:avLst/>
-          </a:prstGeom>
-          <a:gradFill>
-            <a:gsLst>
-              <a:gs pos="0">
-                <a:srgbClr val="FFDED0"/>
-              </a:gs>
-              <a:gs pos="100000">
-                <a:srgbClr val="FFF1EC"/>
-              </a:gs>
-            </a:gsLst>
-            <a:lin ang="16200000"/>
-          </a:gradFill>
-          <a:ln w="9360">
-            <a:solidFill>
-              <a:srgbClr val="F59240"/>
-            </a:solidFill>
-            <a:round/>
-          </a:ln>
-        </p:spPr>
-        <p:style>
-          <a:lnRef idx="0">
-            <a:scrgbClr r="0" g="0" b="0"/>
-          </a:lnRef>
-          <a:fillRef idx="0">
-            <a:scrgbClr r="0" g="0" b="0"/>
-          </a:fillRef>
-          <a:effectRef idx="0">
-            <a:scrgbClr r="0" g="0" b="0"/>
-          </a:effectRef>
-          <a:fontRef idx="minor"/>
-        </p:style>
-        <p:txBody>
-          <a:bodyPr lIns="90000" tIns="45000" rIns="90000" bIns="45000"/>
-          <a:lstStyle/>
-          <a:p>
-            <a:pPr algn="ctr">
-              <a:lnSpc>
-                <a:spcPct val="100000"/>
-              </a:lnSpc>
-            </a:pPr>
-            <a:r>
-              <a:rPr lang="en-US" sz="1600" b="0" strike="noStrike" spc="-1">
-                <a:solidFill>
-                  <a:srgbClr val="000000"/>
-                </a:solidFill>
-                <a:latin typeface="Calibri"/>
-                <a:ea typeface="DejaVu Sans"/>
-              </a:rPr>
-              <a:t>Income Expenditure Model</a:t>
-            </a:r>
-            <a:endParaRPr lang="en-US" sz="1600" b="0" strike="noStrike" spc="-1">
-              <a:latin typeface="Arial"/>
-            </a:endParaRPr>
-          </a:p>
-          <a:p>
-            <a:pPr>
-              <a:lnSpc>
-                <a:spcPct val="100000"/>
-              </a:lnSpc>
-            </a:pPr>
-            <a:r>
-              <a:rPr lang="en-US" sz="1100" b="0" strike="noStrike" spc="-1">
-                <a:solidFill>
-                  <a:srgbClr val="000000"/>
-                </a:solidFill>
-                <a:latin typeface="Calibri"/>
-                <a:ea typeface="DejaVu Sans"/>
-              </a:rPr>
-              <a:t>Chapter 11:</a:t>
-            </a:r>
-            <a:endParaRPr lang="en-US" sz="1100" b="0" strike="noStrike" spc="-1">
-              <a:latin typeface="Arial"/>
-            </a:endParaRPr>
-          </a:p>
-          <a:p>
-            <a:pPr marL="171360" indent="-170640">
-              <a:lnSpc>
-                <a:spcPct val="100000"/>
-              </a:lnSpc>
-              <a:buClr>
-                <a:srgbClr val="000000"/>
-              </a:buClr>
-              <a:buFont typeface="Arial"/>
-              <a:buChar char="•"/>
-            </a:pPr>
-            <a:r>
-              <a:rPr lang="en-US" sz="1100" b="0" strike="noStrike" spc="-1">
-                <a:solidFill>
-                  <a:srgbClr val="000000"/>
-                </a:solidFill>
-                <a:latin typeface="Calibri"/>
-                <a:ea typeface="DejaVu Sans"/>
-              </a:rPr>
-              <a:t>Consumption function</a:t>
-            </a:r>
-            <a:endParaRPr lang="en-US" sz="1100" b="0" strike="noStrike" spc="-1">
-              <a:latin typeface="Arial"/>
-            </a:endParaRPr>
-          </a:p>
-          <a:p>
-            <a:pPr marL="171360" indent="-170640">
-              <a:lnSpc>
-                <a:spcPct val="100000"/>
-              </a:lnSpc>
-              <a:buClr>
-                <a:srgbClr val="000000"/>
-              </a:buClr>
-              <a:buFont typeface="Arial"/>
-              <a:buChar char="•"/>
-            </a:pPr>
-            <a:r>
-              <a:rPr lang="en-US" sz="1100" b="0" strike="noStrike" spc="-1">
-                <a:solidFill>
-                  <a:srgbClr val="000000"/>
-                </a:solidFill>
-                <a:latin typeface="Calibri"/>
-                <a:ea typeface="DejaVu Sans"/>
-              </a:rPr>
-              <a:t>Gov’t spending and multiplier</a:t>
-            </a:r>
-            <a:endParaRPr lang="en-US" sz="1100" b="0" strike="noStrike" spc="-1">
-              <a:latin typeface="Arial"/>
-            </a:endParaRPr>
-          </a:p>
-          <a:p>
-            <a:pPr marL="171360" indent="-170640">
-              <a:lnSpc>
-                <a:spcPct val="100000"/>
-              </a:lnSpc>
-              <a:buClr>
-                <a:srgbClr val="000000"/>
-              </a:buClr>
-              <a:buFont typeface="Arial"/>
-              <a:buChar char="•"/>
-            </a:pPr>
-            <a:r>
-              <a:rPr lang="en-US" sz="1100" b="0" strike="noStrike" spc="-1">
-                <a:solidFill>
-                  <a:srgbClr val="000000"/>
-                </a:solidFill>
-                <a:latin typeface="Calibri"/>
-                <a:ea typeface="DejaVu Sans"/>
-              </a:rPr>
-              <a:t>Exports and Imports</a:t>
-            </a:r>
-            <a:endParaRPr lang="en-US" sz="1100" b="0" strike="noStrike" spc="-1">
-              <a:latin typeface="Arial"/>
-            </a:endParaRPr>
-          </a:p>
-        </p:txBody>
-      </p:sp>
-      <p:sp>
-        <p:nvSpPr>
-          <p:cNvPr id="57" name="CustomShape 16"/>
-          <p:cNvSpPr/>
-          <p:nvPr/>
-        </p:nvSpPr>
-        <p:spPr>
-          <a:xfrm>
-            <a:off x="76320" y="3615840"/>
-            <a:ext cx="2742120" cy="1038600"/>
-          </a:xfrm>
-          <a:prstGeom prst="rect">
-            <a:avLst/>
-          </a:prstGeom>
-          <a:gradFill>
-            <a:gsLst>
-              <a:gs pos="0">
-                <a:srgbClr val="BFD4FE"/>
-              </a:gs>
-              <a:gs pos="100000">
-                <a:srgbClr val="E5EFFF"/>
-              </a:gs>
-            </a:gsLst>
-            <a:lin ang="16200000"/>
-          </a:gradFill>
-          <a:ln w="9360">
-            <a:solidFill>
-              <a:srgbClr val="4A7EBB"/>
-            </a:solidFill>
-            <a:round/>
-          </a:ln>
-        </p:spPr>
-        <p:style>
-          <a:lnRef idx="0">
-            <a:scrgbClr r="0" g="0" b="0"/>
-          </a:lnRef>
-          <a:fillRef idx="0">
-            <a:scrgbClr r="0" g="0" b="0"/>
-          </a:fillRef>
-          <a:effectRef idx="0">
-            <a:scrgbClr r="0" g="0" b="0"/>
-          </a:effectRef>
-          <a:fontRef idx="minor"/>
-        </p:style>
-        <p:txBody>
-          <a:bodyPr lIns="90000" tIns="45000" rIns="90000" bIns="45000"/>
-          <a:lstStyle/>
-          <a:p>
-            <a:pPr algn="ctr">
-              <a:lnSpc>
-                <a:spcPct val="100000"/>
-              </a:lnSpc>
-            </a:pPr>
-            <a:r>
-              <a:rPr lang="en-US" sz="2000" b="0" strike="noStrike" spc="-1">
-                <a:solidFill>
-                  <a:srgbClr val="000000"/>
-                </a:solidFill>
-                <a:latin typeface="Calibri"/>
-                <a:ea typeface="DejaVu Sans"/>
-              </a:rPr>
-              <a:t>Trade</a:t>
-            </a:r>
-            <a:endParaRPr lang="en-US" sz="2000" b="0" strike="noStrike" spc="-1">
-              <a:latin typeface="Arial"/>
-            </a:endParaRPr>
-          </a:p>
-          <a:p>
-            <a:pPr>
-              <a:lnSpc>
-                <a:spcPct val="100000"/>
-              </a:lnSpc>
-            </a:pPr>
-            <a:r>
-              <a:rPr lang="en-US" sz="1100" b="0" strike="noStrike" spc="-1">
-                <a:solidFill>
-                  <a:srgbClr val="000000"/>
-                </a:solidFill>
-                <a:latin typeface="Calibri"/>
-                <a:ea typeface="DejaVu Sans"/>
-              </a:rPr>
-              <a:t>Chapter 18:</a:t>
-            </a:r>
-            <a:endParaRPr lang="en-US" sz="1100" b="0" strike="noStrike" spc="-1">
-              <a:latin typeface="Arial"/>
-            </a:endParaRPr>
-          </a:p>
-          <a:p>
-            <a:pPr marL="171360" indent="-170640">
-              <a:lnSpc>
-                <a:spcPct val="100000"/>
-              </a:lnSpc>
-              <a:buClr>
-                <a:srgbClr val="000000"/>
-              </a:buClr>
-              <a:buFont typeface="Arial"/>
-              <a:buChar char="•"/>
-            </a:pPr>
-            <a:r>
-              <a:rPr lang="en-US" sz="1100" b="0" strike="noStrike" spc="-1">
-                <a:solidFill>
-                  <a:srgbClr val="000000"/>
-                </a:solidFill>
-                <a:latin typeface="Calibri"/>
-                <a:ea typeface="DejaVu Sans"/>
-              </a:rPr>
-              <a:t>Exports, Imports, Trade Balance</a:t>
-            </a:r>
-            <a:endParaRPr lang="en-US" sz="1100" b="0" strike="noStrike" spc="-1">
-              <a:latin typeface="Arial"/>
-            </a:endParaRPr>
-          </a:p>
-          <a:p>
-            <a:pPr marL="171360" indent="-170640">
-              <a:lnSpc>
-                <a:spcPct val="100000"/>
-              </a:lnSpc>
-              <a:buClr>
-                <a:srgbClr val="000000"/>
-              </a:buClr>
-              <a:buFont typeface="Arial"/>
-              <a:buChar char="•"/>
-            </a:pPr>
-            <a:r>
-              <a:rPr lang="en-US" sz="1100" b="0" strike="noStrike" spc="-1">
-                <a:solidFill>
-                  <a:srgbClr val="000000"/>
-                </a:solidFill>
-                <a:latin typeface="Calibri"/>
-                <a:ea typeface="DejaVu Sans"/>
-              </a:rPr>
-              <a:t>Benefits of Trade and Trade Policies</a:t>
-            </a:r>
-            <a:endParaRPr lang="en-US" sz="1100" b="0" strike="noStrike" spc="-1">
-              <a:latin typeface="Arial"/>
-            </a:endParaRPr>
-          </a:p>
-        </p:txBody>
-      </p:sp>
-      <p:sp>
-        <p:nvSpPr>
-          <p:cNvPr id="58" name="CustomShape 17"/>
-          <p:cNvSpPr/>
-          <p:nvPr/>
-        </p:nvSpPr>
-        <p:spPr>
-          <a:xfrm>
-            <a:off x="3039480" y="1460520"/>
-            <a:ext cx="2894400" cy="1004400"/>
-          </a:xfrm>
-          <a:prstGeom prst="rect">
-            <a:avLst/>
-          </a:prstGeom>
-          <a:gradFill>
-            <a:gsLst>
-              <a:gs pos="0">
-                <a:srgbClr val="FFDED0"/>
-              </a:gs>
-              <a:gs pos="100000">
-                <a:srgbClr val="FFF1EC"/>
-              </a:gs>
-            </a:gsLst>
-            <a:lin ang="16200000"/>
-          </a:gradFill>
-          <a:ln w="9360">
-            <a:solidFill>
-              <a:srgbClr val="F59240"/>
-            </a:solidFill>
-            <a:round/>
-          </a:ln>
-        </p:spPr>
-        <p:style>
-          <a:lnRef idx="0">
-            <a:scrgbClr r="0" g="0" b="0"/>
-          </a:lnRef>
-          <a:fillRef idx="0">
-            <a:scrgbClr r="0" g="0" b="0"/>
-          </a:fillRef>
-          <a:effectRef idx="0">
-            <a:scrgbClr r="0" g="0" b="0"/>
-          </a:effectRef>
-          <a:fontRef idx="minor"/>
-        </p:style>
-        <p:txBody>
-          <a:bodyPr lIns="90000" tIns="45000" rIns="90000" bIns="45000"/>
-          <a:lstStyle/>
-          <a:p>
-            <a:pPr algn="ctr">
-              <a:lnSpc>
-                <a:spcPct val="100000"/>
-              </a:lnSpc>
-            </a:pPr>
-            <a:r>
-              <a:rPr lang="en-US" sz="2000" b="0" strike="noStrike" spc="-1">
-                <a:solidFill>
-                  <a:srgbClr val="000000"/>
-                </a:solidFill>
-                <a:latin typeface="Calibri"/>
-                <a:ea typeface="DejaVu Sans"/>
-              </a:rPr>
-              <a:t>Long-Run Economy</a:t>
-            </a:r>
-            <a:endParaRPr lang="en-US" sz="2000" b="0" strike="noStrike" spc="-1">
-              <a:latin typeface="Arial"/>
-            </a:endParaRPr>
-          </a:p>
-          <a:p>
-            <a:pPr>
-              <a:lnSpc>
-                <a:spcPct val="100000"/>
-              </a:lnSpc>
-            </a:pPr>
-            <a:r>
-              <a:rPr lang="en-US" sz="1100" b="0" strike="noStrike" spc="-1">
-                <a:solidFill>
-                  <a:srgbClr val="000000"/>
-                </a:solidFill>
-                <a:latin typeface="Calibri"/>
-                <a:ea typeface="DejaVu Sans"/>
-              </a:rPr>
-              <a:t>Chapter 7:</a:t>
-            </a:r>
-            <a:endParaRPr lang="en-US" sz="1100" b="0" strike="noStrike" spc="-1">
-              <a:latin typeface="Arial"/>
-            </a:endParaRPr>
-          </a:p>
-          <a:p>
-            <a:pPr>
-              <a:lnSpc>
-                <a:spcPct val="100000"/>
-              </a:lnSpc>
-            </a:pPr>
-            <a:r>
-              <a:rPr lang="en-US" sz="1100" b="0" strike="noStrike" spc="-1">
-                <a:solidFill>
-                  <a:srgbClr val="000000"/>
-                </a:solidFill>
-                <a:latin typeface="Calibri"/>
-                <a:ea typeface="DejaVu Sans"/>
-              </a:rPr>
-              <a:t>Price flexibility</a:t>
-            </a:r>
-            <a:endParaRPr lang="en-US" sz="1100" b="0" strike="noStrike" spc="-1">
-              <a:latin typeface="Arial"/>
-            </a:endParaRPr>
-          </a:p>
-          <a:p>
-            <a:pPr>
-              <a:lnSpc>
-                <a:spcPct val="100000"/>
-              </a:lnSpc>
-            </a:pPr>
-            <a:r>
-              <a:rPr lang="en-US" sz="1100" b="0" strike="noStrike" spc="-1">
-                <a:solidFill>
-                  <a:srgbClr val="000000"/>
-                </a:solidFill>
-                <a:latin typeface="Calibri"/>
-                <a:ea typeface="DejaVu Sans"/>
-              </a:rPr>
-              <a:t>Full employment</a:t>
-            </a:r>
-            <a:endParaRPr lang="en-US" sz="1100" b="0" strike="noStrike" spc="-1">
-              <a:latin typeface="Arial"/>
-            </a:endParaRPr>
-          </a:p>
-          <a:p>
-            <a:pPr>
-              <a:lnSpc>
-                <a:spcPct val="100000"/>
-              </a:lnSpc>
-            </a:pPr>
-            <a:endParaRPr lang="en-US" sz="1100" b="0" strike="noStrike" spc="-1">
+            <a:endParaRPr b="0" lang="en-US" sz="1100" spc="-1" strike="noStrike">
               <a:latin typeface="Arial"/>
             </a:endParaRPr>
           </a:p>
@@ -4313,9 +4135,6 @@
       </p:sp>
     </p:spTree>
   </p:cSld>
-  <p:clrMapOvr>
-    <a:masterClrMapping/>
-  </p:clrMapOvr>
   <p:timing>
     <p:tnLst>
       <p:par>
@@ -4324,14 +4143,14 @@
             <p:seq>
               <p:cTn id="2" nodeType="mainSeq"/>
               <p:prevCondLst>
-                <p:cond evt="onPrev" delay="0">
+                <p:cond delay="0" evt="onPrev">
                   <p:tgtEl>
                     <p:sldTgt/>
                   </p:tgtEl>
                 </p:cond>
               </p:prevCondLst>
               <p:nextCondLst>
-                <p:cond evt="onNext" delay="0">
+                <p:cond delay="0" evt="onNext">
                   <p:tgtEl>
                     <p:sldTgt/>
                   </p:tgtEl>
@@ -4566,7 +4385,5 @@
       </a:bgFillStyleLst>
     </a:fmtScheme>
   </a:themeElements>
-  <a:objectDefaults/>
-  <a:extraClrSchemeLst/>
 </a:theme>
 </file>
--- a/jdocs/Macro1/Chapter0_Roadmap.pptx
+++ b/jdocs/Macro1/Chapter0_Roadmap.pptx
@@ -73,10 +73,8 @@
         <p:txBody>
           <a:bodyPr lIns="0" rIns="0" tIns="0" bIns="0" anchor="ctr"/>
           <a:p>
-            <a:endParaRPr b="0" lang="en-US" sz="1800" spc="-1" strike="noStrike">
-              <a:solidFill>
-                <a:srgbClr val="000000"/>
-              </a:solidFill>
+            <a:pPr algn="ctr"/>
+            <a:endParaRPr b="0" lang="en-US" sz="4400" spc="-1" strike="noStrike">
               <a:latin typeface="Arial"/>
             </a:endParaRPr>
           </a:p>
@@ -106,10 +104,7 @@
             <a:normAutofit/>
           </a:bodyPr>
           <a:p>
-            <a:endParaRPr b="0" lang="en-US" sz="1800" spc="-1" strike="noStrike">
-              <a:solidFill>
-                <a:srgbClr val="000000"/>
-              </a:solidFill>
+            <a:endParaRPr b="0" lang="en-US" sz="3200" spc="-1" strike="noStrike">
               <a:latin typeface="Arial"/>
             </a:endParaRPr>
           </a:p>
@@ -139,10 +134,7 @@
             <a:normAutofit/>
           </a:bodyPr>
           <a:p>
-            <a:endParaRPr b="0" lang="en-US" sz="1800" spc="-1" strike="noStrike">
-              <a:solidFill>
-                <a:srgbClr val="000000"/>
-              </a:solidFill>
+            <a:endParaRPr b="0" lang="en-US" sz="3200" spc="-1" strike="noStrike">
               <a:latin typeface="Arial"/>
             </a:endParaRPr>
           </a:p>
@@ -192,10 +184,8 @@
         <p:txBody>
           <a:bodyPr lIns="0" rIns="0" tIns="0" bIns="0" anchor="ctr"/>
           <a:p>
-            <a:endParaRPr b="0" lang="en-US" sz="1800" spc="-1" strike="noStrike">
-              <a:solidFill>
-                <a:srgbClr val="000000"/>
-              </a:solidFill>
+            <a:pPr algn="ctr"/>
+            <a:endParaRPr b="0" lang="en-US" sz="4400" spc="-1" strike="noStrike">
               <a:latin typeface="Arial"/>
             </a:endParaRPr>
           </a:p>
@@ -225,10 +215,7 @@
             <a:normAutofit/>
           </a:bodyPr>
           <a:p>
-            <a:endParaRPr b="0" lang="en-US" sz="1800" spc="-1" strike="noStrike">
-              <a:solidFill>
-                <a:srgbClr val="000000"/>
-              </a:solidFill>
+            <a:endParaRPr b="0" lang="en-US" sz="3200" spc="-1" strike="noStrike">
               <a:latin typeface="Arial"/>
             </a:endParaRPr>
           </a:p>
@@ -258,10 +245,7 @@
             <a:normAutofit/>
           </a:bodyPr>
           <a:p>
-            <a:endParaRPr b="0" lang="en-US" sz="1800" spc="-1" strike="noStrike">
-              <a:solidFill>
-                <a:srgbClr val="000000"/>
-              </a:solidFill>
+            <a:endParaRPr b="0" lang="en-US" sz="3200" spc="-1" strike="noStrike">
               <a:latin typeface="Arial"/>
             </a:endParaRPr>
           </a:p>
@@ -291,10 +275,7 @@
             <a:normAutofit/>
           </a:bodyPr>
           <a:p>
-            <a:endParaRPr b="0" lang="en-US" sz="1800" spc="-1" strike="noStrike">
-              <a:solidFill>
-                <a:srgbClr val="000000"/>
-              </a:solidFill>
+            <a:endParaRPr b="0" lang="en-US" sz="3200" spc="-1" strike="noStrike">
               <a:latin typeface="Arial"/>
             </a:endParaRPr>
           </a:p>
@@ -324,10 +305,7 @@
             <a:normAutofit/>
           </a:bodyPr>
           <a:p>
-            <a:endParaRPr b="0" lang="en-US" sz="1800" spc="-1" strike="noStrike">
-              <a:solidFill>
-                <a:srgbClr val="000000"/>
-              </a:solidFill>
+            <a:endParaRPr b="0" lang="en-US" sz="3200" spc="-1" strike="noStrike">
               <a:latin typeface="Arial"/>
             </a:endParaRPr>
           </a:p>
@@ -377,10 +355,8 @@
         <p:txBody>
           <a:bodyPr lIns="0" rIns="0" tIns="0" bIns="0" anchor="ctr"/>
           <a:p>
-            <a:endParaRPr b="0" lang="en-US" sz="1800" spc="-1" strike="noStrike">
-              <a:solidFill>
-                <a:srgbClr val="000000"/>
-              </a:solidFill>
+            <a:pPr algn="ctr"/>
+            <a:endParaRPr b="0" lang="en-US" sz="4400" spc="-1" strike="noStrike">
               <a:latin typeface="Arial"/>
             </a:endParaRPr>
           </a:p>
@@ -410,10 +386,7 @@
             <a:normAutofit/>
           </a:bodyPr>
           <a:p>
-            <a:endParaRPr b="0" lang="en-US" sz="1800" spc="-1" strike="noStrike">
-              <a:solidFill>
-                <a:srgbClr val="000000"/>
-              </a:solidFill>
+            <a:endParaRPr b="0" lang="en-US" sz="3200" spc="-1" strike="noStrike">
               <a:latin typeface="Arial"/>
             </a:endParaRPr>
           </a:p>
@@ -443,10 +416,7 @@
             <a:normAutofit/>
           </a:bodyPr>
           <a:p>
-            <a:endParaRPr b="0" lang="en-US" sz="1800" spc="-1" strike="noStrike">
-              <a:solidFill>
-                <a:srgbClr val="000000"/>
-              </a:solidFill>
+            <a:endParaRPr b="0" lang="en-US" sz="3200" spc="-1" strike="noStrike">
               <a:latin typeface="Arial"/>
             </a:endParaRPr>
           </a:p>
@@ -476,10 +446,7 @@
             <a:normAutofit/>
           </a:bodyPr>
           <a:p>
-            <a:endParaRPr b="0" lang="en-US" sz="1800" spc="-1" strike="noStrike">
-              <a:solidFill>
-                <a:srgbClr val="000000"/>
-              </a:solidFill>
+            <a:endParaRPr b="0" lang="en-US" sz="3200" spc="-1" strike="noStrike">
               <a:latin typeface="Arial"/>
             </a:endParaRPr>
           </a:p>
@@ -509,10 +476,7 @@
             <a:normAutofit/>
           </a:bodyPr>
           <a:p>
-            <a:endParaRPr b="0" lang="en-US" sz="1800" spc="-1" strike="noStrike">
-              <a:solidFill>
-                <a:srgbClr val="000000"/>
-              </a:solidFill>
+            <a:endParaRPr b="0" lang="en-US" sz="3200" spc="-1" strike="noStrike">
               <a:latin typeface="Arial"/>
             </a:endParaRPr>
           </a:p>
@@ -542,10 +506,7 @@
             <a:normAutofit/>
           </a:bodyPr>
           <a:p>
-            <a:endParaRPr b="0" lang="en-US" sz="1800" spc="-1" strike="noStrike">
-              <a:solidFill>
-                <a:srgbClr val="000000"/>
-              </a:solidFill>
+            <a:endParaRPr b="0" lang="en-US" sz="3200" spc="-1" strike="noStrike">
               <a:latin typeface="Arial"/>
             </a:endParaRPr>
           </a:p>
@@ -575,10 +536,7 @@
             <a:normAutofit/>
           </a:bodyPr>
           <a:p>
-            <a:endParaRPr b="0" lang="en-US" sz="1800" spc="-1" strike="noStrike">
-              <a:solidFill>
-                <a:srgbClr val="000000"/>
-              </a:solidFill>
+            <a:endParaRPr b="0" lang="en-US" sz="3200" spc="-1" strike="noStrike">
               <a:latin typeface="Arial"/>
             </a:endParaRPr>
           </a:p>
@@ -628,10 +586,8 @@
         <p:txBody>
           <a:bodyPr lIns="0" rIns="0" tIns="0" bIns="0" anchor="ctr"/>
           <a:p>
-            <a:endParaRPr b="0" lang="en-US" sz="1800" spc="-1" strike="noStrike">
-              <a:solidFill>
-                <a:srgbClr val="000000"/>
-              </a:solidFill>
+            <a:pPr algn="ctr"/>
+            <a:endParaRPr b="0" lang="en-US" sz="4400" spc="-1" strike="noStrike">
               <a:latin typeface="Arial"/>
             </a:endParaRPr>
           </a:p>
@@ -710,10 +666,8 @@
         <p:txBody>
           <a:bodyPr lIns="0" rIns="0" tIns="0" bIns="0" anchor="ctr"/>
           <a:p>
-            <a:endParaRPr b="0" lang="en-US" sz="1800" spc="-1" strike="noStrike">
-              <a:solidFill>
-                <a:srgbClr val="000000"/>
-              </a:solidFill>
+            <a:pPr algn="ctr"/>
+            <a:endParaRPr b="0" lang="en-US" sz="4400" spc="-1" strike="noStrike">
               <a:latin typeface="Arial"/>
             </a:endParaRPr>
           </a:p>
@@ -743,10 +697,7 @@
             <a:normAutofit/>
           </a:bodyPr>
           <a:p>
-            <a:endParaRPr b="0" lang="en-US" sz="1800" spc="-1" strike="noStrike">
-              <a:solidFill>
-                <a:srgbClr val="000000"/>
-              </a:solidFill>
+            <a:endParaRPr b="0" lang="en-US" sz="3200" spc="-1" strike="noStrike">
               <a:latin typeface="Arial"/>
             </a:endParaRPr>
           </a:p>
@@ -796,10 +747,8 @@
         <p:txBody>
           <a:bodyPr lIns="0" rIns="0" tIns="0" bIns="0" anchor="ctr"/>
           <a:p>
-            <a:endParaRPr b="0" lang="en-US" sz="1800" spc="-1" strike="noStrike">
-              <a:solidFill>
-                <a:srgbClr val="000000"/>
-              </a:solidFill>
+            <a:pPr algn="ctr"/>
+            <a:endParaRPr b="0" lang="en-US" sz="4400" spc="-1" strike="noStrike">
               <a:latin typeface="Arial"/>
             </a:endParaRPr>
           </a:p>
@@ -829,10 +778,7 @@
             <a:normAutofit/>
           </a:bodyPr>
           <a:p>
-            <a:endParaRPr b="0" lang="en-US" sz="1800" spc="-1" strike="noStrike">
-              <a:solidFill>
-                <a:srgbClr val="000000"/>
-              </a:solidFill>
+            <a:endParaRPr b="0" lang="en-US" sz="3200" spc="-1" strike="noStrike">
               <a:latin typeface="Arial"/>
             </a:endParaRPr>
           </a:p>
@@ -862,10 +808,7 @@
             <a:normAutofit/>
           </a:bodyPr>
           <a:p>
-            <a:endParaRPr b="0" lang="en-US" sz="1800" spc="-1" strike="noStrike">
-              <a:solidFill>
-                <a:srgbClr val="000000"/>
-              </a:solidFill>
+            <a:endParaRPr b="0" lang="en-US" sz="3200" spc="-1" strike="noStrike">
               <a:latin typeface="Arial"/>
             </a:endParaRPr>
           </a:p>
@@ -915,10 +858,8 @@
         <p:txBody>
           <a:bodyPr lIns="0" rIns="0" tIns="0" bIns="0" anchor="ctr"/>
           <a:p>
-            <a:endParaRPr b="0" lang="en-US" sz="1800" spc="-1" strike="noStrike">
-              <a:solidFill>
-                <a:srgbClr val="000000"/>
-              </a:solidFill>
+            <a:pPr algn="ctr"/>
+            <a:endParaRPr b="0" lang="en-US" sz="4400" spc="-1" strike="noStrike">
               <a:latin typeface="Arial"/>
             </a:endParaRPr>
           </a:p>
@@ -1019,10 +960,8 @@
         <p:txBody>
           <a:bodyPr lIns="0" rIns="0" tIns="0" bIns="0" anchor="ctr"/>
           <a:p>
-            <a:endParaRPr b="0" lang="en-US" sz="1800" spc="-1" strike="noStrike">
-              <a:solidFill>
-                <a:srgbClr val="000000"/>
-              </a:solidFill>
+            <a:pPr algn="ctr"/>
+            <a:endParaRPr b="0" lang="en-US" sz="4400" spc="-1" strike="noStrike">
               <a:latin typeface="Arial"/>
             </a:endParaRPr>
           </a:p>
@@ -1052,10 +991,7 @@
             <a:normAutofit/>
           </a:bodyPr>
           <a:p>
-            <a:endParaRPr b="0" lang="en-US" sz="1800" spc="-1" strike="noStrike">
-              <a:solidFill>
-                <a:srgbClr val="000000"/>
-              </a:solidFill>
+            <a:endParaRPr b="0" lang="en-US" sz="3200" spc="-1" strike="noStrike">
               <a:latin typeface="Arial"/>
             </a:endParaRPr>
           </a:p>
@@ -1085,10 +1021,7 @@
             <a:normAutofit/>
           </a:bodyPr>
           <a:p>
-            <a:endParaRPr b="0" lang="en-US" sz="1800" spc="-1" strike="noStrike">
-              <a:solidFill>
-                <a:srgbClr val="000000"/>
-              </a:solidFill>
+            <a:endParaRPr b="0" lang="en-US" sz="3200" spc="-1" strike="noStrike">
               <a:latin typeface="Arial"/>
             </a:endParaRPr>
           </a:p>
@@ -1118,10 +1051,7 @@
             <a:normAutofit/>
           </a:bodyPr>
           <a:p>
-            <a:endParaRPr b="0" lang="en-US" sz="1800" spc="-1" strike="noStrike">
-              <a:solidFill>
-                <a:srgbClr val="000000"/>
-              </a:solidFill>
+            <a:endParaRPr b="0" lang="en-US" sz="3200" spc="-1" strike="noStrike">
               <a:latin typeface="Arial"/>
             </a:endParaRPr>
           </a:p>
@@ -1171,10 +1101,8 @@
         <p:txBody>
           <a:bodyPr lIns="0" rIns="0" tIns="0" bIns="0" anchor="ctr"/>
           <a:p>
-            <a:endParaRPr b="0" lang="en-US" sz="1800" spc="-1" strike="noStrike">
-              <a:solidFill>
-                <a:srgbClr val="000000"/>
-              </a:solidFill>
+            <a:pPr algn="ctr"/>
+            <a:endParaRPr b="0" lang="en-US" sz="4400" spc="-1" strike="noStrike">
               <a:latin typeface="Arial"/>
             </a:endParaRPr>
           </a:p>
@@ -1204,10 +1132,7 @@
             <a:normAutofit/>
           </a:bodyPr>
           <a:p>
-            <a:endParaRPr b="0" lang="en-US" sz="1800" spc="-1" strike="noStrike">
-              <a:solidFill>
-                <a:srgbClr val="000000"/>
-              </a:solidFill>
+            <a:endParaRPr b="0" lang="en-US" sz="3200" spc="-1" strike="noStrike">
               <a:latin typeface="Arial"/>
             </a:endParaRPr>
           </a:p>
@@ -1237,10 +1162,7 @@
             <a:normAutofit/>
           </a:bodyPr>
           <a:p>
-            <a:endParaRPr b="0" lang="en-US" sz="1800" spc="-1" strike="noStrike">
-              <a:solidFill>
-                <a:srgbClr val="000000"/>
-              </a:solidFill>
+            <a:endParaRPr b="0" lang="en-US" sz="3200" spc="-1" strike="noStrike">
               <a:latin typeface="Arial"/>
             </a:endParaRPr>
           </a:p>
@@ -1270,10 +1192,7 @@
             <a:normAutofit/>
           </a:bodyPr>
           <a:p>
-            <a:endParaRPr b="0" lang="en-US" sz="1800" spc="-1" strike="noStrike">
-              <a:solidFill>
-                <a:srgbClr val="000000"/>
-              </a:solidFill>
+            <a:endParaRPr b="0" lang="en-US" sz="3200" spc="-1" strike="noStrike">
               <a:latin typeface="Arial"/>
             </a:endParaRPr>
           </a:p>
@@ -1323,10 +1242,8 @@
         <p:txBody>
           <a:bodyPr lIns="0" rIns="0" tIns="0" bIns="0" anchor="ctr"/>
           <a:p>
-            <a:endParaRPr b="0" lang="en-US" sz="1800" spc="-1" strike="noStrike">
-              <a:solidFill>
-                <a:srgbClr val="000000"/>
-              </a:solidFill>
+            <a:pPr algn="ctr"/>
+            <a:endParaRPr b="0" lang="en-US" sz="4400" spc="-1" strike="noStrike">
               <a:latin typeface="Arial"/>
             </a:endParaRPr>
           </a:p>
@@ -1356,10 +1273,7 @@
             <a:normAutofit/>
           </a:bodyPr>
           <a:p>
-            <a:endParaRPr b="0" lang="en-US" sz="1800" spc="-1" strike="noStrike">
-              <a:solidFill>
-                <a:srgbClr val="000000"/>
-              </a:solidFill>
+            <a:endParaRPr b="0" lang="en-US" sz="3200" spc="-1" strike="noStrike">
               <a:latin typeface="Arial"/>
             </a:endParaRPr>
           </a:p>
@@ -1389,10 +1303,7 @@
             <a:normAutofit/>
           </a:bodyPr>
           <a:p>
-            <a:endParaRPr b="0" lang="en-US" sz="1800" spc="-1" strike="noStrike">
-              <a:solidFill>
-                <a:srgbClr val="000000"/>
-              </a:solidFill>
+            <a:endParaRPr b="0" lang="en-US" sz="3200" spc="-1" strike="noStrike">
               <a:latin typeface="Arial"/>
             </a:endParaRPr>
           </a:p>
@@ -1422,10 +1333,7 @@
             <a:normAutofit/>
           </a:bodyPr>
           <a:p>
-            <a:endParaRPr b="0" lang="en-US" sz="1800" spc="-1" strike="noStrike">
-              <a:solidFill>
-                <a:srgbClr val="000000"/>
-              </a:solidFill>
+            <a:endParaRPr b="0" lang="en-US" sz="3200" spc="-1" strike="noStrike">
               <a:latin typeface="Arial"/>
             </a:endParaRPr>
           </a:p>
@@ -1469,7 +1377,7 @@
         <p:spPr>
           <a:xfrm>
             <a:off x="4572000" y="6477120"/>
-            <a:ext cx="4570920" cy="379800"/>
+            <a:ext cx="4570560" cy="379440"/>
           </a:xfrm>
           <a:prstGeom prst="rect">
             <a:avLst/>
@@ -1505,7 +1413,7 @@
         <p:spPr>
           <a:xfrm>
             <a:off x="0" y="6477120"/>
-            <a:ext cx="4570920" cy="379800"/>
+            <a:ext cx="4570560" cy="379440"/>
           </a:xfrm>
           <a:prstGeom prst="rect">
             <a:avLst/>
@@ -1541,7 +1449,7 @@
         <p:spPr>
           <a:xfrm>
             <a:off x="0" y="0"/>
-            <a:ext cx="9142920" cy="761040"/>
+            <a:ext cx="9142560" cy="760680"/>
           </a:xfrm>
           <a:prstGeom prst="rect">
             <a:avLst/>
@@ -1592,7 +1500,7 @@
         <p:spPr>
           <a:xfrm>
             <a:off x="1071720" y="6488280"/>
-            <a:ext cx="3499200" cy="368640"/>
+            <a:ext cx="3498840" cy="368280"/>
           </a:xfrm>
           <a:prstGeom prst="rect">
             <a:avLst/>
@@ -1674,19 +1582,14 @@
         <p:txBody>
           <a:bodyPr lIns="0" rIns="0" tIns="0" bIns="0" anchor="ctr"/>
           <a:p>
-            <a:r>
-              <a:rPr b="0" lang="en-US" sz="1800" spc="-1" strike="noStrike">
-                <a:solidFill>
-                  <a:srgbClr val="000000"/>
-                </a:solidFill>
+            <a:pPr algn="ctr"/>
+            <a:r>
+              <a:rPr b="0" lang="en-US" sz="4400" spc="-1" strike="noStrike">
                 <a:latin typeface="Arial"/>
               </a:rPr>
               <a:t>Click to edit the title text format</a:t>
             </a:r>
-            <a:endParaRPr b="0" lang="en-US" sz="1800" spc="-1" strike="noStrike">
-              <a:solidFill>
-                <a:srgbClr val="000000"/>
-              </a:solidFill>
+            <a:endParaRPr b="0" lang="en-US" sz="4400" spc="-1" strike="noStrike">
               <a:latin typeface="Arial"/>
             </a:endParaRPr>
           </a:p>
@@ -1728,18 +1631,12 @@
               <a:buChar char=""/>
             </a:pPr>
             <a:r>
-              <a:rPr b="0" lang="en-US" sz="1800" spc="-1" strike="noStrike">
-                <a:solidFill>
-                  <a:srgbClr val="000000"/>
-                </a:solidFill>
+              <a:rPr b="0" lang="en-US" sz="3200" spc="-1" strike="noStrike">
                 <a:latin typeface="Arial"/>
               </a:rPr>
               <a:t>Click to edit the outline text format</a:t>
             </a:r>
-            <a:endParaRPr b="0" lang="en-US" sz="1800" spc="-1" strike="noStrike">
-              <a:solidFill>
-                <a:srgbClr val="000000"/>
-              </a:solidFill>
+            <a:endParaRPr b="0" lang="en-US" sz="3200" spc="-1" strike="noStrike">
               <a:latin typeface="Arial"/>
             </a:endParaRPr>
           </a:p>
@@ -1756,18 +1653,12 @@
               <a:buChar char=""/>
             </a:pPr>
             <a:r>
-              <a:rPr b="0" lang="en-US" sz="1800" spc="-1" strike="noStrike">
-                <a:solidFill>
-                  <a:srgbClr val="000000"/>
-                </a:solidFill>
+              <a:rPr b="0" lang="en-US" sz="2800" spc="-1" strike="noStrike">
                 <a:latin typeface="Arial"/>
               </a:rPr>
               <a:t>Second Outline Level</a:t>
             </a:r>
-            <a:endParaRPr b="0" lang="en-US" sz="1800" spc="-1" strike="noStrike">
-              <a:solidFill>
-                <a:srgbClr val="000000"/>
-              </a:solidFill>
+            <a:endParaRPr b="0" lang="en-US" sz="2800" spc="-1" strike="noStrike">
               <a:latin typeface="Arial"/>
             </a:endParaRPr>
           </a:p>
@@ -1784,18 +1675,12 @@
               <a:buChar char=""/>
             </a:pPr>
             <a:r>
-              <a:rPr b="0" lang="en-US" sz="1800" spc="-1" strike="noStrike">
-                <a:solidFill>
-                  <a:srgbClr val="000000"/>
-                </a:solidFill>
+              <a:rPr b="0" lang="en-US" sz="2400" spc="-1" strike="noStrike">
                 <a:latin typeface="Arial"/>
               </a:rPr>
               <a:t>Third Outline Level</a:t>
             </a:r>
-            <a:endParaRPr b="0" lang="en-US" sz="1800" spc="-1" strike="noStrike">
-              <a:solidFill>
-                <a:srgbClr val="000000"/>
-              </a:solidFill>
+            <a:endParaRPr b="0" lang="en-US" sz="2400" spc="-1" strike="noStrike">
               <a:latin typeface="Arial"/>
             </a:endParaRPr>
           </a:p>
@@ -1812,18 +1697,12 @@
               <a:buChar char=""/>
             </a:pPr>
             <a:r>
-              <a:rPr b="0" lang="en-US" sz="1800" spc="-1" strike="noStrike">
-                <a:solidFill>
-                  <a:srgbClr val="000000"/>
-                </a:solidFill>
+              <a:rPr b="0" lang="en-US" sz="2000" spc="-1" strike="noStrike">
                 <a:latin typeface="Arial"/>
               </a:rPr>
               <a:t>Fourth Outline Level</a:t>
             </a:r>
-            <a:endParaRPr b="0" lang="en-US" sz="1800" spc="-1" strike="noStrike">
-              <a:solidFill>
-                <a:srgbClr val="000000"/>
-              </a:solidFill>
+            <a:endParaRPr b="0" lang="en-US" sz="2000" spc="-1" strike="noStrike">
               <a:latin typeface="Arial"/>
             </a:endParaRPr>
           </a:p>
@@ -1841,17 +1720,11 @@
             </a:pPr>
             <a:r>
               <a:rPr b="0" lang="en-US" sz="2000" spc="-1" strike="noStrike">
-                <a:solidFill>
-                  <a:srgbClr val="000000"/>
-                </a:solidFill>
                 <a:latin typeface="Arial"/>
               </a:rPr>
               <a:t>Fifth Outline Level</a:t>
             </a:r>
             <a:endParaRPr b="0" lang="en-US" sz="2000" spc="-1" strike="noStrike">
-              <a:solidFill>
-                <a:srgbClr val="000000"/>
-              </a:solidFill>
               <a:latin typeface="Arial"/>
             </a:endParaRPr>
           </a:p>
@@ -1869,17 +1742,11 @@
             </a:pPr>
             <a:r>
               <a:rPr b="0" lang="en-US" sz="2000" spc="-1" strike="noStrike">
-                <a:solidFill>
-                  <a:srgbClr val="000000"/>
-                </a:solidFill>
                 <a:latin typeface="Arial"/>
               </a:rPr>
               <a:t>Sixth Outline Level</a:t>
             </a:r>
             <a:endParaRPr b="0" lang="en-US" sz="2000" spc="-1" strike="noStrike">
-              <a:solidFill>
-                <a:srgbClr val="000000"/>
-              </a:solidFill>
               <a:latin typeface="Arial"/>
             </a:endParaRPr>
           </a:p>
@@ -1897,17 +1764,11 @@
             </a:pPr>
             <a:r>
               <a:rPr b="0" lang="en-US" sz="2000" spc="-1" strike="noStrike">
-                <a:solidFill>
-                  <a:srgbClr val="000000"/>
-                </a:solidFill>
                 <a:latin typeface="Arial"/>
               </a:rPr>
               <a:t>Seventh Outline Level</a:t>
             </a:r>
             <a:endParaRPr b="0" lang="en-US" sz="2000" spc="-1" strike="noStrike">
-              <a:solidFill>
-                <a:srgbClr val="000000"/>
-              </a:solidFill>
               <a:latin typeface="Arial"/>
             </a:endParaRPr>
           </a:p>
@@ -1959,7 +1820,7 @@
         <p:spPr>
           <a:xfrm>
             <a:off x="380880" y="76320"/>
-            <a:ext cx="8228160" cy="486000"/>
+            <a:ext cx="8227800" cy="485640"/>
           </a:xfrm>
           <a:prstGeom prst="rect">
             <a:avLst/>
@@ -2008,7 +1869,7 @@
         <p:spPr>
           <a:xfrm>
             <a:off x="85320" y="1447560"/>
-            <a:ext cx="2741760" cy="1069920"/>
+            <a:ext cx="2741400" cy="1069560"/>
           </a:xfrm>
           <a:prstGeom prst="rect">
             <a:avLst/>
@@ -2080,7 +1941,7 @@
             </a:endParaRPr>
           </a:p>
           <a:p>
-            <a:pPr marL="171360" indent="-170280">
+            <a:pPr marL="171360" indent="-169920">
               <a:lnSpc>
                 <a:spcPct val="100000"/>
               </a:lnSpc>
@@ -2105,7 +1966,7 @@
             </a:endParaRPr>
           </a:p>
           <a:p>
-            <a:pPr marL="171360" indent="-170280">
+            <a:pPr marL="171360" indent="-169920">
               <a:lnSpc>
                 <a:spcPct val="100000"/>
               </a:lnSpc>
@@ -2130,7 +1991,7 @@
             </a:endParaRPr>
           </a:p>
           <a:p>
-            <a:pPr marL="171360" indent="-170280">
+            <a:pPr marL="171360" indent="-169920">
               <a:lnSpc>
                 <a:spcPct val="100000"/>
               </a:lnSpc>
@@ -2175,7 +2036,7 @@
         <p:spPr>
           <a:xfrm>
             <a:off x="76680" y="4789440"/>
-            <a:ext cx="2741760" cy="987120"/>
+            <a:ext cx="2741400" cy="986760"/>
           </a:xfrm>
           <a:prstGeom prst="rect">
             <a:avLst/>
@@ -2247,7 +2108,7 @@
             </a:endParaRPr>
           </a:p>
           <a:p>
-            <a:pPr marL="216000" indent="-215280">
+            <a:pPr marL="216000" indent="-214920">
               <a:lnSpc>
                 <a:spcPct val="100000"/>
               </a:lnSpc>
@@ -2273,7 +2134,7 @@
             </a:endParaRPr>
           </a:p>
           <a:p>
-            <a:pPr marL="216000" indent="-215280">
+            <a:pPr marL="216000" indent="-214920">
               <a:lnSpc>
                 <a:spcPct val="100000"/>
               </a:lnSpc>
@@ -2319,7 +2180,7 @@
         <p:spPr>
           <a:xfrm>
             <a:off x="81720" y="2554560"/>
-            <a:ext cx="2741760" cy="1033560"/>
+            <a:ext cx="2741400" cy="1033200"/>
           </a:xfrm>
           <a:prstGeom prst="rect">
             <a:avLst/>
@@ -2391,7 +2252,7 @@
             </a:endParaRPr>
           </a:p>
           <a:p>
-            <a:pPr marL="171360" indent="-170280">
+            <a:pPr marL="171360" indent="-169920">
               <a:lnSpc>
                 <a:spcPct val="100000"/>
               </a:lnSpc>
@@ -2416,7 +2277,7 @@
             </a:endParaRPr>
           </a:p>
           <a:p>
-            <a:pPr marL="171360" indent="-170280">
+            <a:pPr marL="171360" indent="-169920">
               <a:lnSpc>
                 <a:spcPct val="100000"/>
               </a:lnSpc>
@@ -2441,7 +2302,7 @@
             </a:endParaRPr>
           </a:p>
           <a:p>
-            <a:pPr marL="171360" indent="-170280">
+            <a:pPr marL="171360" indent="-169920">
               <a:lnSpc>
                 <a:spcPct val="100000"/>
               </a:lnSpc>
@@ -2476,7 +2337,7 @@
         <p:spPr>
           <a:xfrm>
             <a:off x="76320" y="838080"/>
-            <a:ext cx="2741760" cy="547560"/>
+            <a:ext cx="2741400" cy="547200"/>
           </a:xfrm>
           <a:prstGeom prst="rect">
             <a:avLst/>
@@ -2538,7 +2399,7 @@
         <p:spPr>
           <a:xfrm>
             <a:off x="3045600" y="4511520"/>
-            <a:ext cx="2894040" cy="865440"/>
+            <a:ext cx="2893680" cy="865080"/>
           </a:xfrm>
           <a:prstGeom prst="rect">
             <a:avLst/>
@@ -2577,13 +2438,16 @@
             </a:pPr>
             <a:r>
               <a:rPr b="1" lang="en-US" sz="1400" spc="-1" strike="noStrike">
+                <a:solidFill>
+                  <a:srgbClr val="000000"/>
+                </a:solidFill>
                 <a:latin typeface="Arial"/>
+                <a:ea typeface="DejaVu Sans"/>
               </a:rPr>
               <a:t>Fiscal Policy</a:t>
             </a:r>
             <a:endParaRPr b="0" lang="en-US" sz="1400" spc="-1" strike="noStrike">
               <a:latin typeface="Arial"/>
-              <a:ea typeface="Microsoft YaHei"/>
             </a:endParaRPr>
           </a:p>
           <a:p>
@@ -2594,17 +2458,20 @@
             </a:pPr>
             <a:r>
               <a:rPr b="0" lang="en-US" sz="1200" spc="-1" strike="noStrike">
+                <a:solidFill>
+                  <a:srgbClr val="000000"/>
+                </a:solidFill>
                 <a:latin typeface="Arial"/>
+                <a:ea typeface="DejaVu Sans"/>
               </a:rPr>
               <a:t>Chapter 10:</a:t>
             </a:r>
             <a:endParaRPr b="0" lang="en-US" sz="1200" spc="-1" strike="noStrike">
               <a:latin typeface="Arial"/>
-              <a:ea typeface="Microsoft YaHei"/>
-            </a:endParaRPr>
-          </a:p>
-          <a:p>
-            <a:pPr marL="216000" indent="-216000">
+            </a:endParaRPr>
+          </a:p>
+          <a:p>
+            <a:pPr marL="216000" indent="-215640">
               <a:lnSpc>
                 <a:spcPct val="100000"/>
               </a:lnSpc>
@@ -2617,17 +2484,20 @@
             </a:pPr>
             <a:r>
               <a:rPr b="0" lang="en-US" sz="1050" spc="-1" strike="noStrike">
+                <a:solidFill>
+                  <a:srgbClr val="000000"/>
+                </a:solidFill>
                 <a:latin typeface="Arial"/>
+                <a:ea typeface="DejaVu Sans"/>
               </a:rPr>
               <a:t>Fiscal multiplier</a:t>
             </a:r>
             <a:endParaRPr b="0" lang="en-US" sz="1050" spc="-1" strike="noStrike">
               <a:latin typeface="Arial"/>
-              <a:ea typeface="Microsoft YaHei"/>
-            </a:endParaRPr>
-          </a:p>
-          <a:p>
-            <a:pPr marL="216000" indent="-216000">
+            </a:endParaRPr>
+          </a:p>
+          <a:p>
+            <a:pPr marL="216000" indent="-215640">
               <a:lnSpc>
                 <a:spcPct val="100000"/>
               </a:lnSpc>
@@ -2640,13 +2510,16 @@
             </a:pPr>
             <a:r>
               <a:rPr b="0" lang="en-US" sz="1050" spc="-1" strike="noStrike">
+                <a:solidFill>
+                  <a:srgbClr val="000000"/>
+                </a:solidFill>
                 <a:latin typeface="Arial"/>
+                <a:ea typeface="DejaVu Sans"/>
               </a:rPr>
               <a:t>Federal budget </a:t>
             </a:r>
             <a:endParaRPr b="0" lang="en-US" sz="1050" spc="-1" strike="noStrike">
               <a:latin typeface="Arial"/>
-              <a:ea typeface="Microsoft YaHei"/>
             </a:endParaRPr>
           </a:p>
         </p:txBody>
@@ -2660,7 +2533,7 @@
         <p:spPr>
           <a:xfrm>
             <a:off x="3045600" y="3552120"/>
-            <a:ext cx="2894040" cy="913680"/>
+            <a:ext cx="2893680" cy="913320"/>
           </a:xfrm>
           <a:prstGeom prst="rect">
             <a:avLst/>
@@ -2732,7 +2605,7 @@
             </a:endParaRPr>
           </a:p>
           <a:p>
-            <a:pPr marL="171360" indent="-170280">
+            <a:pPr marL="171360" indent="-169920">
               <a:lnSpc>
                 <a:spcPct val="100000"/>
               </a:lnSpc>
@@ -2757,7 +2630,7 @@
             </a:endParaRPr>
           </a:p>
           <a:p>
-            <a:pPr marL="171360" indent="-170280">
+            <a:pPr marL="171360" indent="-169920">
               <a:lnSpc>
                 <a:spcPct val="100000"/>
               </a:lnSpc>
@@ -2792,7 +2665,7 @@
         <p:spPr>
           <a:xfrm>
             <a:off x="3039480" y="2509560"/>
-            <a:ext cx="2894040" cy="1004040"/>
+            <a:ext cx="2893680" cy="1003680"/>
           </a:xfrm>
           <a:prstGeom prst="rect">
             <a:avLst/>
@@ -2864,7 +2737,7 @@
             </a:endParaRPr>
           </a:p>
           <a:p>
-            <a:pPr marL="171360" indent="-170280">
+            <a:pPr marL="171360" indent="-169920">
               <a:lnSpc>
                 <a:spcPct val="100000"/>
               </a:lnSpc>
@@ -2889,7 +2762,7 @@
             </a:endParaRPr>
           </a:p>
           <a:p>
-            <a:pPr marL="171360" indent="-170280">
+            <a:pPr marL="171360" indent="-169920">
               <a:lnSpc>
                 <a:spcPct val="100000"/>
               </a:lnSpc>
@@ -2914,7 +2787,7 @@
             </a:endParaRPr>
           </a:p>
           <a:p>
-            <a:pPr marL="171360" indent="-170280">
+            <a:pPr marL="171360" indent="-169920">
               <a:lnSpc>
                 <a:spcPct val="100000"/>
               </a:lnSpc>
@@ -2949,7 +2822,7 @@
         <p:spPr>
           <a:xfrm>
             <a:off x="3036240" y="838080"/>
-            <a:ext cx="2905920" cy="547560"/>
+            <a:ext cx="2905560" cy="547200"/>
           </a:xfrm>
           <a:prstGeom prst="rect">
             <a:avLst/>
@@ -3011,7 +2884,7 @@
         <p:spPr>
           <a:xfrm>
             <a:off x="6083640" y="839160"/>
-            <a:ext cx="2830320" cy="546480"/>
+            <a:ext cx="2829960" cy="546120"/>
           </a:xfrm>
           <a:prstGeom prst="rect">
             <a:avLst/>
@@ -3028,7 +2901,7 @@
             <a:lin ang="16200000"/>
           </a:gradFill>
           <a:ln w="9360">
-            <a:round/>
+            <a:noFill/>
           </a:ln>
         </p:spPr>
         <p:style>
@@ -3053,7 +2926,7 @@
                 <a:latin typeface="Calibri"/>
                 <a:ea typeface="DejaVu Sans"/>
               </a:rPr>
-              <a:t>Focus: Final</a:t>
+              <a:t>Final is Cumulative</a:t>
             </a:r>
             <a:endParaRPr b="0" lang="en-US" sz="2200" spc="-1" strike="noStrike">
               <a:latin typeface="Arial"/>
@@ -3070,7 +2943,7 @@
         <p:spPr>
           <a:xfrm>
             <a:off x="6093000" y="2658600"/>
-            <a:ext cx="2818080" cy="1046880"/>
+            <a:ext cx="2817720" cy="1046520"/>
           </a:xfrm>
           <a:prstGeom prst="rect">
             <a:avLst/>
@@ -3087,7 +2960,7 @@
             <a:lin ang="16200000"/>
           </a:gradFill>
           <a:ln w="9360">
-            <a:round/>
+            <a:noFill/>
           </a:ln>
         </p:spPr>
         <p:style>
@@ -3139,7 +3012,7 @@
             </a:endParaRPr>
           </a:p>
           <a:p>
-            <a:pPr marL="171360" indent="-170280">
+            <a:pPr marL="171360" indent="-169920">
               <a:lnSpc>
                 <a:spcPct val="100000"/>
               </a:lnSpc>
@@ -3164,7 +3037,7 @@
             </a:endParaRPr>
           </a:p>
           <a:p>
-            <a:pPr marL="171360" indent="-170280">
+            <a:pPr marL="171360" indent="-169920">
               <a:lnSpc>
                 <a:spcPct val="100000"/>
               </a:lnSpc>
@@ -3189,7 +3062,7 @@
             </a:endParaRPr>
           </a:p>
           <a:p>
-            <a:pPr marL="171360" indent="-170280">
+            <a:pPr marL="171360" indent="-169920">
               <a:lnSpc>
                 <a:spcPct val="100000"/>
               </a:lnSpc>
@@ -3234,7 +3107,7 @@
         <p:spPr>
           <a:xfrm>
             <a:off x="6093000" y="1446120"/>
-            <a:ext cx="2818080" cy="1175760"/>
+            <a:ext cx="2817720" cy="1175400"/>
           </a:xfrm>
           <a:prstGeom prst="rect">
             <a:avLst/>
@@ -3251,7 +3124,7 @@
             <a:lin ang="16200000"/>
           </a:gradFill>
           <a:ln w="9360">
-            <a:round/>
+            <a:noFill/>
           </a:ln>
         </p:spPr>
         <p:style>
@@ -3303,7 +3176,7 @@
             </a:endParaRPr>
           </a:p>
           <a:p>
-            <a:pPr marL="171360" indent="-170280">
+            <a:pPr marL="171360" indent="-169920">
               <a:lnSpc>
                 <a:spcPct val="100000"/>
               </a:lnSpc>
@@ -3328,7 +3201,7 @@
             </a:endParaRPr>
           </a:p>
           <a:p>
-            <a:pPr marL="171360" indent="-170280">
+            <a:pPr marL="171360" indent="-169920">
               <a:lnSpc>
                 <a:spcPct val="100000"/>
               </a:lnSpc>
@@ -3373,7 +3246,7 @@
         <p:spPr>
           <a:xfrm>
             <a:off x="6100920" y="3734640"/>
-            <a:ext cx="2818080" cy="925200"/>
+            <a:ext cx="2817720" cy="924840"/>
           </a:xfrm>
           <a:prstGeom prst="rect">
             <a:avLst/>
@@ -3390,7 +3263,7 @@
             <a:lin ang="16200000"/>
           </a:gradFill>
           <a:ln w="9360">
-            <a:round/>
+            <a:noFill/>
           </a:ln>
         </p:spPr>
         <p:style>
@@ -3442,7 +3315,7 @@
             </a:endParaRPr>
           </a:p>
           <a:p>
-            <a:pPr marL="171360" indent="-170280">
+            <a:pPr marL="171360" indent="-169920">
               <a:lnSpc>
                 <a:spcPct val="100000"/>
               </a:lnSpc>
@@ -3467,7 +3340,7 @@
             </a:endParaRPr>
           </a:p>
           <a:p>
-            <a:pPr marL="171360" indent="-170280">
+            <a:pPr marL="171360" indent="-169920">
               <a:lnSpc>
                 <a:spcPct val="100000"/>
               </a:lnSpc>
@@ -3512,7 +3385,7 @@
         <p:spPr>
           <a:xfrm>
             <a:off x="6102000" y="4846320"/>
-            <a:ext cx="2818080" cy="1554120"/>
+            <a:ext cx="2817720" cy="1553760"/>
           </a:xfrm>
           <a:prstGeom prst="rect">
             <a:avLst/>
@@ -3529,7 +3402,7 @@
             <a:lin ang="16200000"/>
           </a:gradFill>
           <a:ln w="9360">
-            <a:round/>
+            <a:noFill/>
           </a:ln>
         </p:spPr>
         <p:style>
@@ -3581,7 +3454,7 @@
             </a:endParaRPr>
           </a:p>
           <a:p>
-            <a:pPr marL="171360" indent="-170280">
+            <a:pPr marL="171360" indent="-169920">
               <a:lnSpc>
                 <a:spcPct val="100000"/>
               </a:lnSpc>
@@ -3606,7 +3479,7 @@
             </a:endParaRPr>
           </a:p>
           <a:p>
-            <a:pPr marL="171360" indent="-170280">
+            <a:pPr marL="171360" indent="-169920">
               <a:lnSpc>
                 <a:spcPct val="100000"/>
               </a:lnSpc>
@@ -3651,7 +3524,7 @@
             </a:endParaRPr>
           </a:p>
           <a:p>
-            <a:pPr marL="171360" indent="-170280">
+            <a:pPr marL="171360" indent="-169920">
               <a:lnSpc>
                 <a:spcPct val="100000"/>
               </a:lnSpc>
@@ -3676,7 +3549,7 @@
             </a:endParaRPr>
           </a:p>
           <a:p>
-            <a:pPr marL="171360" indent="-170280">
+            <a:pPr marL="171360" indent="-169920">
               <a:lnSpc>
                 <a:spcPct val="100000"/>
               </a:lnSpc>
@@ -3721,7 +3594,7 @@
         <p:spPr>
           <a:xfrm>
             <a:off x="3045600" y="5413680"/>
-            <a:ext cx="2894040" cy="986400"/>
+            <a:ext cx="2893680" cy="986040"/>
           </a:xfrm>
           <a:prstGeom prst="rect">
             <a:avLst/>
@@ -3760,13 +3633,16 @@
             </a:pPr>
             <a:r>
               <a:rPr b="1" lang="en-US" sz="1400" spc="-1" strike="noStrike">
+                <a:solidFill>
+                  <a:srgbClr val="000000"/>
+                </a:solidFill>
                 <a:latin typeface="Arial"/>
+                <a:ea typeface="DejaVu Sans"/>
               </a:rPr>
               <a:t>Income Expenditure Model</a:t>
             </a:r>
             <a:endParaRPr b="0" lang="en-US" sz="1400" spc="-1" strike="noStrike">
               <a:latin typeface="Arial"/>
-              <a:ea typeface="Microsoft YaHei"/>
             </a:endParaRPr>
           </a:p>
           <a:p>
@@ -3777,17 +3653,23 @@
             </a:pPr>
             <a:r>
               <a:rPr b="0" lang="en-US" sz="1200" spc="-1" strike="noStrike">
+                <a:solidFill>
+                  <a:srgbClr val="000000"/>
+                </a:solidFill>
                 <a:latin typeface="Arial"/>
+                <a:ea typeface="DejaVu Sans"/>
               </a:rPr>
               <a:t>Chapter 11:</a:t>
             </a:r>
             <a:endParaRPr b="0" lang="en-US" sz="1200" spc="-1" strike="noStrike">
               <a:latin typeface="Arial"/>
-              <a:ea typeface="Microsoft YaHei"/>
-            </a:endParaRPr>
-          </a:p>
-          <a:p>
-            <a:pPr marL="216000" indent="-216000">
+            </a:endParaRPr>
+          </a:p>
+          <a:p>
+            <a:pPr marL="216000" indent="-215640">
+              <a:lnSpc>
+                <a:spcPct val="100000"/>
+              </a:lnSpc>
               <a:buClr>
                 <a:srgbClr val="000000"/>
               </a:buClr>
@@ -3810,7 +3692,10 @@
             </a:endParaRPr>
           </a:p>
           <a:p>
-            <a:pPr marL="216000" indent="-216000">
+            <a:pPr marL="216000" indent="-215640">
+              <a:lnSpc>
+                <a:spcPct val="100000"/>
+              </a:lnSpc>
               <a:buClr>
                 <a:srgbClr val="000000"/>
               </a:buClr>
@@ -3833,7 +3718,10 @@
             </a:endParaRPr>
           </a:p>
           <a:p>
-            <a:pPr marL="216000" indent="-216000">
+            <a:pPr marL="216000" indent="-215640">
+              <a:lnSpc>
+                <a:spcPct val="100000"/>
+              </a:lnSpc>
               <a:buClr>
                 <a:srgbClr val="000000"/>
               </a:buClr>
@@ -3866,7 +3754,7 @@
         <p:spPr>
           <a:xfrm>
             <a:off x="76320" y="3615840"/>
-            <a:ext cx="2741760" cy="1038240"/>
+            <a:ext cx="2741400" cy="1037880"/>
           </a:xfrm>
           <a:prstGeom prst="rect">
             <a:avLst/>
@@ -3938,7 +3826,7 @@
             </a:endParaRPr>
           </a:p>
           <a:p>
-            <a:pPr marL="171360" indent="-170280">
+            <a:pPr marL="171360" indent="-169920">
               <a:lnSpc>
                 <a:spcPct val="100000"/>
               </a:lnSpc>
@@ -3963,7 +3851,7 @@
             </a:endParaRPr>
           </a:p>
           <a:p>
-            <a:pPr marL="171360" indent="-170280">
+            <a:pPr marL="171360" indent="-169920">
               <a:lnSpc>
                 <a:spcPct val="100000"/>
               </a:lnSpc>
@@ -3998,7 +3886,7 @@
         <p:spPr>
           <a:xfrm>
             <a:off x="3039480" y="1460520"/>
-            <a:ext cx="2894040" cy="1004040"/>
+            <a:ext cx="2893680" cy="1003680"/>
           </a:xfrm>
           <a:prstGeom prst="rect">
             <a:avLst/>
@@ -4070,7 +3958,7 @@
             </a:endParaRPr>
           </a:p>
           <a:p>
-            <a:pPr marL="216000" indent="-216000">
+            <a:pPr marL="216000" indent="-215640">
               <a:lnSpc>
                 <a:spcPct val="100000"/>
               </a:lnSpc>
@@ -4096,7 +3984,7 @@
             </a:endParaRPr>
           </a:p>
           <a:p>
-            <a:pPr marL="216000" indent="-216000">
+            <a:pPr marL="216000" indent="-215640">
               <a:lnSpc>
                 <a:spcPct val="100000"/>
               </a:lnSpc>
